--- a/Poster.pptx
+++ b/Poster.pptx
@@ -7,7 +7,7 @@
   <p:sldIdLst>
     <p:sldId id="256" r:id="rId2"/>
   </p:sldIdLst>
-  <p:sldSz cx="43891200" cy="32918400"/>
+  <p:sldSz cx="9144000" cy="6858000"/>
   <p:notesSz cx="6858000" cy="9144000"/>
   <p:defaultTextStyle>
     <a:defPPr>
@@ -107,12 +107,12 @@
   <p:extLst>
     <p:ext uri="{EFAFB233-063F-42B5-8137-9DF3F51BA10A}">
       <p15:sldGuideLst xmlns:p15="http://schemas.microsoft.com/office/powerpoint/2012/main">
-        <p15:guide id="1" orient="horz" pos="10368" userDrawn="1">
+        <p15:guide id="1" orient="horz" pos="2160" userDrawn="1">
           <p15:clr>
             <a:srgbClr val="A4A3A4"/>
           </p15:clr>
         </p15:guide>
-        <p15:guide id="2" pos="13824" userDrawn="1">
+        <p15:guide id="2" pos="2880" userDrawn="1">
           <p15:clr>
             <a:srgbClr val="A4A3A4"/>
           </p15:clr>
@@ -152,15 +152,15 @@
         </p:nvSpPr>
         <p:spPr>
           <a:xfrm>
-            <a:off x="3291840" y="5387342"/>
-            <a:ext cx="37307520" cy="11460480"/>
+            <a:off x="685800" y="1122363"/>
+            <a:ext cx="7772400" cy="2387600"/>
           </a:xfrm>
         </p:spPr>
         <p:txBody>
           <a:bodyPr anchor="b"/>
           <a:lstStyle>
             <a:lvl1pPr algn="ctr">
-              <a:defRPr sz="28800"/>
+              <a:defRPr sz="5999"/>
             </a:lvl1pPr>
           </a:lstStyle>
           <a:p>
@@ -184,8 +184,8 @@
         </p:nvSpPr>
         <p:spPr>
           <a:xfrm>
-            <a:off x="5486400" y="17289782"/>
-            <a:ext cx="32918400" cy="7947658"/>
+            <a:off x="1143000" y="3602038"/>
+            <a:ext cx="6858000" cy="1655762"/>
           </a:xfrm>
         </p:spPr>
         <p:txBody>
@@ -193,39 +193,39 @@
           <a:lstStyle>
             <a:lvl1pPr marL="0" indent="0" algn="ctr">
               <a:buNone/>
-              <a:defRPr sz="11520"/>
+              <a:defRPr sz="2400"/>
             </a:lvl1pPr>
-            <a:lvl2pPr marL="2194560" indent="0" algn="ctr">
+            <a:lvl2pPr marL="457127" indent="0" algn="ctr">
               <a:buNone/>
-              <a:defRPr sz="9600"/>
+              <a:defRPr sz="2000"/>
             </a:lvl2pPr>
-            <a:lvl3pPr marL="4389120" indent="0" algn="ctr">
+            <a:lvl3pPr marL="914254" indent="0" algn="ctr">
               <a:buNone/>
-              <a:defRPr sz="8640"/>
+              <a:defRPr sz="1800"/>
             </a:lvl3pPr>
-            <a:lvl4pPr marL="6583680" indent="0" algn="ctr">
+            <a:lvl4pPr marL="1371381" indent="0" algn="ctr">
               <a:buNone/>
-              <a:defRPr sz="7680"/>
+              <a:defRPr sz="1600"/>
             </a:lvl4pPr>
-            <a:lvl5pPr marL="8778240" indent="0" algn="ctr">
+            <a:lvl5pPr marL="1828507" indent="0" algn="ctr">
               <a:buNone/>
-              <a:defRPr sz="7680"/>
+              <a:defRPr sz="1600"/>
             </a:lvl5pPr>
-            <a:lvl6pPr marL="10972800" indent="0" algn="ctr">
+            <a:lvl6pPr marL="2285634" indent="0" algn="ctr">
               <a:buNone/>
-              <a:defRPr sz="7680"/>
+              <a:defRPr sz="1600"/>
             </a:lvl6pPr>
-            <a:lvl7pPr marL="13167360" indent="0" algn="ctr">
+            <a:lvl7pPr marL="2742761" indent="0" algn="ctr">
               <a:buNone/>
-              <a:defRPr sz="7680"/>
+              <a:defRPr sz="1600"/>
             </a:lvl7pPr>
-            <a:lvl8pPr marL="15361920" indent="0" algn="ctr">
+            <a:lvl8pPr marL="3199888" indent="0" algn="ctr">
               <a:buNone/>
-              <a:defRPr sz="7680"/>
+              <a:defRPr sz="1600"/>
             </a:lvl8pPr>
-            <a:lvl9pPr marL="17556480" indent="0" algn="ctr">
+            <a:lvl9pPr marL="3657015" indent="0" algn="ctr">
               <a:buNone/>
-              <a:defRPr sz="7680"/>
+              <a:defRPr sz="1600"/>
             </a:lvl9pPr>
           </a:lstStyle>
           <a:p>
@@ -254,7 +254,7 @@
           <a:p>
             <a:fld id="{992A96E0-A245-45E0-AD2E-7A5DF0325A51}" type="datetimeFigureOut">
               <a:rPr lang="en-US" smtClean="0"/>
-              <a:t>5/5/2020</a:t>
+              <a:t>5/9/2020</a:t>
             </a:fld>
             <a:endParaRPr lang="en-US"/>
           </a:p>
@@ -424,7 +424,7 @@
           <a:p>
             <a:fld id="{992A96E0-A245-45E0-AD2E-7A5DF0325A51}" type="datetimeFigureOut">
               <a:rPr lang="en-US" smtClean="0"/>
-              <a:t>5/5/2020</a:t>
+              <a:t>5/9/2020</a:t>
             </a:fld>
             <a:endParaRPr lang="en-US"/>
           </a:p>
@@ -514,8 +514,8 @@
         </p:nvSpPr>
         <p:spPr>
           <a:xfrm>
-            <a:off x="31409642" y="1752600"/>
-            <a:ext cx="9464040" cy="27896822"/>
+            <a:off x="6543675" y="365125"/>
+            <a:ext cx="1971675" cy="5811838"/>
           </a:xfrm>
         </p:spPr>
         <p:txBody>
@@ -542,8 +542,8 @@
         </p:nvSpPr>
         <p:spPr>
           <a:xfrm>
-            <a:off x="3017522" y="1752600"/>
-            <a:ext cx="27843480" cy="27896822"/>
+            <a:off x="628650" y="365125"/>
+            <a:ext cx="5800725" cy="5811838"/>
           </a:xfrm>
         </p:spPr>
         <p:txBody>
@@ -604,7 +604,7 @@
           <a:p>
             <a:fld id="{992A96E0-A245-45E0-AD2E-7A5DF0325A51}" type="datetimeFigureOut">
               <a:rPr lang="en-US" smtClean="0"/>
-              <a:t>5/5/2020</a:t>
+              <a:t>5/9/2020</a:t>
             </a:fld>
             <a:endParaRPr lang="en-US"/>
           </a:p>
@@ -774,7 +774,7 @@
           <a:p>
             <a:fld id="{992A96E0-A245-45E0-AD2E-7A5DF0325A51}" type="datetimeFigureOut">
               <a:rPr lang="en-US" smtClean="0"/>
-              <a:t>5/5/2020</a:t>
+              <a:t>5/9/2020</a:t>
             </a:fld>
             <a:endParaRPr lang="en-US"/>
           </a:p>
@@ -864,15 +864,15 @@
         </p:nvSpPr>
         <p:spPr>
           <a:xfrm>
-            <a:off x="2994662" y="8206749"/>
-            <a:ext cx="37856160" cy="13693138"/>
+            <a:off x="623888" y="1709739"/>
+            <a:ext cx="7886700" cy="2852737"/>
           </a:xfrm>
         </p:spPr>
         <p:txBody>
           <a:bodyPr anchor="b"/>
           <a:lstStyle>
             <a:lvl1pPr>
-              <a:defRPr sz="28800"/>
+              <a:defRPr sz="5999"/>
             </a:lvl1pPr>
           </a:lstStyle>
           <a:p>
@@ -896,8 +896,8 @@
         </p:nvSpPr>
         <p:spPr>
           <a:xfrm>
-            <a:off x="2994662" y="22029429"/>
-            <a:ext cx="37856160" cy="7200898"/>
+            <a:off x="623888" y="4589464"/>
+            <a:ext cx="7886700" cy="1500187"/>
           </a:xfrm>
         </p:spPr>
         <p:txBody>
@@ -905,15 +905,15 @@
           <a:lstStyle>
             <a:lvl1pPr marL="0" indent="0">
               <a:buNone/>
-              <a:defRPr sz="11520">
+              <a:defRPr sz="2400">
                 <a:solidFill>
                   <a:schemeClr val="tx1"/>
                 </a:solidFill>
               </a:defRPr>
             </a:lvl1pPr>
-            <a:lvl2pPr marL="2194560" indent="0">
+            <a:lvl2pPr marL="457127" indent="0">
               <a:buNone/>
-              <a:defRPr sz="9600">
+              <a:defRPr sz="2000">
                 <a:solidFill>
                   <a:schemeClr val="tx1">
                     <a:tint val="75000"/>
@@ -921,9 +921,9 @@
                 </a:solidFill>
               </a:defRPr>
             </a:lvl2pPr>
-            <a:lvl3pPr marL="4389120" indent="0">
+            <a:lvl3pPr marL="914254" indent="0">
               <a:buNone/>
-              <a:defRPr sz="8640">
+              <a:defRPr sz="1800">
                 <a:solidFill>
                   <a:schemeClr val="tx1">
                     <a:tint val="75000"/>
@@ -931,9 +931,9 @@
                 </a:solidFill>
               </a:defRPr>
             </a:lvl3pPr>
-            <a:lvl4pPr marL="6583680" indent="0">
+            <a:lvl4pPr marL="1371381" indent="0">
               <a:buNone/>
-              <a:defRPr sz="7680">
+              <a:defRPr sz="1600">
                 <a:solidFill>
                   <a:schemeClr val="tx1">
                     <a:tint val="75000"/>
@@ -941,9 +941,9 @@
                 </a:solidFill>
               </a:defRPr>
             </a:lvl4pPr>
-            <a:lvl5pPr marL="8778240" indent="0">
+            <a:lvl5pPr marL="1828507" indent="0">
               <a:buNone/>
-              <a:defRPr sz="7680">
+              <a:defRPr sz="1600">
                 <a:solidFill>
                   <a:schemeClr val="tx1">
                     <a:tint val="75000"/>
@@ -951,9 +951,9 @@
                 </a:solidFill>
               </a:defRPr>
             </a:lvl5pPr>
-            <a:lvl6pPr marL="10972800" indent="0">
+            <a:lvl6pPr marL="2285634" indent="0">
               <a:buNone/>
-              <a:defRPr sz="7680">
+              <a:defRPr sz="1600">
                 <a:solidFill>
                   <a:schemeClr val="tx1">
                     <a:tint val="75000"/>
@@ -961,9 +961,9 @@
                 </a:solidFill>
               </a:defRPr>
             </a:lvl6pPr>
-            <a:lvl7pPr marL="13167360" indent="0">
+            <a:lvl7pPr marL="2742761" indent="0">
               <a:buNone/>
-              <a:defRPr sz="7680">
+              <a:defRPr sz="1600">
                 <a:solidFill>
                   <a:schemeClr val="tx1">
                     <a:tint val="75000"/>
@@ -971,9 +971,9 @@
                 </a:solidFill>
               </a:defRPr>
             </a:lvl7pPr>
-            <a:lvl8pPr marL="15361920" indent="0">
+            <a:lvl8pPr marL="3199888" indent="0">
               <a:buNone/>
-              <a:defRPr sz="7680">
+              <a:defRPr sz="1600">
                 <a:solidFill>
                   <a:schemeClr val="tx1">
                     <a:tint val="75000"/>
@@ -981,9 +981,9 @@
                 </a:solidFill>
               </a:defRPr>
             </a:lvl8pPr>
-            <a:lvl9pPr marL="17556480" indent="0">
+            <a:lvl9pPr marL="3657015" indent="0">
               <a:buNone/>
-              <a:defRPr sz="7680">
+              <a:defRPr sz="1600">
                 <a:solidFill>
                   <a:schemeClr val="tx1">
                     <a:tint val="75000"/>
@@ -1018,7 +1018,7 @@
           <a:p>
             <a:fld id="{992A96E0-A245-45E0-AD2E-7A5DF0325A51}" type="datetimeFigureOut">
               <a:rPr lang="en-US" smtClean="0"/>
-              <a:t>5/5/2020</a:t>
+              <a:t>5/9/2020</a:t>
             </a:fld>
             <a:endParaRPr lang="en-US"/>
           </a:p>
@@ -1131,8 +1131,8 @@
         </p:nvSpPr>
         <p:spPr>
           <a:xfrm>
-            <a:off x="3017520" y="8763000"/>
-            <a:ext cx="18653760" cy="20886422"/>
+            <a:off x="628650" y="1825625"/>
+            <a:ext cx="3886200" cy="4351338"/>
           </a:xfrm>
         </p:spPr>
         <p:txBody>
@@ -1188,8 +1188,8 @@
         </p:nvSpPr>
         <p:spPr>
           <a:xfrm>
-            <a:off x="22219920" y="8763000"/>
-            <a:ext cx="18653760" cy="20886422"/>
+            <a:off x="4629150" y="1825625"/>
+            <a:ext cx="3886200" cy="4351338"/>
           </a:xfrm>
         </p:spPr>
         <p:txBody>
@@ -1250,7 +1250,7 @@
           <a:p>
             <a:fld id="{992A96E0-A245-45E0-AD2E-7A5DF0325A51}" type="datetimeFigureOut">
               <a:rPr lang="en-US" smtClean="0"/>
-              <a:t>5/5/2020</a:t>
+              <a:t>5/9/2020</a:t>
             </a:fld>
             <a:endParaRPr lang="en-US"/>
           </a:p>
@@ -1340,8 +1340,8 @@
         </p:nvSpPr>
         <p:spPr>
           <a:xfrm>
-            <a:off x="3023237" y="1752607"/>
-            <a:ext cx="37856160" cy="6362702"/>
+            <a:off x="629841" y="365126"/>
+            <a:ext cx="7886700" cy="1325563"/>
           </a:xfrm>
         </p:spPr>
         <p:txBody>
@@ -1368,8 +1368,8 @@
         </p:nvSpPr>
         <p:spPr>
           <a:xfrm>
-            <a:off x="3023242" y="8069582"/>
-            <a:ext cx="18568032" cy="3954778"/>
+            <a:off x="629842" y="1681163"/>
+            <a:ext cx="3868340" cy="823912"/>
           </a:xfrm>
         </p:spPr>
         <p:txBody>
@@ -1377,39 +1377,39 @@
           <a:lstStyle>
             <a:lvl1pPr marL="0" indent="0">
               <a:buNone/>
-              <a:defRPr sz="11520" b="1"/>
+              <a:defRPr sz="2400" b="1"/>
             </a:lvl1pPr>
-            <a:lvl2pPr marL="2194560" indent="0">
+            <a:lvl2pPr marL="457127" indent="0">
               <a:buNone/>
-              <a:defRPr sz="9600" b="1"/>
+              <a:defRPr sz="2000" b="1"/>
             </a:lvl2pPr>
-            <a:lvl3pPr marL="4389120" indent="0">
+            <a:lvl3pPr marL="914254" indent="0">
               <a:buNone/>
-              <a:defRPr sz="8640" b="1"/>
+              <a:defRPr sz="1800" b="1"/>
             </a:lvl3pPr>
-            <a:lvl4pPr marL="6583680" indent="0">
+            <a:lvl4pPr marL="1371381" indent="0">
               <a:buNone/>
-              <a:defRPr sz="7680" b="1"/>
+              <a:defRPr sz="1600" b="1"/>
             </a:lvl4pPr>
-            <a:lvl5pPr marL="8778240" indent="0">
+            <a:lvl5pPr marL="1828507" indent="0">
               <a:buNone/>
-              <a:defRPr sz="7680" b="1"/>
+              <a:defRPr sz="1600" b="1"/>
             </a:lvl5pPr>
-            <a:lvl6pPr marL="10972800" indent="0">
+            <a:lvl6pPr marL="2285634" indent="0">
               <a:buNone/>
-              <a:defRPr sz="7680" b="1"/>
+              <a:defRPr sz="1600" b="1"/>
             </a:lvl6pPr>
-            <a:lvl7pPr marL="13167360" indent="0">
+            <a:lvl7pPr marL="2742761" indent="0">
               <a:buNone/>
-              <a:defRPr sz="7680" b="1"/>
+              <a:defRPr sz="1600" b="1"/>
             </a:lvl7pPr>
-            <a:lvl8pPr marL="15361920" indent="0">
+            <a:lvl8pPr marL="3199888" indent="0">
               <a:buNone/>
-              <a:defRPr sz="7680" b="1"/>
+              <a:defRPr sz="1600" b="1"/>
             </a:lvl8pPr>
-            <a:lvl9pPr marL="17556480" indent="0">
+            <a:lvl9pPr marL="3657015" indent="0">
               <a:buNone/>
-              <a:defRPr sz="7680" b="1"/>
+              <a:defRPr sz="1600" b="1"/>
             </a:lvl9pPr>
           </a:lstStyle>
           <a:p>
@@ -1433,8 +1433,8 @@
         </p:nvSpPr>
         <p:spPr>
           <a:xfrm>
-            <a:off x="3023242" y="12024360"/>
-            <a:ext cx="18568032" cy="17686022"/>
+            <a:off x="629842" y="2505075"/>
+            <a:ext cx="3868340" cy="3684588"/>
           </a:xfrm>
         </p:spPr>
         <p:txBody>
@@ -1490,8 +1490,8 @@
         </p:nvSpPr>
         <p:spPr>
           <a:xfrm>
-            <a:off x="22219922" y="8069582"/>
-            <a:ext cx="18659477" cy="3954778"/>
+            <a:off x="4629151" y="1681163"/>
+            <a:ext cx="3887391" cy="823912"/>
           </a:xfrm>
         </p:spPr>
         <p:txBody>
@@ -1499,39 +1499,39 @@
           <a:lstStyle>
             <a:lvl1pPr marL="0" indent="0">
               <a:buNone/>
-              <a:defRPr sz="11520" b="1"/>
+              <a:defRPr sz="2400" b="1"/>
             </a:lvl1pPr>
-            <a:lvl2pPr marL="2194560" indent="0">
+            <a:lvl2pPr marL="457127" indent="0">
               <a:buNone/>
-              <a:defRPr sz="9600" b="1"/>
+              <a:defRPr sz="2000" b="1"/>
             </a:lvl2pPr>
-            <a:lvl3pPr marL="4389120" indent="0">
+            <a:lvl3pPr marL="914254" indent="0">
               <a:buNone/>
-              <a:defRPr sz="8640" b="1"/>
+              <a:defRPr sz="1800" b="1"/>
             </a:lvl3pPr>
-            <a:lvl4pPr marL="6583680" indent="0">
+            <a:lvl4pPr marL="1371381" indent="0">
               <a:buNone/>
-              <a:defRPr sz="7680" b="1"/>
+              <a:defRPr sz="1600" b="1"/>
             </a:lvl4pPr>
-            <a:lvl5pPr marL="8778240" indent="0">
+            <a:lvl5pPr marL="1828507" indent="0">
               <a:buNone/>
-              <a:defRPr sz="7680" b="1"/>
+              <a:defRPr sz="1600" b="1"/>
             </a:lvl5pPr>
-            <a:lvl6pPr marL="10972800" indent="0">
+            <a:lvl6pPr marL="2285634" indent="0">
               <a:buNone/>
-              <a:defRPr sz="7680" b="1"/>
+              <a:defRPr sz="1600" b="1"/>
             </a:lvl6pPr>
-            <a:lvl7pPr marL="13167360" indent="0">
+            <a:lvl7pPr marL="2742761" indent="0">
               <a:buNone/>
-              <a:defRPr sz="7680" b="1"/>
+              <a:defRPr sz="1600" b="1"/>
             </a:lvl7pPr>
-            <a:lvl8pPr marL="15361920" indent="0">
+            <a:lvl8pPr marL="3199888" indent="0">
               <a:buNone/>
-              <a:defRPr sz="7680" b="1"/>
+              <a:defRPr sz="1600" b="1"/>
             </a:lvl8pPr>
-            <a:lvl9pPr marL="17556480" indent="0">
+            <a:lvl9pPr marL="3657015" indent="0">
               <a:buNone/>
-              <a:defRPr sz="7680" b="1"/>
+              <a:defRPr sz="1600" b="1"/>
             </a:lvl9pPr>
           </a:lstStyle>
           <a:p>
@@ -1555,8 +1555,8 @@
         </p:nvSpPr>
         <p:spPr>
           <a:xfrm>
-            <a:off x="22219922" y="12024360"/>
-            <a:ext cx="18659477" cy="17686022"/>
+            <a:off x="4629151" y="2505075"/>
+            <a:ext cx="3887391" cy="3684588"/>
           </a:xfrm>
         </p:spPr>
         <p:txBody>
@@ -1617,7 +1617,7 @@
           <a:p>
             <a:fld id="{992A96E0-A245-45E0-AD2E-7A5DF0325A51}" type="datetimeFigureOut">
               <a:rPr lang="en-US" smtClean="0"/>
-              <a:t>5/5/2020</a:t>
+              <a:t>5/9/2020</a:t>
             </a:fld>
             <a:endParaRPr lang="en-US"/>
           </a:p>
@@ -1735,7 +1735,7 @@
           <a:p>
             <a:fld id="{992A96E0-A245-45E0-AD2E-7A5DF0325A51}" type="datetimeFigureOut">
               <a:rPr lang="en-US" smtClean="0"/>
-              <a:t>5/5/2020</a:t>
+              <a:t>5/9/2020</a:t>
             </a:fld>
             <a:endParaRPr lang="en-US"/>
           </a:p>
@@ -1830,7 +1830,7 @@
           <a:p>
             <a:fld id="{992A96E0-A245-45E0-AD2E-7A5DF0325A51}" type="datetimeFigureOut">
               <a:rPr lang="en-US" smtClean="0"/>
-              <a:t>5/5/2020</a:t>
+              <a:t>5/9/2020</a:t>
             </a:fld>
             <a:endParaRPr lang="en-US"/>
           </a:p>
@@ -1920,15 +1920,15 @@
         </p:nvSpPr>
         <p:spPr>
           <a:xfrm>
-            <a:off x="3023237" y="2194560"/>
-            <a:ext cx="14156054" cy="7680960"/>
+            <a:off x="629841" y="457200"/>
+            <a:ext cx="2949178" cy="1600200"/>
           </a:xfrm>
         </p:spPr>
         <p:txBody>
           <a:bodyPr anchor="b"/>
           <a:lstStyle>
             <a:lvl1pPr>
-              <a:defRPr sz="15360"/>
+              <a:defRPr sz="3199"/>
             </a:lvl1pPr>
           </a:lstStyle>
           <a:p>
@@ -1952,39 +1952,39 @@
         </p:nvSpPr>
         <p:spPr>
           <a:xfrm>
-            <a:off x="18659477" y="4739647"/>
-            <a:ext cx="22219920" cy="23393400"/>
+            <a:off x="3887391" y="987426"/>
+            <a:ext cx="4629150" cy="4873625"/>
           </a:xfrm>
         </p:spPr>
         <p:txBody>
           <a:bodyPr/>
           <a:lstStyle>
             <a:lvl1pPr>
-              <a:defRPr sz="15360"/>
+              <a:defRPr sz="3199"/>
             </a:lvl1pPr>
             <a:lvl2pPr>
-              <a:defRPr sz="13440"/>
+              <a:defRPr sz="2800"/>
             </a:lvl2pPr>
             <a:lvl3pPr>
-              <a:defRPr sz="11520"/>
+              <a:defRPr sz="2400"/>
             </a:lvl3pPr>
             <a:lvl4pPr>
-              <a:defRPr sz="9600"/>
+              <a:defRPr sz="2000"/>
             </a:lvl4pPr>
             <a:lvl5pPr>
-              <a:defRPr sz="9600"/>
+              <a:defRPr sz="2000"/>
             </a:lvl5pPr>
             <a:lvl6pPr>
-              <a:defRPr sz="9600"/>
+              <a:defRPr sz="2000"/>
             </a:lvl6pPr>
             <a:lvl7pPr>
-              <a:defRPr sz="9600"/>
+              <a:defRPr sz="2000"/>
             </a:lvl7pPr>
             <a:lvl8pPr>
-              <a:defRPr sz="9600"/>
+              <a:defRPr sz="2000"/>
             </a:lvl8pPr>
             <a:lvl9pPr>
-              <a:defRPr sz="9600"/>
+              <a:defRPr sz="2000"/>
             </a:lvl9pPr>
           </a:lstStyle>
           <a:p>
@@ -2037,8 +2037,8 @@
         </p:nvSpPr>
         <p:spPr>
           <a:xfrm>
-            <a:off x="3023237" y="9875520"/>
-            <a:ext cx="14156054" cy="18295622"/>
+            <a:off x="629841" y="2057400"/>
+            <a:ext cx="2949178" cy="3811588"/>
           </a:xfrm>
         </p:spPr>
         <p:txBody>
@@ -2046,39 +2046,39 @@
           <a:lstStyle>
             <a:lvl1pPr marL="0" indent="0">
               <a:buNone/>
-              <a:defRPr sz="7680"/>
+              <a:defRPr sz="1600"/>
             </a:lvl1pPr>
-            <a:lvl2pPr marL="2194560" indent="0">
+            <a:lvl2pPr marL="457127" indent="0">
               <a:buNone/>
-              <a:defRPr sz="6720"/>
+              <a:defRPr sz="1400"/>
             </a:lvl2pPr>
-            <a:lvl3pPr marL="4389120" indent="0">
+            <a:lvl3pPr marL="914254" indent="0">
               <a:buNone/>
-              <a:defRPr sz="5760"/>
+              <a:defRPr sz="1200"/>
             </a:lvl3pPr>
-            <a:lvl4pPr marL="6583680" indent="0">
+            <a:lvl4pPr marL="1371381" indent="0">
               <a:buNone/>
-              <a:defRPr sz="4800"/>
+              <a:defRPr sz="1000"/>
             </a:lvl4pPr>
-            <a:lvl5pPr marL="8778240" indent="0">
+            <a:lvl5pPr marL="1828507" indent="0">
               <a:buNone/>
-              <a:defRPr sz="4800"/>
+              <a:defRPr sz="1000"/>
             </a:lvl5pPr>
-            <a:lvl6pPr marL="10972800" indent="0">
+            <a:lvl6pPr marL="2285634" indent="0">
               <a:buNone/>
-              <a:defRPr sz="4800"/>
+              <a:defRPr sz="1000"/>
             </a:lvl6pPr>
-            <a:lvl7pPr marL="13167360" indent="0">
+            <a:lvl7pPr marL="2742761" indent="0">
               <a:buNone/>
-              <a:defRPr sz="4800"/>
+              <a:defRPr sz="1000"/>
             </a:lvl7pPr>
-            <a:lvl8pPr marL="15361920" indent="0">
+            <a:lvl8pPr marL="3199888" indent="0">
               <a:buNone/>
-              <a:defRPr sz="4800"/>
+              <a:defRPr sz="1000"/>
             </a:lvl8pPr>
-            <a:lvl9pPr marL="17556480" indent="0">
+            <a:lvl9pPr marL="3657015" indent="0">
               <a:buNone/>
-              <a:defRPr sz="4800"/>
+              <a:defRPr sz="1000"/>
             </a:lvl9pPr>
           </a:lstStyle>
           <a:p>
@@ -2107,7 +2107,7 @@
           <a:p>
             <a:fld id="{992A96E0-A245-45E0-AD2E-7A5DF0325A51}" type="datetimeFigureOut">
               <a:rPr lang="en-US" smtClean="0"/>
-              <a:t>5/5/2020</a:t>
+              <a:t>5/9/2020</a:t>
             </a:fld>
             <a:endParaRPr lang="en-US"/>
           </a:p>
@@ -2197,15 +2197,15 @@
         </p:nvSpPr>
         <p:spPr>
           <a:xfrm>
-            <a:off x="3023237" y="2194560"/>
-            <a:ext cx="14156054" cy="7680960"/>
+            <a:off x="629841" y="457200"/>
+            <a:ext cx="2949178" cy="1600200"/>
           </a:xfrm>
         </p:spPr>
         <p:txBody>
           <a:bodyPr anchor="b"/>
           <a:lstStyle>
             <a:lvl1pPr>
-              <a:defRPr sz="15360"/>
+              <a:defRPr sz="3199"/>
             </a:lvl1pPr>
           </a:lstStyle>
           <a:p>
@@ -2229,8 +2229,8 @@
         </p:nvSpPr>
         <p:spPr>
           <a:xfrm>
-            <a:off x="18659477" y="4739647"/>
-            <a:ext cx="22219920" cy="23393400"/>
+            <a:off x="3887391" y="987426"/>
+            <a:ext cx="4629150" cy="4873625"/>
           </a:xfrm>
         </p:spPr>
         <p:txBody>
@@ -2238,39 +2238,39 @@
           <a:lstStyle>
             <a:lvl1pPr marL="0" indent="0">
               <a:buNone/>
-              <a:defRPr sz="15360"/>
+              <a:defRPr sz="3199"/>
             </a:lvl1pPr>
-            <a:lvl2pPr marL="2194560" indent="0">
+            <a:lvl2pPr marL="457127" indent="0">
               <a:buNone/>
-              <a:defRPr sz="13440"/>
+              <a:defRPr sz="2800"/>
             </a:lvl2pPr>
-            <a:lvl3pPr marL="4389120" indent="0">
+            <a:lvl3pPr marL="914254" indent="0">
               <a:buNone/>
-              <a:defRPr sz="11520"/>
+              <a:defRPr sz="2400"/>
             </a:lvl3pPr>
-            <a:lvl4pPr marL="6583680" indent="0">
+            <a:lvl4pPr marL="1371381" indent="0">
               <a:buNone/>
-              <a:defRPr sz="9600"/>
+              <a:defRPr sz="2000"/>
             </a:lvl4pPr>
-            <a:lvl5pPr marL="8778240" indent="0">
+            <a:lvl5pPr marL="1828507" indent="0">
               <a:buNone/>
-              <a:defRPr sz="9600"/>
+              <a:defRPr sz="2000"/>
             </a:lvl5pPr>
-            <a:lvl6pPr marL="10972800" indent="0">
+            <a:lvl6pPr marL="2285634" indent="0">
               <a:buNone/>
-              <a:defRPr sz="9600"/>
+              <a:defRPr sz="2000"/>
             </a:lvl6pPr>
-            <a:lvl7pPr marL="13167360" indent="0">
+            <a:lvl7pPr marL="2742761" indent="0">
               <a:buNone/>
-              <a:defRPr sz="9600"/>
+              <a:defRPr sz="2000"/>
             </a:lvl7pPr>
-            <a:lvl8pPr marL="15361920" indent="0">
+            <a:lvl8pPr marL="3199888" indent="0">
               <a:buNone/>
-              <a:defRPr sz="9600"/>
+              <a:defRPr sz="2000"/>
             </a:lvl8pPr>
-            <a:lvl9pPr marL="17556480" indent="0">
+            <a:lvl9pPr marL="3657015" indent="0">
               <a:buNone/>
-              <a:defRPr sz="9600"/>
+              <a:defRPr sz="2000"/>
             </a:lvl9pPr>
           </a:lstStyle>
           <a:p>
@@ -2294,8 +2294,8 @@
         </p:nvSpPr>
         <p:spPr>
           <a:xfrm>
-            <a:off x="3023237" y="9875520"/>
-            <a:ext cx="14156054" cy="18295622"/>
+            <a:off x="629841" y="2057400"/>
+            <a:ext cx="2949178" cy="3811588"/>
           </a:xfrm>
         </p:spPr>
         <p:txBody>
@@ -2303,39 +2303,39 @@
           <a:lstStyle>
             <a:lvl1pPr marL="0" indent="0">
               <a:buNone/>
-              <a:defRPr sz="7680"/>
+              <a:defRPr sz="1600"/>
             </a:lvl1pPr>
-            <a:lvl2pPr marL="2194560" indent="0">
+            <a:lvl2pPr marL="457127" indent="0">
               <a:buNone/>
-              <a:defRPr sz="6720"/>
+              <a:defRPr sz="1400"/>
             </a:lvl2pPr>
-            <a:lvl3pPr marL="4389120" indent="0">
+            <a:lvl3pPr marL="914254" indent="0">
               <a:buNone/>
-              <a:defRPr sz="5760"/>
+              <a:defRPr sz="1200"/>
             </a:lvl3pPr>
-            <a:lvl4pPr marL="6583680" indent="0">
+            <a:lvl4pPr marL="1371381" indent="0">
               <a:buNone/>
-              <a:defRPr sz="4800"/>
+              <a:defRPr sz="1000"/>
             </a:lvl4pPr>
-            <a:lvl5pPr marL="8778240" indent="0">
+            <a:lvl5pPr marL="1828507" indent="0">
               <a:buNone/>
-              <a:defRPr sz="4800"/>
+              <a:defRPr sz="1000"/>
             </a:lvl5pPr>
-            <a:lvl6pPr marL="10972800" indent="0">
+            <a:lvl6pPr marL="2285634" indent="0">
               <a:buNone/>
-              <a:defRPr sz="4800"/>
+              <a:defRPr sz="1000"/>
             </a:lvl6pPr>
-            <a:lvl7pPr marL="13167360" indent="0">
+            <a:lvl7pPr marL="2742761" indent="0">
               <a:buNone/>
-              <a:defRPr sz="4800"/>
+              <a:defRPr sz="1000"/>
             </a:lvl7pPr>
-            <a:lvl8pPr marL="15361920" indent="0">
+            <a:lvl8pPr marL="3199888" indent="0">
               <a:buNone/>
-              <a:defRPr sz="4800"/>
+              <a:defRPr sz="1000"/>
             </a:lvl8pPr>
-            <a:lvl9pPr marL="17556480" indent="0">
+            <a:lvl9pPr marL="3657015" indent="0">
               <a:buNone/>
-              <a:defRPr sz="4800"/>
+              <a:defRPr sz="1000"/>
             </a:lvl9pPr>
           </a:lstStyle>
           <a:p>
@@ -2364,7 +2364,7 @@
           <a:p>
             <a:fld id="{992A96E0-A245-45E0-AD2E-7A5DF0325A51}" type="datetimeFigureOut">
               <a:rPr lang="en-US" smtClean="0"/>
-              <a:t>5/5/2020</a:t>
+              <a:t>5/9/2020</a:t>
             </a:fld>
             <a:endParaRPr lang="en-US"/>
           </a:p>
@@ -2459,8 +2459,8 @@
         </p:nvSpPr>
         <p:spPr>
           <a:xfrm>
-            <a:off x="3017520" y="1752607"/>
-            <a:ext cx="37856160" cy="6362702"/>
+            <a:off x="628650" y="365126"/>
+            <a:ext cx="7886700" cy="1325563"/>
           </a:xfrm>
           <a:prstGeom prst="rect">
             <a:avLst/>
@@ -2492,8 +2492,8 @@
         </p:nvSpPr>
         <p:spPr>
           <a:xfrm>
-            <a:off x="3017520" y="8763000"/>
-            <a:ext cx="37856160" cy="20886422"/>
+            <a:off x="628650" y="1825625"/>
+            <a:ext cx="7886700" cy="4351338"/>
           </a:xfrm>
           <a:prstGeom prst="rect">
             <a:avLst/>
@@ -2554,8 +2554,8 @@
         </p:nvSpPr>
         <p:spPr>
           <a:xfrm>
-            <a:off x="3017520" y="30510487"/>
-            <a:ext cx="9875520" cy="1752600"/>
+            <a:off x="628650" y="6356351"/>
+            <a:ext cx="2057400" cy="365125"/>
           </a:xfrm>
           <a:prstGeom prst="rect">
             <a:avLst/>
@@ -2565,7 +2565,7 @@
           <a:bodyPr vert="horz" lIns="91440" tIns="45720" rIns="91440" bIns="45720" rtlCol="0" anchor="ctr"/>
           <a:lstStyle>
             <a:lvl1pPr algn="l">
-              <a:defRPr sz="5760">
+              <a:defRPr sz="1200">
                 <a:solidFill>
                   <a:schemeClr val="tx1">
                     <a:tint val="75000"/>
@@ -2577,7 +2577,7 @@
           <a:p>
             <a:fld id="{992A96E0-A245-45E0-AD2E-7A5DF0325A51}" type="datetimeFigureOut">
               <a:rPr lang="en-US" smtClean="0"/>
-              <a:t>5/5/2020</a:t>
+              <a:t>5/9/2020</a:t>
             </a:fld>
             <a:endParaRPr lang="en-US"/>
           </a:p>
@@ -2595,8 +2595,8 @@
         </p:nvSpPr>
         <p:spPr>
           <a:xfrm>
-            <a:off x="14538960" y="30510487"/>
-            <a:ext cx="14813280" cy="1752600"/>
+            <a:off x="3028950" y="6356351"/>
+            <a:ext cx="3086100" cy="365125"/>
           </a:xfrm>
           <a:prstGeom prst="rect">
             <a:avLst/>
@@ -2606,7 +2606,7 @@
           <a:bodyPr vert="horz" lIns="91440" tIns="45720" rIns="91440" bIns="45720" rtlCol="0" anchor="ctr"/>
           <a:lstStyle>
             <a:lvl1pPr algn="ctr">
-              <a:defRPr sz="5760">
+              <a:defRPr sz="1200">
                 <a:solidFill>
                   <a:schemeClr val="tx1">
                     <a:tint val="75000"/>
@@ -2632,8 +2632,8 @@
         </p:nvSpPr>
         <p:spPr>
           <a:xfrm>
-            <a:off x="30998160" y="30510487"/>
-            <a:ext cx="9875520" cy="1752600"/>
+            <a:off x="6457950" y="6356351"/>
+            <a:ext cx="2057400" cy="365125"/>
           </a:xfrm>
           <a:prstGeom prst="rect">
             <a:avLst/>
@@ -2643,7 +2643,7 @@
           <a:bodyPr vert="horz" lIns="91440" tIns="45720" rIns="91440" bIns="45720" rtlCol="0" anchor="ctr"/>
           <a:lstStyle>
             <a:lvl1pPr algn="r">
-              <a:defRPr sz="5760">
+              <a:defRPr sz="1200">
                 <a:solidFill>
                   <a:schemeClr val="tx1">
                     <a:tint val="75000"/>
@@ -2684,7 +2684,7 @@
   </p:sldLayoutIdLst>
   <p:txStyles>
     <p:titleStyle>
-      <a:lvl1pPr algn="l" defTabSz="4389120" rtl="0" eaLnBrk="1" latinLnBrk="0" hangingPunct="1">
+      <a:lvl1pPr algn="l" defTabSz="914254" rtl="0" eaLnBrk="1" latinLnBrk="0" hangingPunct="1">
         <a:lnSpc>
           <a:spcPct val="90000"/>
         </a:lnSpc>
@@ -2692,7 +2692,7 @@
           <a:spcPct val="0"/>
         </a:spcBef>
         <a:buNone/>
-        <a:defRPr sz="21120" kern="1200">
+        <a:defRPr sz="4399" kern="1200">
           <a:solidFill>
             <a:schemeClr val="tx1"/>
           </a:solidFill>
@@ -2703,16 +2703,16 @@
       </a:lvl1pPr>
     </p:titleStyle>
     <p:bodyStyle>
-      <a:lvl1pPr marL="1097280" indent="-1097280" algn="l" defTabSz="4389120" rtl="0" eaLnBrk="1" latinLnBrk="0" hangingPunct="1">
+      <a:lvl1pPr marL="228563" indent="-228563" algn="l" defTabSz="914254" rtl="0" eaLnBrk="1" latinLnBrk="0" hangingPunct="1">
         <a:lnSpc>
           <a:spcPct val="90000"/>
         </a:lnSpc>
         <a:spcBef>
-          <a:spcPts val="4800"/>
+          <a:spcPts val="1000"/>
         </a:spcBef>
         <a:buFont typeface="Arial" panose="020B0604020202020204" pitchFamily="34" charset="0"/>
         <a:buChar char="•"/>
-        <a:defRPr sz="13440" kern="1200">
+        <a:defRPr sz="2800" kern="1200">
           <a:solidFill>
             <a:schemeClr val="tx1"/>
           </a:solidFill>
@@ -2721,16 +2721,16 @@
           <a:cs typeface="+mn-cs"/>
         </a:defRPr>
       </a:lvl1pPr>
-      <a:lvl2pPr marL="3291840" indent="-1097280" algn="l" defTabSz="4389120" rtl="0" eaLnBrk="1" latinLnBrk="0" hangingPunct="1">
+      <a:lvl2pPr marL="685690" indent="-228563" algn="l" defTabSz="914254" rtl="0" eaLnBrk="1" latinLnBrk="0" hangingPunct="1">
         <a:lnSpc>
           <a:spcPct val="90000"/>
         </a:lnSpc>
         <a:spcBef>
-          <a:spcPts val="2400"/>
+          <a:spcPts val="500"/>
         </a:spcBef>
         <a:buFont typeface="Arial" panose="020B0604020202020204" pitchFamily="34" charset="0"/>
         <a:buChar char="•"/>
-        <a:defRPr sz="11520" kern="1200">
+        <a:defRPr sz="2400" kern="1200">
           <a:solidFill>
             <a:schemeClr val="tx1"/>
           </a:solidFill>
@@ -2739,16 +2739,16 @@
           <a:cs typeface="+mn-cs"/>
         </a:defRPr>
       </a:lvl2pPr>
-      <a:lvl3pPr marL="5486400" indent="-1097280" algn="l" defTabSz="4389120" rtl="0" eaLnBrk="1" latinLnBrk="0" hangingPunct="1">
+      <a:lvl3pPr marL="1142817" indent="-228563" algn="l" defTabSz="914254" rtl="0" eaLnBrk="1" latinLnBrk="0" hangingPunct="1">
         <a:lnSpc>
           <a:spcPct val="90000"/>
         </a:lnSpc>
         <a:spcBef>
-          <a:spcPts val="2400"/>
+          <a:spcPts val="500"/>
         </a:spcBef>
         <a:buFont typeface="Arial" panose="020B0604020202020204" pitchFamily="34" charset="0"/>
         <a:buChar char="•"/>
-        <a:defRPr sz="9600" kern="1200">
+        <a:defRPr sz="2000" kern="1200">
           <a:solidFill>
             <a:schemeClr val="tx1"/>
           </a:solidFill>
@@ -2757,16 +2757,16 @@
           <a:cs typeface="+mn-cs"/>
         </a:defRPr>
       </a:lvl3pPr>
-      <a:lvl4pPr marL="7680960" indent="-1097280" algn="l" defTabSz="4389120" rtl="0" eaLnBrk="1" latinLnBrk="0" hangingPunct="1">
+      <a:lvl4pPr marL="1599944" indent="-228563" algn="l" defTabSz="914254" rtl="0" eaLnBrk="1" latinLnBrk="0" hangingPunct="1">
         <a:lnSpc>
           <a:spcPct val="90000"/>
         </a:lnSpc>
         <a:spcBef>
-          <a:spcPts val="2400"/>
+          <a:spcPts val="500"/>
         </a:spcBef>
         <a:buFont typeface="Arial" panose="020B0604020202020204" pitchFamily="34" charset="0"/>
         <a:buChar char="•"/>
-        <a:defRPr sz="8640" kern="1200">
+        <a:defRPr sz="1800" kern="1200">
           <a:solidFill>
             <a:schemeClr val="tx1"/>
           </a:solidFill>
@@ -2775,16 +2775,16 @@
           <a:cs typeface="+mn-cs"/>
         </a:defRPr>
       </a:lvl4pPr>
-      <a:lvl5pPr marL="9875520" indent="-1097280" algn="l" defTabSz="4389120" rtl="0" eaLnBrk="1" latinLnBrk="0" hangingPunct="1">
+      <a:lvl5pPr marL="2057071" indent="-228563" algn="l" defTabSz="914254" rtl="0" eaLnBrk="1" latinLnBrk="0" hangingPunct="1">
         <a:lnSpc>
           <a:spcPct val="90000"/>
         </a:lnSpc>
         <a:spcBef>
-          <a:spcPts val="2400"/>
+          <a:spcPts val="500"/>
         </a:spcBef>
         <a:buFont typeface="Arial" panose="020B0604020202020204" pitchFamily="34" charset="0"/>
         <a:buChar char="•"/>
-        <a:defRPr sz="8640" kern="1200">
+        <a:defRPr sz="1800" kern="1200">
           <a:solidFill>
             <a:schemeClr val="tx1"/>
           </a:solidFill>
@@ -2793,16 +2793,16 @@
           <a:cs typeface="+mn-cs"/>
         </a:defRPr>
       </a:lvl5pPr>
-      <a:lvl6pPr marL="12070080" indent="-1097280" algn="l" defTabSz="4389120" rtl="0" eaLnBrk="1" latinLnBrk="0" hangingPunct="1">
+      <a:lvl6pPr marL="2514198" indent="-228563" algn="l" defTabSz="914254" rtl="0" eaLnBrk="1" latinLnBrk="0" hangingPunct="1">
         <a:lnSpc>
           <a:spcPct val="90000"/>
         </a:lnSpc>
         <a:spcBef>
-          <a:spcPts val="2400"/>
+          <a:spcPts val="500"/>
         </a:spcBef>
         <a:buFont typeface="Arial" panose="020B0604020202020204" pitchFamily="34" charset="0"/>
         <a:buChar char="•"/>
-        <a:defRPr sz="8640" kern="1200">
+        <a:defRPr sz="1800" kern="1200">
           <a:solidFill>
             <a:schemeClr val="tx1"/>
           </a:solidFill>
@@ -2811,16 +2811,16 @@
           <a:cs typeface="+mn-cs"/>
         </a:defRPr>
       </a:lvl6pPr>
-      <a:lvl7pPr marL="14264640" indent="-1097280" algn="l" defTabSz="4389120" rtl="0" eaLnBrk="1" latinLnBrk="0" hangingPunct="1">
+      <a:lvl7pPr marL="2971325" indent="-228563" algn="l" defTabSz="914254" rtl="0" eaLnBrk="1" latinLnBrk="0" hangingPunct="1">
         <a:lnSpc>
           <a:spcPct val="90000"/>
         </a:lnSpc>
         <a:spcBef>
-          <a:spcPts val="2400"/>
+          <a:spcPts val="500"/>
         </a:spcBef>
         <a:buFont typeface="Arial" panose="020B0604020202020204" pitchFamily="34" charset="0"/>
         <a:buChar char="•"/>
-        <a:defRPr sz="8640" kern="1200">
+        <a:defRPr sz="1800" kern="1200">
           <a:solidFill>
             <a:schemeClr val="tx1"/>
           </a:solidFill>
@@ -2829,16 +2829,16 @@
           <a:cs typeface="+mn-cs"/>
         </a:defRPr>
       </a:lvl7pPr>
-      <a:lvl8pPr marL="16459200" indent="-1097280" algn="l" defTabSz="4389120" rtl="0" eaLnBrk="1" latinLnBrk="0" hangingPunct="1">
+      <a:lvl8pPr marL="3428451" indent="-228563" algn="l" defTabSz="914254" rtl="0" eaLnBrk="1" latinLnBrk="0" hangingPunct="1">
         <a:lnSpc>
           <a:spcPct val="90000"/>
         </a:lnSpc>
         <a:spcBef>
-          <a:spcPts val="2400"/>
+          <a:spcPts val="500"/>
         </a:spcBef>
         <a:buFont typeface="Arial" panose="020B0604020202020204" pitchFamily="34" charset="0"/>
         <a:buChar char="•"/>
-        <a:defRPr sz="8640" kern="1200">
+        <a:defRPr sz="1800" kern="1200">
           <a:solidFill>
             <a:schemeClr val="tx1"/>
           </a:solidFill>
@@ -2847,16 +2847,16 @@
           <a:cs typeface="+mn-cs"/>
         </a:defRPr>
       </a:lvl8pPr>
-      <a:lvl9pPr marL="18653760" indent="-1097280" algn="l" defTabSz="4389120" rtl="0" eaLnBrk="1" latinLnBrk="0" hangingPunct="1">
+      <a:lvl9pPr marL="3885578" indent="-228563" algn="l" defTabSz="914254" rtl="0" eaLnBrk="1" latinLnBrk="0" hangingPunct="1">
         <a:lnSpc>
           <a:spcPct val="90000"/>
         </a:lnSpc>
         <a:spcBef>
-          <a:spcPts val="2400"/>
+          <a:spcPts val="500"/>
         </a:spcBef>
         <a:buFont typeface="Arial" panose="020B0604020202020204" pitchFamily="34" charset="0"/>
         <a:buChar char="•"/>
-        <a:defRPr sz="8640" kern="1200">
+        <a:defRPr sz="1800" kern="1200">
           <a:solidFill>
             <a:schemeClr val="tx1"/>
           </a:solidFill>
@@ -2870,8 +2870,8 @@
       <a:defPPr>
         <a:defRPr lang="en-US"/>
       </a:defPPr>
-      <a:lvl1pPr marL="0" algn="l" defTabSz="4389120" rtl="0" eaLnBrk="1" latinLnBrk="0" hangingPunct="1">
-        <a:defRPr sz="8640" kern="1200">
+      <a:lvl1pPr marL="0" algn="l" defTabSz="914254" rtl="0" eaLnBrk="1" latinLnBrk="0" hangingPunct="1">
+        <a:defRPr sz="1800" kern="1200">
           <a:solidFill>
             <a:schemeClr val="tx1"/>
           </a:solidFill>
@@ -2880,8 +2880,8 @@
           <a:cs typeface="+mn-cs"/>
         </a:defRPr>
       </a:lvl1pPr>
-      <a:lvl2pPr marL="2194560" algn="l" defTabSz="4389120" rtl="0" eaLnBrk="1" latinLnBrk="0" hangingPunct="1">
-        <a:defRPr sz="8640" kern="1200">
+      <a:lvl2pPr marL="457127" algn="l" defTabSz="914254" rtl="0" eaLnBrk="1" latinLnBrk="0" hangingPunct="1">
+        <a:defRPr sz="1800" kern="1200">
           <a:solidFill>
             <a:schemeClr val="tx1"/>
           </a:solidFill>
@@ -2890,8 +2890,8 @@
           <a:cs typeface="+mn-cs"/>
         </a:defRPr>
       </a:lvl2pPr>
-      <a:lvl3pPr marL="4389120" algn="l" defTabSz="4389120" rtl="0" eaLnBrk="1" latinLnBrk="0" hangingPunct="1">
-        <a:defRPr sz="8640" kern="1200">
+      <a:lvl3pPr marL="914254" algn="l" defTabSz="914254" rtl="0" eaLnBrk="1" latinLnBrk="0" hangingPunct="1">
+        <a:defRPr sz="1800" kern="1200">
           <a:solidFill>
             <a:schemeClr val="tx1"/>
           </a:solidFill>
@@ -2900,8 +2900,8 @@
           <a:cs typeface="+mn-cs"/>
         </a:defRPr>
       </a:lvl3pPr>
-      <a:lvl4pPr marL="6583680" algn="l" defTabSz="4389120" rtl="0" eaLnBrk="1" latinLnBrk="0" hangingPunct="1">
-        <a:defRPr sz="8640" kern="1200">
+      <a:lvl4pPr marL="1371381" algn="l" defTabSz="914254" rtl="0" eaLnBrk="1" latinLnBrk="0" hangingPunct="1">
+        <a:defRPr sz="1800" kern="1200">
           <a:solidFill>
             <a:schemeClr val="tx1"/>
           </a:solidFill>
@@ -2910,8 +2910,8 @@
           <a:cs typeface="+mn-cs"/>
         </a:defRPr>
       </a:lvl4pPr>
-      <a:lvl5pPr marL="8778240" algn="l" defTabSz="4389120" rtl="0" eaLnBrk="1" latinLnBrk="0" hangingPunct="1">
-        <a:defRPr sz="8640" kern="1200">
+      <a:lvl5pPr marL="1828507" algn="l" defTabSz="914254" rtl="0" eaLnBrk="1" latinLnBrk="0" hangingPunct="1">
+        <a:defRPr sz="1800" kern="1200">
           <a:solidFill>
             <a:schemeClr val="tx1"/>
           </a:solidFill>
@@ -2920,8 +2920,8 @@
           <a:cs typeface="+mn-cs"/>
         </a:defRPr>
       </a:lvl5pPr>
-      <a:lvl6pPr marL="10972800" algn="l" defTabSz="4389120" rtl="0" eaLnBrk="1" latinLnBrk="0" hangingPunct="1">
-        <a:defRPr sz="8640" kern="1200">
+      <a:lvl6pPr marL="2285634" algn="l" defTabSz="914254" rtl="0" eaLnBrk="1" latinLnBrk="0" hangingPunct="1">
+        <a:defRPr sz="1800" kern="1200">
           <a:solidFill>
             <a:schemeClr val="tx1"/>
           </a:solidFill>
@@ -2930,8 +2930,8 @@
           <a:cs typeface="+mn-cs"/>
         </a:defRPr>
       </a:lvl6pPr>
-      <a:lvl7pPr marL="13167360" algn="l" defTabSz="4389120" rtl="0" eaLnBrk="1" latinLnBrk="0" hangingPunct="1">
-        <a:defRPr sz="8640" kern="1200">
+      <a:lvl7pPr marL="2742761" algn="l" defTabSz="914254" rtl="0" eaLnBrk="1" latinLnBrk="0" hangingPunct="1">
+        <a:defRPr sz="1800" kern="1200">
           <a:solidFill>
             <a:schemeClr val="tx1"/>
           </a:solidFill>
@@ -2940,8 +2940,8 @@
           <a:cs typeface="+mn-cs"/>
         </a:defRPr>
       </a:lvl7pPr>
-      <a:lvl8pPr marL="15361920" algn="l" defTabSz="4389120" rtl="0" eaLnBrk="1" latinLnBrk="0" hangingPunct="1">
-        <a:defRPr sz="8640" kern="1200">
+      <a:lvl8pPr marL="3199888" algn="l" defTabSz="914254" rtl="0" eaLnBrk="1" latinLnBrk="0" hangingPunct="1">
+        <a:defRPr sz="1800" kern="1200">
           <a:solidFill>
             <a:schemeClr val="tx1"/>
           </a:solidFill>
@@ -2950,8 +2950,8 @@
           <a:cs typeface="+mn-cs"/>
         </a:defRPr>
       </a:lvl8pPr>
-      <a:lvl9pPr marL="17556480" algn="l" defTabSz="4389120" rtl="0" eaLnBrk="1" latinLnBrk="0" hangingPunct="1">
-        <a:defRPr sz="8640" kern="1200">
+      <a:lvl9pPr marL="3657015" algn="l" defTabSz="914254" rtl="0" eaLnBrk="1" latinLnBrk="0" hangingPunct="1">
+        <a:defRPr sz="1800" kern="1200">
           <a:solidFill>
             <a:schemeClr val="tx1"/>
           </a:solidFill>
@@ -2996,8 +2996,58 @@
         </p:nvSpPr>
         <p:spPr>
           <a:xfrm>
-            <a:off x="671468" y="4360544"/>
-            <a:ext cx="14182344" cy="27889199"/>
+            <a:off x="106094" y="908446"/>
+            <a:ext cx="2954655" cy="5810250"/>
+          </a:xfrm>
+          <a:prstGeom prst="rect">
+            <a:avLst/>
+          </a:prstGeom>
+          <a:noFill/>
+          <a:ln>
+            <a:noFill/>
+          </a:ln>
+        </p:spPr>
+        <p:style>
+          <a:lnRef idx="2">
+            <a:schemeClr val="accent1">
+              <a:shade val="50000"/>
+            </a:schemeClr>
+          </a:lnRef>
+          <a:fillRef idx="1">
+            <a:schemeClr val="accent1"/>
+          </a:fillRef>
+          <a:effectRef idx="0">
+            <a:schemeClr val="accent1"/>
+          </a:effectRef>
+          <a:fontRef idx="minor">
+            <a:schemeClr val="lt1"/>
+          </a:fontRef>
+        </p:style>
+        <p:txBody>
+          <a:bodyPr rtlCol="0" anchor="ctr"/>
+          <a:lstStyle/>
+          <a:p>
+            <a:pPr algn="ctr"/>
+            <a:endParaRPr lang="en-US" sz="100"/>
+          </a:p>
+        </p:txBody>
+      </p:sp>
+      <p:sp>
+        <p:nvSpPr>
+          <p:cNvPr id="19" name="Rectangle 18">
+            <a:extLst>
+              <a:ext uri="{FF2B5EF4-FFF2-40B4-BE49-F238E27FC236}">
+                <a16:creationId xmlns:a16="http://schemas.microsoft.com/office/drawing/2014/main" id="{B22288E5-2A1B-4DFA-895F-C755198432DA}"/>
+              </a:ext>
+            </a:extLst>
+          </p:cNvPr>
+          <p:cNvSpPr/>
+          <p:nvPr/>
+        </p:nvSpPr>
+        <p:spPr>
+          <a:xfrm>
+            <a:off x="3095625" y="908447"/>
+            <a:ext cx="2954655" cy="5810250"/>
           </a:xfrm>
           <a:prstGeom prst="rect">
             <a:avLst/>
@@ -3026,20 +3076,25 @@
           </a:fontRef>
         </p:style>
         <p:txBody>
-          <a:bodyPr rtlCol="0" anchor="ctr"/>
+          <a:bodyPr rot="0" spcFirstLastPara="0" vertOverflow="overflow" horzOverflow="overflow" vert="horz" wrap="square" lIns="19050" tIns="9525" rIns="19050" bIns="9525" numCol="1" spcCol="0" rtlCol="0" fromWordArt="0" anchor="ctr" anchorCtr="0" forceAA="0" compatLnSpc="1">
+            <a:prstTxWarp prst="textNoShape">
+              <a:avLst/>
+            </a:prstTxWarp>
+            <a:noAutofit/>
+          </a:bodyPr>
           <a:lstStyle/>
           <a:p>
             <a:pPr algn="ctr"/>
-            <a:endParaRPr lang="en-US"/>
-          </a:p>
-        </p:txBody>
-      </p:sp>
-      <p:sp>
-        <p:nvSpPr>
-          <p:cNvPr id="19" name="Rectangle 18">
+            <a:endParaRPr lang="en-US" sz="100"/>
+          </a:p>
+        </p:txBody>
+      </p:sp>
+      <p:sp>
+        <p:nvSpPr>
+          <p:cNvPr id="20" name="Rectangle 19">
             <a:extLst>
               <a:ext uri="{FF2B5EF4-FFF2-40B4-BE49-F238E27FC236}">
-                <a16:creationId xmlns:a16="http://schemas.microsoft.com/office/drawing/2014/main" id="{B22288E5-2A1B-4DFA-895F-C755198432DA}"/>
+                <a16:creationId xmlns:a16="http://schemas.microsoft.com/office/drawing/2014/main" id="{F0F51883-00F7-4707-A848-DDCB26BC6A04}"/>
               </a:ext>
             </a:extLst>
           </p:cNvPr>
@@ -3048,8 +3103,8 @@
         </p:nvSpPr>
         <p:spPr>
           <a:xfrm>
-            <a:off x="14859000" y="4360544"/>
-            <a:ext cx="14182344" cy="27889199"/>
+            <a:off x="6047392" y="908447"/>
+            <a:ext cx="2954655" cy="5810250"/>
           </a:xfrm>
           <a:prstGeom prst="rect">
             <a:avLst/>
@@ -3078,7 +3133,7 @@
           </a:fontRef>
         </p:style>
         <p:txBody>
-          <a:bodyPr rot="0" spcFirstLastPara="0" vertOverflow="overflow" horzOverflow="overflow" vert="horz" wrap="square" lIns="91440" tIns="45720" rIns="91440" bIns="45720" numCol="1" spcCol="0" rtlCol="0" fromWordArt="0" anchor="ctr" anchorCtr="0" forceAA="0" compatLnSpc="1">
+          <a:bodyPr rot="0" spcFirstLastPara="0" vertOverflow="overflow" horzOverflow="overflow" vert="horz" wrap="square" lIns="19050" tIns="9525" rIns="19050" bIns="9525" numCol="1" spcCol="0" rtlCol="0" fromWordArt="0" anchor="ctr" anchorCtr="0" forceAA="0" compatLnSpc="1">
             <a:prstTxWarp prst="textNoShape">
               <a:avLst/>
             </a:prstTxWarp>
@@ -3087,64 +3142,7 @@
           <a:lstStyle/>
           <a:p>
             <a:pPr algn="ctr"/>
-            <a:endParaRPr lang="en-US"/>
-          </a:p>
-        </p:txBody>
-      </p:sp>
-      <p:sp>
-        <p:nvSpPr>
-          <p:cNvPr id="20" name="Rectangle 19">
-            <a:extLst>
-              <a:ext uri="{FF2B5EF4-FFF2-40B4-BE49-F238E27FC236}">
-                <a16:creationId xmlns:a16="http://schemas.microsoft.com/office/drawing/2014/main" id="{F0F51883-00F7-4707-A848-DDCB26BC6A04}"/>
-              </a:ext>
-            </a:extLst>
-          </p:cNvPr>
-          <p:cNvSpPr/>
-          <p:nvPr/>
-        </p:nvSpPr>
-        <p:spPr>
-          <a:xfrm>
-            <a:off x="29027482" y="4360544"/>
-            <a:ext cx="14182344" cy="27889199"/>
-          </a:xfrm>
-          <a:prstGeom prst="rect">
-            <a:avLst/>
-          </a:prstGeom>
-          <a:solidFill>
-            <a:schemeClr val="bg1"/>
-          </a:solidFill>
-          <a:ln>
-            <a:noFill/>
-          </a:ln>
-        </p:spPr>
-        <p:style>
-          <a:lnRef idx="2">
-            <a:schemeClr val="accent1">
-              <a:shade val="50000"/>
-            </a:schemeClr>
-          </a:lnRef>
-          <a:fillRef idx="1">
-            <a:schemeClr val="accent1"/>
-          </a:fillRef>
-          <a:effectRef idx="0">
-            <a:schemeClr val="accent1"/>
-          </a:effectRef>
-          <a:fontRef idx="minor">
-            <a:schemeClr val="lt1"/>
-          </a:fontRef>
-        </p:style>
-        <p:txBody>
-          <a:bodyPr rot="0" spcFirstLastPara="0" vertOverflow="overflow" horzOverflow="overflow" vert="horz" wrap="square" lIns="91440" tIns="45720" rIns="91440" bIns="45720" numCol="1" spcCol="0" rtlCol="0" fromWordArt="0" anchor="ctr" anchorCtr="0" forceAA="0" compatLnSpc="1">
-            <a:prstTxWarp prst="textNoShape">
-              <a:avLst/>
-            </a:prstTxWarp>
-            <a:noAutofit/>
-          </a:bodyPr>
-          <a:lstStyle/>
-          <a:p>
-            <a:pPr algn="ctr"/>
-            <a:endParaRPr lang="en-US"/>
+            <a:endParaRPr lang="en-US" sz="100"/>
           </a:p>
         </p:txBody>
       </p:sp>
@@ -3162,8 +3160,8 @@
         </p:nvSpPr>
         <p:spPr>
           <a:xfrm>
-            <a:off x="671468" y="624330"/>
-            <a:ext cx="42548263" cy="3193578"/>
+            <a:off x="139890" y="130069"/>
+            <a:ext cx="8864221" cy="665329"/>
           </a:xfrm>
           <a:prstGeom prst="rect">
             <a:avLst/>
@@ -3192,7 +3190,7 @@
           </a:fontRef>
         </p:style>
         <p:txBody>
-          <a:bodyPr rot="0" spcFirstLastPara="0" vertOverflow="overflow" horzOverflow="overflow" vert="horz" wrap="square" lIns="329184" tIns="164592" rIns="329184" bIns="164592" numCol="1" spcCol="0" rtlCol="0" fromWordArt="0" anchor="ctr" anchorCtr="0" forceAA="0" compatLnSpc="1">
+          <a:bodyPr rot="0" spcFirstLastPara="0" vertOverflow="overflow" horzOverflow="overflow" vert="horz" wrap="square" lIns="68580" tIns="34290" rIns="68580" bIns="34290" numCol="1" spcCol="0" rtlCol="0" fromWordArt="0" anchor="ctr" anchorCtr="0" forceAA="0" compatLnSpc="1">
             <a:prstTxWarp prst="textNoShape">
               <a:avLst/>
             </a:prstTxWarp>
@@ -3202,7 +3200,7 @@
           <a:p>
             <a:pPr algn="ctr"/>
             <a:r>
-              <a:rPr lang="en-US" sz="7200" b="1" dirty="0">
+              <a:rPr lang="en-US" sz="1500" b="1" dirty="0">
                 <a:solidFill>
                   <a:srgbClr val="000066"/>
                 </a:solidFill>
@@ -3214,7 +3212,7 @@
           </a:p>
           <a:p>
             <a:pPr algn="ctr"/>
-            <a:endParaRPr lang="en-US" sz="1440" b="1" dirty="0">
+            <a:endParaRPr lang="en-US" sz="300" b="1" dirty="0">
               <a:solidFill>
                 <a:srgbClr val="000066"/>
               </a:solidFill>
@@ -3225,7 +3223,7 @@
           <a:p>
             <a:pPr algn="ctr"/>
             <a:r>
-              <a:rPr lang="en-US" sz="4000" b="1" dirty="0">
+              <a:rPr lang="en-US" sz="833" b="1" dirty="0">
                 <a:solidFill>
                   <a:schemeClr val="tx1"/>
                 </a:solidFill>
@@ -3237,7 +3235,7 @@
           </a:p>
           <a:p>
             <a:pPr algn="ctr"/>
-            <a:endParaRPr lang="en-US" sz="1440" b="1" dirty="0">
+            <a:endParaRPr lang="en-US" sz="300" b="1" dirty="0">
               <a:solidFill>
                 <a:schemeClr val="tx1"/>
               </a:solidFill>
@@ -3248,7 +3246,7 @@
           <a:p>
             <a:pPr algn="ctr"/>
             <a:r>
-              <a:rPr lang="en-US" sz="3600" dirty="0">
+              <a:rPr lang="en-US" sz="750" dirty="0">
                 <a:solidFill>
                   <a:schemeClr val="tx1"/>
                 </a:solidFill>
@@ -3287,8 +3285,8 @@
         </p:blipFill>
         <p:spPr bwMode="auto">
           <a:xfrm>
-            <a:off x="36292137" y="1237256"/>
-            <a:ext cx="6550924" cy="1967720"/>
+            <a:off x="7560862" y="257762"/>
+            <a:ext cx="1364776" cy="409942"/>
           </a:xfrm>
           <a:prstGeom prst="rect">
             <a:avLst/>
@@ -3321,8 +3319,8 @@
         </p:nvCxnSpPr>
         <p:spPr>
           <a:xfrm>
-            <a:off x="14853812" y="4360543"/>
-            <a:ext cx="0" cy="27889200"/>
+            <a:off x="3094544" y="908446"/>
+            <a:ext cx="0" cy="5810250"/>
           </a:xfrm>
           <a:prstGeom prst="line">
             <a:avLst/>
@@ -3362,8 +3360,8 @@
         </p:nvCxnSpPr>
         <p:spPr>
           <a:xfrm>
-            <a:off x="29041344" y="4360543"/>
-            <a:ext cx="0" cy="27889200"/>
+            <a:off x="6050280" y="908446"/>
+            <a:ext cx="0" cy="5810250"/>
           </a:xfrm>
           <a:prstGeom prst="line">
             <a:avLst/>
@@ -3403,8 +3401,8 @@
         </p:nvSpPr>
         <p:spPr>
           <a:xfrm>
-            <a:off x="5407372" y="4385851"/>
-            <a:ext cx="4705350" cy="1104900"/>
+            <a:off x="870839" y="913336"/>
+            <a:ext cx="1371600" cy="190500"/>
           </a:xfrm>
           <a:prstGeom prst="roundRect">
             <a:avLst/>
@@ -3433,7 +3431,7 @@
           </a:fontRef>
         </p:style>
         <p:txBody>
-          <a:bodyPr rot="0" spcFirstLastPara="0" vertOverflow="overflow" horzOverflow="overflow" vert="horz" wrap="square" lIns="329184" tIns="164592" rIns="329184" bIns="164592" numCol="1" spcCol="0" rtlCol="0" fromWordArt="0" anchor="ctr" anchorCtr="0" forceAA="0" compatLnSpc="1">
+          <a:bodyPr rot="0" spcFirstLastPara="0" vertOverflow="overflow" horzOverflow="overflow" vert="horz" wrap="square" lIns="68580" tIns="34290" rIns="68580" bIns="34290" numCol="1" spcCol="0" rtlCol="0" fromWordArt="0" anchor="ctr" anchorCtr="0" forceAA="0" compatLnSpc="1">
             <a:prstTxWarp prst="textNoShape">
               <a:avLst/>
             </a:prstTxWarp>
@@ -3443,14 +3441,14 @@
           <a:p>
             <a:pPr algn="ctr"/>
             <a:r>
-              <a:rPr lang="en-US" sz="4000" b="1" dirty="0">
+              <a:rPr lang="en-US" sz="833" b="1" dirty="0">
                 <a:solidFill>
                   <a:schemeClr val="bg1"/>
                 </a:solidFill>
                 <a:latin typeface="Arial" panose="020B0604020202020204" pitchFamily="34" charset="0"/>
                 <a:cs typeface="Arial" panose="020B0604020202020204" pitchFamily="34" charset="0"/>
               </a:rPr>
-              <a:t>Abstract</a:t>
+              <a:t>Problem and Approach</a:t>
             </a:r>
           </a:p>
         </p:txBody>
@@ -3469,8 +3467,8 @@
         </p:nvSpPr>
         <p:spPr>
           <a:xfrm>
-            <a:off x="19594902" y="4385851"/>
-            <a:ext cx="4705350" cy="1104900"/>
+            <a:off x="669447" y="5230244"/>
+            <a:ext cx="1737360" cy="190500"/>
           </a:xfrm>
           <a:prstGeom prst="roundRect">
             <a:avLst/>
@@ -3499,7 +3497,7 @@
           </a:fontRef>
         </p:style>
         <p:txBody>
-          <a:bodyPr rot="0" spcFirstLastPara="0" vertOverflow="overflow" horzOverflow="overflow" vert="horz" wrap="square" lIns="329184" tIns="164592" rIns="329184" bIns="164592" numCol="1" spcCol="0" rtlCol="0" fromWordArt="0" anchor="ctr" anchorCtr="0" forceAA="0" compatLnSpc="1">
+          <a:bodyPr rot="0" spcFirstLastPara="0" vertOverflow="overflow" horzOverflow="overflow" vert="horz" wrap="square" lIns="68580" tIns="34290" rIns="68580" bIns="34290" numCol="1" spcCol="0" rtlCol="0" fromWordArt="0" anchor="ctr" anchorCtr="0" forceAA="0" compatLnSpc="1">
             <a:prstTxWarp prst="textNoShape">
               <a:avLst/>
             </a:prstTxWarp>
@@ -3509,14 +3507,14 @@
           <a:p>
             <a:pPr algn="ctr"/>
             <a:r>
-              <a:rPr lang="en-US" sz="4000" b="1" dirty="0">
+              <a:rPr lang="en-US" sz="833" b="1" dirty="0">
                 <a:solidFill>
                   <a:schemeClr val="bg1"/>
                 </a:solidFill>
                 <a:latin typeface="Arial" panose="020B0604020202020204" pitchFamily="34" charset="0"/>
                 <a:cs typeface="Arial" panose="020B0604020202020204" pitchFamily="34" charset="0"/>
               </a:rPr>
-              <a:t>Title</a:t>
+              <a:t>Sentiment Analysis Methods</a:t>
             </a:r>
           </a:p>
         </p:txBody>
@@ -3535,8 +3533,8 @@
         </p:nvSpPr>
         <p:spPr>
           <a:xfrm>
-            <a:off x="33939462" y="4360543"/>
-            <a:ext cx="4705350" cy="1104900"/>
+            <a:off x="3825699" y="5612464"/>
+            <a:ext cx="1554480" cy="190500"/>
           </a:xfrm>
           <a:prstGeom prst="roundRect">
             <a:avLst/>
@@ -3565,7 +3563,7 @@
           </a:fontRef>
         </p:style>
         <p:txBody>
-          <a:bodyPr rot="0" spcFirstLastPara="0" vertOverflow="overflow" horzOverflow="overflow" vert="horz" wrap="square" lIns="329184" tIns="164592" rIns="329184" bIns="164592" numCol="1" spcCol="0" rtlCol="0" fromWordArt="0" anchor="ctr" anchorCtr="0" forceAA="0" compatLnSpc="1">
+          <a:bodyPr rot="0" spcFirstLastPara="0" vertOverflow="overflow" horzOverflow="overflow" vert="horz" wrap="square" lIns="68580" tIns="34290" rIns="68580" bIns="34290" numCol="1" spcCol="0" rtlCol="0" fromWordArt="0" anchor="ctr" anchorCtr="0" forceAA="0" compatLnSpc="1">
             <a:prstTxWarp prst="textNoShape">
               <a:avLst/>
             </a:prstTxWarp>
@@ -3575,24 +3573,24 @@
           <a:p>
             <a:pPr algn="ctr"/>
             <a:r>
-              <a:rPr lang="en-US" sz="4000" b="1" dirty="0">
+              <a:rPr lang="en-US" sz="833" b="1" dirty="0">
                 <a:solidFill>
                   <a:schemeClr val="bg1"/>
                 </a:solidFill>
                 <a:latin typeface="Arial" panose="020B0604020202020204" pitchFamily="34" charset="0"/>
                 <a:cs typeface="Arial" panose="020B0604020202020204" pitchFamily="34" charset="0"/>
               </a:rPr>
-              <a:t>Title</a:t>
-            </a:r>
-          </a:p>
-        </p:txBody>
-      </p:sp>
-      <p:sp>
-        <p:nvSpPr>
-          <p:cNvPr id="21" name="Rectangle: Rounded Corners 20">
+              <a:t>Sentiment Results</a:t>
+            </a:r>
+          </a:p>
+        </p:txBody>
+      </p:sp>
+      <p:sp>
+        <p:nvSpPr>
+          <p:cNvPr id="15" name="Rectangle: Rounded Corners 14">
             <a:extLst>
               <a:ext uri="{FF2B5EF4-FFF2-40B4-BE49-F238E27FC236}">
-                <a16:creationId xmlns:a16="http://schemas.microsoft.com/office/drawing/2014/main" id="{9CB9B0DC-FB6E-4DB7-872B-A410C7B3B5E3}"/>
+                <a16:creationId xmlns:a16="http://schemas.microsoft.com/office/drawing/2014/main" id="{091D2944-5D2D-4985-A57F-323614D0F259}"/>
               </a:ext>
             </a:extLst>
           </p:cNvPr>
@@ -3601,8 +3599,8 @@
         </p:nvSpPr>
         <p:spPr>
           <a:xfrm>
-            <a:off x="5407372" y="17752693"/>
-            <a:ext cx="4705350" cy="1104900"/>
+            <a:off x="7105419" y="6051521"/>
+            <a:ext cx="980281" cy="190500"/>
           </a:xfrm>
           <a:prstGeom prst="roundRect">
             <a:avLst/>
@@ -3631,7 +3629,7 @@
           </a:fontRef>
         </p:style>
         <p:txBody>
-          <a:bodyPr rot="0" spcFirstLastPara="0" vertOverflow="overflow" horzOverflow="overflow" vert="horz" wrap="square" lIns="329184" tIns="164592" rIns="329184" bIns="164592" numCol="1" spcCol="0" rtlCol="0" fromWordArt="0" anchor="ctr" anchorCtr="0" forceAA="0" compatLnSpc="1">
+          <a:bodyPr rot="0" spcFirstLastPara="0" vertOverflow="overflow" horzOverflow="overflow" vert="horz" wrap="square" lIns="68580" tIns="34290" rIns="68580" bIns="34290" numCol="1" spcCol="0" rtlCol="0" fromWordArt="0" anchor="ctr" anchorCtr="0" forceAA="0" compatLnSpc="1">
             <a:prstTxWarp prst="textNoShape">
               <a:avLst/>
             </a:prstTxWarp>
@@ -3641,24 +3639,24 @@
           <a:p>
             <a:pPr algn="ctr"/>
             <a:r>
-              <a:rPr lang="en-US" sz="4000" b="1" dirty="0">
+              <a:rPr lang="en-US" sz="833" b="1" dirty="0">
                 <a:solidFill>
                   <a:schemeClr val="bg1"/>
                 </a:solidFill>
                 <a:latin typeface="Arial" panose="020B0604020202020204" pitchFamily="34" charset="0"/>
                 <a:cs typeface="Arial" panose="020B0604020202020204" pitchFamily="34" charset="0"/>
               </a:rPr>
-              <a:t>Title</a:t>
-            </a:r>
-          </a:p>
-        </p:txBody>
-      </p:sp>
-      <p:sp>
-        <p:nvSpPr>
-          <p:cNvPr id="22" name="Rectangle: Rounded Corners 21">
+              <a:t>References</a:t>
+            </a:r>
+          </a:p>
+        </p:txBody>
+      </p:sp>
+      <p:sp>
+        <p:nvSpPr>
+          <p:cNvPr id="2" name="Rectangle 1">
             <a:extLst>
               <a:ext uri="{FF2B5EF4-FFF2-40B4-BE49-F238E27FC236}">
-                <a16:creationId xmlns:a16="http://schemas.microsoft.com/office/drawing/2014/main" id="{D0BC4149-0BD8-40E7-A558-6F27F6AF9D6C}"/>
+                <a16:creationId xmlns:a16="http://schemas.microsoft.com/office/drawing/2014/main" id="{8FC99D0C-90CA-405C-B408-511D2AD1CF76}"/>
               </a:ext>
             </a:extLst>
           </p:cNvPr>
@@ -3667,8 +3665,1307 @@
         </p:nvSpPr>
         <p:spPr>
           <a:xfrm>
-            <a:off x="19575854" y="17752693"/>
-            <a:ext cx="4705350" cy="1104900"/>
+            <a:off x="8298335" y="6654769"/>
+            <a:ext cx="834681" cy="194990"/>
+          </a:xfrm>
+          <a:prstGeom prst="rect">
+            <a:avLst/>
+          </a:prstGeom>
+        </p:spPr>
+        <p:txBody>
+          <a:bodyPr wrap="square" anchor="b">
+            <a:spAutoFit/>
+          </a:bodyPr>
+          <a:lstStyle/>
+          <a:p>
+            <a:pPr algn="r"/>
+            <a:r>
+              <a:rPr lang="en-US" sz="667" dirty="0">
+                <a:latin typeface="Arial" panose="020B0604020202020204" pitchFamily="34" charset="0"/>
+                <a:cs typeface="Arial" panose="020B0604020202020204" pitchFamily="34" charset="0"/>
+              </a:rPr>
+              <a:t>May 10, 2020</a:t>
+            </a:r>
+            <a:endParaRPr lang="en-US" sz="667" dirty="0"/>
+          </a:p>
+        </p:txBody>
+      </p:sp>
+      <p:sp>
+        <p:nvSpPr>
+          <p:cNvPr id="3" name="TextBox 2">
+            <a:extLst>
+              <a:ext uri="{FF2B5EF4-FFF2-40B4-BE49-F238E27FC236}">
+                <a16:creationId xmlns:a16="http://schemas.microsoft.com/office/drawing/2014/main" id="{C37681C7-7498-46CE-814A-DDD293725FF0}"/>
+              </a:ext>
+            </a:extLst>
+          </p:cNvPr>
+          <p:cNvSpPr txBox="1"/>
+          <p:nvPr/>
+        </p:nvSpPr>
+        <p:spPr>
+          <a:xfrm>
+            <a:off x="106094" y="1156736"/>
+            <a:ext cx="2872351" cy="2185214"/>
+          </a:xfrm>
+          <a:prstGeom prst="rect">
+            <a:avLst/>
+          </a:prstGeom>
+          <a:noFill/>
+        </p:spPr>
+        <p:txBody>
+          <a:bodyPr wrap="square" rtlCol="0">
+            <a:spAutoFit/>
+          </a:bodyPr>
+          <a:lstStyle/>
+          <a:p>
+            <a:pPr algn="just"/>
+            <a:r>
+              <a:rPr lang="en-US" sz="800" dirty="0">
+                <a:latin typeface="Arial" panose="020B0604020202020204" pitchFamily="34" charset="0"/>
+                <a:cs typeface="Arial" panose="020B0604020202020204" pitchFamily="34" charset="0"/>
+              </a:rPr>
+              <a:t>Lorem ipsum dolor sit </a:t>
+            </a:r>
+            <a:r>
+              <a:rPr lang="en-US" sz="800" dirty="0" err="1">
+                <a:latin typeface="Arial" panose="020B0604020202020204" pitchFamily="34" charset="0"/>
+                <a:cs typeface="Arial" panose="020B0604020202020204" pitchFamily="34" charset="0"/>
+              </a:rPr>
+              <a:t>amet</a:t>
+            </a:r>
+            <a:r>
+              <a:rPr lang="en-US" sz="800" dirty="0">
+                <a:latin typeface="Arial" panose="020B0604020202020204" pitchFamily="34" charset="0"/>
+                <a:cs typeface="Arial" panose="020B0604020202020204" pitchFamily="34" charset="0"/>
+              </a:rPr>
+              <a:t>, </a:t>
+            </a:r>
+            <a:r>
+              <a:rPr lang="en-US" sz="800" dirty="0" err="1">
+                <a:latin typeface="Arial" panose="020B0604020202020204" pitchFamily="34" charset="0"/>
+                <a:cs typeface="Arial" panose="020B0604020202020204" pitchFamily="34" charset="0"/>
+              </a:rPr>
+              <a:t>consectetur</a:t>
+            </a:r>
+            <a:r>
+              <a:rPr lang="en-US" sz="800" dirty="0">
+                <a:latin typeface="Arial" panose="020B0604020202020204" pitchFamily="34" charset="0"/>
+                <a:cs typeface="Arial" panose="020B0604020202020204" pitchFamily="34" charset="0"/>
+              </a:rPr>
+              <a:t> </a:t>
+            </a:r>
+            <a:r>
+              <a:rPr lang="en-US" sz="800" dirty="0" err="1">
+                <a:latin typeface="Arial" panose="020B0604020202020204" pitchFamily="34" charset="0"/>
+                <a:cs typeface="Arial" panose="020B0604020202020204" pitchFamily="34" charset="0"/>
+              </a:rPr>
+              <a:t>adipiscing</a:t>
+            </a:r>
+            <a:r>
+              <a:rPr lang="en-US" sz="800" dirty="0">
+                <a:latin typeface="Arial" panose="020B0604020202020204" pitchFamily="34" charset="0"/>
+                <a:cs typeface="Arial" panose="020B0604020202020204" pitchFamily="34" charset="0"/>
+              </a:rPr>
+              <a:t> </a:t>
+            </a:r>
+            <a:r>
+              <a:rPr lang="en-US" sz="800" dirty="0" err="1">
+                <a:latin typeface="Arial" panose="020B0604020202020204" pitchFamily="34" charset="0"/>
+                <a:cs typeface="Arial" panose="020B0604020202020204" pitchFamily="34" charset="0"/>
+              </a:rPr>
+              <a:t>elit</a:t>
+            </a:r>
+            <a:r>
+              <a:rPr lang="en-US" sz="800" dirty="0">
+                <a:latin typeface="Arial" panose="020B0604020202020204" pitchFamily="34" charset="0"/>
+                <a:cs typeface="Arial" panose="020B0604020202020204" pitchFamily="34" charset="0"/>
+              </a:rPr>
+              <a:t>, sed do </a:t>
+            </a:r>
+            <a:r>
+              <a:rPr lang="en-US" sz="800" dirty="0" err="1">
+                <a:latin typeface="Arial" panose="020B0604020202020204" pitchFamily="34" charset="0"/>
+                <a:cs typeface="Arial" panose="020B0604020202020204" pitchFamily="34" charset="0"/>
+              </a:rPr>
+              <a:t>eiusmod</a:t>
+            </a:r>
+            <a:r>
+              <a:rPr lang="en-US" sz="800" dirty="0">
+                <a:latin typeface="Arial" panose="020B0604020202020204" pitchFamily="34" charset="0"/>
+                <a:cs typeface="Arial" panose="020B0604020202020204" pitchFamily="34" charset="0"/>
+              </a:rPr>
+              <a:t> </a:t>
+            </a:r>
+            <a:r>
+              <a:rPr lang="en-US" sz="800" dirty="0" err="1">
+                <a:latin typeface="Arial" panose="020B0604020202020204" pitchFamily="34" charset="0"/>
+                <a:cs typeface="Arial" panose="020B0604020202020204" pitchFamily="34" charset="0"/>
+              </a:rPr>
+              <a:t>tempor</a:t>
+            </a:r>
+            <a:r>
+              <a:rPr lang="en-US" sz="800" dirty="0">
+                <a:latin typeface="Arial" panose="020B0604020202020204" pitchFamily="34" charset="0"/>
+                <a:cs typeface="Arial" panose="020B0604020202020204" pitchFamily="34" charset="0"/>
+              </a:rPr>
+              <a:t> </a:t>
+            </a:r>
+            <a:r>
+              <a:rPr lang="en-US" sz="800" dirty="0" err="1">
+                <a:latin typeface="Arial" panose="020B0604020202020204" pitchFamily="34" charset="0"/>
+                <a:cs typeface="Arial" panose="020B0604020202020204" pitchFamily="34" charset="0"/>
+              </a:rPr>
+              <a:t>incididunt</a:t>
+            </a:r>
+            <a:r>
+              <a:rPr lang="en-US" sz="800" dirty="0">
+                <a:latin typeface="Arial" panose="020B0604020202020204" pitchFamily="34" charset="0"/>
+                <a:cs typeface="Arial" panose="020B0604020202020204" pitchFamily="34" charset="0"/>
+              </a:rPr>
+              <a:t> </a:t>
+            </a:r>
+            <a:r>
+              <a:rPr lang="en-US" sz="800" dirty="0" err="1">
+                <a:latin typeface="Arial" panose="020B0604020202020204" pitchFamily="34" charset="0"/>
+                <a:cs typeface="Arial" panose="020B0604020202020204" pitchFamily="34" charset="0"/>
+              </a:rPr>
+              <a:t>ut</a:t>
+            </a:r>
+            <a:r>
+              <a:rPr lang="en-US" sz="800" dirty="0">
+                <a:latin typeface="Arial" panose="020B0604020202020204" pitchFamily="34" charset="0"/>
+                <a:cs typeface="Arial" panose="020B0604020202020204" pitchFamily="34" charset="0"/>
+              </a:rPr>
+              <a:t> </a:t>
+            </a:r>
+            <a:r>
+              <a:rPr lang="en-US" sz="800" dirty="0" err="1">
+                <a:latin typeface="Arial" panose="020B0604020202020204" pitchFamily="34" charset="0"/>
+                <a:cs typeface="Arial" panose="020B0604020202020204" pitchFamily="34" charset="0"/>
+              </a:rPr>
+              <a:t>labore</a:t>
+            </a:r>
+            <a:r>
+              <a:rPr lang="en-US" sz="800" dirty="0">
+                <a:latin typeface="Arial" panose="020B0604020202020204" pitchFamily="34" charset="0"/>
+                <a:cs typeface="Arial" panose="020B0604020202020204" pitchFamily="34" charset="0"/>
+              </a:rPr>
+              <a:t> et dolore magna </a:t>
+            </a:r>
+            <a:r>
+              <a:rPr lang="en-US" sz="800" dirty="0" err="1">
+                <a:latin typeface="Arial" panose="020B0604020202020204" pitchFamily="34" charset="0"/>
+                <a:cs typeface="Arial" panose="020B0604020202020204" pitchFamily="34" charset="0"/>
+              </a:rPr>
+              <a:t>aliqua</a:t>
+            </a:r>
+            <a:r>
+              <a:rPr lang="en-US" sz="800" dirty="0">
+                <a:latin typeface="Arial" panose="020B0604020202020204" pitchFamily="34" charset="0"/>
+                <a:cs typeface="Arial" panose="020B0604020202020204" pitchFamily="34" charset="0"/>
+              </a:rPr>
+              <a:t>. Ut </a:t>
+            </a:r>
+            <a:r>
+              <a:rPr lang="en-US" sz="800" dirty="0" err="1">
+                <a:latin typeface="Arial" panose="020B0604020202020204" pitchFamily="34" charset="0"/>
+                <a:cs typeface="Arial" panose="020B0604020202020204" pitchFamily="34" charset="0"/>
+              </a:rPr>
+              <a:t>enim</a:t>
+            </a:r>
+            <a:r>
+              <a:rPr lang="en-US" sz="800" dirty="0">
+                <a:latin typeface="Arial" panose="020B0604020202020204" pitchFamily="34" charset="0"/>
+                <a:cs typeface="Arial" panose="020B0604020202020204" pitchFamily="34" charset="0"/>
+              </a:rPr>
+              <a:t> ad minim </a:t>
+            </a:r>
+            <a:r>
+              <a:rPr lang="en-US" sz="800" dirty="0" err="1">
+                <a:latin typeface="Arial" panose="020B0604020202020204" pitchFamily="34" charset="0"/>
+                <a:cs typeface="Arial" panose="020B0604020202020204" pitchFamily="34" charset="0"/>
+              </a:rPr>
+              <a:t>veniam</a:t>
+            </a:r>
+            <a:r>
+              <a:rPr lang="en-US" sz="800" dirty="0">
+                <a:latin typeface="Arial" panose="020B0604020202020204" pitchFamily="34" charset="0"/>
+                <a:cs typeface="Arial" panose="020B0604020202020204" pitchFamily="34" charset="0"/>
+              </a:rPr>
+              <a:t>, </a:t>
+            </a:r>
+            <a:r>
+              <a:rPr lang="en-US" sz="800" dirty="0" err="1">
+                <a:latin typeface="Arial" panose="020B0604020202020204" pitchFamily="34" charset="0"/>
+                <a:cs typeface="Arial" panose="020B0604020202020204" pitchFamily="34" charset="0"/>
+              </a:rPr>
+              <a:t>quis</a:t>
+            </a:r>
+            <a:r>
+              <a:rPr lang="en-US" sz="800" dirty="0">
+                <a:latin typeface="Arial" panose="020B0604020202020204" pitchFamily="34" charset="0"/>
+                <a:cs typeface="Arial" panose="020B0604020202020204" pitchFamily="34" charset="0"/>
+              </a:rPr>
+              <a:t> </a:t>
+            </a:r>
+            <a:r>
+              <a:rPr lang="en-US" sz="800" dirty="0" err="1">
+                <a:latin typeface="Arial" panose="020B0604020202020204" pitchFamily="34" charset="0"/>
+                <a:cs typeface="Arial" panose="020B0604020202020204" pitchFamily="34" charset="0"/>
+              </a:rPr>
+              <a:t>nostrud</a:t>
+            </a:r>
+            <a:r>
+              <a:rPr lang="en-US" sz="800" dirty="0">
+                <a:latin typeface="Arial" panose="020B0604020202020204" pitchFamily="34" charset="0"/>
+                <a:cs typeface="Arial" panose="020B0604020202020204" pitchFamily="34" charset="0"/>
+              </a:rPr>
+              <a:t> exercitation </a:t>
+            </a:r>
+            <a:r>
+              <a:rPr lang="en-US" sz="800" dirty="0" err="1">
+                <a:latin typeface="Arial" panose="020B0604020202020204" pitchFamily="34" charset="0"/>
+                <a:cs typeface="Arial" panose="020B0604020202020204" pitchFamily="34" charset="0"/>
+              </a:rPr>
+              <a:t>ullamco</a:t>
+            </a:r>
+            <a:r>
+              <a:rPr lang="en-US" sz="800" dirty="0">
+                <a:latin typeface="Arial" panose="020B0604020202020204" pitchFamily="34" charset="0"/>
+                <a:cs typeface="Arial" panose="020B0604020202020204" pitchFamily="34" charset="0"/>
+              </a:rPr>
+              <a:t> </a:t>
+            </a:r>
+            <a:r>
+              <a:rPr lang="en-US" sz="800" dirty="0" err="1">
+                <a:latin typeface="Arial" panose="020B0604020202020204" pitchFamily="34" charset="0"/>
+                <a:cs typeface="Arial" panose="020B0604020202020204" pitchFamily="34" charset="0"/>
+              </a:rPr>
+              <a:t>laboris</a:t>
+            </a:r>
+            <a:r>
+              <a:rPr lang="en-US" sz="800" dirty="0">
+                <a:latin typeface="Arial" panose="020B0604020202020204" pitchFamily="34" charset="0"/>
+                <a:cs typeface="Arial" panose="020B0604020202020204" pitchFamily="34" charset="0"/>
+              </a:rPr>
+              <a:t> nisi </a:t>
+            </a:r>
+            <a:r>
+              <a:rPr lang="en-US" sz="800" dirty="0" err="1">
+                <a:latin typeface="Arial" panose="020B0604020202020204" pitchFamily="34" charset="0"/>
+                <a:cs typeface="Arial" panose="020B0604020202020204" pitchFamily="34" charset="0"/>
+              </a:rPr>
+              <a:t>ut</a:t>
+            </a:r>
+            <a:r>
+              <a:rPr lang="en-US" sz="800" dirty="0">
+                <a:latin typeface="Arial" panose="020B0604020202020204" pitchFamily="34" charset="0"/>
+                <a:cs typeface="Arial" panose="020B0604020202020204" pitchFamily="34" charset="0"/>
+              </a:rPr>
+              <a:t> </a:t>
+            </a:r>
+            <a:r>
+              <a:rPr lang="en-US" sz="800" dirty="0" err="1">
+                <a:latin typeface="Arial" panose="020B0604020202020204" pitchFamily="34" charset="0"/>
+                <a:cs typeface="Arial" panose="020B0604020202020204" pitchFamily="34" charset="0"/>
+              </a:rPr>
+              <a:t>aliquip</a:t>
+            </a:r>
+            <a:r>
+              <a:rPr lang="en-US" sz="800" dirty="0">
+                <a:latin typeface="Arial" panose="020B0604020202020204" pitchFamily="34" charset="0"/>
+                <a:cs typeface="Arial" panose="020B0604020202020204" pitchFamily="34" charset="0"/>
+              </a:rPr>
+              <a:t> ex </a:t>
+            </a:r>
+            <a:r>
+              <a:rPr lang="en-US" sz="800" dirty="0" err="1">
+                <a:latin typeface="Arial" panose="020B0604020202020204" pitchFamily="34" charset="0"/>
+                <a:cs typeface="Arial" panose="020B0604020202020204" pitchFamily="34" charset="0"/>
+              </a:rPr>
+              <a:t>ea</a:t>
+            </a:r>
+            <a:r>
+              <a:rPr lang="en-US" sz="800" dirty="0">
+                <a:latin typeface="Arial" panose="020B0604020202020204" pitchFamily="34" charset="0"/>
+                <a:cs typeface="Arial" panose="020B0604020202020204" pitchFamily="34" charset="0"/>
+              </a:rPr>
+              <a:t> </a:t>
+            </a:r>
+            <a:r>
+              <a:rPr lang="en-US" sz="800" dirty="0" err="1">
+                <a:latin typeface="Arial" panose="020B0604020202020204" pitchFamily="34" charset="0"/>
+                <a:cs typeface="Arial" panose="020B0604020202020204" pitchFamily="34" charset="0"/>
+              </a:rPr>
+              <a:t>commodo</a:t>
+            </a:r>
+            <a:r>
+              <a:rPr lang="en-US" sz="800" dirty="0">
+                <a:latin typeface="Arial" panose="020B0604020202020204" pitchFamily="34" charset="0"/>
+                <a:cs typeface="Arial" panose="020B0604020202020204" pitchFamily="34" charset="0"/>
+              </a:rPr>
+              <a:t> </a:t>
+            </a:r>
+            <a:r>
+              <a:rPr lang="en-US" sz="800" dirty="0" err="1">
+                <a:latin typeface="Arial" panose="020B0604020202020204" pitchFamily="34" charset="0"/>
+                <a:cs typeface="Arial" panose="020B0604020202020204" pitchFamily="34" charset="0"/>
+              </a:rPr>
+              <a:t>consequat</a:t>
+            </a:r>
+            <a:r>
+              <a:rPr lang="en-US" sz="800" dirty="0">
+                <a:latin typeface="Arial" panose="020B0604020202020204" pitchFamily="34" charset="0"/>
+                <a:cs typeface="Arial" panose="020B0604020202020204" pitchFamily="34" charset="0"/>
+              </a:rPr>
+              <a:t>. Duis </a:t>
+            </a:r>
+            <a:r>
+              <a:rPr lang="en-US" sz="800" dirty="0" err="1">
+                <a:latin typeface="Arial" panose="020B0604020202020204" pitchFamily="34" charset="0"/>
+                <a:cs typeface="Arial" panose="020B0604020202020204" pitchFamily="34" charset="0"/>
+              </a:rPr>
+              <a:t>aute</a:t>
+            </a:r>
+            <a:r>
+              <a:rPr lang="en-US" sz="800" dirty="0">
+                <a:latin typeface="Arial" panose="020B0604020202020204" pitchFamily="34" charset="0"/>
+                <a:cs typeface="Arial" panose="020B0604020202020204" pitchFamily="34" charset="0"/>
+              </a:rPr>
+              <a:t> </a:t>
+            </a:r>
+            <a:r>
+              <a:rPr lang="en-US" sz="800" dirty="0" err="1">
+                <a:latin typeface="Arial" panose="020B0604020202020204" pitchFamily="34" charset="0"/>
+                <a:cs typeface="Arial" panose="020B0604020202020204" pitchFamily="34" charset="0"/>
+              </a:rPr>
+              <a:t>irure</a:t>
+            </a:r>
+            <a:r>
+              <a:rPr lang="en-US" sz="800" dirty="0">
+                <a:latin typeface="Arial" panose="020B0604020202020204" pitchFamily="34" charset="0"/>
+                <a:cs typeface="Arial" panose="020B0604020202020204" pitchFamily="34" charset="0"/>
+              </a:rPr>
+              <a:t> dolor in </a:t>
+            </a:r>
+            <a:r>
+              <a:rPr lang="en-US" sz="800" dirty="0" err="1">
+                <a:latin typeface="Arial" panose="020B0604020202020204" pitchFamily="34" charset="0"/>
+                <a:cs typeface="Arial" panose="020B0604020202020204" pitchFamily="34" charset="0"/>
+              </a:rPr>
+              <a:t>reprehenderit</a:t>
+            </a:r>
+            <a:r>
+              <a:rPr lang="en-US" sz="800" dirty="0">
+                <a:latin typeface="Arial" panose="020B0604020202020204" pitchFamily="34" charset="0"/>
+                <a:cs typeface="Arial" panose="020B0604020202020204" pitchFamily="34" charset="0"/>
+              </a:rPr>
+              <a:t> in </a:t>
+            </a:r>
+            <a:r>
+              <a:rPr lang="en-US" sz="800" dirty="0" err="1">
+                <a:latin typeface="Arial" panose="020B0604020202020204" pitchFamily="34" charset="0"/>
+                <a:cs typeface="Arial" panose="020B0604020202020204" pitchFamily="34" charset="0"/>
+              </a:rPr>
+              <a:t>voluptate</a:t>
+            </a:r>
+            <a:r>
+              <a:rPr lang="en-US" sz="800" dirty="0">
+                <a:latin typeface="Arial" panose="020B0604020202020204" pitchFamily="34" charset="0"/>
+                <a:cs typeface="Arial" panose="020B0604020202020204" pitchFamily="34" charset="0"/>
+              </a:rPr>
+              <a:t> </a:t>
+            </a:r>
+            <a:r>
+              <a:rPr lang="en-US" sz="800" dirty="0" err="1">
+                <a:latin typeface="Arial" panose="020B0604020202020204" pitchFamily="34" charset="0"/>
+                <a:cs typeface="Arial" panose="020B0604020202020204" pitchFamily="34" charset="0"/>
+              </a:rPr>
+              <a:t>velit</a:t>
+            </a:r>
+            <a:r>
+              <a:rPr lang="en-US" sz="800" dirty="0">
+                <a:latin typeface="Arial" panose="020B0604020202020204" pitchFamily="34" charset="0"/>
+                <a:cs typeface="Arial" panose="020B0604020202020204" pitchFamily="34" charset="0"/>
+              </a:rPr>
+              <a:t> </a:t>
+            </a:r>
+            <a:r>
+              <a:rPr lang="en-US" sz="800" dirty="0" err="1">
+                <a:latin typeface="Arial" panose="020B0604020202020204" pitchFamily="34" charset="0"/>
+                <a:cs typeface="Arial" panose="020B0604020202020204" pitchFamily="34" charset="0"/>
+              </a:rPr>
+              <a:t>esse</a:t>
+            </a:r>
+            <a:r>
+              <a:rPr lang="en-US" sz="800" dirty="0">
+                <a:latin typeface="Arial" panose="020B0604020202020204" pitchFamily="34" charset="0"/>
+                <a:cs typeface="Arial" panose="020B0604020202020204" pitchFamily="34" charset="0"/>
+              </a:rPr>
+              <a:t> </a:t>
+            </a:r>
+            <a:r>
+              <a:rPr lang="en-US" sz="800" dirty="0" err="1">
+                <a:latin typeface="Arial" panose="020B0604020202020204" pitchFamily="34" charset="0"/>
+                <a:cs typeface="Arial" panose="020B0604020202020204" pitchFamily="34" charset="0"/>
+              </a:rPr>
+              <a:t>cillum</a:t>
+            </a:r>
+            <a:r>
+              <a:rPr lang="en-US" sz="800" dirty="0">
+                <a:latin typeface="Arial" panose="020B0604020202020204" pitchFamily="34" charset="0"/>
+                <a:cs typeface="Arial" panose="020B0604020202020204" pitchFamily="34" charset="0"/>
+              </a:rPr>
+              <a:t> dolore </a:t>
+            </a:r>
+            <a:r>
+              <a:rPr lang="en-US" sz="800" dirty="0" err="1">
+                <a:latin typeface="Arial" panose="020B0604020202020204" pitchFamily="34" charset="0"/>
+                <a:cs typeface="Arial" panose="020B0604020202020204" pitchFamily="34" charset="0"/>
+              </a:rPr>
+              <a:t>eu</a:t>
+            </a:r>
+            <a:r>
+              <a:rPr lang="en-US" sz="800" dirty="0">
+                <a:latin typeface="Arial" panose="020B0604020202020204" pitchFamily="34" charset="0"/>
+                <a:cs typeface="Arial" panose="020B0604020202020204" pitchFamily="34" charset="0"/>
+              </a:rPr>
+              <a:t> </a:t>
+            </a:r>
+            <a:r>
+              <a:rPr lang="en-US" sz="800" dirty="0" err="1">
+                <a:latin typeface="Arial" panose="020B0604020202020204" pitchFamily="34" charset="0"/>
+                <a:cs typeface="Arial" panose="020B0604020202020204" pitchFamily="34" charset="0"/>
+              </a:rPr>
+              <a:t>fugiat</a:t>
+            </a:r>
+            <a:r>
+              <a:rPr lang="en-US" sz="800" dirty="0">
+                <a:latin typeface="Arial" panose="020B0604020202020204" pitchFamily="34" charset="0"/>
+                <a:cs typeface="Arial" panose="020B0604020202020204" pitchFamily="34" charset="0"/>
+              </a:rPr>
+              <a:t> </a:t>
+            </a:r>
+            <a:r>
+              <a:rPr lang="en-US" sz="800" dirty="0" err="1">
+                <a:latin typeface="Arial" panose="020B0604020202020204" pitchFamily="34" charset="0"/>
+                <a:cs typeface="Arial" panose="020B0604020202020204" pitchFamily="34" charset="0"/>
+              </a:rPr>
+              <a:t>nulla</a:t>
+            </a:r>
+            <a:r>
+              <a:rPr lang="en-US" sz="800" dirty="0">
+                <a:latin typeface="Arial" panose="020B0604020202020204" pitchFamily="34" charset="0"/>
+                <a:cs typeface="Arial" panose="020B0604020202020204" pitchFamily="34" charset="0"/>
+              </a:rPr>
+              <a:t> </a:t>
+            </a:r>
+            <a:r>
+              <a:rPr lang="en-US" sz="800" dirty="0" err="1">
+                <a:latin typeface="Arial" panose="020B0604020202020204" pitchFamily="34" charset="0"/>
+                <a:cs typeface="Arial" panose="020B0604020202020204" pitchFamily="34" charset="0"/>
+              </a:rPr>
+              <a:t>pariatur</a:t>
+            </a:r>
+            <a:r>
+              <a:rPr lang="en-US" sz="800" dirty="0">
+                <a:latin typeface="Arial" panose="020B0604020202020204" pitchFamily="34" charset="0"/>
+                <a:cs typeface="Arial" panose="020B0604020202020204" pitchFamily="34" charset="0"/>
+              </a:rPr>
+              <a:t>. </a:t>
+            </a:r>
+            <a:r>
+              <a:rPr lang="en-US" sz="800" dirty="0" err="1">
+                <a:latin typeface="Arial" panose="020B0604020202020204" pitchFamily="34" charset="0"/>
+                <a:cs typeface="Arial" panose="020B0604020202020204" pitchFamily="34" charset="0"/>
+              </a:rPr>
+              <a:t>Excepteur</a:t>
+            </a:r>
+            <a:r>
+              <a:rPr lang="en-US" sz="800" dirty="0">
+                <a:latin typeface="Arial" panose="020B0604020202020204" pitchFamily="34" charset="0"/>
+                <a:cs typeface="Arial" panose="020B0604020202020204" pitchFamily="34" charset="0"/>
+              </a:rPr>
+              <a:t> </a:t>
+            </a:r>
+            <a:r>
+              <a:rPr lang="en-US" sz="800" dirty="0" err="1">
+                <a:latin typeface="Arial" panose="020B0604020202020204" pitchFamily="34" charset="0"/>
+                <a:cs typeface="Arial" panose="020B0604020202020204" pitchFamily="34" charset="0"/>
+              </a:rPr>
+              <a:t>sint</a:t>
+            </a:r>
+            <a:r>
+              <a:rPr lang="en-US" sz="800" dirty="0">
+                <a:latin typeface="Arial" panose="020B0604020202020204" pitchFamily="34" charset="0"/>
+                <a:cs typeface="Arial" panose="020B0604020202020204" pitchFamily="34" charset="0"/>
+              </a:rPr>
+              <a:t> </a:t>
+            </a:r>
+            <a:r>
+              <a:rPr lang="en-US" sz="800" dirty="0" err="1">
+                <a:latin typeface="Arial" panose="020B0604020202020204" pitchFamily="34" charset="0"/>
+                <a:cs typeface="Arial" panose="020B0604020202020204" pitchFamily="34" charset="0"/>
+              </a:rPr>
+              <a:t>occaecat</a:t>
+            </a:r>
+            <a:r>
+              <a:rPr lang="en-US" sz="800" dirty="0">
+                <a:latin typeface="Arial" panose="020B0604020202020204" pitchFamily="34" charset="0"/>
+                <a:cs typeface="Arial" panose="020B0604020202020204" pitchFamily="34" charset="0"/>
+              </a:rPr>
+              <a:t> </a:t>
+            </a:r>
+            <a:r>
+              <a:rPr lang="en-US" sz="800" dirty="0" err="1">
+                <a:latin typeface="Arial" panose="020B0604020202020204" pitchFamily="34" charset="0"/>
+                <a:cs typeface="Arial" panose="020B0604020202020204" pitchFamily="34" charset="0"/>
+              </a:rPr>
+              <a:t>cupidatat</a:t>
+            </a:r>
+            <a:r>
+              <a:rPr lang="en-US" sz="800" dirty="0">
+                <a:latin typeface="Arial" panose="020B0604020202020204" pitchFamily="34" charset="0"/>
+                <a:cs typeface="Arial" panose="020B0604020202020204" pitchFamily="34" charset="0"/>
+              </a:rPr>
+              <a:t> non </a:t>
+            </a:r>
+            <a:r>
+              <a:rPr lang="en-US" sz="800" dirty="0" err="1">
+                <a:latin typeface="Arial" panose="020B0604020202020204" pitchFamily="34" charset="0"/>
+                <a:cs typeface="Arial" panose="020B0604020202020204" pitchFamily="34" charset="0"/>
+              </a:rPr>
+              <a:t>proident</a:t>
+            </a:r>
+            <a:r>
+              <a:rPr lang="en-US" sz="800" dirty="0">
+                <a:latin typeface="Arial" panose="020B0604020202020204" pitchFamily="34" charset="0"/>
+                <a:cs typeface="Arial" panose="020B0604020202020204" pitchFamily="34" charset="0"/>
+              </a:rPr>
+              <a:t>, sunt in culpa qui </a:t>
+            </a:r>
+            <a:r>
+              <a:rPr lang="en-US" sz="800" dirty="0" err="1">
+                <a:latin typeface="Arial" panose="020B0604020202020204" pitchFamily="34" charset="0"/>
+                <a:cs typeface="Arial" panose="020B0604020202020204" pitchFamily="34" charset="0"/>
+              </a:rPr>
+              <a:t>officia</a:t>
+            </a:r>
+            <a:r>
+              <a:rPr lang="en-US" sz="800" dirty="0">
+                <a:latin typeface="Arial" panose="020B0604020202020204" pitchFamily="34" charset="0"/>
+                <a:cs typeface="Arial" panose="020B0604020202020204" pitchFamily="34" charset="0"/>
+              </a:rPr>
+              <a:t> </a:t>
+            </a:r>
+            <a:r>
+              <a:rPr lang="en-US" sz="800" dirty="0" err="1">
+                <a:latin typeface="Arial" panose="020B0604020202020204" pitchFamily="34" charset="0"/>
+                <a:cs typeface="Arial" panose="020B0604020202020204" pitchFamily="34" charset="0"/>
+              </a:rPr>
+              <a:t>deserunt</a:t>
+            </a:r>
+            <a:r>
+              <a:rPr lang="en-US" sz="800" dirty="0">
+                <a:latin typeface="Arial" panose="020B0604020202020204" pitchFamily="34" charset="0"/>
+                <a:cs typeface="Arial" panose="020B0604020202020204" pitchFamily="34" charset="0"/>
+              </a:rPr>
+              <a:t> </a:t>
+            </a:r>
+            <a:r>
+              <a:rPr lang="en-US" sz="800" dirty="0" err="1">
+                <a:latin typeface="Arial" panose="020B0604020202020204" pitchFamily="34" charset="0"/>
+                <a:cs typeface="Arial" panose="020B0604020202020204" pitchFamily="34" charset="0"/>
+              </a:rPr>
+              <a:t>mollit</a:t>
+            </a:r>
+            <a:r>
+              <a:rPr lang="en-US" sz="800" dirty="0">
+                <a:latin typeface="Arial" panose="020B0604020202020204" pitchFamily="34" charset="0"/>
+                <a:cs typeface="Arial" panose="020B0604020202020204" pitchFamily="34" charset="0"/>
+              </a:rPr>
+              <a:t> </a:t>
+            </a:r>
+            <a:r>
+              <a:rPr lang="en-US" sz="800" dirty="0" err="1">
+                <a:latin typeface="Arial" panose="020B0604020202020204" pitchFamily="34" charset="0"/>
+                <a:cs typeface="Arial" panose="020B0604020202020204" pitchFamily="34" charset="0"/>
+              </a:rPr>
+              <a:t>anim</a:t>
+            </a:r>
+            <a:r>
+              <a:rPr lang="en-US" sz="800" dirty="0">
+                <a:latin typeface="Arial" panose="020B0604020202020204" pitchFamily="34" charset="0"/>
+                <a:cs typeface="Arial" panose="020B0604020202020204" pitchFamily="34" charset="0"/>
+              </a:rPr>
+              <a:t> id </a:t>
+            </a:r>
+            <a:r>
+              <a:rPr lang="en-US" sz="800" dirty="0" err="1">
+                <a:latin typeface="Arial" panose="020B0604020202020204" pitchFamily="34" charset="0"/>
+                <a:cs typeface="Arial" panose="020B0604020202020204" pitchFamily="34" charset="0"/>
+              </a:rPr>
+              <a:t>est</a:t>
+            </a:r>
+            <a:r>
+              <a:rPr lang="en-US" sz="800" dirty="0">
+                <a:latin typeface="Arial" panose="020B0604020202020204" pitchFamily="34" charset="0"/>
+                <a:cs typeface="Arial" panose="020B0604020202020204" pitchFamily="34" charset="0"/>
+              </a:rPr>
+              <a:t> </a:t>
+            </a:r>
+            <a:r>
+              <a:rPr lang="en-US" sz="800" dirty="0" err="1">
+                <a:latin typeface="Arial" panose="020B0604020202020204" pitchFamily="34" charset="0"/>
+                <a:cs typeface="Arial" panose="020B0604020202020204" pitchFamily="34" charset="0"/>
+              </a:rPr>
+              <a:t>laborum</a:t>
+            </a:r>
+            <a:r>
+              <a:rPr lang="en-US" sz="800" dirty="0">
+                <a:latin typeface="Arial" panose="020B0604020202020204" pitchFamily="34" charset="0"/>
+                <a:cs typeface="Arial" panose="020B0604020202020204" pitchFamily="34" charset="0"/>
+              </a:rPr>
+              <a:t>.</a:t>
+            </a:r>
+          </a:p>
+          <a:p>
+            <a:pPr algn="just"/>
+            <a:endParaRPr lang="en-US" sz="800" dirty="0">
+              <a:latin typeface="Arial" panose="020B0604020202020204" pitchFamily="34" charset="0"/>
+              <a:cs typeface="Arial" panose="020B0604020202020204" pitchFamily="34" charset="0"/>
+            </a:endParaRPr>
+          </a:p>
+          <a:p>
+            <a:pPr algn="just"/>
+            <a:r>
+              <a:rPr lang="en-US" sz="800" dirty="0">
+                <a:latin typeface="Arial" panose="020B0604020202020204" pitchFamily="34" charset="0"/>
+                <a:cs typeface="Arial" panose="020B0604020202020204" pitchFamily="34" charset="0"/>
+              </a:rPr>
+              <a:t>Lorem ipsum dolor sit </a:t>
+            </a:r>
+            <a:r>
+              <a:rPr lang="en-US" sz="800" dirty="0" err="1">
+                <a:latin typeface="Arial" panose="020B0604020202020204" pitchFamily="34" charset="0"/>
+                <a:cs typeface="Arial" panose="020B0604020202020204" pitchFamily="34" charset="0"/>
+              </a:rPr>
+              <a:t>amet</a:t>
+            </a:r>
+            <a:r>
+              <a:rPr lang="en-US" sz="800" dirty="0">
+                <a:latin typeface="Arial" panose="020B0604020202020204" pitchFamily="34" charset="0"/>
+                <a:cs typeface="Arial" panose="020B0604020202020204" pitchFamily="34" charset="0"/>
+              </a:rPr>
+              <a:t>, </a:t>
+            </a:r>
+            <a:r>
+              <a:rPr lang="en-US" sz="800" dirty="0" err="1">
+                <a:latin typeface="Arial" panose="020B0604020202020204" pitchFamily="34" charset="0"/>
+                <a:cs typeface="Arial" panose="020B0604020202020204" pitchFamily="34" charset="0"/>
+              </a:rPr>
+              <a:t>consectetur</a:t>
+            </a:r>
+            <a:r>
+              <a:rPr lang="en-US" sz="800" dirty="0">
+                <a:latin typeface="Arial" panose="020B0604020202020204" pitchFamily="34" charset="0"/>
+                <a:cs typeface="Arial" panose="020B0604020202020204" pitchFamily="34" charset="0"/>
+              </a:rPr>
+              <a:t> </a:t>
+            </a:r>
+            <a:r>
+              <a:rPr lang="en-US" sz="800" dirty="0" err="1">
+                <a:latin typeface="Arial" panose="020B0604020202020204" pitchFamily="34" charset="0"/>
+                <a:cs typeface="Arial" panose="020B0604020202020204" pitchFamily="34" charset="0"/>
+              </a:rPr>
+              <a:t>adipiscing</a:t>
+            </a:r>
+            <a:r>
+              <a:rPr lang="en-US" sz="800" dirty="0">
+                <a:latin typeface="Arial" panose="020B0604020202020204" pitchFamily="34" charset="0"/>
+                <a:cs typeface="Arial" panose="020B0604020202020204" pitchFamily="34" charset="0"/>
+              </a:rPr>
+              <a:t> </a:t>
+            </a:r>
+            <a:r>
+              <a:rPr lang="en-US" sz="800" dirty="0" err="1">
+                <a:latin typeface="Arial" panose="020B0604020202020204" pitchFamily="34" charset="0"/>
+                <a:cs typeface="Arial" panose="020B0604020202020204" pitchFamily="34" charset="0"/>
+              </a:rPr>
+              <a:t>elit</a:t>
+            </a:r>
+            <a:r>
+              <a:rPr lang="en-US" sz="800" dirty="0">
+                <a:latin typeface="Arial" panose="020B0604020202020204" pitchFamily="34" charset="0"/>
+                <a:cs typeface="Arial" panose="020B0604020202020204" pitchFamily="34" charset="0"/>
+              </a:rPr>
+              <a:t>, sed do </a:t>
+            </a:r>
+            <a:r>
+              <a:rPr lang="en-US" sz="800" dirty="0" err="1">
+                <a:latin typeface="Arial" panose="020B0604020202020204" pitchFamily="34" charset="0"/>
+                <a:cs typeface="Arial" panose="020B0604020202020204" pitchFamily="34" charset="0"/>
+              </a:rPr>
+              <a:t>eiusmod</a:t>
+            </a:r>
+            <a:r>
+              <a:rPr lang="en-US" sz="800" dirty="0">
+                <a:latin typeface="Arial" panose="020B0604020202020204" pitchFamily="34" charset="0"/>
+                <a:cs typeface="Arial" panose="020B0604020202020204" pitchFamily="34" charset="0"/>
+              </a:rPr>
+              <a:t> </a:t>
+            </a:r>
+            <a:r>
+              <a:rPr lang="en-US" sz="800" dirty="0" err="1">
+                <a:latin typeface="Arial" panose="020B0604020202020204" pitchFamily="34" charset="0"/>
+                <a:cs typeface="Arial" panose="020B0604020202020204" pitchFamily="34" charset="0"/>
+              </a:rPr>
+              <a:t>tempor</a:t>
+            </a:r>
+            <a:r>
+              <a:rPr lang="en-US" sz="800" dirty="0">
+                <a:latin typeface="Arial" panose="020B0604020202020204" pitchFamily="34" charset="0"/>
+                <a:cs typeface="Arial" panose="020B0604020202020204" pitchFamily="34" charset="0"/>
+              </a:rPr>
+              <a:t> </a:t>
+            </a:r>
+            <a:r>
+              <a:rPr lang="en-US" sz="800" dirty="0" err="1">
+                <a:latin typeface="Arial" panose="020B0604020202020204" pitchFamily="34" charset="0"/>
+                <a:cs typeface="Arial" panose="020B0604020202020204" pitchFamily="34" charset="0"/>
+              </a:rPr>
+              <a:t>incididunt</a:t>
+            </a:r>
+            <a:r>
+              <a:rPr lang="en-US" sz="800" dirty="0">
+                <a:latin typeface="Arial" panose="020B0604020202020204" pitchFamily="34" charset="0"/>
+                <a:cs typeface="Arial" panose="020B0604020202020204" pitchFamily="34" charset="0"/>
+              </a:rPr>
+              <a:t> </a:t>
+            </a:r>
+            <a:r>
+              <a:rPr lang="en-US" sz="800" dirty="0" err="1">
+                <a:latin typeface="Arial" panose="020B0604020202020204" pitchFamily="34" charset="0"/>
+                <a:cs typeface="Arial" panose="020B0604020202020204" pitchFamily="34" charset="0"/>
+              </a:rPr>
+              <a:t>ut</a:t>
+            </a:r>
+            <a:r>
+              <a:rPr lang="en-US" sz="800" dirty="0">
+                <a:latin typeface="Arial" panose="020B0604020202020204" pitchFamily="34" charset="0"/>
+                <a:cs typeface="Arial" panose="020B0604020202020204" pitchFamily="34" charset="0"/>
+              </a:rPr>
+              <a:t> </a:t>
+            </a:r>
+            <a:r>
+              <a:rPr lang="en-US" sz="800" dirty="0" err="1">
+                <a:latin typeface="Arial" panose="020B0604020202020204" pitchFamily="34" charset="0"/>
+                <a:cs typeface="Arial" panose="020B0604020202020204" pitchFamily="34" charset="0"/>
+              </a:rPr>
+              <a:t>labore</a:t>
+            </a:r>
+            <a:r>
+              <a:rPr lang="en-US" sz="800" dirty="0">
+                <a:latin typeface="Arial" panose="020B0604020202020204" pitchFamily="34" charset="0"/>
+                <a:cs typeface="Arial" panose="020B0604020202020204" pitchFamily="34" charset="0"/>
+              </a:rPr>
+              <a:t> et dolore magna </a:t>
+            </a:r>
+            <a:r>
+              <a:rPr lang="en-US" sz="800" dirty="0" err="1">
+                <a:latin typeface="Arial" panose="020B0604020202020204" pitchFamily="34" charset="0"/>
+                <a:cs typeface="Arial" panose="020B0604020202020204" pitchFamily="34" charset="0"/>
+              </a:rPr>
+              <a:t>aliqua</a:t>
+            </a:r>
+            <a:r>
+              <a:rPr lang="en-US" sz="800" dirty="0">
+                <a:latin typeface="Arial" panose="020B0604020202020204" pitchFamily="34" charset="0"/>
+                <a:cs typeface="Arial" panose="020B0604020202020204" pitchFamily="34" charset="0"/>
+              </a:rPr>
+              <a:t>. Ut </a:t>
+            </a:r>
+            <a:r>
+              <a:rPr lang="en-US" sz="800" dirty="0" err="1">
+                <a:latin typeface="Arial" panose="020B0604020202020204" pitchFamily="34" charset="0"/>
+                <a:cs typeface="Arial" panose="020B0604020202020204" pitchFamily="34" charset="0"/>
+              </a:rPr>
+              <a:t>enim</a:t>
+            </a:r>
+            <a:r>
+              <a:rPr lang="en-US" sz="800" dirty="0">
+                <a:latin typeface="Arial" panose="020B0604020202020204" pitchFamily="34" charset="0"/>
+                <a:cs typeface="Arial" panose="020B0604020202020204" pitchFamily="34" charset="0"/>
+              </a:rPr>
+              <a:t> ad minim </a:t>
+            </a:r>
+            <a:r>
+              <a:rPr lang="en-US" sz="800" dirty="0" err="1">
+                <a:latin typeface="Arial" panose="020B0604020202020204" pitchFamily="34" charset="0"/>
+                <a:cs typeface="Arial" panose="020B0604020202020204" pitchFamily="34" charset="0"/>
+              </a:rPr>
+              <a:t>veniam</a:t>
+            </a:r>
+            <a:r>
+              <a:rPr lang="en-US" sz="800" dirty="0">
+                <a:latin typeface="Arial" panose="020B0604020202020204" pitchFamily="34" charset="0"/>
+                <a:cs typeface="Arial" panose="020B0604020202020204" pitchFamily="34" charset="0"/>
+              </a:rPr>
+              <a:t>, </a:t>
+            </a:r>
+            <a:r>
+              <a:rPr lang="en-US" sz="800" dirty="0" err="1">
+                <a:latin typeface="Arial" panose="020B0604020202020204" pitchFamily="34" charset="0"/>
+                <a:cs typeface="Arial" panose="020B0604020202020204" pitchFamily="34" charset="0"/>
+              </a:rPr>
+              <a:t>quis</a:t>
+            </a:r>
+            <a:r>
+              <a:rPr lang="en-US" sz="800" dirty="0">
+                <a:latin typeface="Arial" panose="020B0604020202020204" pitchFamily="34" charset="0"/>
+                <a:cs typeface="Arial" panose="020B0604020202020204" pitchFamily="34" charset="0"/>
+              </a:rPr>
+              <a:t> </a:t>
+            </a:r>
+            <a:r>
+              <a:rPr lang="en-US" sz="800" dirty="0" err="1">
+                <a:latin typeface="Arial" panose="020B0604020202020204" pitchFamily="34" charset="0"/>
+                <a:cs typeface="Arial" panose="020B0604020202020204" pitchFamily="34" charset="0"/>
+              </a:rPr>
+              <a:t>nostrud</a:t>
+            </a:r>
+            <a:r>
+              <a:rPr lang="en-US" sz="800" dirty="0">
+                <a:latin typeface="Arial" panose="020B0604020202020204" pitchFamily="34" charset="0"/>
+                <a:cs typeface="Arial" panose="020B0604020202020204" pitchFamily="34" charset="0"/>
+              </a:rPr>
+              <a:t> exercitation </a:t>
+            </a:r>
+            <a:r>
+              <a:rPr lang="en-US" sz="800" dirty="0" err="1">
+                <a:latin typeface="Arial" panose="020B0604020202020204" pitchFamily="34" charset="0"/>
+                <a:cs typeface="Arial" panose="020B0604020202020204" pitchFamily="34" charset="0"/>
+              </a:rPr>
+              <a:t>ullamco</a:t>
+            </a:r>
+            <a:r>
+              <a:rPr lang="en-US" sz="800" dirty="0">
+                <a:latin typeface="Arial" panose="020B0604020202020204" pitchFamily="34" charset="0"/>
+                <a:cs typeface="Arial" panose="020B0604020202020204" pitchFamily="34" charset="0"/>
+              </a:rPr>
+              <a:t> </a:t>
+            </a:r>
+            <a:r>
+              <a:rPr lang="en-US" sz="800" dirty="0" err="1">
+                <a:latin typeface="Arial" panose="020B0604020202020204" pitchFamily="34" charset="0"/>
+                <a:cs typeface="Arial" panose="020B0604020202020204" pitchFamily="34" charset="0"/>
+              </a:rPr>
+              <a:t>laboris</a:t>
+            </a:r>
+            <a:r>
+              <a:rPr lang="en-US" sz="800" dirty="0">
+                <a:latin typeface="Arial" panose="020B0604020202020204" pitchFamily="34" charset="0"/>
+                <a:cs typeface="Arial" panose="020B0604020202020204" pitchFamily="34" charset="0"/>
+              </a:rPr>
+              <a:t> nisi </a:t>
+            </a:r>
+            <a:r>
+              <a:rPr lang="en-US" sz="800" dirty="0" err="1">
+                <a:latin typeface="Arial" panose="020B0604020202020204" pitchFamily="34" charset="0"/>
+                <a:cs typeface="Arial" panose="020B0604020202020204" pitchFamily="34" charset="0"/>
+              </a:rPr>
+              <a:t>ut</a:t>
+            </a:r>
+            <a:r>
+              <a:rPr lang="en-US" sz="800" dirty="0">
+                <a:latin typeface="Arial" panose="020B0604020202020204" pitchFamily="34" charset="0"/>
+                <a:cs typeface="Arial" panose="020B0604020202020204" pitchFamily="34" charset="0"/>
+              </a:rPr>
+              <a:t> </a:t>
+            </a:r>
+            <a:r>
+              <a:rPr lang="en-US" sz="800" dirty="0" err="1">
+                <a:latin typeface="Arial" panose="020B0604020202020204" pitchFamily="34" charset="0"/>
+                <a:cs typeface="Arial" panose="020B0604020202020204" pitchFamily="34" charset="0"/>
+              </a:rPr>
+              <a:t>aliquip</a:t>
+            </a:r>
+            <a:r>
+              <a:rPr lang="en-US" sz="800" dirty="0">
+                <a:latin typeface="Arial" panose="020B0604020202020204" pitchFamily="34" charset="0"/>
+                <a:cs typeface="Arial" panose="020B0604020202020204" pitchFamily="34" charset="0"/>
+              </a:rPr>
+              <a:t> ex </a:t>
+            </a:r>
+            <a:r>
+              <a:rPr lang="en-US" sz="800" dirty="0" err="1">
+                <a:latin typeface="Arial" panose="020B0604020202020204" pitchFamily="34" charset="0"/>
+                <a:cs typeface="Arial" panose="020B0604020202020204" pitchFamily="34" charset="0"/>
+              </a:rPr>
+              <a:t>ea</a:t>
+            </a:r>
+            <a:r>
+              <a:rPr lang="en-US" sz="800" dirty="0">
+                <a:latin typeface="Arial" panose="020B0604020202020204" pitchFamily="34" charset="0"/>
+                <a:cs typeface="Arial" panose="020B0604020202020204" pitchFamily="34" charset="0"/>
+              </a:rPr>
+              <a:t> </a:t>
+            </a:r>
+            <a:r>
+              <a:rPr lang="en-US" sz="800" dirty="0" err="1">
+                <a:latin typeface="Arial" panose="020B0604020202020204" pitchFamily="34" charset="0"/>
+                <a:cs typeface="Arial" panose="020B0604020202020204" pitchFamily="34" charset="0"/>
+              </a:rPr>
+              <a:t>commodo</a:t>
+            </a:r>
+            <a:r>
+              <a:rPr lang="en-US" sz="800" dirty="0">
+                <a:latin typeface="Arial" panose="020B0604020202020204" pitchFamily="34" charset="0"/>
+                <a:cs typeface="Arial" panose="020B0604020202020204" pitchFamily="34" charset="0"/>
+              </a:rPr>
+              <a:t> </a:t>
+            </a:r>
+            <a:r>
+              <a:rPr lang="en-US" sz="800" dirty="0" err="1">
+                <a:latin typeface="Arial" panose="020B0604020202020204" pitchFamily="34" charset="0"/>
+                <a:cs typeface="Arial" panose="020B0604020202020204" pitchFamily="34" charset="0"/>
+              </a:rPr>
+              <a:t>consequat</a:t>
+            </a:r>
+            <a:r>
+              <a:rPr lang="en-US" sz="800" dirty="0">
+                <a:latin typeface="Arial" panose="020B0604020202020204" pitchFamily="34" charset="0"/>
+                <a:cs typeface="Arial" panose="020B0604020202020204" pitchFamily="34" charset="0"/>
+              </a:rPr>
+              <a:t>. Duis </a:t>
+            </a:r>
+            <a:r>
+              <a:rPr lang="en-US" sz="800" dirty="0" err="1">
+                <a:latin typeface="Arial" panose="020B0604020202020204" pitchFamily="34" charset="0"/>
+                <a:cs typeface="Arial" panose="020B0604020202020204" pitchFamily="34" charset="0"/>
+              </a:rPr>
+              <a:t>aute</a:t>
+            </a:r>
+            <a:r>
+              <a:rPr lang="en-US" sz="800" dirty="0">
+                <a:latin typeface="Arial" panose="020B0604020202020204" pitchFamily="34" charset="0"/>
+                <a:cs typeface="Arial" panose="020B0604020202020204" pitchFamily="34" charset="0"/>
+              </a:rPr>
+              <a:t> </a:t>
+            </a:r>
+            <a:r>
+              <a:rPr lang="en-US" sz="800" dirty="0" err="1">
+                <a:latin typeface="Arial" panose="020B0604020202020204" pitchFamily="34" charset="0"/>
+                <a:cs typeface="Arial" panose="020B0604020202020204" pitchFamily="34" charset="0"/>
+              </a:rPr>
+              <a:t>irure</a:t>
+            </a:r>
+            <a:r>
+              <a:rPr lang="en-US" sz="800" dirty="0">
+                <a:latin typeface="Arial" panose="020B0604020202020204" pitchFamily="34" charset="0"/>
+                <a:cs typeface="Arial" panose="020B0604020202020204" pitchFamily="34" charset="0"/>
+              </a:rPr>
+              <a:t> dolor in </a:t>
+            </a:r>
+            <a:r>
+              <a:rPr lang="en-US" sz="800" dirty="0" err="1">
+                <a:latin typeface="Arial" panose="020B0604020202020204" pitchFamily="34" charset="0"/>
+                <a:cs typeface="Arial" panose="020B0604020202020204" pitchFamily="34" charset="0"/>
+              </a:rPr>
+              <a:t>reprehenderit</a:t>
+            </a:r>
+            <a:r>
+              <a:rPr lang="en-US" sz="800" dirty="0">
+                <a:latin typeface="Arial" panose="020B0604020202020204" pitchFamily="34" charset="0"/>
+                <a:cs typeface="Arial" panose="020B0604020202020204" pitchFamily="34" charset="0"/>
+              </a:rPr>
+              <a:t> in </a:t>
+            </a:r>
+            <a:r>
+              <a:rPr lang="en-US" sz="800" dirty="0" err="1">
+                <a:latin typeface="Arial" panose="020B0604020202020204" pitchFamily="34" charset="0"/>
+                <a:cs typeface="Arial" panose="020B0604020202020204" pitchFamily="34" charset="0"/>
+              </a:rPr>
+              <a:t>voluptate</a:t>
+            </a:r>
+            <a:r>
+              <a:rPr lang="en-US" sz="800" dirty="0">
+                <a:latin typeface="Arial" panose="020B0604020202020204" pitchFamily="34" charset="0"/>
+                <a:cs typeface="Arial" panose="020B0604020202020204" pitchFamily="34" charset="0"/>
+              </a:rPr>
+              <a:t> </a:t>
+            </a:r>
+            <a:r>
+              <a:rPr lang="en-US" sz="800" dirty="0" err="1">
+                <a:latin typeface="Arial" panose="020B0604020202020204" pitchFamily="34" charset="0"/>
+                <a:cs typeface="Arial" panose="020B0604020202020204" pitchFamily="34" charset="0"/>
+              </a:rPr>
+              <a:t>velit</a:t>
+            </a:r>
+            <a:r>
+              <a:rPr lang="en-US" sz="800" dirty="0">
+                <a:latin typeface="Arial" panose="020B0604020202020204" pitchFamily="34" charset="0"/>
+                <a:cs typeface="Arial" panose="020B0604020202020204" pitchFamily="34" charset="0"/>
+              </a:rPr>
+              <a:t> </a:t>
+            </a:r>
+            <a:r>
+              <a:rPr lang="en-US" sz="800" dirty="0" err="1">
+                <a:latin typeface="Arial" panose="020B0604020202020204" pitchFamily="34" charset="0"/>
+                <a:cs typeface="Arial" panose="020B0604020202020204" pitchFamily="34" charset="0"/>
+              </a:rPr>
+              <a:t>esse</a:t>
+            </a:r>
+            <a:r>
+              <a:rPr lang="en-US" sz="800" dirty="0">
+                <a:latin typeface="Arial" panose="020B0604020202020204" pitchFamily="34" charset="0"/>
+                <a:cs typeface="Arial" panose="020B0604020202020204" pitchFamily="34" charset="0"/>
+              </a:rPr>
+              <a:t> </a:t>
+            </a:r>
+            <a:r>
+              <a:rPr lang="en-US" sz="800" dirty="0" err="1">
+                <a:latin typeface="Arial" panose="020B0604020202020204" pitchFamily="34" charset="0"/>
+                <a:cs typeface="Arial" panose="020B0604020202020204" pitchFamily="34" charset="0"/>
+              </a:rPr>
+              <a:t>cillum</a:t>
+            </a:r>
+            <a:r>
+              <a:rPr lang="en-US" sz="800" dirty="0">
+                <a:latin typeface="Arial" panose="020B0604020202020204" pitchFamily="34" charset="0"/>
+                <a:cs typeface="Arial" panose="020B0604020202020204" pitchFamily="34" charset="0"/>
+              </a:rPr>
+              <a:t> dolore </a:t>
+            </a:r>
+            <a:r>
+              <a:rPr lang="en-US" sz="800" dirty="0" err="1">
+                <a:latin typeface="Arial" panose="020B0604020202020204" pitchFamily="34" charset="0"/>
+                <a:cs typeface="Arial" panose="020B0604020202020204" pitchFamily="34" charset="0"/>
+              </a:rPr>
+              <a:t>eu</a:t>
+            </a:r>
+            <a:r>
+              <a:rPr lang="en-US" sz="800" dirty="0">
+                <a:latin typeface="Arial" panose="020B0604020202020204" pitchFamily="34" charset="0"/>
+                <a:cs typeface="Arial" panose="020B0604020202020204" pitchFamily="34" charset="0"/>
+              </a:rPr>
+              <a:t> </a:t>
+            </a:r>
+            <a:r>
+              <a:rPr lang="en-US" sz="800" dirty="0" err="1">
+                <a:latin typeface="Arial" panose="020B0604020202020204" pitchFamily="34" charset="0"/>
+                <a:cs typeface="Arial" panose="020B0604020202020204" pitchFamily="34" charset="0"/>
+              </a:rPr>
+              <a:t>fugiat</a:t>
+            </a:r>
+            <a:r>
+              <a:rPr lang="en-US" sz="800" dirty="0">
+                <a:latin typeface="Arial" panose="020B0604020202020204" pitchFamily="34" charset="0"/>
+                <a:cs typeface="Arial" panose="020B0604020202020204" pitchFamily="34" charset="0"/>
+              </a:rPr>
+              <a:t> </a:t>
+            </a:r>
+            <a:r>
+              <a:rPr lang="en-US" sz="800" dirty="0" err="1">
+                <a:latin typeface="Arial" panose="020B0604020202020204" pitchFamily="34" charset="0"/>
+                <a:cs typeface="Arial" panose="020B0604020202020204" pitchFamily="34" charset="0"/>
+              </a:rPr>
+              <a:t>nulla</a:t>
+            </a:r>
+            <a:r>
+              <a:rPr lang="en-US" sz="800" dirty="0">
+                <a:latin typeface="Arial" panose="020B0604020202020204" pitchFamily="34" charset="0"/>
+                <a:cs typeface="Arial" panose="020B0604020202020204" pitchFamily="34" charset="0"/>
+              </a:rPr>
+              <a:t> </a:t>
+            </a:r>
+            <a:r>
+              <a:rPr lang="en-US" sz="800" dirty="0" err="1">
+                <a:latin typeface="Arial" panose="020B0604020202020204" pitchFamily="34" charset="0"/>
+                <a:cs typeface="Arial" panose="020B0604020202020204" pitchFamily="34" charset="0"/>
+              </a:rPr>
+              <a:t>pariatur</a:t>
+            </a:r>
+            <a:r>
+              <a:rPr lang="en-US" sz="800" dirty="0">
+                <a:latin typeface="Arial" panose="020B0604020202020204" pitchFamily="34" charset="0"/>
+                <a:cs typeface="Arial" panose="020B0604020202020204" pitchFamily="34" charset="0"/>
+              </a:rPr>
+              <a:t>. </a:t>
+            </a:r>
+            <a:r>
+              <a:rPr lang="en-US" sz="800" dirty="0" err="1">
+                <a:latin typeface="Arial" panose="020B0604020202020204" pitchFamily="34" charset="0"/>
+                <a:cs typeface="Arial" panose="020B0604020202020204" pitchFamily="34" charset="0"/>
+              </a:rPr>
+              <a:t>Excepteur</a:t>
+            </a:r>
+            <a:r>
+              <a:rPr lang="en-US" sz="800" dirty="0">
+                <a:latin typeface="Arial" panose="020B0604020202020204" pitchFamily="34" charset="0"/>
+                <a:cs typeface="Arial" panose="020B0604020202020204" pitchFamily="34" charset="0"/>
+              </a:rPr>
+              <a:t> </a:t>
+            </a:r>
+            <a:r>
+              <a:rPr lang="en-US" sz="800" dirty="0" err="1">
+                <a:latin typeface="Arial" panose="020B0604020202020204" pitchFamily="34" charset="0"/>
+                <a:cs typeface="Arial" panose="020B0604020202020204" pitchFamily="34" charset="0"/>
+              </a:rPr>
+              <a:t>sint</a:t>
+            </a:r>
+            <a:r>
+              <a:rPr lang="en-US" sz="800" dirty="0">
+                <a:latin typeface="Arial" panose="020B0604020202020204" pitchFamily="34" charset="0"/>
+                <a:cs typeface="Arial" panose="020B0604020202020204" pitchFamily="34" charset="0"/>
+              </a:rPr>
+              <a:t> </a:t>
+            </a:r>
+            <a:r>
+              <a:rPr lang="en-US" sz="800" dirty="0" err="1">
+                <a:latin typeface="Arial" panose="020B0604020202020204" pitchFamily="34" charset="0"/>
+                <a:cs typeface="Arial" panose="020B0604020202020204" pitchFamily="34" charset="0"/>
+              </a:rPr>
+              <a:t>occaecat</a:t>
+            </a:r>
+            <a:r>
+              <a:rPr lang="en-US" sz="800" dirty="0">
+                <a:latin typeface="Arial" panose="020B0604020202020204" pitchFamily="34" charset="0"/>
+                <a:cs typeface="Arial" panose="020B0604020202020204" pitchFamily="34" charset="0"/>
+              </a:rPr>
+              <a:t> </a:t>
+            </a:r>
+            <a:r>
+              <a:rPr lang="en-US" sz="800" dirty="0" err="1">
+                <a:latin typeface="Arial" panose="020B0604020202020204" pitchFamily="34" charset="0"/>
+                <a:cs typeface="Arial" panose="020B0604020202020204" pitchFamily="34" charset="0"/>
+              </a:rPr>
+              <a:t>cupidatat</a:t>
+            </a:r>
+            <a:r>
+              <a:rPr lang="en-US" sz="800" dirty="0">
+                <a:latin typeface="Arial" panose="020B0604020202020204" pitchFamily="34" charset="0"/>
+                <a:cs typeface="Arial" panose="020B0604020202020204" pitchFamily="34" charset="0"/>
+              </a:rPr>
+              <a:t> non </a:t>
+            </a:r>
+            <a:r>
+              <a:rPr lang="en-US" sz="800" dirty="0" err="1">
+                <a:latin typeface="Arial" panose="020B0604020202020204" pitchFamily="34" charset="0"/>
+                <a:cs typeface="Arial" panose="020B0604020202020204" pitchFamily="34" charset="0"/>
+              </a:rPr>
+              <a:t>proident</a:t>
+            </a:r>
+            <a:r>
+              <a:rPr lang="en-US" sz="800" dirty="0">
+                <a:latin typeface="Arial" panose="020B0604020202020204" pitchFamily="34" charset="0"/>
+                <a:cs typeface="Arial" panose="020B0604020202020204" pitchFamily="34" charset="0"/>
+              </a:rPr>
+              <a:t>, sunt in culpa qui </a:t>
+            </a:r>
+            <a:r>
+              <a:rPr lang="en-US" sz="800" dirty="0" err="1">
+                <a:latin typeface="Arial" panose="020B0604020202020204" pitchFamily="34" charset="0"/>
+                <a:cs typeface="Arial" panose="020B0604020202020204" pitchFamily="34" charset="0"/>
+              </a:rPr>
+              <a:t>officia</a:t>
+            </a:r>
+            <a:r>
+              <a:rPr lang="en-US" sz="800" dirty="0">
+                <a:latin typeface="Arial" panose="020B0604020202020204" pitchFamily="34" charset="0"/>
+                <a:cs typeface="Arial" panose="020B0604020202020204" pitchFamily="34" charset="0"/>
+              </a:rPr>
+              <a:t> </a:t>
+            </a:r>
+            <a:r>
+              <a:rPr lang="en-US" sz="800" dirty="0" err="1">
+                <a:latin typeface="Arial" panose="020B0604020202020204" pitchFamily="34" charset="0"/>
+                <a:cs typeface="Arial" panose="020B0604020202020204" pitchFamily="34" charset="0"/>
+              </a:rPr>
+              <a:t>deserunt</a:t>
+            </a:r>
+            <a:r>
+              <a:rPr lang="en-US" sz="800" dirty="0">
+                <a:latin typeface="Arial" panose="020B0604020202020204" pitchFamily="34" charset="0"/>
+                <a:cs typeface="Arial" panose="020B0604020202020204" pitchFamily="34" charset="0"/>
+              </a:rPr>
+              <a:t> </a:t>
+            </a:r>
+            <a:r>
+              <a:rPr lang="en-US" sz="800" dirty="0" err="1">
+                <a:latin typeface="Arial" panose="020B0604020202020204" pitchFamily="34" charset="0"/>
+                <a:cs typeface="Arial" panose="020B0604020202020204" pitchFamily="34" charset="0"/>
+              </a:rPr>
+              <a:t>mollit</a:t>
+            </a:r>
+            <a:r>
+              <a:rPr lang="en-US" sz="800" dirty="0">
+                <a:latin typeface="Arial" panose="020B0604020202020204" pitchFamily="34" charset="0"/>
+                <a:cs typeface="Arial" panose="020B0604020202020204" pitchFamily="34" charset="0"/>
+              </a:rPr>
+              <a:t> </a:t>
+            </a:r>
+            <a:r>
+              <a:rPr lang="en-US" sz="800" dirty="0" err="1">
+                <a:latin typeface="Arial" panose="020B0604020202020204" pitchFamily="34" charset="0"/>
+                <a:cs typeface="Arial" panose="020B0604020202020204" pitchFamily="34" charset="0"/>
+              </a:rPr>
+              <a:t>anim</a:t>
+            </a:r>
+            <a:r>
+              <a:rPr lang="en-US" sz="800" dirty="0">
+                <a:latin typeface="Arial" panose="020B0604020202020204" pitchFamily="34" charset="0"/>
+                <a:cs typeface="Arial" panose="020B0604020202020204" pitchFamily="34" charset="0"/>
+              </a:rPr>
+              <a:t> id </a:t>
+            </a:r>
+            <a:r>
+              <a:rPr lang="en-US" sz="800" dirty="0" err="1">
+                <a:latin typeface="Arial" panose="020B0604020202020204" pitchFamily="34" charset="0"/>
+                <a:cs typeface="Arial" panose="020B0604020202020204" pitchFamily="34" charset="0"/>
+              </a:rPr>
+              <a:t>est</a:t>
+            </a:r>
+            <a:r>
+              <a:rPr lang="en-US" sz="800" dirty="0">
+                <a:latin typeface="Arial" panose="020B0604020202020204" pitchFamily="34" charset="0"/>
+                <a:cs typeface="Arial" panose="020B0604020202020204" pitchFamily="34" charset="0"/>
+              </a:rPr>
+              <a:t> </a:t>
+            </a:r>
+            <a:r>
+              <a:rPr lang="en-US" sz="800" dirty="0" err="1">
+                <a:latin typeface="Arial" panose="020B0604020202020204" pitchFamily="34" charset="0"/>
+                <a:cs typeface="Arial" panose="020B0604020202020204" pitchFamily="34" charset="0"/>
+              </a:rPr>
+              <a:t>laborum</a:t>
+            </a:r>
+            <a:r>
+              <a:rPr lang="en-US" sz="800" dirty="0">
+                <a:latin typeface="Arial" panose="020B0604020202020204" pitchFamily="34" charset="0"/>
+                <a:cs typeface="Arial" panose="020B0604020202020204" pitchFamily="34" charset="0"/>
+              </a:rPr>
+              <a:t>.</a:t>
+            </a:r>
+          </a:p>
+        </p:txBody>
+      </p:sp>
+      <p:sp>
+        <p:nvSpPr>
+          <p:cNvPr id="27" name="Rectangle: Rounded Corners 26">
+            <a:extLst>
+              <a:ext uri="{FF2B5EF4-FFF2-40B4-BE49-F238E27FC236}">
+                <a16:creationId xmlns:a16="http://schemas.microsoft.com/office/drawing/2014/main" id="{45005E6C-750D-4AFA-A249-CAAC8A4FE6F7}"/>
+              </a:ext>
+            </a:extLst>
+          </p:cNvPr>
+          <p:cNvSpPr/>
+          <p:nvPr/>
+        </p:nvSpPr>
+        <p:spPr>
+          <a:xfrm>
+            <a:off x="1085054" y="3394850"/>
+            <a:ext cx="980281" cy="190500"/>
           </a:xfrm>
           <a:prstGeom prst="roundRect">
             <a:avLst/>
@@ -3697,7 +4994,7 @@
           </a:fontRef>
         </p:style>
         <p:txBody>
-          <a:bodyPr rot="0" spcFirstLastPara="0" vertOverflow="overflow" horzOverflow="overflow" vert="horz" wrap="square" lIns="329184" tIns="164592" rIns="329184" bIns="164592" numCol="1" spcCol="0" rtlCol="0" fromWordArt="0" anchor="ctr" anchorCtr="0" forceAA="0" compatLnSpc="1">
+          <a:bodyPr rot="0" spcFirstLastPara="0" vertOverflow="overflow" horzOverflow="overflow" vert="horz" wrap="square" lIns="68580" tIns="34290" rIns="68580" bIns="34290" numCol="1" spcCol="0" rtlCol="0" fromWordArt="0" anchor="ctr" anchorCtr="0" forceAA="0" compatLnSpc="1">
             <a:prstTxWarp prst="textNoShape">
               <a:avLst/>
             </a:prstTxWarp>
@@ -3707,24 +5004,1054 @@
           <a:p>
             <a:pPr algn="ctr"/>
             <a:r>
-              <a:rPr lang="en-US" sz="4000" b="1" dirty="0">
+              <a:rPr lang="en-US" sz="833" b="1" dirty="0">
                 <a:solidFill>
                   <a:schemeClr val="bg1"/>
                 </a:solidFill>
                 <a:latin typeface="Arial" panose="020B0604020202020204" pitchFamily="34" charset="0"/>
                 <a:cs typeface="Arial" panose="020B0604020202020204" pitchFamily="34" charset="0"/>
               </a:rPr>
-              <a:t>Title</a:t>
-            </a:r>
-          </a:p>
-        </p:txBody>
-      </p:sp>
-      <p:sp>
-        <p:nvSpPr>
-          <p:cNvPr id="23" name="Rectangle: Rounded Corners 22">
+              <a:t>Data</a:t>
+            </a:r>
+          </a:p>
+        </p:txBody>
+      </p:sp>
+      <p:sp>
+        <p:nvSpPr>
+          <p:cNvPr id="28" name="TextBox 27">
             <a:extLst>
               <a:ext uri="{FF2B5EF4-FFF2-40B4-BE49-F238E27FC236}">
-                <a16:creationId xmlns:a16="http://schemas.microsoft.com/office/drawing/2014/main" id="{A0D4EB0B-E57D-4697-9457-811FE366B2EF}"/>
+                <a16:creationId xmlns:a16="http://schemas.microsoft.com/office/drawing/2014/main" id="{1D16B48E-B498-471E-A776-3FFFF291AE6F}"/>
+              </a:ext>
+            </a:extLst>
+          </p:cNvPr>
+          <p:cNvSpPr txBox="1"/>
+          <p:nvPr/>
+        </p:nvSpPr>
+        <p:spPr>
+          <a:xfrm>
+            <a:off x="101952" y="4039978"/>
+            <a:ext cx="2872351" cy="1077218"/>
+          </a:xfrm>
+          <a:prstGeom prst="rect">
+            <a:avLst/>
+          </a:prstGeom>
+          <a:noFill/>
+        </p:spPr>
+        <p:txBody>
+          <a:bodyPr wrap="square" rtlCol="0">
+            <a:spAutoFit/>
+          </a:bodyPr>
+          <a:lstStyle/>
+          <a:p>
+            <a:pPr algn="just"/>
+            <a:r>
+              <a:rPr lang="en-US" sz="800" dirty="0">
+                <a:latin typeface="Arial" panose="020B0604020202020204" pitchFamily="34" charset="0"/>
+                <a:cs typeface="Arial" panose="020B0604020202020204" pitchFamily="34" charset="0"/>
+              </a:rPr>
+              <a:t>Lorem ipsum dolor sit </a:t>
+            </a:r>
+            <a:r>
+              <a:rPr lang="en-US" sz="800" dirty="0" err="1">
+                <a:latin typeface="Arial" panose="020B0604020202020204" pitchFamily="34" charset="0"/>
+                <a:cs typeface="Arial" panose="020B0604020202020204" pitchFamily="34" charset="0"/>
+              </a:rPr>
+              <a:t>amet</a:t>
+            </a:r>
+            <a:r>
+              <a:rPr lang="en-US" sz="800" dirty="0">
+                <a:latin typeface="Arial" panose="020B0604020202020204" pitchFamily="34" charset="0"/>
+                <a:cs typeface="Arial" panose="020B0604020202020204" pitchFamily="34" charset="0"/>
+              </a:rPr>
+              <a:t>, </a:t>
+            </a:r>
+            <a:r>
+              <a:rPr lang="en-US" sz="800" dirty="0" err="1">
+                <a:latin typeface="Arial" panose="020B0604020202020204" pitchFamily="34" charset="0"/>
+                <a:cs typeface="Arial" panose="020B0604020202020204" pitchFamily="34" charset="0"/>
+              </a:rPr>
+              <a:t>consectetur</a:t>
+            </a:r>
+            <a:r>
+              <a:rPr lang="en-US" sz="800" dirty="0">
+                <a:latin typeface="Arial" panose="020B0604020202020204" pitchFamily="34" charset="0"/>
+                <a:cs typeface="Arial" panose="020B0604020202020204" pitchFamily="34" charset="0"/>
+              </a:rPr>
+              <a:t> </a:t>
+            </a:r>
+            <a:r>
+              <a:rPr lang="en-US" sz="800" dirty="0" err="1">
+                <a:latin typeface="Arial" panose="020B0604020202020204" pitchFamily="34" charset="0"/>
+                <a:cs typeface="Arial" panose="020B0604020202020204" pitchFamily="34" charset="0"/>
+              </a:rPr>
+              <a:t>adipiscing</a:t>
+            </a:r>
+            <a:r>
+              <a:rPr lang="en-US" sz="800" dirty="0">
+                <a:latin typeface="Arial" panose="020B0604020202020204" pitchFamily="34" charset="0"/>
+                <a:cs typeface="Arial" panose="020B0604020202020204" pitchFamily="34" charset="0"/>
+              </a:rPr>
+              <a:t> </a:t>
+            </a:r>
+            <a:r>
+              <a:rPr lang="en-US" sz="800" dirty="0" err="1">
+                <a:latin typeface="Arial" panose="020B0604020202020204" pitchFamily="34" charset="0"/>
+                <a:cs typeface="Arial" panose="020B0604020202020204" pitchFamily="34" charset="0"/>
+              </a:rPr>
+              <a:t>elit</a:t>
+            </a:r>
+            <a:r>
+              <a:rPr lang="en-US" sz="800" dirty="0">
+                <a:latin typeface="Arial" panose="020B0604020202020204" pitchFamily="34" charset="0"/>
+                <a:cs typeface="Arial" panose="020B0604020202020204" pitchFamily="34" charset="0"/>
+              </a:rPr>
+              <a:t>, sed do </a:t>
+            </a:r>
+            <a:r>
+              <a:rPr lang="en-US" sz="800" dirty="0" err="1">
+                <a:latin typeface="Arial" panose="020B0604020202020204" pitchFamily="34" charset="0"/>
+                <a:cs typeface="Arial" panose="020B0604020202020204" pitchFamily="34" charset="0"/>
+              </a:rPr>
+              <a:t>eiusmod</a:t>
+            </a:r>
+            <a:r>
+              <a:rPr lang="en-US" sz="800" dirty="0">
+                <a:latin typeface="Arial" panose="020B0604020202020204" pitchFamily="34" charset="0"/>
+                <a:cs typeface="Arial" panose="020B0604020202020204" pitchFamily="34" charset="0"/>
+              </a:rPr>
+              <a:t> </a:t>
+            </a:r>
+            <a:r>
+              <a:rPr lang="en-US" sz="800" dirty="0" err="1">
+                <a:latin typeface="Arial" panose="020B0604020202020204" pitchFamily="34" charset="0"/>
+                <a:cs typeface="Arial" panose="020B0604020202020204" pitchFamily="34" charset="0"/>
+              </a:rPr>
+              <a:t>tempor</a:t>
+            </a:r>
+            <a:r>
+              <a:rPr lang="en-US" sz="800" dirty="0">
+                <a:latin typeface="Arial" panose="020B0604020202020204" pitchFamily="34" charset="0"/>
+                <a:cs typeface="Arial" panose="020B0604020202020204" pitchFamily="34" charset="0"/>
+              </a:rPr>
+              <a:t> </a:t>
+            </a:r>
+            <a:r>
+              <a:rPr lang="en-US" sz="800" dirty="0" err="1">
+                <a:latin typeface="Arial" panose="020B0604020202020204" pitchFamily="34" charset="0"/>
+                <a:cs typeface="Arial" panose="020B0604020202020204" pitchFamily="34" charset="0"/>
+              </a:rPr>
+              <a:t>incididunt</a:t>
+            </a:r>
+            <a:r>
+              <a:rPr lang="en-US" sz="800" dirty="0">
+                <a:latin typeface="Arial" panose="020B0604020202020204" pitchFamily="34" charset="0"/>
+                <a:cs typeface="Arial" panose="020B0604020202020204" pitchFamily="34" charset="0"/>
+              </a:rPr>
+              <a:t> </a:t>
+            </a:r>
+            <a:r>
+              <a:rPr lang="en-US" sz="800" dirty="0" err="1">
+                <a:latin typeface="Arial" panose="020B0604020202020204" pitchFamily="34" charset="0"/>
+                <a:cs typeface="Arial" panose="020B0604020202020204" pitchFamily="34" charset="0"/>
+              </a:rPr>
+              <a:t>ut</a:t>
+            </a:r>
+            <a:r>
+              <a:rPr lang="en-US" sz="800" dirty="0">
+                <a:latin typeface="Arial" panose="020B0604020202020204" pitchFamily="34" charset="0"/>
+                <a:cs typeface="Arial" panose="020B0604020202020204" pitchFamily="34" charset="0"/>
+              </a:rPr>
+              <a:t> </a:t>
+            </a:r>
+            <a:r>
+              <a:rPr lang="en-US" sz="800" dirty="0" err="1">
+                <a:latin typeface="Arial" panose="020B0604020202020204" pitchFamily="34" charset="0"/>
+                <a:cs typeface="Arial" panose="020B0604020202020204" pitchFamily="34" charset="0"/>
+              </a:rPr>
+              <a:t>labore</a:t>
+            </a:r>
+            <a:r>
+              <a:rPr lang="en-US" sz="800" dirty="0">
+                <a:latin typeface="Arial" panose="020B0604020202020204" pitchFamily="34" charset="0"/>
+                <a:cs typeface="Arial" panose="020B0604020202020204" pitchFamily="34" charset="0"/>
+              </a:rPr>
+              <a:t> et dolore magna </a:t>
+            </a:r>
+            <a:r>
+              <a:rPr lang="en-US" sz="800" dirty="0" err="1">
+                <a:latin typeface="Arial" panose="020B0604020202020204" pitchFamily="34" charset="0"/>
+                <a:cs typeface="Arial" panose="020B0604020202020204" pitchFamily="34" charset="0"/>
+              </a:rPr>
+              <a:t>aliqua</a:t>
+            </a:r>
+            <a:r>
+              <a:rPr lang="en-US" sz="800" dirty="0">
+                <a:latin typeface="Arial" panose="020B0604020202020204" pitchFamily="34" charset="0"/>
+                <a:cs typeface="Arial" panose="020B0604020202020204" pitchFamily="34" charset="0"/>
+              </a:rPr>
+              <a:t>. Ut </a:t>
+            </a:r>
+            <a:r>
+              <a:rPr lang="en-US" sz="800" dirty="0" err="1">
+                <a:latin typeface="Arial" panose="020B0604020202020204" pitchFamily="34" charset="0"/>
+                <a:cs typeface="Arial" panose="020B0604020202020204" pitchFamily="34" charset="0"/>
+              </a:rPr>
+              <a:t>enim</a:t>
+            </a:r>
+            <a:r>
+              <a:rPr lang="en-US" sz="800" dirty="0">
+                <a:latin typeface="Arial" panose="020B0604020202020204" pitchFamily="34" charset="0"/>
+                <a:cs typeface="Arial" panose="020B0604020202020204" pitchFamily="34" charset="0"/>
+              </a:rPr>
+              <a:t> ad minim </a:t>
+            </a:r>
+            <a:r>
+              <a:rPr lang="en-US" sz="800" dirty="0" err="1">
+                <a:latin typeface="Arial" panose="020B0604020202020204" pitchFamily="34" charset="0"/>
+                <a:cs typeface="Arial" panose="020B0604020202020204" pitchFamily="34" charset="0"/>
+              </a:rPr>
+              <a:t>veniam</a:t>
+            </a:r>
+            <a:r>
+              <a:rPr lang="en-US" sz="800" dirty="0">
+                <a:latin typeface="Arial" panose="020B0604020202020204" pitchFamily="34" charset="0"/>
+                <a:cs typeface="Arial" panose="020B0604020202020204" pitchFamily="34" charset="0"/>
+              </a:rPr>
+              <a:t>, </a:t>
+            </a:r>
+            <a:r>
+              <a:rPr lang="en-US" sz="800" dirty="0" err="1">
+                <a:latin typeface="Arial" panose="020B0604020202020204" pitchFamily="34" charset="0"/>
+                <a:cs typeface="Arial" panose="020B0604020202020204" pitchFamily="34" charset="0"/>
+              </a:rPr>
+              <a:t>quis</a:t>
+            </a:r>
+            <a:r>
+              <a:rPr lang="en-US" sz="800" dirty="0">
+                <a:latin typeface="Arial" panose="020B0604020202020204" pitchFamily="34" charset="0"/>
+                <a:cs typeface="Arial" panose="020B0604020202020204" pitchFamily="34" charset="0"/>
+              </a:rPr>
+              <a:t> </a:t>
+            </a:r>
+            <a:r>
+              <a:rPr lang="en-US" sz="800" dirty="0" err="1">
+                <a:latin typeface="Arial" panose="020B0604020202020204" pitchFamily="34" charset="0"/>
+                <a:cs typeface="Arial" panose="020B0604020202020204" pitchFamily="34" charset="0"/>
+              </a:rPr>
+              <a:t>nostrud</a:t>
+            </a:r>
+            <a:r>
+              <a:rPr lang="en-US" sz="800" dirty="0">
+                <a:latin typeface="Arial" panose="020B0604020202020204" pitchFamily="34" charset="0"/>
+                <a:cs typeface="Arial" panose="020B0604020202020204" pitchFamily="34" charset="0"/>
+              </a:rPr>
+              <a:t> exercitation </a:t>
+            </a:r>
+            <a:r>
+              <a:rPr lang="en-US" sz="800" dirty="0" err="1">
+                <a:latin typeface="Arial" panose="020B0604020202020204" pitchFamily="34" charset="0"/>
+                <a:cs typeface="Arial" panose="020B0604020202020204" pitchFamily="34" charset="0"/>
+              </a:rPr>
+              <a:t>ullamco</a:t>
+            </a:r>
+            <a:r>
+              <a:rPr lang="en-US" sz="800" dirty="0">
+                <a:latin typeface="Arial" panose="020B0604020202020204" pitchFamily="34" charset="0"/>
+                <a:cs typeface="Arial" panose="020B0604020202020204" pitchFamily="34" charset="0"/>
+              </a:rPr>
+              <a:t> </a:t>
+            </a:r>
+            <a:r>
+              <a:rPr lang="en-US" sz="800" dirty="0" err="1">
+                <a:latin typeface="Arial" panose="020B0604020202020204" pitchFamily="34" charset="0"/>
+                <a:cs typeface="Arial" panose="020B0604020202020204" pitchFamily="34" charset="0"/>
+              </a:rPr>
+              <a:t>laboris</a:t>
+            </a:r>
+            <a:r>
+              <a:rPr lang="en-US" sz="800" dirty="0">
+                <a:latin typeface="Arial" panose="020B0604020202020204" pitchFamily="34" charset="0"/>
+                <a:cs typeface="Arial" panose="020B0604020202020204" pitchFamily="34" charset="0"/>
+              </a:rPr>
+              <a:t> nisi </a:t>
+            </a:r>
+            <a:r>
+              <a:rPr lang="en-US" sz="800" dirty="0" err="1">
+                <a:latin typeface="Arial" panose="020B0604020202020204" pitchFamily="34" charset="0"/>
+                <a:cs typeface="Arial" panose="020B0604020202020204" pitchFamily="34" charset="0"/>
+              </a:rPr>
+              <a:t>ut</a:t>
+            </a:r>
+            <a:r>
+              <a:rPr lang="en-US" sz="800" dirty="0">
+                <a:latin typeface="Arial" panose="020B0604020202020204" pitchFamily="34" charset="0"/>
+                <a:cs typeface="Arial" panose="020B0604020202020204" pitchFamily="34" charset="0"/>
+              </a:rPr>
+              <a:t> </a:t>
+            </a:r>
+            <a:r>
+              <a:rPr lang="en-US" sz="800" dirty="0" err="1">
+                <a:latin typeface="Arial" panose="020B0604020202020204" pitchFamily="34" charset="0"/>
+                <a:cs typeface="Arial" panose="020B0604020202020204" pitchFamily="34" charset="0"/>
+              </a:rPr>
+              <a:t>aliquip</a:t>
+            </a:r>
+            <a:r>
+              <a:rPr lang="en-US" sz="800" dirty="0">
+                <a:latin typeface="Arial" panose="020B0604020202020204" pitchFamily="34" charset="0"/>
+                <a:cs typeface="Arial" panose="020B0604020202020204" pitchFamily="34" charset="0"/>
+              </a:rPr>
+              <a:t> ex </a:t>
+            </a:r>
+            <a:r>
+              <a:rPr lang="en-US" sz="800" dirty="0" err="1">
+                <a:latin typeface="Arial" panose="020B0604020202020204" pitchFamily="34" charset="0"/>
+                <a:cs typeface="Arial" panose="020B0604020202020204" pitchFamily="34" charset="0"/>
+              </a:rPr>
+              <a:t>ea</a:t>
+            </a:r>
+            <a:r>
+              <a:rPr lang="en-US" sz="800" dirty="0">
+                <a:latin typeface="Arial" panose="020B0604020202020204" pitchFamily="34" charset="0"/>
+                <a:cs typeface="Arial" panose="020B0604020202020204" pitchFamily="34" charset="0"/>
+              </a:rPr>
+              <a:t> </a:t>
+            </a:r>
+            <a:r>
+              <a:rPr lang="en-US" sz="800" dirty="0" err="1">
+                <a:latin typeface="Arial" panose="020B0604020202020204" pitchFamily="34" charset="0"/>
+                <a:cs typeface="Arial" panose="020B0604020202020204" pitchFamily="34" charset="0"/>
+              </a:rPr>
+              <a:t>commodo</a:t>
+            </a:r>
+            <a:r>
+              <a:rPr lang="en-US" sz="800" dirty="0">
+                <a:latin typeface="Arial" panose="020B0604020202020204" pitchFamily="34" charset="0"/>
+                <a:cs typeface="Arial" panose="020B0604020202020204" pitchFamily="34" charset="0"/>
+              </a:rPr>
+              <a:t> </a:t>
+            </a:r>
+            <a:r>
+              <a:rPr lang="en-US" sz="800" dirty="0" err="1">
+                <a:latin typeface="Arial" panose="020B0604020202020204" pitchFamily="34" charset="0"/>
+                <a:cs typeface="Arial" panose="020B0604020202020204" pitchFamily="34" charset="0"/>
+              </a:rPr>
+              <a:t>consequat</a:t>
+            </a:r>
+            <a:r>
+              <a:rPr lang="en-US" sz="800" dirty="0">
+                <a:latin typeface="Arial" panose="020B0604020202020204" pitchFamily="34" charset="0"/>
+                <a:cs typeface="Arial" panose="020B0604020202020204" pitchFamily="34" charset="0"/>
+              </a:rPr>
+              <a:t>. Duis </a:t>
+            </a:r>
+            <a:r>
+              <a:rPr lang="en-US" sz="800" dirty="0" err="1">
+                <a:latin typeface="Arial" panose="020B0604020202020204" pitchFamily="34" charset="0"/>
+                <a:cs typeface="Arial" panose="020B0604020202020204" pitchFamily="34" charset="0"/>
+              </a:rPr>
+              <a:t>aute</a:t>
+            </a:r>
+            <a:r>
+              <a:rPr lang="en-US" sz="800" dirty="0">
+                <a:latin typeface="Arial" panose="020B0604020202020204" pitchFamily="34" charset="0"/>
+                <a:cs typeface="Arial" panose="020B0604020202020204" pitchFamily="34" charset="0"/>
+              </a:rPr>
+              <a:t> </a:t>
+            </a:r>
+            <a:r>
+              <a:rPr lang="en-US" sz="800" dirty="0" err="1">
+                <a:latin typeface="Arial" panose="020B0604020202020204" pitchFamily="34" charset="0"/>
+                <a:cs typeface="Arial" panose="020B0604020202020204" pitchFamily="34" charset="0"/>
+              </a:rPr>
+              <a:t>irure</a:t>
+            </a:r>
+            <a:r>
+              <a:rPr lang="en-US" sz="800" dirty="0">
+                <a:latin typeface="Arial" panose="020B0604020202020204" pitchFamily="34" charset="0"/>
+                <a:cs typeface="Arial" panose="020B0604020202020204" pitchFamily="34" charset="0"/>
+              </a:rPr>
+              <a:t> dolor in </a:t>
+            </a:r>
+            <a:r>
+              <a:rPr lang="en-US" sz="800" dirty="0" err="1">
+                <a:latin typeface="Arial" panose="020B0604020202020204" pitchFamily="34" charset="0"/>
+                <a:cs typeface="Arial" panose="020B0604020202020204" pitchFamily="34" charset="0"/>
+              </a:rPr>
+              <a:t>reprehenderit</a:t>
+            </a:r>
+            <a:r>
+              <a:rPr lang="en-US" sz="800" dirty="0">
+                <a:latin typeface="Arial" panose="020B0604020202020204" pitchFamily="34" charset="0"/>
+                <a:cs typeface="Arial" panose="020B0604020202020204" pitchFamily="34" charset="0"/>
+              </a:rPr>
+              <a:t> in </a:t>
+            </a:r>
+            <a:r>
+              <a:rPr lang="en-US" sz="800" dirty="0" err="1">
+                <a:latin typeface="Arial" panose="020B0604020202020204" pitchFamily="34" charset="0"/>
+                <a:cs typeface="Arial" panose="020B0604020202020204" pitchFamily="34" charset="0"/>
+              </a:rPr>
+              <a:t>voluptate</a:t>
+            </a:r>
+            <a:r>
+              <a:rPr lang="en-US" sz="800" dirty="0">
+                <a:latin typeface="Arial" panose="020B0604020202020204" pitchFamily="34" charset="0"/>
+                <a:cs typeface="Arial" panose="020B0604020202020204" pitchFamily="34" charset="0"/>
+              </a:rPr>
+              <a:t> </a:t>
+            </a:r>
+            <a:r>
+              <a:rPr lang="en-US" sz="800" dirty="0" err="1">
+                <a:latin typeface="Arial" panose="020B0604020202020204" pitchFamily="34" charset="0"/>
+                <a:cs typeface="Arial" panose="020B0604020202020204" pitchFamily="34" charset="0"/>
+              </a:rPr>
+              <a:t>velit</a:t>
+            </a:r>
+            <a:r>
+              <a:rPr lang="en-US" sz="800" dirty="0">
+                <a:latin typeface="Arial" panose="020B0604020202020204" pitchFamily="34" charset="0"/>
+                <a:cs typeface="Arial" panose="020B0604020202020204" pitchFamily="34" charset="0"/>
+              </a:rPr>
+              <a:t> </a:t>
+            </a:r>
+            <a:r>
+              <a:rPr lang="en-US" sz="800" dirty="0" err="1">
+                <a:latin typeface="Arial" panose="020B0604020202020204" pitchFamily="34" charset="0"/>
+                <a:cs typeface="Arial" panose="020B0604020202020204" pitchFamily="34" charset="0"/>
+              </a:rPr>
+              <a:t>esse</a:t>
+            </a:r>
+            <a:r>
+              <a:rPr lang="en-US" sz="800" dirty="0">
+                <a:latin typeface="Arial" panose="020B0604020202020204" pitchFamily="34" charset="0"/>
+                <a:cs typeface="Arial" panose="020B0604020202020204" pitchFamily="34" charset="0"/>
+              </a:rPr>
+              <a:t> </a:t>
+            </a:r>
+            <a:r>
+              <a:rPr lang="en-US" sz="800" dirty="0" err="1">
+                <a:latin typeface="Arial" panose="020B0604020202020204" pitchFamily="34" charset="0"/>
+                <a:cs typeface="Arial" panose="020B0604020202020204" pitchFamily="34" charset="0"/>
+              </a:rPr>
+              <a:t>cillum</a:t>
+            </a:r>
+            <a:r>
+              <a:rPr lang="en-US" sz="800" dirty="0">
+                <a:latin typeface="Arial" panose="020B0604020202020204" pitchFamily="34" charset="0"/>
+                <a:cs typeface="Arial" panose="020B0604020202020204" pitchFamily="34" charset="0"/>
+              </a:rPr>
+              <a:t> dolore </a:t>
+            </a:r>
+            <a:r>
+              <a:rPr lang="en-US" sz="800" dirty="0" err="1">
+                <a:latin typeface="Arial" panose="020B0604020202020204" pitchFamily="34" charset="0"/>
+                <a:cs typeface="Arial" panose="020B0604020202020204" pitchFamily="34" charset="0"/>
+              </a:rPr>
+              <a:t>eu</a:t>
+            </a:r>
+            <a:r>
+              <a:rPr lang="en-US" sz="800" dirty="0">
+                <a:latin typeface="Arial" panose="020B0604020202020204" pitchFamily="34" charset="0"/>
+                <a:cs typeface="Arial" panose="020B0604020202020204" pitchFamily="34" charset="0"/>
+              </a:rPr>
+              <a:t> </a:t>
+            </a:r>
+            <a:r>
+              <a:rPr lang="en-US" sz="800" dirty="0" err="1">
+                <a:latin typeface="Arial" panose="020B0604020202020204" pitchFamily="34" charset="0"/>
+                <a:cs typeface="Arial" panose="020B0604020202020204" pitchFamily="34" charset="0"/>
+              </a:rPr>
+              <a:t>fugiat</a:t>
+            </a:r>
+            <a:r>
+              <a:rPr lang="en-US" sz="800" dirty="0">
+                <a:latin typeface="Arial" panose="020B0604020202020204" pitchFamily="34" charset="0"/>
+                <a:cs typeface="Arial" panose="020B0604020202020204" pitchFamily="34" charset="0"/>
+              </a:rPr>
+              <a:t> </a:t>
+            </a:r>
+            <a:r>
+              <a:rPr lang="en-US" sz="800" dirty="0" err="1">
+                <a:latin typeface="Arial" panose="020B0604020202020204" pitchFamily="34" charset="0"/>
+                <a:cs typeface="Arial" panose="020B0604020202020204" pitchFamily="34" charset="0"/>
+              </a:rPr>
+              <a:t>nulla</a:t>
+            </a:r>
+            <a:r>
+              <a:rPr lang="en-US" sz="800" dirty="0">
+                <a:latin typeface="Arial" panose="020B0604020202020204" pitchFamily="34" charset="0"/>
+                <a:cs typeface="Arial" panose="020B0604020202020204" pitchFamily="34" charset="0"/>
+              </a:rPr>
+              <a:t> </a:t>
+            </a:r>
+            <a:r>
+              <a:rPr lang="en-US" sz="800" dirty="0" err="1">
+                <a:latin typeface="Arial" panose="020B0604020202020204" pitchFamily="34" charset="0"/>
+                <a:cs typeface="Arial" panose="020B0604020202020204" pitchFamily="34" charset="0"/>
+              </a:rPr>
+              <a:t>pariatur</a:t>
+            </a:r>
+            <a:r>
+              <a:rPr lang="en-US" sz="800" dirty="0">
+                <a:latin typeface="Arial" panose="020B0604020202020204" pitchFamily="34" charset="0"/>
+                <a:cs typeface="Arial" panose="020B0604020202020204" pitchFamily="34" charset="0"/>
+              </a:rPr>
+              <a:t>. </a:t>
+            </a:r>
+            <a:r>
+              <a:rPr lang="en-US" sz="800" dirty="0" err="1">
+                <a:latin typeface="Arial" panose="020B0604020202020204" pitchFamily="34" charset="0"/>
+                <a:cs typeface="Arial" panose="020B0604020202020204" pitchFamily="34" charset="0"/>
+              </a:rPr>
+              <a:t>Excepteur</a:t>
+            </a:r>
+            <a:r>
+              <a:rPr lang="en-US" sz="800" dirty="0">
+                <a:latin typeface="Arial" panose="020B0604020202020204" pitchFamily="34" charset="0"/>
+                <a:cs typeface="Arial" panose="020B0604020202020204" pitchFamily="34" charset="0"/>
+              </a:rPr>
+              <a:t> </a:t>
+            </a:r>
+            <a:r>
+              <a:rPr lang="en-US" sz="800" dirty="0" err="1">
+                <a:latin typeface="Arial" panose="020B0604020202020204" pitchFamily="34" charset="0"/>
+                <a:cs typeface="Arial" panose="020B0604020202020204" pitchFamily="34" charset="0"/>
+              </a:rPr>
+              <a:t>sint</a:t>
+            </a:r>
+            <a:r>
+              <a:rPr lang="en-US" sz="800" dirty="0">
+                <a:latin typeface="Arial" panose="020B0604020202020204" pitchFamily="34" charset="0"/>
+                <a:cs typeface="Arial" panose="020B0604020202020204" pitchFamily="34" charset="0"/>
+              </a:rPr>
+              <a:t> </a:t>
+            </a:r>
+            <a:r>
+              <a:rPr lang="en-US" sz="800" dirty="0" err="1">
+                <a:latin typeface="Arial" panose="020B0604020202020204" pitchFamily="34" charset="0"/>
+                <a:cs typeface="Arial" panose="020B0604020202020204" pitchFamily="34" charset="0"/>
+              </a:rPr>
+              <a:t>occaecat</a:t>
+            </a:r>
+            <a:r>
+              <a:rPr lang="en-US" sz="800" dirty="0">
+                <a:latin typeface="Arial" panose="020B0604020202020204" pitchFamily="34" charset="0"/>
+                <a:cs typeface="Arial" panose="020B0604020202020204" pitchFamily="34" charset="0"/>
+              </a:rPr>
+              <a:t> </a:t>
+            </a:r>
+            <a:r>
+              <a:rPr lang="en-US" sz="800" dirty="0" err="1">
+                <a:latin typeface="Arial" panose="020B0604020202020204" pitchFamily="34" charset="0"/>
+                <a:cs typeface="Arial" panose="020B0604020202020204" pitchFamily="34" charset="0"/>
+              </a:rPr>
+              <a:t>cupidatat</a:t>
+            </a:r>
+            <a:r>
+              <a:rPr lang="en-US" sz="800" dirty="0">
+                <a:latin typeface="Arial" panose="020B0604020202020204" pitchFamily="34" charset="0"/>
+                <a:cs typeface="Arial" panose="020B0604020202020204" pitchFamily="34" charset="0"/>
+              </a:rPr>
+              <a:t> non </a:t>
+            </a:r>
+            <a:r>
+              <a:rPr lang="en-US" sz="800" dirty="0" err="1">
+                <a:latin typeface="Arial" panose="020B0604020202020204" pitchFamily="34" charset="0"/>
+                <a:cs typeface="Arial" panose="020B0604020202020204" pitchFamily="34" charset="0"/>
+              </a:rPr>
+              <a:t>proident</a:t>
+            </a:r>
+            <a:r>
+              <a:rPr lang="en-US" sz="800" dirty="0">
+                <a:latin typeface="Arial" panose="020B0604020202020204" pitchFamily="34" charset="0"/>
+                <a:cs typeface="Arial" panose="020B0604020202020204" pitchFamily="34" charset="0"/>
+              </a:rPr>
+              <a:t>, sunt in culpa qui </a:t>
+            </a:r>
+            <a:r>
+              <a:rPr lang="en-US" sz="800" dirty="0" err="1">
+                <a:latin typeface="Arial" panose="020B0604020202020204" pitchFamily="34" charset="0"/>
+                <a:cs typeface="Arial" panose="020B0604020202020204" pitchFamily="34" charset="0"/>
+              </a:rPr>
+              <a:t>officia</a:t>
+            </a:r>
+            <a:r>
+              <a:rPr lang="en-US" sz="800" dirty="0">
+                <a:latin typeface="Arial" panose="020B0604020202020204" pitchFamily="34" charset="0"/>
+                <a:cs typeface="Arial" panose="020B0604020202020204" pitchFamily="34" charset="0"/>
+              </a:rPr>
+              <a:t> </a:t>
+            </a:r>
+            <a:r>
+              <a:rPr lang="en-US" sz="800" dirty="0" err="1">
+                <a:latin typeface="Arial" panose="020B0604020202020204" pitchFamily="34" charset="0"/>
+                <a:cs typeface="Arial" panose="020B0604020202020204" pitchFamily="34" charset="0"/>
+              </a:rPr>
+              <a:t>deserunt</a:t>
+            </a:r>
+            <a:r>
+              <a:rPr lang="en-US" sz="800" dirty="0">
+                <a:latin typeface="Arial" panose="020B0604020202020204" pitchFamily="34" charset="0"/>
+                <a:cs typeface="Arial" panose="020B0604020202020204" pitchFamily="34" charset="0"/>
+              </a:rPr>
+              <a:t> </a:t>
+            </a:r>
+            <a:r>
+              <a:rPr lang="en-US" sz="800" dirty="0" err="1">
+                <a:latin typeface="Arial" panose="020B0604020202020204" pitchFamily="34" charset="0"/>
+                <a:cs typeface="Arial" panose="020B0604020202020204" pitchFamily="34" charset="0"/>
+              </a:rPr>
+              <a:t>mollit</a:t>
+            </a:r>
+            <a:r>
+              <a:rPr lang="en-US" sz="800" dirty="0">
+                <a:latin typeface="Arial" panose="020B0604020202020204" pitchFamily="34" charset="0"/>
+                <a:cs typeface="Arial" panose="020B0604020202020204" pitchFamily="34" charset="0"/>
+              </a:rPr>
+              <a:t> </a:t>
+            </a:r>
+            <a:r>
+              <a:rPr lang="en-US" sz="800" dirty="0" err="1">
+                <a:latin typeface="Arial" panose="020B0604020202020204" pitchFamily="34" charset="0"/>
+                <a:cs typeface="Arial" panose="020B0604020202020204" pitchFamily="34" charset="0"/>
+              </a:rPr>
+              <a:t>anim</a:t>
+            </a:r>
+            <a:r>
+              <a:rPr lang="en-US" sz="800" dirty="0">
+                <a:latin typeface="Arial" panose="020B0604020202020204" pitchFamily="34" charset="0"/>
+                <a:cs typeface="Arial" panose="020B0604020202020204" pitchFamily="34" charset="0"/>
+              </a:rPr>
+              <a:t> id </a:t>
+            </a:r>
+            <a:r>
+              <a:rPr lang="en-US" sz="800" dirty="0" err="1">
+                <a:latin typeface="Arial" panose="020B0604020202020204" pitchFamily="34" charset="0"/>
+                <a:cs typeface="Arial" panose="020B0604020202020204" pitchFamily="34" charset="0"/>
+              </a:rPr>
+              <a:t>est</a:t>
+            </a:r>
+            <a:r>
+              <a:rPr lang="en-US" sz="800" dirty="0">
+                <a:latin typeface="Arial" panose="020B0604020202020204" pitchFamily="34" charset="0"/>
+                <a:cs typeface="Arial" panose="020B0604020202020204" pitchFamily="34" charset="0"/>
+              </a:rPr>
+              <a:t> </a:t>
+            </a:r>
+            <a:r>
+              <a:rPr lang="en-US" sz="800" dirty="0" err="1">
+                <a:latin typeface="Arial" panose="020B0604020202020204" pitchFamily="34" charset="0"/>
+                <a:cs typeface="Arial" panose="020B0604020202020204" pitchFamily="34" charset="0"/>
+              </a:rPr>
+              <a:t>laborum</a:t>
+            </a:r>
+            <a:r>
+              <a:rPr lang="en-US" sz="800" dirty="0">
+                <a:latin typeface="Arial" panose="020B0604020202020204" pitchFamily="34" charset="0"/>
+                <a:cs typeface="Arial" panose="020B0604020202020204" pitchFamily="34" charset="0"/>
+              </a:rPr>
+              <a:t>.</a:t>
+            </a:r>
+          </a:p>
+        </p:txBody>
+      </p:sp>
+      <p:sp>
+        <p:nvSpPr>
+          <p:cNvPr id="29" name="TextBox 28">
+            <a:extLst>
+              <a:ext uri="{FF2B5EF4-FFF2-40B4-BE49-F238E27FC236}">
+                <a16:creationId xmlns:a16="http://schemas.microsoft.com/office/drawing/2014/main" id="{C2CCD65E-4684-4D00-A1F9-2BE9569116AD}"/>
+              </a:ext>
+            </a:extLst>
+          </p:cNvPr>
+          <p:cNvSpPr txBox="1"/>
+          <p:nvPr/>
+        </p:nvSpPr>
+        <p:spPr>
+          <a:xfrm>
+            <a:off x="120462" y="5514050"/>
+            <a:ext cx="2872351" cy="1077218"/>
+          </a:xfrm>
+          <a:prstGeom prst="rect">
+            <a:avLst/>
+          </a:prstGeom>
+          <a:noFill/>
+        </p:spPr>
+        <p:txBody>
+          <a:bodyPr wrap="square" rtlCol="0">
+            <a:spAutoFit/>
+          </a:bodyPr>
+          <a:lstStyle>
+            <a:defPPr>
+              <a:defRPr lang="en-US"/>
+            </a:defPPr>
+            <a:lvl1pPr algn="just">
+              <a:defRPr sz="800">
+                <a:latin typeface="Arial" panose="020B0604020202020204" pitchFamily="34" charset="0"/>
+                <a:cs typeface="Arial" panose="020B0604020202020204" pitchFamily="34" charset="0"/>
+              </a:defRPr>
+            </a:lvl1pPr>
+          </a:lstStyle>
+          <a:p>
+            <a:r>
+              <a:rPr lang="en-US" dirty="0"/>
+              <a:t>Lorem ipsum dolor sit </a:t>
+            </a:r>
+            <a:r>
+              <a:rPr lang="en-US" dirty="0" err="1"/>
+              <a:t>amet</a:t>
+            </a:r>
+            <a:r>
+              <a:rPr lang="en-US" dirty="0"/>
+              <a:t>, </a:t>
+            </a:r>
+            <a:r>
+              <a:rPr lang="en-US" dirty="0" err="1"/>
+              <a:t>consectetur</a:t>
+            </a:r>
+            <a:r>
+              <a:rPr lang="en-US" dirty="0"/>
+              <a:t> </a:t>
+            </a:r>
+            <a:r>
+              <a:rPr lang="en-US" dirty="0" err="1"/>
+              <a:t>adipiscing</a:t>
+            </a:r>
+            <a:r>
+              <a:rPr lang="en-US" dirty="0"/>
+              <a:t> </a:t>
+            </a:r>
+            <a:r>
+              <a:rPr lang="en-US" dirty="0" err="1"/>
+              <a:t>elit</a:t>
+            </a:r>
+            <a:r>
+              <a:rPr lang="en-US" dirty="0"/>
+              <a:t>, sed do </a:t>
+            </a:r>
+            <a:r>
+              <a:rPr lang="en-US" dirty="0" err="1"/>
+              <a:t>eiusmod</a:t>
+            </a:r>
+            <a:r>
+              <a:rPr lang="en-US" dirty="0"/>
+              <a:t> </a:t>
+            </a:r>
+            <a:r>
+              <a:rPr lang="en-US" dirty="0" err="1"/>
+              <a:t>tempor</a:t>
+            </a:r>
+            <a:r>
+              <a:rPr lang="en-US" dirty="0"/>
+              <a:t> </a:t>
+            </a:r>
+            <a:r>
+              <a:rPr lang="en-US" dirty="0" err="1"/>
+              <a:t>incididunt</a:t>
+            </a:r>
+            <a:r>
+              <a:rPr lang="en-US" dirty="0"/>
+              <a:t> </a:t>
+            </a:r>
+            <a:r>
+              <a:rPr lang="en-US" dirty="0" err="1"/>
+              <a:t>ut</a:t>
+            </a:r>
+            <a:r>
+              <a:rPr lang="en-US" dirty="0"/>
+              <a:t> </a:t>
+            </a:r>
+            <a:r>
+              <a:rPr lang="en-US" dirty="0" err="1"/>
+              <a:t>labore</a:t>
+            </a:r>
+            <a:r>
+              <a:rPr lang="en-US" dirty="0"/>
+              <a:t> et dolore magna </a:t>
+            </a:r>
+            <a:r>
+              <a:rPr lang="en-US" dirty="0" err="1"/>
+              <a:t>aliqua</a:t>
+            </a:r>
+            <a:r>
+              <a:rPr lang="en-US" dirty="0"/>
+              <a:t>. Ut </a:t>
+            </a:r>
+            <a:r>
+              <a:rPr lang="en-US" dirty="0" err="1"/>
+              <a:t>enim</a:t>
+            </a:r>
+            <a:r>
+              <a:rPr lang="en-US" dirty="0"/>
+              <a:t> ad minim </a:t>
+            </a:r>
+            <a:r>
+              <a:rPr lang="en-US" dirty="0" err="1"/>
+              <a:t>veniam</a:t>
+            </a:r>
+            <a:r>
+              <a:rPr lang="en-US" dirty="0"/>
+              <a:t>, </a:t>
+            </a:r>
+            <a:r>
+              <a:rPr lang="en-US" dirty="0" err="1"/>
+              <a:t>quis</a:t>
+            </a:r>
+            <a:r>
+              <a:rPr lang="en-US" dirty="0"/>
+              <a:t> </a:t>
+            </a:r>
+            <a:r>
+              <a:rPr lang="en-US" dirty="0" err="1"/>
+              <a:t>nostrud</a:t>
+            </a:r>
+            <a:r>
+              <a:rPr lang="en-US" dirty="0"/>
+              <a:t> exercitation </a:t>
+            </a:r>
+            <a:r>
+              <a:rPr lang="en-US" dirty="0" err="1"/>
+              <a:t>ullamco</a:t>
+            </a:r>
+            <a:r>
+              <a:rPr lang="en-US" dirty="0"/>
+              <a:t> </a:t>
+            </a:r>
+            <a:r>
+              <a:rPr lang="en-US" dirty="0" err="1"/>
+              <a:t>laboris</a:t>
+            </a:r>
+            <a:r>
+              <a:rPr lang="en-US" dirty="0"/>
+              <a:t> nisi </a:t>
+            </a:r>
+            <a:r>
+              <a:rPr lang="en-US" dirty="0" err="1"/>
+              <a:t>ut</a:t>
+            </a:r>
+            <a:r>
+              <a:rPr lang="en-US" dirty="0"/>
+              <a:t> </a:t>
+            </a:r>
+            <a:r>
+              <a:rPr lang="en-US" dirty="0" err="1"/>
+              <a:t>aliquip</a:t>
+            </a:r>
+            <a:r>
+              <a:rPr lang="en-US" dirty="0"/>
+              <a:t> ex </a:t>
+            </a:r>
+            <a:r>
+              <a:rPr lang="en-US" dirty="0" err="1"/>
+              <a:t>ea</a:t>
+            </a:r>
+            <a:r>
+              <a:rPr lang="en-US" dirty="0"/>
+              <a:t> </a:t>
+            </a:r>
+            <a:r>
+              <a:rPr lang="en-US" dirty="0" err="1"/>
+              <a:t>commodo</a:t>
+            </a:r>
+            <a:r>
+              <a:rPr lang="en-US" dirty="0"/>
+              <a:t> </a:t>
+            </a:r>
+            <a:r>
+              <a:rPr lang="en-US" dirty="0" err="1"/>
+              <a:t>consequat</a:t>
+            </a:r>
+            <a:r>
+              <a:rPr lang="en-US" dirty="0"/>
+              <a:t>. Duis </a:t>
+            </a:r>
+            <a:r>
+              <a:rPr lang="en-US" dirty="0" err="1"/>
+              <a:t>aute</a:t>
+            </a:r>
+            <a:r>
+              <a:rPr lang="en-US" dirty="0"/>
+              <a:t> </a:t>
+            </a:r>
+            <a:r>
+              <a:rPr lang="en-US" dirty="0" err="1"/>
+              <a:t>irure</a:t>
+            </a:r>
+            <a:r>
+              <a:rPr lang="en-US" dirty="0"/>
+              <a:t> dolor in </a:t>
+            </a:r>
+            <a:r>
+              <a:rPr lang="en-US" dirty="0" err="1"/>
+              <a:t>reprehenderit</a:t>
+            </a:r>
+            <a:r>
+              <a:rPr lang="en-US" dirty="0"/>
+              <a:t> in </a:t>
+            </a:r>
+            <a:r>
+              <a:rPr lang="en-US" dirty="0" err="1"/>
+              <a:t>voluptate</a:t>
+            </a:r>
+            <a:r>
+              <a:rPr lang="en-US" dirty="0"/>
+              <a:t> </a:t>
+            </a:r>
+            <a:r>
+              <a:rPr lang="en-US" dirty="0" err="1"/>
+              <a:t>velit</a:t>
+            </a:r>
+            <a:r>
+              <a:rPr lang="en-US" dirty="0"/>
+              <a:t> </a:t>
+            </a:r>
+            <a:r>
+              <a:rPr lang="en-US" dirty="0" err="1"/>
+              <a:t>esse</a:t>
+            </a:r>
+            <a:r>
+              <a:rPr lang="en-US" dirty="0"/>
+              <a:t> </a:t>
+            </a:r>
+            <a:r>
+              <a:rPr lang="en-US" dirty="0" err="1"/>
+              <a:t>cillum</a:t>
+            </a:r>
+            <a:r>
+              <a:rPr lang="en-US" dirty="0"/>
+              <a:t> dolore </a:t>
+            </a:r>
+            <a:r>
+              <a:rPr lang="en-US" dirty="0" err="1"/>
+              <a:t>eu</a:t>
+            </a:r>
+            <a:r>
+              <a:rPr lang="en-US" dirty="0"/>
+              <a:t> </a:t>
+            </a:r>
+            <a:r>
+              <a:rPr lang="en-US" dirty="0" err="1"/>
+              <a:t>fugiat</a:t>
+            </a:r>
+            <a:r>
+              <a:rPr lang="en-US" dirty="0"/>
+              <a:t> </a:t>
+            </a:r>
+            <a:r>
+              <a:rPr lang="en-US" dirty="0" err="1"/>
+              <a:t>nulla</a:t>
+            </a:r>
+            <a:r>
+              <a:rPr lang="en-US" dirty="0"/>
+              <a:t> </a:t>
+            </a:r>
+            <a:r>
+              <a:rPr lang="en-US" dirty="0" err="1"/>
+              <a:t>pariatur</a:t>
+            </a:r>
+            <a:r>
+              <a:rPr lang="en-US" dirty="0"/>
+              <a:t>. </a:t>
+            </a:r>
+            <a:r>
+              <a:rPr lang="en-US" dirty="0" err="1"/>
+              <a:t>Excepteur</a:t>
+            </a:r>
+            <a:r>
+              <a:rPr lang="en-US" dirty="0"/>
+              <a:t> </a:t>
+            </a:r>
+            <a:r>
+              <a:rPr lang="en-US" dirty="0" err="1"/>
+              <a:t>sint</a:t>
+            </a:r>
+            <a:r>
+              <a:rPr lang="en-US" dirty="0"/>
+              <a:t> </a:t>
+            </a:r>
+            <a:r>
+              <a:rPr lang="en-US" dirty="0" err="1"/>
+              <a:t>occaecat</a:t>
+            </a:r>
+            <a:r>
+              <a:rPr lang="en-US" dirty="0"/>
+              <a:t> </a:t>
+            </a:r>
+            <a:r>
+              <a:rPr lang="en-US" dirty="0" err="1"/>
+              <a:t>cupidatat</a:t>
+            </a:r>
+            <a:r>
+              <a:rPr lang="en-US" dirty="0"/>
+              <a:t> non </a:t>
+            </a:r>
+            <a:r>
+              <a:rPr lang="en-US" dirty="0" err="1"/>
+              <a:t>proident</a:t>
+            </a:r>
+            <a:r>
+              <a:rPr lang="en-US" dirty="0"/>
+              <a:t>, sunt in culpa qui </a:t>
+            </a:r>
+            <a:r>
+              <a:rPr lang="en-US" dirty="0" err="1"/>
+              <a:t>officia</a:t>
+            </a:r>
+            <a:r>
+              <a:rPr lang="en-US" dirty="0"/>
+              <a:t> </a:t>
+            </a:r>
+            <a:r>
+              <a:rPr lang="en-US" dirty="0" err="1"/>
+              <a:t>deserunt</a:t>
+            </a:r>
+            <a:r>
+              <a:rPr lang="en-US" dirty="0"/>
+              <a:t> </a:t>
+            </a:r>
+            <a:r>
+              <a:rPr lang="en-US" dirty="0" err="1"/>
+              <a:t>mollit</a:t>
+            </a:r>
+            <a:r>
+              <a:rPr lang="en-US" dirty="0"/>
+              <a:t> </a:t>
+            </a:r>
+            <a:r>
+              <a:rPr lang="en-US" dirty="0" err="1"/>
+              <a:t>anim</a:t>
+            </a:r>
+            <a:r>
+              <a:rPr lang="en-US" dirty="0"/>
+              <a:t> id </a:t>
+            </a:r>
+            <a:r>
+              <a:rPr lang="en-US" dirty="0" err="1"/>
+              <a:t>est</a:t>
+            </a:r>
+            <a:r>
+              <a:rPr lang="en-US" dirty="0"/>
+              <a:t> </a:t>
+            </a:r>
+            <a:r>
+              <a:rPr lang="en-US" dirty="0" err="1"/>
+              <a:t>laborum</a:t>
+            </a:r>
+            <a:r>
+              <a:rPr lang="en-US" dirty="0"/>
+              <a:t>.</a:t>
+            </a:r>
+          </a:p>
+        </p:txBody>
+      </p:sp>
+      <p:sp>
+        <p:nvSpPr>
+          <p:cNvPr id="30" name="Rectangle: Rounded Corners 29">
+            <a:extLst>
+              <a:ext uri="{FF2B5EF4-FFF2-40B4-BE49-F238E27FC236}">
+                <a16:creationId xmlns:a16="http://schemas.microsoft.com/office/drawing/2014/main" id="{CD00C645-DF09-4D7A-9910-B0893EAC6674}"/>
               </a:ext>
             </a:extLst>
           </p:cNvPr>
@@ -3733,8 +6060,8 @@
         </p:nvSpPr>
         <p:spPr>
           <a:xfrm>
-            <a:off x="33939462" y="17752693"/>
-            <a:ext cx="4705350" cy="1104900"/>
+            <a:off x="3734259" y="2041929"/>
+            <a:ext cx="1645920" cy="192024"/>
           </a:xfrm>
           <a:prstGeom prst="roundRect">
             <a:avLst/>
@@ -3763,7 +6090,7 @@
           </a:fontRef>
         </p:style>
         <p:txBody>
-          <a:bodyPr rot="0" spcFirstLastPara="0" vertOverflow="overflow" horzOverflow="overflow" vert="horz" wrap="square" lIns="329184" tIns="164592" rIns="329184" bIns="164592" numCol="1" spcCol="0" rtlCol="0" fromWordArt="0" anchor="ctr" anchorCtr="0" forceAA="0" compatLnSpc="1">
+          <a:bodyPr rot="0" spcFirstLastPara="0" vertOverflow="overflow" horzOverflow="overflow" vert="horz" wrap="square" lIns="68580" tIns="34290" rIns="68580" bIns="34290" numCol="1" spcCol="0" rtlCol="0" fromWordArt="0" anchor="ctr" anchorCtr="0" forceAA="0" compatLnSpc="1">
             <a:prstTxWarp prst="textNoShape">
               <a:avLst/>
             </a:prstTxWarp>
@@ -3773,19 +6100,1574 @@
           <a:p>
             <a:pPr algn="ctr"/>
             <a:r>
-              <a:rPr lang="en-US" sz="4000" b="1">
+              <a:rPr lang="en-US" sz="833" b="1" dirty="0">
                 <a:solidFill>
                   <a:schemeClr val="bg1"/>
                 </a:solidFill>
                 <a:latin typeface="Arial" panose="020B0604020202020204" pitchFamily="34" charset="0"/>
                 <a:cs typeface="Arial" panose="020B0604020202020204" pitchFamily="34" charset="0"/>
               </a:rPr>
-              <a:t>Title</a:t>
-            </a:r>
-            <a:endParaRPr lang="en-US" sz="4000" b="1" dirty="0">
-              <a:solidFill>
-                <a:schemeClr val="bg1"/>
-              </a:solidFill>
+              <a:t>Empirical Analysis</a:t>
+            </a:r>
+          </a:p>
+        </p:txBody>
+      </p:sp>
+      <p:sp>
+        <p:nvSpPr>
+          <p:cNvPr id="31" name="TextBox 30">
+            <a:extLst>
+              <a:ext uri="{FF2B5EF4-FFF2-40B4-BE49-F238E27FC236}">
+                <a16:creationId xmlns:a16="http://schemas.microsoft.com/office/drawing/2014/main" id="{0E961488-C609-495E-87BF-20071ACBED8C}"/>
+              </a:ext>
+            </a:extLst>
+          </p:cNvPr>
+          <p:cNvSpPr txBox="1"/>
+          <p:nvPr/>
+        </p:nvSpPr>
+        <p:spPr>
+          <a:xfrm>
+            <a:off x="3121043" y="2293973"/>
+            <a:ext cx="2872351" cy="584775"/>
+          </a:xfrm>
+          <a:prstGeom prst="rect">
+            <a:avLst/>
+          </a:prstGeom>
+          <a:noFill/>
+        </p:spPr>
+        <p:txBody>
+          <a:bodyPr wrap="square" rtlCol="0">
+            <a:spAutoFit/>
+          </a:bodyPr>
+          <a:lstStyle>
+            <a:defPPr>
+              <a:defRPr lang="en-US"/>
+            </a:defPPr>
+            <a:lvl1pPr algn="just">
+              <a:defRPr sz="800">
+                <a:latin typeface="Arial" panose="020B0604020202020204" pitchFamily="34" charset="0"/>
+                <a:cs typeface="Arial" panose="020B0604020202020204" pitchFamily="34" charset="0"/>
+              </a:defRPr>
+            </a:lvl1pPr>
+          </a:lstStyle>
+          <a:p>
+            <a:pPr marL="171450" indent="-171450">
+              <a:buFont typeface="Arial" panose="020B0604020202020204" pitchFamily="34" charset="0"/>
+              <a:buChar char="•"/>
+            </a:pPr>
+            <a:r>
+              <a:rPr lang="en-US" dirty="0"/>
+              <a:t>Bullet point</a:t>
+            </a:r>
+          </a:p>
+          <a:p>
+            <a:pPr marL="171450" indent="-171450">
+              <a:buFont typeface="Arial" panose="020B0604020202020204" pitchFamily="34" charset="0"/>
+              <a:buChar char="•"/>
+            </a:pPr>
+            <a:r>
+              <a:rPr lang="en-US" dirty="0"/>
+              <a:t>Bullet point</a:t>
+            </a:r>
+          </a:p>
+          <a:p>
+            <a:pPr marL="171450" indent="-171450">
+              <a:buFont typeface="Arial" panose="020B0604020202020204" pitchFamily="34" charset="0"/>
+              <a:buChar char="•"/>
+            </a:pPr>
+            <a:r>
+              <a:rPr lang="en-US" dirty="0"/>
+              <a:t>Bullet point</a:t>
+            </a:r>
+          </a:p>
+          <a:p>
+            <a:pPr marL="171450" indent="-171450">
+              <a:buFont typeface="Arial" panose="020B0604020202020204" pitchFamily="34" charset="0"/>
+              <a:buChar char="•"/>
+            </a:pPr>
+            <a:r>
+              <a:rPr lang="en-US" dirty="0"/>
+              <a:t>Bullet point</a:t>
+            </a:r>
+          </a:p>
+        </p:txBody>
+      </p:sp>
+      <p:sp>
+        <p:nvSpPr>
+          <p:cNvPr id="34" name="TextBox 33">
+            <a:extLst>
+              <a:ext uri="{FF2B5EF4-FFF2-40B4-BE49-F238E27FC236}">
+                <a16:creationId xmlns:a16="http://schemas.microsoft.com/office/drawing/2014/main" id="{1C654109-E22F-48CF-A4CE-E2F22E0AF48C}"/>
+              </a:ext>
+            </a:extLst>
+          </p:cNvPr>
+          <p:cNvSpPr txBox="1"/>
+          <p:nvPr/>
+        </p:nvSpPr>
+        <p:spPr>
+          <a:xfrm>
+            <a:off x="6112852" y="918559"/>
+            <a:ext cx="2872351" cy="707886"/>
+          </a:xfrm>
+          <a:prstGeom prst="rect">
+            <a:avLst/>
+          </a:prstGeom>
+          <a:noFill/>
+        </p:spPr>
+        <p:txBody>
+          <a:bodyPr wrap="square" rtlCol="0">
+            <a:spAutoFit/>
+          </a:bodyPr>
+          <a:lstStyle/>
+          <a:p>
+            <a:pPr algn="just"/>
+            <a:r>
+              <a:rPr lang="en-US" sz="800" dirty="0">
+                <a:latin typeface="Arial" panose="020B0604020202020204" pitchFamily="34" charset="0"/>
+                <a:cs typeface="Arial" panose="020B0604020202020204" pitchFamily="34" charset="0"/>
+              </a:rPr>
+              <a:t>Bullet points</a:t>
+            </a:r>
+          </a:p>
+          <a:p>
+            <a:pPr algn="just"/>
+            <a:r>
+              <a:rPr lang="en-US" sz="800" dirty="0">
+                <a:latin typeface="Arial" panose="020B0604020202020204" pitchFamily="34" charset="0"/>
+                <a:cs typeface="Arial" panose="020B0604020202020204" pitchFamily="34" charset="0"/>
+              </a:rPr>
+              <a:t>Bullet points</a:t>
+            </a:r>
+          </a:p>
+          <a:p>
+            <a:pPr algn="just"/>
+            <a:r>
+              <a:rPr lang="en-US" sz="800" dirty="0">
+                <a:latin typeface="Arial" panose="020B0604020202020204" pitchFamily="34" charset="0"/>
+                <a:cs typeface="Arial" panose="020B0604020202020204" pitchFamily="34" charset="0"/>
+              </a:rPr>
+              <a:t>Bullet points</a:t>
+            </a:r>
+          </a:p>
+          <a:p>
+            <a:pPr algn="just"/>
+            <a:r>
+              <a:rPr lang="en-US" sz="800" dirty="0">
+                <a:latin typeface="Arial" panose="020B0604020202020204" pitchFamily="34" charset="0"/>
+                <a:cs typeface="Arial" panose="020B0604020202020204" pitchFamily="34" charset="0"/>
+              </a:rPr>
+              <a:t>Bullet points</a:t>
+            </a:r>
+          </a:p>
+          <a:p>
+            <a:pPr algn="just"/>
+            <a:r>
+              <a:rPr lang="en-US" sz="800" dirty="0">
+                <a:latin typeface="Arial" panose="020B0604020202020204" pitchFamily="34" charset="0"/>
+                <a:cs typeface="Arial" panose="020B0604020202020204" pitchFamily="34" charset="0"/>
+              </a:rPr>
+              <a:t>Bullet points</a:t>
+            </a:r>
+          </a:p>
+        </p:txBody>
+      </p:sp>
+      <p:sp>
+        <p:nvSpPr>
+          <p:cNvPr id="36" name="Heart 35">
+            <a:extLst>
+              <a:ext uri="{FF2B5EF4-FFF2-40B4-BE49-F238E27FC236}">
+                <a16:creationId xmlns:a16="http://schemas.microsoft.com/office/drawing/2014/main" id="{7017A7CD-F44D-45EB-94AD-2DDC5B58391F}"/>
+              </a:ext>
+            </a:extLst>
+          </p:cNvPr>
+          <p:cNvSpPr/>
+          <p:nvPr/>
+        </p:nvSpPr>
+        <p:spPr>
+          <a:xfrm>
+            <a:off x="6281479" y="1782871"/>
+            <a:ext cx="1285842" cy="534572"/>
+          </a:xfrm>
+          <a:prstGeom prst="heart">
+            <a:avLst/>
+          </a:prstGeom>
+        </p:spPr>
+        <p:style>
+          <a:lnRef idx="2">
+            <a:schemeClr val="accent1">
+              <a:shade val="50000"/>
+            </a:schemeClr>
+          </a:lnRef>
+          <a:fillRef idx="1">
+            <a:schemeClr val="accent1"/>
+          </a:fillRef>
+          <a:effectRef idx="0">
+            <a:schemeClr val="accent1"/>
+          </a:effectRef>
+          <a:fontRef idx="minor">
+            <a:schemeClr val="lt1"/>
+          </a:fontRef>
+        </p:style>
+        <p:txBody>
+          <a:bodyPr rtlCol="0" anchor="ctr"/>
+          <a:lstStyle/>
+          <a:p>
+            <a:pPr algn="ctr"/>
+            <a:r>
+              <a:rPr lang="en-US" dirty="0">
+                <a:solidFill>
+                  <a:srgbClr val="FF0000"/>
+                </a:solidFill>
+                <a:latin typeface="Arial" panose="020B0604020202020204" pitchFamily="34" charset="0"/>
+                <a:cs typeface="Arial" panose="020B0604020202020204" pitchFamily="34" charset="0"/>
+              </a:rPr>
+              <a:t>Put Chart</a:t>
+            </a:r>
+          </a:p>
+        </p:txBody>
+      </p:sp>
+      <p:sp>
+        <p:nvSpPr>
+          <p:cNvPr id="37" name="Heart 36">
+            <a:extLst>
+              <a:ext uri="{FF2B5EF4-FFF2-40B4-BE49-F238E27FC236}">
+                <a16:creationId xmlns:a16="http://schemas.microsoft.com/office/drawing/2014/main" id="{D19B12E3-CA7A-4053-924F-BCF4B92C125D}"/>
+              </a:ext>
+            </a:extLst>
+          </p:cNvPr>
+          <p:cNvSpPr/>
+          <p:nvPr/>
+        </p:nvSpPr>
+        <p:spPr>
+          <a:xfrm>
+            <a:off x="6217810" y="3205591"/>
+            <a:ext cx="1349511" cy="534572"/>
+          </a:xfrm>
+          <a:prstGeom prst="heart">
+            <a:avLst/>
+          </a:prstGeom>
+        </p:spPr>
+        <p:style>
+          <a:lnRef idx="2">
+            <a:schemeClr val="accent1">
+              <a:shade val="50000"/>
+            </a:schemeClr>
+          </a:lnRef>
+          <a:fillRef idx="1">
+            <a:schemeClr val="accent1"/>
+          </a:fillRef>
+          <a:effectRef idx="0">
+            <a:schemeClr val="accent1"/>
+          </a:effectRef>
+          <a:fontRef idx="minor">
+            <a:schemeClr val="lt1"/>
+          </a:fontRef>
+        </p:style>
+        <p:txBody>
+          <a:bodyPr rtlCol="0" anchor="ctr"/>
+          <a:lstStyle/>
+          <a:p>
+            <a:pPr algn="ctr"/>
+            <a:r>
+              <a:rPr lang="en-US" dirty="0">
+                <a:solidFill>
+                  <a:srgbClr val="FF0000"/>
+                </a:solidFill>
+                <a:latin typeface="Arial" panose="020B0604020202020204" pitchFamily="34" charset="0"/>
+                <a:cs typeface="Arial" panose="020B0604020202020204" pitchFamily="34" charset="0"/>
+              </a:rPr>
+              <a:t>Word cloud</a:t>
+            </a:r>
+          </a:p>
+        </p:txBody>
+      </p:sp>
+      <p:sp>
+        <p:nvSpPr>
+          <p:cNvPr id="38" name="TextBox 37">
+            <a:extLst>
+              <a:ext uri="{FF2B5EF4-FFF2-40B4-BE49-F238E27FC236}">
+                <a16:creationId xmlns:a16="http://schemas.microsoft.com/office/drawing/2014/main" id="{E2EFA1C8-C4F8-49AE-A1F4-683851D27252}"/>
+              </a:ext>
+            </a:extLst>
+          </p:cNvPr>
+          <p:cNvSpPr txBox="1"/>
+          <p:nvPr/>
+        </p:nvSpPr>
+        <p:spPr>
+          <a:xfrm>
+            <a:off x="3124370" y="908446"/>
+            <a:ext cx="2872351" cy="1077218"/>
+          </a:xfrm>
+          <a:prstGeom prst="rect">
+            <a:avLst/>
+          </a:prstGeom>
+          <a:noFill/>
+        </p:spPr>
+        <p:txBody>
+          <a:bodyPr wrap="square" rtlCol="0">
+            <a:spAutoFit/>
+          </a:bodyPr>
+          <a:lstStyle>
+            <a:defPPr>
+              <a:defRPr lang="en-US"/>
+            </a:defPPr>
+            <a:lvl1pPr algn="just">
+              <a:defRPr sz="800">
+                <a:latin typeface="Arial" panose="020B0604020202020204" pitchFamily="34" charset="0"/>
+                <a:cs typeface="Arial" panose="020B0604020202020204" pitchFamily="34" charset="0"/>
+              </a:defRPr>
+            </a:lvl1pPr>
+          </a:lstStyle>
+          <a:p>
+            <a:r>
+              <a:rPr lang="en-US" dirty="0"/>
+              <a:t>Lorem ipsum dolor sit </a:t>
+            </a:r>
+            <a:r>
+              <a:rPr lang="en-US" dirty="0" err="1"/>
+              <a:t>amet</a:t>
+            </a:r>
+            <a:r>
+              <a:rPr lang="en-US" dirty="0"/>
+              <a:t>, </a:t>
+            </a:r>
+            <a:r>
+              <a:rPr lang="en-US" dirty="0" err="1"/>
+              <a:t>consectetur</a:t>
+            </a:r>
+            <a:r>
+              <a:rPr lang="en-US" dirty="0"/>
+              <a:t> </a:t>
+            </a:r>
+            <a:r>
+              <a:rPr lang="en-US" dirty="0" err="1"/>
+              <a:t>adipiscing</a:t>
+            </a:r>
+            <a:r>
+              <a:rPr lang="en-US" dirty="0"/>
+              <a:t> </a:t>
+            </a:r>
+            <a:r>
+              <a:rPr lang="en-US" dirty="0" err="1"/>
+              <a:t>elit</a:t>
+            </a:r>
+            <a:r>
+              <a:rPr lang="en-US" dirty="0"/>
+              <a:t>, sed do </a:t>
+            </a:r>
+            <a:r>
+              <a:rPr lang="en-US" dirty="0" err="1"/>
+              <a:t>eiusmod</a:t>
+            </a:r>
+            <a:r>
+              <a:rPr lang="en-US" dirty="0"/>
+              <a:t> </a:t>
+            </a:r>
+            <a:r>
+              <a:rPr lang="en-US" dirty="0" err="1"/>
+              <a:t>tempor</a:t>
+            </a:r>
+            <a:r>
+              <a:rPr lang="en-US" dirty="0"/>
+              <a:t> </a:t>
+            </a:r>
+            <a:r>
+              <a:rPr lang="en-US" dirty="0" err="1"/>
+              <a:t>incididunt</a:t>
+            </a:r>
+            <a:r>
+              <a:rPr lang="en-US" dirty="0"/>
+              <a:t> </a:t>
+            </a:r>
+            <a:r>
+              <a:rPr lang="en-US" dirty="0" err="1"/>
+              <a:t>ut</a:t>
+            </a:r>
+            <a:r>
+              <a:rPr lang="en-US" dirty="0"/>
+              <a:t> </a:t>
+            </a:r>
+            <a:r>
+              <a:rPr lang="en-US" dirty="0" err="1"/>
+              <a:t>labore</a:t>
+            </a:r>
+            <a:r>
+              <a:rPr lang="en-US" dirty="0"/>
+              <a:t> et dolore magna </a:t>
+            </a:r>
+            <a:r>
+              <a:rPr lang="en-US" dirty="0" err="1"/>
+              <a:t>aliqua</a:t>
+            </a:r>
+            <a:r>
+              <a:rPr lang="en-US" dirty="0"/>
+              <a:t>. Ut </a:t>
+            </a:r>
+            <a:r>
+              <a:rPr lang="en-US" dirty="0" err="1"/>
+              <a:t>enim</a:t>
+            </a:r>
+            <a:r>
+              <a:rPr lang="en-US" dirty="0"/>
+              <a:t> ad minim </a:t>
+            </a:r>
+            <a:r>
+              <a:rPr lang="en-US" dirty="0" err="1"/>
+              <a:t>veniam</a:t>
+            </a:r>
+            <a:r>
+              <a:rPr lang="en-US" dirty="0"/>
+              <a:t>, </a:t>
+            </a:r>
+            <a:r>
+              <a:rPr lang="en-US" dirty="0" err="1"/>
+              <a:t>quis</a:t>
+            </a:r>
+            <a:r>
+              <a:rPr lang="en-US" dirty="0"/>
+              <a:t> </a:t>
+            </a:r>
+            <a:r>
+              <a:rPr lang="en-US" dirty="0" err="1"/>
+              <a:t>nostrud</a:t>
+            </a:r>
+            <a:r>
+              <a:rPr lang="en-US" dirty="0"/>
+              <a:t> exercitation </a:t>
+            </a:r>
+            <a:r>
+              <a:rPr lang="en-US" dirty="0" err="1"/>
+              <a:t>ullamco</a:t>
+            </a:r>
+            <a:r>
+              <a:rPr lang="en-US" dirty="0"/>
+              <a:t> </a:t>
+            </a:r>
+            <a:r>
+              <a:rPr lang="en-US" dirty="0" err="1"/>
+              <a:t>laboris</a:t>
+            </a:r>
+            <a:r>
+              <a:rPr lang="en-US" dirty="0"/>
+              <a:t> nisi </a:t>
+            </a:r>
+            <a:r>
+              <a:rPr lang="en-US" dirty="0" err="1"/>
+              <a:t>ut</a:t>
+            </a:r>
+            <a:r>
+              <a:rPr lang="en-US" dirty="0"/>
+              <a:t> </a:t>
+            </a:r>
+            <a:r>
+              <a:rPr lang="en-US" dirty="0" err="1"/>
+              <a:t>aliquip</a:t>
+            </a:r>
+            <a:r>
+              <a:rPr lang="en-US" dirty="0"/>
+              <a:t> ex </a:t>
+            </a:r>
+            <a:r>
+              <a:rPr lang="en-US" dirty="0" err="1"/>
+              <a:t>ea</a:t>
+            </a:r>
+            <a:r>
+              <a:rPr lang="en-US" dirty="0"/>
+              <a:t> </a:t>
+            </a:r>
+            <a:r>
+              <a:rPr lang="en-US" dirty="0" err="1"/>
+              <a:t>commodo</a:t>
+            </a:r>
+            <a:r>
+              <a:rPr lang="en-US" dirty="0"/>
+              <a:t> </a:t>
+            </a:r>
+            <a:r>
+              <a:rPr lang="en-US" dirty="0" err="1"/>
+              <a:t>consequat</a:t>
+            </a:r>
+            <a:r>
+              <a:rPr lang="en-US" dirty="0"/>
+              <a:t>. Duis </a:t>
+            </a:r>
+            <a:r>
+              <a:rPr lang="en-US" dirty="0" err="1"/>
+              <a:t>aute</a:t>
+            </a:r>
+            <a:r>
+              <a:rPr lang="en-US" dirty="0"/>
+              <a:t> </a:t>
+            </a:r>
+            <a:r>
+              <a:rPr lang="en-US" dirty="0" err="1"/>
+              <a:t>irure</a:t>
+            </a:r>
+            <a:r>
+              <a:rPr lang="en-US" dirty="0"/>
+              <a:t> dolor in </a:t>
+            </a:r>
+            <a:r>
+              <a:rPr lang="en-US" dirty="0" err="1"/>
+              <a:t>reprehenderit</a:t>
+            </a:r>
+            <a:r>
+              <a:rPr lang="en-US" dirty="0"/>
+              <a:t> in </a:t>
+            </a:r>
+            <a:r>
+              <a:rPr lang="en-US" dirty="0" err="1"/>
+              <a:t>voluptate</a:t>
+            </a:r>
+            <a:r>
+              <a:rPr lang="en-US" dirty="0"/>
+              <a:t> </a:t>
+            </a:r>
+            <a:r>
+              <a:rPr lang="en-US" dirty="0" err="1"/>
+              <a:t>velit</a:t>
+            </a:r>
+            <a:r>
+              <a:rPr lang="en-US" dirty="0"/>
+              <a:t> </a:t>
+            </a:r>
+            <a:r>
+              <a:rPr lang="en-US" dirty="0" err="1"/>
+              <a:t>esse</a:t>
+            </a:r>
+            <a:r>
+              <a:rPr lang="en-US" dirty="0"/>
+              <a:t> </a:t>
+            </a:r>
+            <a:r>
+              <a:rPr lang="en-US" dirty="0" err="1"/>
+              <a:t>cillum</a:t>
+            </a:r>
+            <a:r>
+              <a:rPr lang="en-US" dirty="0"/>
+              <a:t> dolore </a:t>
+            </a:r>
+            <a:r>
+              <a:rPr lang="en-US" dirty="0" err="1"/>
+              <a:t>eu</a:t>
+            </a:r>
+            <a:r>
+              <a:rPr lang="en-US" dirty="0"/>
+              <a:t> </a:t>
+            </a:r>
+            <a:r>
+              <a:rPr lang="en-US" dirty="0" err="1"/>
+              <a:t>fugiat</a:t>
+            </a:r>
+            <a:r>
+              <a:rPr lang="en-US" dirty="0"/>
+              <a:t> </a:t>
+            </a:r>
+            <a:r>
+              <a:rPr lang="en-US" dirty="0" err="1"/>
+              <a:t>nulla</a:t>
+            </a:r>
+            <a:r>
+              <a:rPr lang="en-US" dirty="0"/>
+              <a:t> </a:t>
+            </a:r>
+            <a:r>
+              <a:rPr lang="en-US" dirty="0" err="1"/>
+              <a:t>pariatur</a:t>
+            </a:r>
+            <a:r>
+              <a:rPr lang="en-US" dirty="0"/>
+              <a:t>. </a:t>
+            </a:r>
+            <a:r>
+              <a:rPr lang="en-US" dirty="0" err="1"/>
+              <a:t>Excepteur</a:t>
+            </a:r>
+            <a:r>
+              <a:rPr lang="en-US" dirty="0"/>
+              <a:t> </a:t>
+            </a:r>
+            <a:r>
+              <a:rPr lang="en-US" dirty="0" err="1"/>
+              <a:t>sint</a:t>
+            </a:r>
+            <a:r>
+              <a:rPr lang="en-US" dirty="0"/>
+              <a:t> </a:t>
+            </a:r>
+            <a:r>
+              <a:rPr lang="en-US" dirty="0" err="1"/>
+              <a:t>occaecat</a:t>
+            </a:r>
+            <a:r>
+              <a:rPr lang="en-US" dirty="0"/>
+              <a:t> </a:t>
+            </a:r>
+            <a:r>
+              <a:rPr lang="en-US" dirty="0" err="1"/>
+              <a:t>cupidatat</a:t>
+            </a:r>
+            <a:r>
+              <a:rPr lang="en-US" dirty="0"/>
+              <a:t> non </a:t>
+            </a:r>
+            <a:r>
+              <a:rPr lang="en-US" dirty="0" err="1"/>
+              <a:t>proident</a:t>
+            </a:r>
+            <a:r>
+              <a:rPr lang="en-US" dirty="0"/>
+              <a:t>, sunt in culpa qui </a:t>
+            </a:r>
+            <a:r>
+              <a:rPr lang="en-US" dirty="0" err="1"/>
+              <a:t>officia</a:t>
+            </a:r>
+            <a:r>
+              <a:rPr lang="en-US" dirty="0"/>
+              <a:t> </a:t>
+            </a:r>
+            <a:r>
+              <a:rPr lang="en-US" dirty="0" err="1"/>
+              <a:t>deserunt</a:t>
+            </a:r>
+            <a:r>
+              <a:rPr lang="en-US" dirty="0"/>
+              <a:t> </a:t>
+            </a:r>
+            <a:r>
+              <a:rPr lang="en-US" dirty="0" err="1"/>
+              <a:t>mollit</a:t>
+            </a:r>
+            <a:r>
+              <a:rPr lang="en-US" dirty="0"/>
+              <a:t> </a:t>
+            </a:r>
+            <a:r>
+              <a:rPr lang="en-US" dirty="0" err="1"/>
+              <a:t>anim</a:t>
+            </a:r>
+            <a:r>
+              <a:rPr lang="en-US" dirty="0"/>
+              <a:t> id </a:t>
+            </a:r>
+            <a:r>
+              <a:rPr lang="en-US" dirty="0" err="1"/>
+              <a:t>est</a:t>
+            </a:r>
+            <a:r>
+              <a:rPr lang="en-US" dirty="0"/>
+              <a:t> </a:t>
+            </a:r>
+            <a:r>
+              <a:rPr lang="en-US" dirty="0" err="1"/>
+              <a:t>laborum</a:t>
+            </a:r>
+            <a:r>
+              <a:rPr lang="en-US" dirty="0"/>
+              <a:t>.</a:t>
+            </a:r>
+          </a:p>
+        </p:txBody>
+      </p:sp>
+      <p:sp>
+        <p:nvSpPr>
+          <p:cNvPr id="39" name="Rectangle: Rounded Corners 38">
+            <a:extLst>
+              <a:ext uri="{FF2B5EF4-FFF2-40B4-BE49-F238E27FC236}">
+                <a16:creationId xmlns:a16="http://schemas.microsoft.com/office/drawing/2014/main" id="{EB970D5D-B1B8-461C-8170-0281F14471E7}"/>
+              </a:ext>
+            </a:extLst>
+          </p:cNvPr>
+          <p:cNvSpPr/>
+          <p:nvPr/>
+        </p:nvSpPr>
+        <p:spPr>
+          <a:xfrm>
+            <a:off x="6663698" y="5012597"/>
+            <a:ext cx="1828800" cy="190500"/>
+          </a:xfrm>
+          <a:prstGeom prst="roundRect">
+            <a:avLst/>
+          </a:prstGeom>
+          <a:solidFill>
+            <a:srgbClr val="000066"/>
+          </a:solidFill>
+          <a:ln w="57150">
+            <a:noFill/>
+          </a:ln>
+        </p:spPr>
+        <p:style>
+          <a:lnRef idx="2">
+            <a:schemeClr val="accent1">
+              <a:shade val="50000"/>
+            </a:schemeClr>
+          </a:lnRef>
+          <a:fillRef idx="1">
+            <a:schemeClr val="accent1"/>
+          </a:fillRef>
+          <a:effectRef idx="0">
+            <a:schemeClr val="accent1"/>
+          </a:effectRef>
+          <a:fontRef idx="minor">
+            <a:schemeClr val="lt1"/>
+          </a:fontRef>
+        </p:style>
+        <p:txBody>
+          <a:bodyPr rot="0" spcFirstLastPara="0" vertOverflow="overflow" horzOverflow="overflow" vert="horz" wrap="square" lIns="68580" tIns="34290" rIns="68580" bIns="34290" numCol="1" spcCol="0" rtlCol="0" fromWordArt="0" anchor="ctr" anchorCtr="0" forceAA="0" compatLnSpc="1">
+            <a:prstTxWarp prst="textNoShape">
+              <a:avLst/>
+            </a:prstTxWarp>
+            <a:noAutofit/>
+          </a:bodyPr>
+          <a:lstStyle/>
+          <a:p>
+            <a:pPr algn="ctr"/>
+            <a:r>
+              <a:rPr lang="en-US" sz="833" b="1" dirty="0">
+                <a:solidFill>
+                  <a:schemeClr val="bg1"/>
+                </a:solidFill>
+                <a:latin typeface="Arial" panose="020B0604020202020204" pitchFamily="34" charset="0"/>
+                <a:cs typeface="Arial" panose="020B0604020202020204" pitchFamily="34" charset="0"/>
+              </a:rPr>
+              <a:t>Limitations and Future Work</a:t>
+            </a:r>
+          </a:p>
+        </p:txBody>
+      </p:sp>
+      <p:sp>
+        <p:nvSpPr>
+          <p:cNvPr id="41" name="TextBox 40">
+            <a:extLst>
+              <a:ext uri="{FF2B5EF4-FFF2-40B4-BE49-F238E27FC236}">
+                <a16:creationId xmlns:a16="http://schemas.microsoft.com/office/drawing/2014/main" id="{0609D2E0-6789-411A-A2E2-852006B8654C}"/>
+              </a:ext>
+            </a:extLst>
+          </p:cNvPr>
+          <p:cNvSpPr txBox="1"/>
+          <p:nvPr/>
+        </p:nvSpPr>
+        <p:spPr>
+          <a:xfrm>
+            <a:off x="6112853" y="6338961"/>
+            <a:ext cx="2872351" cy="338554"/>
+          </a:xfrm>
+          <a:prstGeom prst="rect">
+            <a:avLst/>
+          </a:prstGeom>
+          <a:noFill/>
+        </p:spPr>
+        <p:txBody>
+          <a:bodyPr wrap="square" rtlCol="0">
+            <a:spAutoFit/>
+          </a:bodyPr>
+          <a:lstStyle/>
+          <a:p>
+            <a:pPr marL="171450" indent="-171450" algn="just">
+              <a:buFont typeface="Arial" panose="020B0604020202020204" pitchFamily="34" charset="0"/>
+              <a:buChar char="•"/>
+            </a:pPr>
+            <a:r>
+              <a:rPr lang="en-US" sz="800" dirty="0">
+                <a:latin typeface="Arial" panose="020B0604020202020204" pitchFamily="34" charset="0"/>
+                <a:cs typeface="Arial" panose="020B0604020202020204" pitchFamily="34" charset="0"/>
+              </a:rPr>
+              <a:t>Reference 1</a:t>
+            </a:r>
+          </a:p>
+          <a:p>
+            <a:pPr marL="171450" indent="-171450" algn="just">
+              <a:buFont typeface="Arial" panose="020B0604020202020204" pitchFamily="34" charset="0"/>
+              <a:buChar char="•"/>
+            </a:pPr>
+            <a:r>
+              <a:rPr lang="en-US" sz="800" dirty="0">
+                <a:latin typeface="Arial" panose="020B0604020202020204" pitchFamily="34" charset="0"/>
+                <a:cs typeface="Arial" panose="020B0604020202020204" pitchFamily="34" charset="0"/>
+              </a:rPr>
+              <a:t>Reference 2</a:t>
+            </a:r>
+          </a:p>
+        </p:txBody>
+      </p:sp>
+      <p:sp>
+        <p:nvSpPr>
+          <p:cNvPr id="42" name="Heart 41">
+            <a:extLst>
+              <a:ext uri="{FF2B5EF4-FFF2-40B4-BE49-F238E27FC236}">
+                <a16:creationId xmlns:a16="http://schemas.microsoft.com/office/drawing/2014/main" id="{CE11A468-F42D-4643-A6D9-30F7030F772C}"/>
+              </a:ext>
+            </a:extLst>
+          </p:cNvPr>
+          <p:cNvSpPr/>
+          <p:nvPr/>
+        </p:nvSpPr>
+        <p:spPr>
+          <a:xfrm>
+            <a:off x="3530662" y="3048242"/>
+            <a:ext cx="2063262" cy="534572"/>
+          </a:xfrm>
+          <a:prstGeom prst="heart">
+            <a:avLst/>
+          </a:prstGeom>
+        </p:spPr>
+        <p:style>
+          <a:lnRef idx="2">
+            <a:schemeClr val="accent1">
+              <a:shade val="50000"/>
+            </a:schemeClr>
+          </a:lnRef>
+          <a:fillRef idx="1">
+            <a:schemeClr val="accent1"/>
+          </a:fillRef>
+          <a:effectRef idx="0">
+            <a:schemeClr val="accent1"/>
+          </a:effectRef>
+          <a:fontRef idx="minor">
+            <a:schemeClr val="lt1"/>
+          </a:fontRef>
+        </p:style>
+        <p:txBody>
+          <a:bodyPr rtlCol="0" anchor="ctr"/>
+          <a:lstStyle/>
+          <a:p>
+            <a:pPr algn="ctr"/>
+            <a:r>
+              <a:rPr lang="en-US" dirty="0">
+                <a:solidFill>
+                  <a:srgbClr val="FF0000"/>
+                </a:solidFill>
+                <a:latin typeface="Arial" panose="020B0604020202020204" pitchFamily="34" charset="0"/>
+                <a:cs typeface="Arial" panose="020B0604020202020204" pitchFamily="34" charset="0"/>
+              </a:rPr>
+              <a:t>hashtag table</a:t>
+            </a:r>
+          </a:p>
+        </p:txBody>
+      </p:sp>
+      <p:sp>
+        <p:nvSpPr>
+          <p:cNvPr id="43" name="Heart 42">
+            <a:extLst>
+              <a:ext uri="{FF2B5EF4-FFF2-40B4-BE49-F238E27FC236}">
+                <a16:creationId xmlns:a16="http://schemas.microsoft.com/office/drawing/2014/main" id="{E75269AA-2C08-4472-8D8A-26A3C39E2029}"/>
+              </a:ext>
+            </a:extLst>
+          </p:cNvPr>
+          <p:cNvSpPr/>
+          <p:nvPr/>
+        </p:nvSpPr>
+        <p:spPr>
+          <a:xfrm>
+            <a:off x="964071" y="3658919"/>
+            <a:ext cx="1185134" cy="320679"/>
+          </a:xfrm>
+          <a:prstGeom prst="heart">
+            <a:avLst/>
+          </a:prstGeom>
+        </p:spPr>
+        <p:style>
+          <a:lnRef idx="2">
+            <a:schemeClr val="accent1">
+              <a:shade val="50000"/>
+            </a:schemeClr>
+          </a:lnRef>
+          <a:fillRef idx="1">
+            <a:schemeClr val="accent1"/>
+          </a:fillRef>
+          <a:effectRef idx="0">
+            <a:schemeClr val="accent1"/>
+          </a:effectRef>
+          <a:fontRef idx="minor">
+            <a:schemeClr val="lt1"/>
+          </a:fontRef>
+        </p:style>
+        <p:txBody>
+          <a:bodyPr rtlCol="0" anchor="ctr"/>
+          <a:lstStyle/>
+          <a:p>
+            <a:pPr algn="ctr"/>
+            <a:r>
+              <a:rPr lang="en-US" sz="1050" dirty="0" err="1">
+                <a:solidFill>
+                  <a:srgbClr val="FF0000"/>
+                </a:solidFill>
+                <a:latin typeface="Arial" panose="020B0604020202020204" pitchFamily="34" charset="0"/>
+                <a:cs typeface="Arial" panose="020B0604020202020204" pitchFamily="34" charset="0"/>
+              </a:rPr>
+              <a:t>Twint</a:t>
+            </a:r>
+            <a:r>
+              <a:rPr lang="en-US" sz="1050" dirty="0">
+                <a:solidFill>
+                  <a:srgbClr val="FF0000"/>
+                </a:solidFill>
+                <a:latin typeface="Arial" panose="020B0604020202020204" pitchFamily="34" charset="0"/>
+                <a:cs typeface="Arial" panose="020B0604020202020204" pitchFamily="34" charset="0"/>
+              </a:rPr>
+              <a:t> logo</a:t>
+            </a:r>
+          </a:p>
+        </p:txBody>
+      </p:sp>
+      <p:sp>
+        <p:nvSpPr>
+          <p:cNvPr id="44" name="Heart 43">
+            <a:extLst>
+              <a:ext uri="{FF2B5EF4-FFF2-40B4-BE49-F238E27FC236}">
+                <a16:creationId xmlns:a16="http://schemas.microsoft.com/office/drawing/2014/main" id="{5D00C9A9-0863-466B-96AB-E0384A0F0F67}"/>
+              </a:ext>
+            </a:extLst>
+          </p:cNvPr>
+          <p:cNvSpPr/>
+          <p:nvPr/>
+        </p:nvSpPr>
+        <p:spPr>
+          <a:xfrm>
+            <a:off x="278272" y="303283"/>
+            <a:ext cx="1185134" cy="320679"/>
+          </a:xfrm>
+          <a:prstGeom prst="heart">
+            <a:avLst/>
+          </a:prstGeom>
+        </p:spPr>
+        <p:style>
+          <a:lnRef idx="2">
+            <a:schemeClr val="accent1">
+              <a:shade val="50000"/>
+            </a:schemeClr>
+          </a:lnRef>
+          <a:fillRef idx="1">
+            <a:schemeClr val="accent1"/>
+          </a:fillRef>
+          <a:effectRef idx="0">
+            <a:schemeClr val="accent1"/>
+          </a:effectRef>
+          <a:fontRef idx="minor">
+            <a:schemeClr val="lt1"/>
+          </a:fontRef>
+        </p:style>
+        <p:txBody>
+          <a:bodyPr rtlCol="0" anchor="ctr"/>
+          <a:lstStyle/>
+          <a:p>
+            <a:pPr algn="ctr"/>
+            <a:r>
+              <a:rPr lang="en-US" sz="1050" dirty="0">
+                <a:solidFill>
+                  <a:srgbClr val="FF0000"/>
+                </a:solidFill>
+                <a:latin typeface="Arial" panose="020B0604020202020204" pitchFamily="34" charset="0"/>
+                <a:cs typeface="Arial" panose="020B0604020202020204" pitchFamily="34" charset="0"/>
+              </a:rPr>
+              <a:t>Twitter logo</a:t>
+            </a:r>
+          </a:p>
+        </p:txBody>
+      </p:sp>
+      <p:sp>
+        <p:nvSpPr>
+          <p:cNvPr id="45" name="Heart 44">
+            <a:extLst>
+              <a:ext uri="{FF2B5EF4-FFF2-40B4-BE49-F238E27FC236}">
+                <a16:creationId xmlns:a16="http://schemas.microsoft.com/office/drawing/2014/main" id="{48DE8319-F4B0-4539-8AF7-F9FD2B37BDF2}"/>
+              </a:ext>
+            </a:extLst>
+          </p:cNvPr>
+          <p:cNvSpPr/>
+          <p:nvPr/>
+        </p:nvSpPr>
+        <p:spPr>
+          <a:xfrm>
+            <a:off x="3964651" y="1353116"/>
+            <a:ext cx="1185134" cy="320679"/>
+          </a:xfrm>
+          <a:prstGeom prst="heart">
+            <a:avLst/>
+          </a:prstGeom>
+        </p:spPr>
+        <p:style>
+          <a:lnRef idx="2">
+            <a:schemeClr val="accent1">
+              <a:shade val="50000"/>
+            </a:schemeClr>
+          </a:lnRef>
+          <a:fillRef idx="1">
+            <a:schemeClr val="accent1"/>
+          </a:fillRef>
+          <a:effectRef idx="0">
+            <a:schemeClr val="accent1"/>
+          </a:effectRef>
+          <a:fontRef idx="minor">
+            <a:schemeClr val="lt1"/>
+          </a:fontRef>
+        </p:style>
+        <p:txBody>
+          <a:bodyPr rtlCol="0" anchor="ctr"/>
+          <a:lstStyle/>
+          <a:p>
+            <a:pPr algn="ctr"/>
+            <a:r>
+              <a:rPr lang="en-US" sz="1050" dirty="0">
+                <a:solidFill>
+                  <a:srgbClr val="FF0000"/>
+                </a:solidFill>
+                <a:latin typeface="Arial" panose="020B0604020202020204" pitchFamily="34" charset="0"/>
+                <a:cs typeface="Arial" panose="020B0604020202020204" pitchFamily="34" charset="0"/>
+              </a:rPr>
+              <a:t>Darth Vader</a:t>
+            </a:r>
+          </a:p>
+        </p:txBody>
+      </p:sp>
+      <p:sp>
+        <p:nvSpPr>
+          <p:cNvPr id="46" name="Rectangle: Rounded Corners 45">
+            <a:extLst>
+              <a:ext uri="{FF2B5EF4-FFF2-40B4-BE49-F238E27FC236}">
+                <a16:creationId xmlns:a16="http://schemas.microsoft.com/office/drawing/2014/main" id="{2952B7F8-9369-41BE-86E6-B48AED40CF8F}"/>
+              </a:ext>
+            </a:extLst>
+          </p:cNvPr>
+          <p:cNvSpPr/>
+          <p:nvPr/>
+        </p:nvSpPr>
+        <p:spPr>
+          <a:xfrm>
+            <a:off x="3775819" y="3845084"/>
+            <a:ext cx="1554480" cy="190500"/>
+          </a:xfrm>
+          <a:prstGeom prst="roundRect">
+            <a:avLst/>
+          </a:prstGeom>
+          <a:solidFill>
+            <a:srgbClr val="000066"/>
+          </a:solidFill>
+          <a:ln w="57150">
+            <a:noFill/>
+          </a:ln>
+        </p:spPr>
+        <p:style>
+          <a:lnRef idx="2">
+            <a:schemeClr val="accent1">
+              <a:shade val="50000"/>
+            </a:schemeClr>
+          </a:lnRef>
+          <a:fillRef idx="1">
+            <a:schemeClr val="accent1"/>
+          </a:fillRef>
+          <a:effectRef idx="0">
+            <a:schemeClr val="accent1"/>
+          </a:effectRef>
+          <a:fontRef idx="minor">
+            <a:schemeClr val="lt1"/>
+          </a:fontRef>
+        </p:style>
+        <p:txBody>
+          <a:bodyPr rot="0" spcFirstLastPara="0" vertOverflow="overflow" horzOverflow="overflow" vert="horz" wrap="square" lIns="68580" tIns="34290" rIns="68580" bIns="34290" numCol="1" spcCol="0" rtlCol="0" fromWordArt="0" anchor="ctr" anchorCtr="0" forceAA="0" compatLnSpc="1">
+            <a:prstTxWarp prst="textNoShape">
+              <a:avLst/>
+            </a:prstTxWarp>
+            <a:noAutofit/>
+          </a:bodyPr>
+          <a:lstStyle/>
+          <a:p>
+            <a:pPr algn="ctr"/>
+            <a:r>
+              <a:rPr lang="en-US" sz="833" b="1" dirty="0">
+                <a:solidFill>
+                  <a:schemeClr val="bg1"/>
+                </a:solidFill>
+                <a:latin typeface="Arial" panose="020B0604020202020204" pitchFamily="34" charset="0"/>
+                <a:cs typeface="Arial" panose="020B0604020202020204" pitchFamily="34" charset="0"/>
+              </a:rPr>
+              <a:t>Affiliation Matrix</a:t>
+            </a:r>
+          </a:p>
+        </p:txBody>
+      </p:sp>
+      <p:sp>
+        <p:nvSpPr>
+          <p:cNvPr id="47" name="Heart 46">
+            <a:extLst>
+              <a:ext uri="{FF2B5EF4-FFF2-40B4-BE49-F238E27FC236}">
+                <a16:creationId xmlns:a16="http://schemas.microsoft.com/office/drawing/2014/main" id="{F39B9ACB-FB07-4FC6-96EF-705951BC96E4}"/>
+              </a:ext>
+            </a:extLst>
+          </p:cNvPr>
+          <p:cNvSpPr/>
+          <p:nvPr/>
+        </p:nvSpPr>
+        <p:spPr>
+          <a:xfrm>
+            <a:off x="3533503" y="4324705"/>
+            <a:ext cx="2063262" cy="534572"/>
+          </a:xfrm>
+          <a:prstGeom prst="heart">
+            <a:avLst/>
+          </a:prstGeom>
+        </p:spPr>
+        <p:style>
+          <a:lnRef idx="2">
+            <a:schemeClr val="accent1">
+              <a:shade val="50000"/>
+            </a:schemeClr>
+          </a:lnRef>
+          <a:fillRef idx="1">
+            <a:schemeClr val="accent1"/>
+          </a:fillRef>
+          <a:effectRef idx="0">
+            <a:schemeClr val="accent1"/>
+          </a:effectRef>
+          <a:fontRef idx="minor">
+            <a:schemeClr val="lt1"/>
+          </a:fontRef>
+        </p:style>
+        <p:txBody>
+          <a:bodyPr rtlCol="0" anchor="ctr"/>
+          <a:lstStyle/>
+          <a:p>
+            <a:pPr algn="ctr"/>
+            <a:r>
+              <a:rPr lang="en-US" dirty="0">
+                <a:solidFill>
+                  <a:srgbClr val="FF0000"/>
+                </a:solidFill>
+                <a:latin typeface="Arial" panose="020B0604020202020204" pitchFamily="34" charset="0"/>
+                <a:cs typeface="Arial" panose="020B0604020202020204" pitchFamily="34" charset="0"/>
+              </a:rPr>
+              <a:t>Matrix goes here</a:t>
+            </a:r>
+          </a:p>
+        </p:txBody>
+      </p:sp>
+      <p:sp>
+        <p:nvSpPr>
+          <p:cNvPr id="49" name="TextBox 48">
+            <a:extLst>
+              <a:ext uri="{FF2B5EF4-FFF2-40B4-BE49-F238E27FC236}">
+                <a16:creationId xmlns:a16="http://schemas.microsoft.com/office/drawing/2014/main" id="{72EBA674-4A23-4CEE-A88C-405C239D7AAF}"/>
+              </a:ext>
+            </a:extLst>
+          </p:cNvPr>
+          <p:cNvSpPr txBox="1"/>
+          <p:nvPr/>
+        </p:nvSpPr>
+        <p:spPr>
+          <a:xfrm>
+            <a:off x="3111420" y="4978757"/>
+            <a:ext cx="2872351" cy="584775"/>
+          </a:xfrm>
+          <a:prstGeom prst="rect">
+            <a:avLst/>
+          </a:prstGeom>
+          <a:noFill/>
+        </p:spPr>
+        <p:txBody>
+          <a:bodyPr wrap="square" rtlCol="0">
+            <a:spAutoFit/>
+          </a:bodyPr>
+          <a:lstStyle>
+            <a:defPPr>
+              <a:defRPr lang="en-US"/>
+            </a:defPPr>
+            <a:lvl1pPr algn="just">
+              <a:defRPr sz="800">
+                <a:latin typeface="Arial" panose="020B0604020202020204" pitchFamily="34" charset="0"/>
+                <a:cs typeface="Arial" panose="020B0604020202020204" pitchFamily="34" charset="0"/>
+              </a:defRPr>
+            </a:lvl1pPr>
+          </a:lstStyle>
+          <a:p>
+            <a:pPr marL="171450" indent="-171450">
+              <a:buFont typeface="Arial" panose="020B0604020202020204" pitchFamily="34" charset="0"/>
+              <a:buChar char="•"/>
+            </a:pPr>
+            <a:r>
+              <a:rPr lang="en-US" dirty="0"/>
+              <a:t>Bullet point</a:t>
+            </a:r>
+          </a:p>
+          <a:p>
+            <a:pPr marL="171450" indent="-171450">
+              <a:buFont typeface="Arial" panose="020B0604020202020204" pitchFamily="34" charset="0"/>
+              <a:buChar char="•"/>
+            </a:pPr>
+            <a:r>
+              <a:rPr lang="en-US" dirty="0"/>
+              <a:t>Bullet point</a:t>
+            </a:r>
+          </a:p>
+          <a:p>
+            <a:pPr marL="171450" indent="-171450">
+              <a:buFont typeface="Arial" panose="020B0604020202020204" pitchFamily="34" charset="0"/>
+              <a:buChar char="•"/>
+            </a:pPr>
+            <a:r>
+              <a:rPr lang="en-US" dirty="0"/>
+              <a:t>Bullet point</a:t>
+            </a:r>
+          </a:p>
+          <a:p>
+            <a:pPr marL="171450" indent="-171450">
+              <a:buFont typeface="Arial" panose="020B0604020202020204" pitchFamily="34" charset="0"/>
+              <a:buChar char="•"/>
+            </a:pPr>
+            <a:r>
+              <a:rPr lang="en-US" dirty="0"/>
+              <a:t>Bullet point</a:t>
+            </a:r>
+          </a:p>
+        </p:txBody>
+      </p:sp>
+      <p:sp>
+        <p:nvSpPr>
+          <p:cNvPr id="50" name="Heart 49">
+            <a:extLst>
+              <a:ext uri="{FF2B5EF4-FFF2-40B4-BE49-F238E27FC236}">
+                <a16:creationId xmlns:a16="http://schemas.microsoft.com/office/drawing/2014/main" id="{68CD37F7-BC26-4732-B55C-06C2593BDA6E}"/>
+              </a:ext>
+            </a:extLst>
+          </p:cNvPr>
+          <p:cNvSpPr/>
+          <p:nvPr/>
+        </p:nvSpPr>
+        <p:spPr>
+          <a:xfrm>
+            <a:off x="3533503" y="6120197"/>
+            <a:ext cx="2063262" cy="534572"/>
+          </a:xfrm>
+          <a:prstGeom prst="heart">
+            <a:avLst/>
+          </a:prstGeom>
+        </p:spPr>
+        <p:style>
+          <a:lnRef idx="2">
+            <a:schemeClr val="accent1">
+              <a:shade val="50000"/>
+            </a:schemeClr>
+          </a:lnRef>
+          <a:fillRef idx="1">
+            <a:schemeClr val="accent1"/>
+          </a:fillRef>
+          <a:effectRef idx="0">
+            <a:schemeClr val="accent1"/>
+          </a:effectRef>
+          <a:fontRef idx="minor">
+            <a:schemeClr val="lt1"/>
+          </a:fontRef>
+        </p:style>
+        <p:txBody>
+          <a:bodyPr rtlCol="0" anchor="ctr"/>
+          <a:lstStyle/>
+          <a:p>
+            <a:pPr algn="ctr"/>
+            <a:r>
+              <a:rPr lang="en-US" dirty="0">
+                <a:solidFill>
+                  <a:srgbClr val="FF0000"/>
+                </a:solidFill>
+                <a:latin typeface="Arial" panose="020B0604020202020204" pitchFamily="34" charset="0"/>
+                <a:cs typeface="Arial" panose="020B0604020202020204" pitchFamily="34" charset="0"/>
+              </a:rPr>
+              <a:t>Pos neg</a:t>
+            </a:r>
+          </a:p>
+        </p:txBody>
+      </p:sp>
+      <p:sp>
+        <p:nvSpPr>
+          <p:cNvPr id="52" name="Heart 51">
+            <a:extLst>
+              <a:ext uri="{FF2B5EF4-FFF2-40B4-BE49-F238E27FC236}">
+                <a16:creationId xmlns:a16="http://schemas.microsoft.com/office/drawing/2014/main" id="{7C6C07DD-0B1D-48AB-B234-22AB3D3D9861}"/>
+              </a:ext>
+            </a:extLst>
+          </p:cNvPr>
+          <p:cNvSpPr/>
+          <p:nvPr/>
+        </p:nvSpPr>
+        <p:spPr>
+          <a:xfrm>
+            <a:off x="7712418" y="1774643"/>
+            <a:ext cx="1285842" cy="534572"/>
+          </a:xfrm>
+          <a:prstGeom prst="heart">
+            <a:avLst/>
+          </a:prstGeom>
+        </p:spPr>
+        <p:style>
+          <a:lnRef idx="2">
+            <a:schemeClr val="accent1">
+              <a:shade val="50000"/>
+            </a:schemeClr>
+          </a:lnRef>
+          <a:fillRef idx="1">
+            <a:schemeClr val="accent1"/>
+          </a:fillRef>
+          <a:effectRef idx="0">
+            <a:schemeClr val="accent1"/>
+          </a:effectRef>
+          <a:fontRef idx="minor">
+            <a:schemeClr val="lt1"/>
+          </a:fontRef>
+        </p:style>
+        <p:txBody>
+          <a:bodyPr rtlCol="0" anchor="ctr"/>
+          <a:lstStyle/>
+          <a:p>
+            <a:pPr algn="ctr"/>
+            <a:r>
+              <a:rPr lang="en-US" dirty="0">
+                <a:solidFill>
+                  <a:srgbClr val="FF0000"/>
+                </a:solidFill>
+                <a:latin typeface="Arial" panose="020B0604020202020204" pitchFamily="34" charset="0"/>
+                <a:cs typeface="Arial" panose="020B0604020202020204" pitchFamily="34" charset="0"/>
+              </a:rPr>
+              <a:t>Put Chart</a:t>
+            </a:r>
+          </a:p>
+        </p:txBody>
+      </p:sp>
+      <p:sp>
+        <p:nvSpPr>
+          <p:cNvPr id="53" name="Heart 52">
+            <a:extLst>
+              <a:ext uri="{FF2B5EF4-FFF2-40B4-BE49-F238E27FC236}">
+                <a16:creationId xmlns:a16="http://schemas.microsoft.com/office/drawing/2014/main" id="{C9DBF63E-0D00-4509-9EF1-16DE4CE5110C}"/>
+              </a:ext>
+            </a:extLst>
+          </p:cNvPr>
+          <p:cNvSpPr/>
+          <p:nvPr/>
+        </p:nvSpPr>
+        <p:spPr>
+          <a:xfrm>
+            <a:off x="7660156" y="3226315"/>
+            <a:ext cx="1349511" cy="534572"/>
+          </a:xfrm>
+          <a:prstGeom prst="heart">
+            <a:avLst/>
+          </a:prstGeom>
+        </p:spPr>
+        <p:style>
+          <a:lnRef idx="2">
+            <a:schemeClr val="accent1">
+              <a:shade val="50000"/>
+            </a:schemeClr>
+          </a:lnRef>
+          <a:fillRef idx="1">
+            <a:schemeClr val="accent1"/>
+          </a:fillRef>
+          <a:effectRef idx="0">
+            <a:schemeClr val="accent1"/>
+          </a:effectRef>
+          <a:fontRef idx="minor">
+            <a:schemeClr val="lt1"/>
+          </a:fontRef>
+        </p:style>
+        <p:txBody>
+          <a:bodyPr rtlCol="0" anchor="ctr"/>
+          <a:lstStyle/>
+          <a:p>
+            <a:pPr algn="ctr"/>
+            <a:r>
+              <a:rPr lang="en-US" dirty="0">
+                <a:solidFill>
+                  <a:srgbClr val="FF0000"/>
+                </a:solidFill>
+                <a:latin typeface="Arial" panose="020B0604020202020204" pitchFamily="34" charset="0"/>
+                <a:cs typeface="Arial" panose="020B0604020202020204" pitchFamily="34" charset="0"/>
+              </a:rPr>
+              <a:t>Word cloud</a:t>
+            </a:r>
+          </a:p>
+        </p:txBody>
+      </p:sp>
+      <p:sp>
+        <p:nvSpPr>
+          <p:cNvPr id="54" name="TextBox 53">
+            <a:extLst>
+              <a:ext uri="{FF2B5EF4-FFF2-40B4-BE49-F238E27FC236}">
+                <a16:creationId xmlns:a16="http://schemas.microsoft.com/office/drawing/2014/main" id="{06DB3741-0DCF-4ED3-94A5-61AEC3343754}"/>
+              </a:ext>
+            </a:extLst>
+          </p:cNvPr>
+          <p:cNvSpPr txBox="1"/>
+          <p:nvPr/>
+        </p:nvSpPr>
+        <p:spPr>
+          <a:xfrm>
+            <a:off x="6085156" y="2422264"/>
+            <a:ext cx="2872351" cy="707886"/>
+          </a:xfrm>
+          <a:prstGeom prst="rect">
+            <a:avLst/>
+          </a:prstGeom>
+          <a:noFill/>
+        </p:spPr>
+        <p:txBody>
+          <a:bodyPr wrap="square" rtlCol="0">
+            <a:spAutoFit/>
+          </a:bodyPr>
+          <a:lstStyle/>
+          <a:p>
+            <a:pPr algn="just"/>
+            <a:r>
+              <a:rPr lang="en-US" sz="800" dirty="0">
+                <a:latin typeface="Arial" panose="020B0604020202020204" pitchFamily="34" charset="0"/>
+                <a:cs typeface="Arial" panose="020B0604020202020204" pitchFamily="34" charset="0"/>
+              </a:rPr>
+              <a:t>Bullet points</a:t>
+            </a:r>
+          </a:p>
+          <a:p>
+            <a:pPr algn="just"/>
+            <a:r>
+              <a:rPr lang="en-US" sz="800" dirty="0">
+                <a:latin typeface="Arial" panose="020B0604020202020204" pitchFamily="34" charset="0"/>
+                <a:cs typeface="Arial" panose="020B0604020202020204" pitchFamily="34" charset="0"/>
+              </a:rPr>
+              <a:t>Bullet points</a:t>
+            </a:r>
+          </a:p>
+          <a:p>
+            <a:pPr algn="just"/>
+            <a:r>
+              <a:rPr lang="en-US" sz="800" dirty="0">
+                <a:latin typeface="Arial" panose="020B0604020202020204" pitchFamily="34" charset="0"/>
+                <a:cs typeface="Arial" panose="020B0604020202020204" pitchFamily="34" charset="0"/>
+              </a:rPr>
+              <a:t>Bullet points</a:t>
+            </a:r>
+          </a:p>
+          <a:p>
+            <a:pPr algn="just"/>
+            <a:r>
+              <a:rPr lang="en-US" sz="800" dirty="0">
+                <a:latin typeface="Arial" panose="020B0604020202020204" pitchFamily="34" charset="0"/>
+                <a:cs typeface="Arial" panose="020B0604020202020204" pitchFamily="34" charset="0"/>
+              </a:rPr>
+              <a:t>Bullet points</a:t>
+            </a:r>
+          </a:p>
+          <a:p>
+            <a:pPr algn="just"/>
+            <a:r>
+              <a:rPr lang="en-US" sz="800" dirty="0">
+                <a:latin typeface="Arial" panose="020B0604020202020204" pitchFamily="34" charset="0"/>
+                <a:cs typeface="Arial" panose="020B0604020202020204" pitchFamily="34" charset="0"/>
+              </a:rPr>
+              <a:t>Bullet points</a:t>
+            </a:r>
+          </a:p>
+        </p:txBody>
+      </p:sp>
+      <p:sp>
+        <p:nvSpPr>
+          <p:cNvPr id="55" name="TextBox 54">
+            <a:extLst>
+              <a:ext uri="{FF2B5EF4-FFF2-40B4-BE49-F238E27FC236}">
+                <a16:creationId xmlns:a16="http://schemas.microsoft.com/office/drawing/2014/main" id="{C1F7273A-E420-4C93-861B-53FE00235BFA}"/>
+              </a:ext>
+            </a:extLst>
+          </p:cNvPr>
+          <p:cNvSpPr txBox="1"/>
+          <p:nvPr/>
+        </p:nvSpPr>
+        <p:spPr>
+          <a:xfrm>
+            <a:off x="6127894" y="5249668"/>
+            <a:ext cx="2872351" cy="707886"/>
+          </a:xfrm>
+          <a:prstGeom prst="rect">
+            <a:avLst/>
+          </a:prstGeom>
+          <a:noFill/>
+        </p:spPr>
+        <p:txBody>
+          <a:bodyPr wrap="square" rtlCol="0">
+            <a:spAutoFit/>
+          </a:bodyPr>
+          <a:lstStyle/>
+          <a:p>
+            <a:pPr marL="171450" indent="-171450" algn="just">
+              <a:buFont typeface="Arial" panose="020B0604020202020204" pitchFamily="34" charset="0"/>
+              <a:buChar char="•"/>
+            </a:pPr>
+            <a:r>
+              <a:rPr lang="en-US" sz="800" dirty="0">
+                <a:latin typeface="Arial" panose="020B0604020202020204" pitchFamily="34" charset="0"/>
+                <a:cs typeface="Arial" panose="020B0604020202020204" pitchFamily="34" charset="0"/>
+              </a:rPr>
+              <a:t>Bullet point</a:t>
+            </a:r>
+          </a:p>
+          <a:p>
+            <a:pPr marL="171450" indent="-171450" algn="just">
+              <a:buFont typeface="Arial" panose="020B0604020202020204" pitchFamily="34" charset="0"/>
+              <a:buChar char="•"/>
+            </a:pPr>
+            <a:r>
+              <a:rPr lang="en-US" sz="800" dirty="0">
+                <a:latin typeface="Arial" panose="020B0604020202020204" pitchFamily="34" charset="0"/>
+                <a:cs typeface="Arial" panose="020B0604020202020204" pitchFamily="34" charset="0"/>
+              </a:rPr>
+              <a:t>Bullet </a:t>
+            </a:r>
+            <a:r>
+              <a:rPr lang="en-US" sz="800" dirty="0" err="1">
+                <a:latin typeface="Arial" panose="020B0604020202020204" pitchFamily="34" charset="0"/>
+                <a:cs typeface="Arial" panose="020B0604020202020204" pitchFamily="34" charset="0"/>
+              </a:rPr>
+              <a:t>poin</a:t>
+            </a:r>
+            <a:endParaRPr lang="en-US" sz="800" dirty="0">
+              <a:latin typeface="Arial" panose="020B0604020202020204" pitchFamily="34" charset="0"/>
+              <a:cs typeface="Arial" panose="020B0604020202020204" pitchFamily="34" charset="0"/>
+            </a:endParaRPr>
+          </a:p>
+          <a:p>
+            <a:pPr marL="171450" indent="-171450" algn="just">
+              <a:buFont typeface="Arial" panose="020B0604020202020204" pitchFamily="34" charset="0"/>
+              <a:buChar char="•"/>
+            </a:pPr>
+            <a:r>
+              <a:rPr lang="en-US" sz="800" dirty="0">
+                <a:latin typeface="Arial" panose="020B0604020202020204" pitchFamily="34" charset="0"/>
+                <a:cs typeface="Arial" panose="020B0604020202020204" pitchFamily="34" charset="0"/>
+              </a:rPr>
+              <a:t>Bullet </a:t>
+            </a:r>
+            <a:r>
+              <a:rPr lang="en-US" sz="800" dirty="0" err="1">
+                <a:latin typeface="Arial" panose="020B0604020202020204" pitchFamily="34" charset="0"/>
+                <a:cs typeface="Arial" panose="020B0604020202020204" pitchFamily="34" charset="0"/>
+              </a:rPr>
+              <a:t>poin</a:t>
+            </a:r>
+            <a:endParaRPr lang="en-US" sz="800" dirty="0">
+              <a:latin typeface="Arial" panose="020B0604020202020204" pitchFamily="34" charset="0"/>
+              <a:cs typeface="Arial" panose="020B0604020202020204" pitchFamily="34" charset="0"/>
+            </a:endParaRPr>
+          </a:p>
+          <a:p>
+            <a:pPr marL="171450" indent="-171450" algn="just">
+              <a:buFont typeface="Arial" panose="020B0604020202020204" pitchFamily="34" charset="0"/>
+              <a:buChar char="•"/>
+            </a:pPr>
+            <a:r>
+              <a:rPr lang="en-US" sz="800" dirty="0">
+                <a:latin typeface="Arial" panose="020B0604020202020204" pitchFamily="34" charset="0"/>
+                <a:cs typeface="Arial" panose="020B0604020202020204" pitchFamily="34" charset="0"/>
+              </a:rPr>
+              <a:t>Bullet point</a:t>
+            </a:r>
+          </a:p>
+          <a:p>
+            <a:pPr algn="just"/>
+            <a:endParaRPr lang="en-US" sz="800" dirty="0">
               <a:latin typeface="Arial" panose="020B0604020202020204" pitchFamily="34" charset="0"/>
               <a:cs typeface="Arial" panose="020B0604020202020204" pitchFamily="34" charset="0"/>
             </a:endParaRPr>

--- a/Poster.pptx
+++ b/Poster.pptx
@@ -7,7 +7,7 @@
   <p:sldIdLst>
     <p:sldId id="256" r:id="rId2"/>
   </p:sldIdLst>
-  <p:sldSz cx="9144000" cy="6858000"/>
+  <p:sldSz cx="9144000" cy="6858000" type="screen4x3"/>
   <p:notesSz cx="6858000" cy="9144000"/>
   <p:defaultTextStyle>
     <a:defPPr>
@@ -2984,10 +2984,10 @@
       </p:grpSpPr>
       <p:sp>
         <p:nvSpPr>
-          <p:cNvPr id="12" name="Rectangle 11">
+          <p:cNvPr id="20" name="Rectangle 19">
             <a:extLst>
               <a:ext uri="{FF2B5EF4-FFF2-40B4-BE49-F238E27FC236}">
-                <a16:creationId xmlns:a16="http://schemas.microsoft.com/office/drawing/2014/main" id="{1CD42FB2-BEC0-4E5F-9C58-FD086765F991}"/>
+                <a16:creationId xmlns:a16="http://schemas.microsoft.com/office/drawing/2014/main" id="{F0F51883-00F7-4707-A848-DDCB26BC6A04}"/>
               </a:ext>
             </a:extLst>
           </p:cNvPr>
@@ -2996,57 +2996,7 @@
         </p:nvSpPr>
         <p:spPr>
           <a:xfrm>
-            <a:off x="106094" y="908446"/>
-            <a:ext cx="2954655" cy="5810250"/>
-          </a:xfrm>
-          <a:prstGeom prst="rect">
-            <a:avLst/>
-          </a:prstGeom>
-          <a:noFill/>
-          <a:ln>
-            <a:noFill/>
-          </a:ln>
-        </p:spPr>
-        <p:style>
-          <a:lnRef idx="2">
-            <a:schemeClr val="accent1">
-              <a:shade val="50000"/>
-            </a:schemeClr>
-          </a:lnRef>
-          <a:fillRef idx="1">
-            <a:schemeClr val="accent1"/>
-          </a:fillRef>
-          <a:effectRef idx="0">
-            <a:schemeClr val="accent1"/>
-          </a:effectRef>
-          <a:fontRef idx="minor">
-            <a:schemeClr val="lt1"/>
-          </a:fontRef>
-        </p:style>
-        <p:txBody>
-          <a:bodyPr rtlCol="0" anchor="ctr"/>
-          <a:lstStyle/>
-          <a:p>
-            <a:pPr algn="ctr"/>
-            <a:endParaRPr lang="en-US" sz="100"/>
-          </a:p>
-        </p:txBody>
-      </p:sp>
-      <p:sp>
-        <p:nvSpPr>
-          <p:cNvPr id="19" name="Rectangle 18">
-            <a:extLst>
-              <a:ext uri="{FF2B5EF4-FFF2-40B4-BE49-F238E27FC236}">
-                <a16:creationId xmlns:a16="http://schemas.microsoft.com/office/drawing/2014/main" id="{B22288E5-2A1B-4DFA-895F-C755198432DA}"/>
-              </a:ext>
-            </a:extLst>
-          </p:cNvPr>
-          <p:cNvSpPr/>
-          <p:nvPr/>
-        </p:nvSpPr>
-        <p:spPr>
-          <a:xfrm>
-            <a:off x="3095625" y="908447"/>
+            <a:off x="6047392" y="908447"/>
             <a:ext cx="2954655" cy="5810250"/>
           </a:xfrm>
           <a:prstGeom prst="rect">
@@ -3089,12 +3039,105 @@
           </a:p>
         </p:txBody>
       </p:sp>
-      <p:sp>
-        <p:nvSpPr>
-          <p:cNvPr id="20" name="Rectangle 19">
+      <p:grpSp>
+        <p:nvGrpSpPr>
+          <p:cNvPr id="84" name="Group 83">
             <a:extLst>
               <a:ext uri="{FF2B5EF4-FFF2-40B4-BE49-F238E27FC236}">
-                <a16:creationId xmlns:a16="http://schemas.microsoft.com/office/drawing/2014/main" id="{F0F51883-00F7-4707-A848-DDCB26BC6A04}"/>
+                <a16:creationId xmlns:a16="http://schemas.microsoft.com/office/drawing/2014/main" id="{6230C6D2-6977-4D87-AB86-A3C9EF982002}"/>
+              </a:ext>
+            </a:extLst>
+          </p:cNvPr>
+          <p:cNvGrpSpPr/>
+          <p:nvPr/>
+        </p:nvGrpSpPr>
+        <p:grpSpPr>
+          <a:xfrm>
+            <a:off x="6231737" y="3498018"/>
+            <a:ext cx="2770310" cy="1371600"/>
+            <a:chOff x="6217614" y="3501070"/>
+            <a:chExt cx="2770310" cy="1371600"/>
+          </a:xfrm>
+        </p:grpSpPr>
+        <p:pic>
+          <p:nvPicPr>
+            <p:cNvPr id="35" name="Picture 34">
+              <a:extLst>
+                <a:ext uri="{FF2B5EF4-FFF2-40B4-BE49-F238E27FC236}">
+                  <a16:creationId xmlns:a16="http://schemas.microsoft.com/office/drawing/2014/main" id="{1C1A121E-9F18-4740-A5C9-2109478A2AD0}"/>
+                </a:ext>
+              </a:extLst>
+            </p:cNvPr>
+            <p:cNvPicPr>
+              <a:picLocks noChangeAspect="1"/>
+            </p:cNvPicPr>
+            <p:nvPr/>
+          </p:nvPicPr>
+          <p:blipFill>
+            <a:blip r:embed="rId2">
+              <a:extLst>
+                <a:ext uri="{28A0092B-C50C-407E-A947-70E740481C1C}">
+                  <a14:useLocalDpi xmlns:a14="http://schemas.microsoft.com/office/drawing/2010/main" val="0"/>
+                </a:ext>
+              </a:extLst>
+            </a:blip>
+            <a:stretch>
+              <a:fillRect/>
+            </a:stretch>
+          </p:blipFill>
+          <p:spPr>
+            <a:xfrm>
+              <a:off x="7616324" y="3501070"/>
+              <a:ext cx="1371600" cy="1371600"/>
+            </a:xfrm>
+            <a:prstGeom prst="rect">
+              <a:avLst/>
+            </a:prstGeom>
+          </p:spPr>
+        </p:pic>
+        <p:pic>
+          <p:nvPicPr>
+            <p:cNvPr id="81" name="Picture 80">
+              <a:extLst>
+                <a:ext uri="{FF2B5EF4-FFF2-40B4-BE49-F238E27FC236}">
+                  <a16:creationId xmlns:a16="http://schemas.microsoft.com/office/drawing/2014/main" id="{A4714C95-FFBC-4179-BB4B-F2DCF02FC917}"/>
+                </a:ext>
+              </a:extLst>
+            </p:cNvPr>
+            <p:cNvPicPr>
+              <a:picLocks noChangeAspect="1"/>
+            </p:cNvPicPr>
+            <p:nvPr/>
+          </p:nvPicPr>
+          <p:blipFill>
+            <a:blip r:embed="rId3">
+              <a:extLst>
+                <a:ext uri="{28A0092B-C50C-407E-A947-70E740481C1C}">
+                  <a14:useLocalDpi xmlns:a14="http://schemas.microsoft.com/office/drawing/2010/main" val="0"/>
+                </a:ext>
+              </a:extLst>
+            </a:blip>
+            <a:stretch>
+              <a:fillRect/>
+            </a:stretch>
+          </p:blipFill>
+          <p:spPr>
+            <a:xfrm>
+              <a:off x="6217614" y="3504277"/>
+              <a:ext cx="1366205" cy="1366205"/>
+            </a:xfrm>
+            <a:prstGeom prst="rect">
+              <a:avLst/>
+            </a:prstGeom>
+          </p:spPr>
+        </p:pic>
+      </p:grpSp>
+      <p:sp>
+        <p:nvSpPr>
+          <p:cNvPr id="12" name="Rectangle 11">
+            <a:extLst>
+              <a:ext uri="{FF2B5EF4-FFF2-40B4-BE49-F238E27FC236}">
+                <a16:creationId xmlns:a16="http://schemas.microsoft.com/office/drawing/2014/main" id="{1CD42FB2-BEC0-4E5F-9C58-FD086765F991}"/>
               </a:ext>
             </a:extLst>
           </p:cNvPr>
@@ -3103,7 +3146,57 @@
         </p:nvSpPr>
         <p:spPr>
           <a:xfrm>
-            <a:off x="6047392" y="908447"/>
+            <a:off x="106094" y="908446"/>
+            <a:ext cx="2954655" cy="5810250"/>
+          </a:xfrm>
+          <a:prstGeom prst="rect">
+            <a:avLst/>
+          </a:prstGeom>
+          <a:noFill/>
+          <a:ln>
+            <a:noFill/>
+          </a:ln>
+        </p:spPr>
+        <p:style>
+          <a:lnRef idx="2">
+            <a:schemeClr val="accent1">
+              <a:shade val="50000"/>
+            </a:schemeClr>
+          </a:lnRef>
+          <a:fillRef idx="1">
+            <a:schemeClr val="accent1"/>
+          </a:fillRef>
+          <a:effectRef idx="0">
+            <a:schemeClr val="accent1"/>
+          </a:effectRef>
+          <a:fontRef idx="minor">
+            <a:schemeClr val="lt1"/>
+          </a:fontRef>
+        </p:style>
+        <p:txBody>
+          <a:bodyPr rtlCol="0" anchor="ctr"/>
+          <a:lstStyle/>
+          <a:p>
+            <a:pPr algn="ctr"/>
+            <a:endParaRPr lang="en-US" sz="100"/>
+          </a:p>
+        </p:txBody>
+      </p:sp>
+      <p:sp>
+        <p:nvSpPr>
+          <p:cNvPr id="19" name="Rectangle 18">
+            <a:extLst>
+              <a:ext uri="{FF2B5EF4-FFF2-40B4-BE49-F238E27FC236}">
+                <a16:creationId xmlns:a16="http://schemas.microsoft.com/office/drawing/2014/main" id="{B22288E5-2A1B-4DFA-895F-C755198432DA}"/>
+              </a:ext>
+            </a:extLst>
+          </p:cNvPr>
+          <p:cNvSpPr/>
+          <p:nvPr/>
+        </p:nvSpPr>
+        <p:spPr>
+          <a:xfrm>
+            <a:off x="3095625" y="908447"/>
             <a:ext cx="2954655" cy="5810250"/>
           </a:xfrm>
           <a:prstGeom prst="rect">
@@ -3167,7 +3260,7 @@
             <a:avLst/>
           </a:prstGeom>
           <a:noFill/>
-          <a:ln w="57150">
+          <a:ln w="19050">
             <a:solidFill>
               <a:srgbClr val="000066"/>
             </a:solidFill>
@@ -3273,7 +3366,7 @@
           <p:nvPr/>
         </p:nvPicPr>
         <p:blipFill rotWithShape="1">
-          <a:blip r:embed="rId2">
+          <a:blip r:embed="rId4">
             <a:extLst>
               <a:ext uri="{28A0092B-C50C-407E-A947-70E740481C1C}">
                 <a14:useLocalDpi xmlns:a14="http://schemas.microsoft.com/office/drawing/2010/main" val="0"/>
@@ -3285,7 +3378,7 @@
         </p:blipFill>
         <p:spPr bwMode="auto">
           <a:xfrm>
-            <a:off x="7560862" y="257762"/>
+            <a:off x="7521331" y="257761"/>
             <a:ext cx="1364776" cy="409942"/>
           </a:xfrm>
           <a:prstGeom prst="rect">
@@ -3325,7 +3418,7 @@
           <a:prstGeom prst="line">
             <a:avLst/>
           </a:prstGeom>
-          <a:ln w="57150">
+          <a:ln w="19050">
             <a:solidFill>
               <a:srgbClr val="000066"/>
             </a:solidFill>
@@ -3366,7 +3459,7 @@
           <a:prstGeom prst="line">
             <a:avLst/>
           </a:prstGeom>
-          <a:ln w="57150">
+          <a:ln w="19050">
             <a:solidFill>
               <a:srgbClr val="000066"/>
             </a:solidFill>
@@ -3401,7 +3494,7 @@
         </p:nvSpPr>
         <p:spPr>
           <a:xfrm>
-            <a:off x="870839" y="913336"/>
+            <a:off x="870837" y="903883"/>
             <a:ext cx="1371600" cy="190500"/>
           </a:xfrm>
           <a:prstGeom prst="roundRect">
@@ -3441,7 +3534,7 @@
           <a:p>
             <a:pPr algn="ctr"/>
             <a:r>
-              <a:rPr lang="en-US" sz="833" b="1" dirty="0">
+              <a:rPr lang="en-US" sz="800" b="1" dirty="0">
                 <a:solidFill>
                   <a:schemeClr val="bg1"/>
                 </a:solidFill>
@@ -3455,10 +3548,10 @@
       </p:sp>
       <p:sp>
         <p:nvSpPr>
-          <p:cNvPr id="16" name="Rectangle: Rounded Corners 15">
+          <p:cNvPr id="18" name="Rectangle: Rounded Corners 17">
             <a:extLst>
               <a:ext uri="{FF2B5EF4-FFF2-40B4-BE49-F238E27FC236}">
-                <a16:creationId xmlns:a16="http://schemas.microsoft.com/office/drawing/2014/main" id="{0CC22CC2-30D7-4FA8-A1DB-058F8D527FC5}"/>
+                <a16:creationId xmlns:a16="http://schemas.microsoft.com/office/drawing/2014/main" id="{CDB2D186-B2DA-4BFB-AFE2-733A64043BFE}"/>
               </a:ext>
             </a:extLst>
           </p:cNvPr>
@@ -3467,8 +3560,8 @@
         </p:nvSpPr>
         <p:spPr>
           <a:xfrm>
-            <a:off x="669447" y="5230244"/>
-            <a:ext cx="1737360" cy="190500"/>
+            <a:off x="6800858" y="903282"/>
+            <a:ext cx="1554480" cy="190500"/>
           </a:xfrm>
           <a:prstGeom prst="roundRect">
             <a:avLst/>
@@ -3507,24 +3600,24 @@
           <a:p>
             <a:pPr algn="ctr"/>
             <a:r>
-              <a:rPr lang="en-US" sz="833" b="1" dirty="0">
+              <a:rPr lang="en-US" sz="800" b="1" dirty="0">
                 <a:solidFill>
                   <a:schemeClr val="bg1"/>
                 </a:solidFill>
                 <a:latin typeface="Arial" panose="020B0604020202020204" pitchFamily="34" charset="0"/>
                 <a:cs typeface="Arial" panose="020B0604020202020204" pitchFamily="34" charset="0"/>
               </a:rPr>
-              <a:t>Sentiment Analysis Methods</a:t>
-            </a:r>
-          </a:p>
-        </p:txBody>
-      </p:sp>
-      <p:sp>
-        <p:nvSpPr>
-          <p:cNvPr id="18" name="Rectangle: Rounded Corners 17">
+              <a:t>Sentiment Analysis Results</a:t>
+            </a:r>
+          </a:p>
+        </p:txBody>
+      </p:sp>
+      <p:sp>
+        <p:nvSpPr>
+          <p:cNvPr id="2" name="Rectangle 1">
             <a:extLst>
               <a:ext uri="{FF2B5EF4-FFF2-40B4-BE49-F238E27FC236}">
-                <a16:creationId xmlns:a16="http://schemas.microsoft.com/office/drawing/2014/main" id="{CDB2D186-B2DA-4BFB-AFE2-733A64043BFE}"/>
+                <a16:creationId xmlns:a16="http://schemas.microsoft.com/office/drawing/2014/main" id="{8FC99D0C-90CA-405C-B408-511D2AD1CF76}"/>
               </a:ext>
             </a:extLst>
           </p:cNvPr>
@@ -3533,8 +3626,146 @@
         </p:nvSpPr>
         <p:spPr>
           <a:xfrm>
-            <a:off x="3825699" y="5612464"/>
-            <a:ext cx="1554480" cy="190500"/>
+            <a:off x="8298335" y="6654769"/>
+            <a:ext cx="834681" cy="194990"/>
+          </a:xfrm>
+          <a:prstGeom prst="rect">
+            <a:avLst/>
+          </a:prstGeom>
+        </p:spPr>
+        <p:txBody>
+          <a:bodyPr wrap="square" anchor="b">
+            <a:spAutoFit/>
+          </a:bodyPr>
+          <a:lstStyle/>
+          <a:p>
+            <a:pPr algn="r"/>
+            <a:r>
+              <a:rPr lang="en-US" sz="667" dirty="0">
+                <a:latin typeface="Arial" panose="020B0604020202020204" pitchFamily="34" charset="0"/>
+                <a:cs typeface="Arial" panose="020B0604020202020204" pitchFamily="34" charset="0"/>
+              </a:rPr>
+              <a:t>May 10, 2020</a:t>
+            </a:r>
+            <a:endParaRPr lang="en-US" sz="667" dirty="0"/>
+          </a:p>
+        </p:txBody>
+      </p:sp>
+      <p:sp>
+        <p:nvSpPr>
+          <p:cNvPr id="40" name="TextBox 39">
+            <a:extLst>
+              <a:ext uri="{FF2B5EF4-FFF2-40B4-BE49-F238E27FC236}">
+                <a16:creationId xmlns:a16="http://schemas.microsoft.com/office/drawing/2014/main" id="{4DBCF237-704A-4DFD-9316-ABA4FC582180}"/>
+              </a:ext>
+            </a:extLst>
+          </p:cNvPr>
+          <p:cNvSpPr txBox="1"/>
+          <p:nvPr/>
+        </p:nvSpPr>
+        <p:spPr>
+          <a:xfrm>
+            <a:off x="111858" y="1094383"/>
+            <a:ext cx="2872351" cy="1815882"/>
+          </a:xfrm>
+          <a:prstGeom prst="rect">
+            <a:avLst/>
+          </a:prstGeom>
+          <a:noFill/>
+        </p:spPr>
+        <p:txBody>
+          <a:bodyPr wrap="square" rtlCol="0">
+            <a:spAutoFit/>
+          </a:bodyPr>
+          <a:lstStyle/>
+          <a:p>
+            <a:pPr algn="just"/>
+            <a:r>
+              <a:rPr lang="en-US" sz="800" dirty="0">
+                <a:latin typeface="Arial" panose="020B0604020202020204" pitchFamily="34" charset="0"/>
+                <a:cs typeface="Arial" panose="020B0604020202020204" pitchFamily="34" charset="0"/>
+              </a:rPr>
+              <a:t>Social media has created a place for political influencers to interact with their society. It drastically lowered the barrier for individuals to express their political opinions and past researchers proved capable of using individuals’ online activity to estimate political ideologies. These tactics were used in conjunction with sentiment analysis to assign levels of vitriol to the followers of various presidential candidates. </a:t>
+            </a:r>
+          </a:p>
+          <a:p>
+            <a:pPr algn="just"/>
+            <a:endParaRPr lang="en-US" sz="400" dirty="0">
+              <a:latin typeface="Arial" panose="020B0604020202020204" pitchFamily="34" charset="0"/>
+              <a:cs typeface="Arial" panose="020B0604020202020204" pitchFamily="34" charset="0"/>
+            </a:endParaRPr>
+          </a:p>
+          <a:p>
+            <a:pPr algn="just"/>
+            <a:r>
+              <a:rPr lang="en-US" sz="800" dirty="0">
+                <a:latin typeface="Arial" panose="020B0604020202020204" pitchFamily="34" charset="0"/>
+                <a:cs typeface="Arial" panose="020B0604020202020204" pitchFamily="34" charset="0"/>
+              </a:rPr>
+              <a:t>Specifically, the vitriol of Bernie Sanders individuals was expected to be higher than normal due to two factors:</a:t>
+            </a:r>
+          </a:p>
+          <a:p>
+            <a:pPr marL="171450" indent="-171450" algn="just">
+              <a:buFont typeface="Arial" panose="020B0604020202020204" pitchFamily="34" charset="0"/>
+              <a:buChar char="•"/>
+            </a:pPr>
+            <a:r>
+              <a:rPr lang="en-US" sz="800" dirty="0">
+                <a:latin typeface="Arial" panose="020B0604020202020204" pitchFamily="34" charset="0"/>
+                <a:cs typeface="Arial" panose="020B0604020202020204" pitchFamily="34" charset="0"/>
+              </a:rPr>
+              <a:t>Cognitive dissonance </a:t>
+            </a:r>
+          </a:p>
+          <a:p>
+            <a:pPr marL="171450" indent="-171450" algn="just">
+              <a:buFont typeface="Arial" panose="020B0604020202020204" pitchFamily="34" charset="0"/>
+              <a:buChar char="•"/>
+            </a:pPr>
+            <a:r>
+              <a:rPr lang="en-US" sz="800" dirty="0">
+                <a:latin typeface="Arial" panose="020B0604020202020204" pitchFamily="34" charset="0"/>
+                <a:cs typeface="Arial" panose="020B0604020202020204" pitchFamily="34" charset="0"/>
+              </a:rPr>
+              <a:t>Far-from-center ideologies</a:t>
+            </a:r>
+          </a:p>
+          <a:p>
+            <a:pPr algn="just"/>
+            <a:endParaRPr lang="en-US" sz="400" dirty="0">
+              <a:latin typeface="Arial" panose="020B0604020202020204" pitchFamily="34" charset="0"/>
+              <a:cs typeface="Arial" panose="020B0604020202020204" pitchFamily="34" charset="0"/>
+            </a:endParaRPr>
+          </a:p>
+          <a:p>
+            <a:pPr algn="just"/>
+            <a:r>
+              <a:rPr lang="en-US" sz="800" dirty="0">
+                <a:latin typeface="Arial" panose="020B0604020202020204" pitchFamily="34" charset="0"/>
+                <a:cs typeface="Arial" panose="020B0604020202020204" pitchFamily="34" charset="0"/>
+              </a:rPr>
+              <a:t>Tweets were scrapped from twitter from supporters of various candidates to test this hypothesis.</a:t>
+            </a:r>
+          </a:p>
+        </p:txBody>
+      </p:sp>
+      <p:sp>
+        <p:nvSpPr>
+          <p:cNvPr id="48" name="Rectangle: Rounded Corners 47">
+            <a:extLst>
+              <a:ext uri="{FF2B5EF4-FFF2-40B4-BE49-F238E27FC236}">
+                <a16:creationId xmlns:a16="http://schemas.microsoft.com/office/drawing/2014/main" id="{A8BBDE98-0A04-43D6-920B-D47B5EAA8706}"/>
+              </a:ext>
+            </a:extLst>
+          </p:cNvPr>
+          <p:cNvSpPr/>
+          <p:nvPr/>
+        </p:nvSpPr>
+        <p:spPr>
+          <a:xfrm>
+            <a:off x="1047986" y="2909463"/>
+            <a:ext cx="980281" cy="190500"/>
           </a:xfrm>
           <a:prstGeom prst="roundRect">
             <a:avLst/>
@@ -3573,24 +3804,280 @@
           <a:p>
             <a:pPr algn="ctr"/>
             <a:r>
-              <a:rPr lang="en-US" sz="833" b="1" dirty="0">
+              <a:rPr lang="en-US" sz="800" b="1" dirty="0">
                 <a:solidFill>
                   <a:schemeClr val="bg1"/>
                 </a:solidFill>
                 <a:latin typeface="Arial" panose="020B0604020202020204" pitchFamily="34" charset="0"/>
                 <a:cs typeface="Arial" panose="020B0604020202020204" pitchFamily="34" charset="0"/>
               </a:rPr>
-              <a:t>Sentiment Results</a:t>
-            </a:r>
-          </a:p>
-        </p:txBody>
-      </p:sp>
-      <p:sp>
-        <p:nvSpPr>
-          <p:cNvPr id="15" name="Rectangle: Rounded Corners 14">
+              <a:t>Data</a:t>
+            </a:r>
+          </a:p>
+        </p:txBody>
+      </p:sp>
+      <p:sp>
+        <p:nvSpPr>
+          <p:cNvPr id="51" name="TextBox 50">
             <a:extLst>
               <a:ext uri="{FF2B5EF4-FFF2-40B4-BE49-F238E27FC236}">
-                <a16:creationId xmlns:a16="http://schemas.microsoft.com/office/drawing/2014/main" id="{091D2944-5D2D-4985-A57F-323614D0F259}"/>
+                <a16:creationId xmlns:a16="http://schemas.microsoft.com/office/drawing/2014/main" id="{5FD0ED58-D46B-4555-8472-5D735F0690E4}"/>
+              </a:ext>
+            </a:extLst>
+          </p:cNvPr>
+          <p:cNvSpPr txBox="1"/>
+          <p:nvPr/>
+        </p:nvSpPr>
+        <p:spPr>
+          <a:xfrm>
+            <a:off x="105014" y="3459918"/>
+            <a:ext cx="2872351" cy="1154162"/>
+          </a:xfrm>
+          <a:prstGeom prst="rect">
+            <a:avLst/>
+          </a:prstGeom>
+          <a:noFill/>
+        </p:spPr>
+        <p:txBody>
+          <a:bodyPr wrap="square" rtlCol="0">
+            <a:spAutoFit/>
+          </a:bodyPr>
+          <a:lstStyle/>
+          <a:p>
+            <a:pPr algn="just"/>
+            <a:r>
+              <a:rPr lang="en-US" sz="800" b="1" dirty="0">
+                <a:latin typeface="Arial" panose="020B0604020202020204" pitchFamily="34" charset="0"/>
+                <a:cs typeface="Arial" panose="020B0604020202020204" pitchFamily="34" charset="0"/>
+              </a:rPr>
+              <a:t>We collected Twitter data using the TWINT API with simple integration to the Python </a:t>
+            </a:r>
+            <a:r>
+              <a:rPr lang="en-US" sz="800" b="1" i="1" dirty="0">
+                <a:latin typeface="Arial" panose="020B0604020202020204" pitchFamily="34" charset="0"/>
+                <a:cs typeface="Arial" panose="020B0604020202020204" pitchFamily="34" charset="0"/>
+              </a:rPr>
+              <a:t>pandas</a:t>
+            </a:r>
+            <a:r>
+              <a:rPr lang="en-US" sz="800" b="1" dirty="0">
+                <a:latin typeface="Arial" panose="020B0604020202020204" pitchFamily="34" charset="0"/>
+                <a:cs typeface="Arial" panose="020B0604020202020204" pitchFamily="34" charset="0"/>
+              </a:rPr>
+              <a:t> package.</a:t>
+            </a:r>
+          </a:p>
+          <a:p>
+            <a:pPr algn="just"/>
+            <a:endParaRPr lang="en-US" sz="400" b="1" dirty="0">
+              <a:latin typeface="Arial" panose="020B0604020202020204" pitchFamily="34" charset="0"/>
+              <a:cs typeface="Arial" panose="020B0604020202020204" pitchFamily="34" charset="0"/>
+            </a:endParaRPr>
+          </a:p>
+          <a:p>
+            <a:pPr algn="just"/>
+            <a:r>
+              <a:rPr lang="en-US" sz="800" b="1" dirty="0">
+                <a:latin typeface="Arial" panose="020B0604020202020204" pitchFamily="34" charset="0"/>
+                <a:cs typeface="Arial" panose="020B0604020202020204" pitchFamily="34" charset="0"/>
+              </a:rPr>
+              <a:t>Data Collected from TWINT:</a:t>
+            </a:r>
+          </a:p>
+          <a:p>
+            <a:pPr marL="171450" indent="-171450" algn="just">
+              <a:buFont typeface="Arial" panose="020B0604020202020204" pitchFamily="34" charset="0"/>
+              <a:buChar char="•"/>
+            </a:pPr>
+            <a:r>
+              <a:rPr lang="en-US" sz="800" dirty="0">
+                <a:latin typeface="Arial" panose="020B0604020202020204" pitchFamily="34" charset="0"/>
+                <a:cs typeface="Arial" panose="020B0604020202020204" pitchFamily="34" charset="0"/>
+              </a:rPr>
+              <a:t>14 usernames of political candidates</a:t>
+            </a:r>
+          </a:p>
+          <a:p>
+            <a:pPr marL="171450" indent="-171450" algn="just">
+              <a:buFont typeface="Arial" panose="020B0604020202020204" pitchFamily="34" charset="0"/>
+              <a:buChar char="•"/>
+            </a:pPr>
+            <a:r>
+              <a:rPr lang="en-US" sz="800" dirty="0">
+                <a:latin typeface="Arial" panose="020B0604020202020204" pitchFamily="34" charset="0"/>
+                <a:cs typeface="Arial" panose="020B0604020202020204" pitchFamily="34" charset="0"/>
+              </a:rPr>
+              <a:t>Over 5000 usernames of followers per candidate  </a:t>
+            </a:r>
+          </a:p>
+          <a:p>
+            <a:pPr marL="171450" indent="-171450" algn="just">
+              <a:buFont typeface="Arial" panose="020B0604020202020204" pitchFamily="34" charset="0"/>
+              <a:buChar char="•"/>
+            </a:pPr>
+            <a:r>
+              <a:rPr lang="en-US" sz="800" dirty="0">
+                <a:latin typeface="Arial" panose="020B0604020202020204" pitchFamily="34" charset="0"/>
+                <a:cs typeface="Arial" panose="020B0604020202020204" pitchFamily="34" charset="0"/>
+              </a:rPr>
+              <a:t>Over 165000 total tweets from those followers</a:t>
+            </a:r>
+          </a:p>
+          <a:p>
+            <a:pPr marL="171450" indent="-171450" algn="just">
+              <a:buFont typeface="Arial" panose="020B0604020202020204" pitchFamily="34" charset="0"/>
+              <a:buChar char="•"/>
+            </a:pPr>
+            <a:r>
+              <a:rPr lang="en-US" sz="800" dirty="0">
+                <a:latin typeface="Arial" panose="020B0604020202020204" pitchFamily="34" charset="0"/>
+                <a:cs typeface="Arial" panose="020B0604020202020204" pitchFamily="34" charset="0"/>
+              </a:rPr>
+              <a:t>5000 usernames of who these followers followed</a:t>
+            </a:r>
+          </a:p>
+          <a:p>
+            <a:pPr marL="628650" lvl="1" indent="-171450" algn="just">
+              <a:buFont typeface="Arial" panose="020B0604020202020204" pitchFamily="34" charset="0"/>
+              <a:buChar char="•"/>
+            </a:pPr>
+            <a:r>
+              <a:rPr lang="en-US" sz="800" dirty="0">
+                <a:latin typeface="Arial" panose="020B0604020202020204" pitchFamily="34" charset="0"/>
+                <a:cs typeface="Arial" panose="020B0604020202020204" pitchFamily="34" charset="0"/>
+              </a:rPr>
+              <a:t>Find between-candidate overlap/affiliation</a:t>
+            </a:r>
+          </a:p>
+        </p:txBody>
+      </p:sp>
+      <p:grpSp>
+        <p:nvGrpSpPr>
+          <p:cNvPr id="8" name="Group 7">
+            <a:extLst>
+              <a:ext uri="{FF2B5EF4-FFF2-40B4-BE49-F238E27FC236}">
+                <a16:creationId xmlns:a16="http://schemas.microsoft.com/office/drawing/2014/main" id="{2DE33A8A-D921-4FA5-8E36-304714DB29B1}"/>
+              </a:ext>
+            </a:extLst>
+          </p:cNvPr>
+          <p:cNvGrpSpPr/>
+          <p:nvPr/>
+        </p:nvGrpSpPr>
+        <p:grpSpPr>
+          <a:xfrm>
+            <a:off x="382507" y="3112974"/>
+            <a:ext cx="2348259" cy="369259"/>
+            <a:chOff x="481441" y="3130150"/>
+            <a:chExt cx="2348259" cy="369259"/>
+          </a:xfrm>
+        </p:grpSpPr>
+        <p:pic>
+          <p:nvPicPr>
+            <p:cNvPr id="56" name="Picture 55">
+              <a:extLst>
+                <a:ext uri="{FF2B5EF4-FFF2-40B4-BE49-F238E27FC236}">
+                  <a16:creationId xmlns:a16="http://schemas.microsoft.com/office/drawing/2014/main" id="{FAA3C959-FC59-4331-BC78-D32EBE5A42CE}"/>
+                </a:ext>
+              </a:extLst>
+            </p:cNvPr>
+            <p:cNvPicPr>
+              <a:picLocks noChangeAspect="1"/>
+            </p:cNvPicPr>
+            <p:nvPr/>
+          </p:nvPicPr>
+          <p:blipFill>
+            <a:blip r:embed="rId5">
+              <a:clrChange>
+                <a:clrFrom>
+                  <a:srgbClr val="FAFBFC"/>
+                </a:clrFrom>
+                <a:clrTo>
+                  <a:srgbClr val="FAFBFC">
+                    <a:alpha val="0"/>
+                  </a:srgbClr>
+                </a:clrTo>
+              </a:clrChange>
+            </a:blip>
+            <a:stretch>
+              <a:fillRect/>
+            </a:stretch>
+          </p:blipFill>
+          <p:spPr>
+            <a:xfrm>
+              <a:off x="481441" y="3130150"/>
+              <a:ext cx="1030777" cy="365760"/>
+            </a:xfrm>
+            <a:prstGeom prst="rect">
+              <a:avLst/>
+            </a:prstGeom>
+            <a:effectLst>
+              <a:outerShdw blurRad="76200" dir="18900000" sy="23000" kx="-1200000" algn="bl" rotWithShape="0">
+                <a:prstClr val="black">
+                  <a:alpha val="20000"/>
+                </a:prstClr>
+              </a:outerShdw>
+            </a:effectLst>
+          </p:spPr>
+        </p:pic>
+        <p:pic>
+          <p:nvPicPr>
+            <p:cNvPr id="57" name="Picture 56" descr="pandas (software) - Wikipedia">
+              <a:extLst>
+                <a:ext uri="{FF2B5EF4-FFF2-40B4-BE49-F238E27FC236}">
+                  <a16:creationId xmlns:a16="http://schemas.microsoft.com/office/drawing/2014/main" id="{7E2997D9-019B-4D41-B24C-236C05B023A8}"/>
+                </a:ext>
+              </a:extLst>
+            </p:cNvPr>
+            <p:cNvPicPr>
+              <a:picLocks noChangeAspect="1" noChangeArrowheads="1"/>
+            </p:cNvPicPr>
+            <p:nvPr/>
+          </p:nvPicPr>
+          <p:blipFill rotWithShape="1">
+            <a:blip r:embed="rId6">
+              <a:extLst>
+                <a:ext uri="{28A0092B-C50C-407E-A947-70E740481C1C}">
+                  <a14:useLocalDpi xmlns:a14="http://schemas.microsoft.com/office/drawing/2010/main" val="0"/>
+                </a:ext>
+              </a:extLst>
+            </a:blip>
+            <a:srcRect t="13052" b="13051"/>
+            <a:stretch/>
+          </p:blipFill>
+          <p:spPr bwMode="auto">
+            <a:xfrm>
+              <a:off x="1605053" y="3133649"/>
+              <a:ext cx="1224647" cy="365760"/>
+            </a:xfrm>
+            <a:prstGeom prst="rect">
+              <a:avLst/>
+            </a:prstGeom>
+            <a:noFill/>
+            <a:effectLst>
+              <a:outerShdw blurRad="76200" dir="18900000" sy="23000" kx="-1200000" algn="bl" rotWithShape="0">
+                <a:prstClr val="black">
+                  <a:alpha val="20000"/>
+                </a:prstClr>
+              </a:outerShdw>
+            </a:effectLst>
+            <a:extLst>
+              <a:ext uri="{909E8E84-426E-40DD-AFC4-6F175D3DCCD1}">
+                <a14:hiddenFill xmlns:a14="http://schemas.microsoft.com/office/drawing/2010/main">
+                  <a:solidFill>
+                    <a:srgbClr val="FFFFFF"/>
+                  </a:solidFill>
+                </a14:hiddenFill>
+              </a:ext>
+            </a:extLst>
+          </p:spPr>
+        </p:pic>
+      </p:grpSp>
+      <p:sp>
+        <p:nvSpPr>
+          <p:cNvPr id="58" name="Rectangle: Rounded Corners 57">
+            <a:extLst>
+              <a:ext uri="{FF2B5EF4-FFF2-40B4-BE49-F238E27FC236}">
+                <a16:creationId xmlns:a16="http://schemas.microsoft.com/office/drawing/2014/main" id="{71AF65D6-9BD3-447D-8E0B-D6D4388029A7}"/>
               </a:ext>
             </a:extLst>
           </p:cNvPr>
@@ -3599,8 +4086,8 @@
         </p:nvSpPr>
         <p:spPr>
           <a:xfrm>
-            <a:off x="7105419" y="6051521"/>
-            <a:ext cx="980281" cy="190500"/>
+            <a:off x="680023" y="4580688"/>
+            <a:ext cx="1737360" cy="190500"/>
           </a:xfrm>
           <a:prstGeom prst="roundRect">
             <a:avLst/>
@@ -3639,24 +4126,353 @@
           <a:p>
             <a:pPr algn="ctr"/>
             <a:r>
-              <a:rPr lang="en-US" sz="833" b="1" dirty="0">
+              <a:rPr lang="en-US" sz="800" b="1" dirty="0">
                 <a:solidFill>
                   <a:schemeClr val="bg1"/>
                 </a:solidFill>
                 <a:latin typeface="Arial" panose="020B0604020202020204" pitchFamily="34" charset="0"/>
                 <a:cs typeface="Arial" panose="020B0604020202020204" pitchFamily="34" charset="0"/>
               </a:rPr>
-              <a:t>References</a:t>
-            </a:r>
-          </a:p>
-        </p:txBody>
-      </p:sp>
-      <p:sp>
-        <p:nvSpPr>
-          <p:cNvPr id="2" name="Rectangle 1">
+              <a:t>Sentiment Analysis Methods</a:t>
+            </a:r>
+          </a:p>
+        </p:txBody>
+      </p:sp>
+      <p:sp>
+        <p:nvSpPr>
+          <p:cNvPr id="59" name="TextBox 58">
             <a:extLst>
               <a:ext uri="{FF2B5EF4-FFF2-40B4-BE49-F238E27FC236}">
-                <a16:creationId xmlns:a16="http://schemas.microsoft.com/office/drawing/2014/main" id="{8FC99D0C-90CA-405C-B408-511D2AD1CF76}"/>
+                <a16:creationId xmlns:a16="http://schemas.microsoft.com/office/drawing/2014/main" id="{21AF9E4D-F1D8-4698-95DD-477A75556DB4}"/>
+              </a:ext>
+            </a:extLst>
+          </p:cNvPr>
+          <p:cNvSpPr txBox="1"/>
+          <p:nvPr/>
+        </p:nvSpPr>
+        <p:spPr>
+          <a:xfrm>
+            <a:off x="113429" y="4771188"/>
+            <a:ext cx="2872351" cy="707886"/>
+          </a:xfrm>
+          <a:prstGeom prst="rect">
+            <a:avLst/>
+          </a:prstGeom>
+          <a:noFill/>
+        </p:spPr>
+        <p:txBody>
+          <a:bodyPr wrap="square" rtlCol="0">
+            <a:spAutoFit/>
+          </a:bodyPr>
+          <a:lstStyle>
+            <a:defPPr>
+              <a:defRPr lang="en-US"/>
+            </a:defPPr>
+            <a:lvl1pPr algn="just">
+              <a:defRPr sz="800">
+                <a:latin typeface="Arial" panose="020B0604020202020204" pitchFamily="34" charset="0"/>
+                <a:cs typeface="Arial" panose="020B0604020202020204" pitchFamily="34" charset="0"/>
+              </a:defRPr>
+            </a:lvl1pPr>
+          </a:lstStyle>
+          <a:p>
+            <a:r>
+              <a:rPr lang="en-US" b="1" dirty="0"/>
+              <a:t>Naïve Bayes Models</a:t>
+            </a:r>
+          </a:p>
+          <a:p>
+            <a:pPr marL="171450" indent="-171450">
+              <a:buFontTx/>
+              <a:buChar char="-"/>
+            </a:pPr>
+            <a:r>
+              <a:rPr lang="en-US" dirty="0"/>
+              <a:t>Scale Priors by probability of class given input</a:t>
+            </a:r>
+          </a:p>
+          <a:p>
+            <a:pPr marL="171450" indent="-171450">
+              <a:buFontTx/>
+              <a:buChar char="-"/>
+            </a:pPr>
+            <a:r>
+              <a:rPr lang="en-US" dirty="0"/>
+              <a:t>Assumes Independence of Features</a:t>
+            </a:r>
+          </a:p>
+          <a:p>
+            <a:pPr marL="171450" indent="-171450">
+              <a:buFontTx/>
+              <a:buChar char="-"/>
+            </a:pPr>
+            <a:r>
+              <a:rPr lang="en-US" b="1" dirty="0"/>
+              <a:t>NLTK: </a:t>
+            </a:r>
+            <a:r>
+              <a:rPr lang="en-US" sz="800" dirty="0">
+                <a:latin typeface="Arial" panose="020B0604020202020204" pitchFamily="34" charset="0"/>
+                <a:cs typeface="Arial" panose="020B0604020202020204" pitchFamily="34" charset="0"/>
+              </a:rPr>
+              <a:t>Twitter Data, </a:t>
+            </a:r>
+            <a:r>
+              <a:rPr lang="en-US" sz="800" dirty="0" err="1">
+                <a:latin typeface="Arial" panose="020B0604020202020204" pitchFamily="34" charset="0"/>
+                <a:cs typeface="Arial" panose="020B0604020202020204" pitchFamily="34" charset="0"/>
+              </a:rPr>
+              <a:t>Stopwords</a:t>
+            </a:r>
+            <a:r>
+              <a:rPr lang="en-US" sz="800" dirty="0">
+                <a:latin typeface="Arial" panose="020B0604020202020204" pitchFamily="34" charset="0"/>
+                <a:cs typeface="Arial" panose="020B0604020202020204" pitchFamily="34" charset="0"/>
+              </a:rPr>
+              <a:t>, Noise Reduction</a:t>
+            </a:r>
+          </a:p>
+          <a:p>
+            <a:pPr marL="171450" indent="-171450">
+              <a:buFontTx/>
+              <a:buChar char="-"/>
+            </a:pPr>
+            <a:r>
+              <a:rPr lang="en-US" b="1" dirty="0" err="1"/>
+              <a:t>TextBlob</a:t>
+            </a:r>
+            <a:r>
+              <a:rPr lang="en-US" dirty="0"/>
+              <a:t>: ”Vanilla” Model, IMBD Data</a:t>
+            </a:r>
+          </a:p>
+        </p:txBody>
+      </p:sp>
+      <p:pic>
+        <p:nvPicPr>
+          <p:cNvPr id="60" name="Picture 59">
+            <a:extLst>
+              <a:ext uri="{FF2B5EF4-FFF2-40B4-BE49-F238E27FC236}">
+                <a16:creationId xmlns:a16="http://schemas.microsoft.com/office/drawing/2014/main" id="{DA836C8C-4EAE-415B-9B58-B715BEAF283C}"/>
+              </a:ext>
+            </a:extLst>
+          </p:cNvPr>
+          <p:cNvPicPr>
+            <a:picLocks noChangeAspect="1"/>
+          </p:cNvPicPr>
+          <p:nvPr/>
+        </p:nvPicPr>
+        <p:blipFill>
+          <a:blip r:embed="rId7"/>
+          <a:stretch>
+            <a:fillRect/>
+          </a:stretch>
+        </p:blipFill>
+        <p:spPr>
+          <a:xfrm>
+            <a:off x="954255" y="5467226"/>
+            <a:ext cx="1204764" cy="284670"/>
+          </a:xfrm>
+          <a:prstGeom prst="rect">
+            <a:avLst/>
+          </a:prstGeom>
+        </p:spPr>
+      </p:pic>
+      <p:sp>
+        <p:nvSpPr>
+          <p:cNvPr id="61" name="TextBox 60">
+            <a:extLst>
+              <a:ext uri="{FF2B5EF4-FFF2-40B4-BE49-F238E27FC236}">
+                <a16:creationId xmlns:a16="http://schemas.microsoft.com/office/drawing/2014/main" id="{B5A093EB-1B45-45B5-A996-B951DCD1FCFA}"/>
+              </a:ext>
+            </a:extLst>
+          </p:cNvPr>
+          <p:cNvSpPr txBox="1"/>
+          <p:nvPr/>
+        </p:nvSpPr>
+        <p:spPr>
+          <a:xfrm>
+            <a:off x="105014" y="5643767"/>
+            <a:ext cx="2872351" cy="1077218"/>
+          </a:xfrm>
+          <a:prstGeom prst="rect">
+            <a:avLst/>
+          </a:prstGeom>
+          <a:noFill/>
+        </p:spPr>
+        <p:txBody>
+          <a:bodyPr wrap="square" rtlCol="0">
+            <a:spAutoFit/>
+          </a:bodyPr>
+          <a:lstStyle>
+            <a:defPPr>
+              <a:defRPr lang="en-US"/>
+            </a:defPPr>
+            <a:lvl1pPr algn="just">
+              <a:defRPr sz="800">
+                <a:latin typeface="Arial" panose="020B0604020202020204" pitchFamily="34" charset="0"/>
+                <a:cs typeface="Arial" panose="020B0604020202020204" pitchFamily="34" charset="0"/>
+              </a:defRPr>
+            </a:lvl1pPr>
+          </a:lstStyle>
+          <a:p>
+            <a:r>
+              <a:rPr lang="en-US" b="1" dirty="0"/>
+              <a:t>VADER</a:t>
+            </a:r>
+          </a:p>
+          <a:p>
+            <a:pPr marL="171450" indent="-171450">
+              <a:buFontTx/>
+              <a:buChar char="-"/>
+            </a:pPr>
+            <a:r>
+              <a:rPr lang="en-US" dirty="0"/>
+              <a:t>Specialized to Social Media</a:t>
+            </a:r>
+          </a:p>
+          <a:p>
+            <a:pPr marL="171450" indent="-171450">
+              <a:buFontTx/>
+              <a:buChar char="-"/>
+            </a:pPr>
+            <a:r>
+              <a:rPr lang="en-US" dirty="0"/>
+              <a:t>Defines heuristics from many datasets</a:t>
+            </a:r>
+          </a:p>
+          <a:p>
+            <a:pPr marL="171450" indent="-171450">
+              <a:buFontTx/>
+              <a:buChar char="-"/>
+            </a:pPr>
+            <a:r>
+              <a:rPr lang="en-US" dirty="0"/>
+              <a:t>Accounts for Sentiment Laden Emojis</a:t>
+            </a:r>
+            <a:endParaRPr lang="en-US" sz="800" dirty="0">
+              <a:latin typeface="Arial" panose="020B0604020202020204" pitchFamily="34" charset="0"/>
+              <a:cs typeface="Arial" panose="020B0604020202020204" pitchFamily="34" charset="0"/>
+            </a:endParaRPr>
+          </a:p>
+          <a:p>
+            <a:pPr marL="628650" lvl="1" indent="-171450">
+              <a:buFontTx/>
+              <a:buChar char="-"/>
+            </a:pPr>
+            <a:r>
+              <a:rPr lang="en-US" sz="800" dirty="0">
+                <a:latin typeface="Arial" panose="020B0604020202020204" pitchFamily="34" charset="0"/>
+                <a:cs typeface="Arial" panose="020B0604020202020204" pitchFamily="34" charset="0"/>
+              </a:rPr>
+              <a:t>😍 = smiling face with heart-eyes</a:t>
+            </a:r>
+          </a:p>
+          <a:p>
+            <a:pPr marL="628650" lvl="1" indent="-171450">
+              <a:buFontTx/>
+              <a:buChar char="-"/>
+            </a:pPr>
+            <a:r>
+              <a:rPr lang="en-US" sz="800" dirty="0">
+                <a:latin typeface="Arial" panose="020B0604020202020204" pitchFamily="34" charset="0"/>
+                <a:cs typeface="Arial" panose="020B0604020202020204" pitchFamily="34" charset="0"/>
+              </a:rPr>
+              <a:t>😱 = face screaming in fear</a:t>
+            </a:r>
+          </a:p>
+          <a:p>
+            <a:pPr marL="171450" indent="-171450">
+              <a:buFontTx/>
+              <a:buChar char="-"/>
+            </a:pPr>
+            <a:r>
+              <a:rPr lang="en-US" dirty="0"/>
+              <a:t>Understands Trigram Sentiment Switches</a:t>
+            </a:r>
+          </a:p>
+          <a:p>
+            <a:pPr marL="628650" lvl="1" indent="-171450">
+              <a:buFontTx/>
+              <a:buChar char="-"/>
+            </a:pPr>
+            <a:r>
+              <a:rPr lang="en-US" sz="800" dirty="0">
+                <a:latin typeface="Arial" panose="020B0604020202020204" pitchFamily="34" charset="0"/>
+                <a:cs typeface="Arial" panose="020B0604020202020204" pitchFamily="34" charset="0"/>
+              </a:rPr>
+              <a:t>“The food here </a:t>
+            </a:r>
+            <a:r>
+              <a:rPr lang="en-US" sz="800" u="sng" dirty="0">
+                <a:solidFill>
+                  <a:srgbClr val="FF0000"/>
+                </a:solidFill>
+                <a:latin typeface="Arial" panose="020B0604020202020204" pitchFamily="34" charset="0"/>
+                <a:cs typeface="Arial" panose="020B0604020202020204" pitchFamily="34" charset="0"/>
+              </a:rPr>
+              <a:t>isn’t really all</a:t>
+            </a:r>
+            <a:r>
+              <a:rPr lang="en-US" sz="800" dirty="0">
+                <a:latin typeface="Arial" panose="020B0604020202020204" pitchFamily="34" charset="0"/>
+                <a:cs typeface="Arial" panose="020B0604020202020204" pitchFamily="34" charset="0"/>
+              </a:rPr>
+              <a:t> </a:t>
+            </a:r>
+            <a:r>
+              <a:rPr lang="en-US" sz="800" dirty="0">
+                <a:solidFill>
+                  <a:schemeClr val="accent6"/>
+                </a:solidFill>
+                <a:latin typeface="Arial" panose="020B0604020202020204" pitchFamily="34" charset="0"/>
+                <a:cs typeface="Arial" panose="020B0604020202020204" pitchFamily="34" charset="0"/>
+              </a:rPr>
+              <a:t>that great</a:t>
+            </a:r>
+            <a:endParaRPr lang="en-US" sz="800" dirty="0">
+              <a:latin typeface="Arial" panose="020B0604020202020204" pitchFamily="34" charset="0"/>
+              <a:cs typeface="Arial" panose="020B0604020202020204" pitchFamily="34" charset="0"/>
+            </a:endParaRPr>
+          </a:p>
+        </p:txBody>
+      </p:sp>
+      <p:pic>
+        <p:nvPicPr>
+          <p:cNvPr id="62" name="Picture 61">
+            <a:extLst>
+              <a:ext uri="{FF2B5EF4-FFF2-40B4-BE49-F238E27FC236}">
+                <a16:creationId xmlns:a16="http://schemas.microsoft.com/office/drawing/2014/main" id="{9981B22E-8855-4C7C-839B-5DBD59C9939F}"/>
+              </a:ext>
+            </a:extLst>
+          </p:cNvPr>
+          <p:cNvPicPr>
+            <a:picLocks noChangeAspect="1"/>
+          </p:cNvPicPr>
+          <p:nvPr/>
+        </p:nvPicPr>
+        <p:blipFill>
+          <a:blip r:embed="rId8"/>
+          <a:stretch>
+            <a:fillRect/>
+          </a:stretch>
+        </p:blipFill>
+        <p:spPr>
+          <a:xfrm>
+            <a:off x="2200312" y="5712535"/>
+            <a:ext cx="358367" cy="442196"/>
+          </a:xfrm>
+          <a:prstGeom prst="rect">
+            <a:avLst/>
+          </a:prstGeom>
+        </p:spPr>
+      </p:pic>
+      <p:sp>
+        <p:nvSpPr>
+          <p:cNvPr id="63" name="Rectangle: Rounded Corners 62">
+            <a:extLst>
+              <a:ext uri="{FF2B5EF4-FFF2-40B4-BE49-F238E27FC236}">
+                <a16:creationId xmlns:a16="http://schemas.microsoft.com/office/drawing/2014/main" id="{69F034FF-1A1C-45E5-9569-B28B7D9882F7}"/>
               </a:ext>
             </a:extLst>
           </p:cNvPr>
@@ -3665,1307 +4481,8 @@
         </p:nvSpPr>
         <p:spPr>
           <a:xfrm>
-            <a:off x="8298335" y="6654769"/>
-            <a:ext cx="834681" cy="194990"/>
-          </a:xfrm>
-          <a:prstGeom prst="rect">
-            <a:avLst/>
-          </a:prstGeom>
-        </p:spPr>
-        <p:txBody>
-          <a:bodyPr wrap="square" anchor="b">
-            <a:spAutoFit/>
-          </a:bodyPr>
-          <a:lstStyle/>
-          <a:p>
-            <a:pPr algn="r"/>
-            <a:r>
-              <a:rPr lang="en-US" sz="667" dirty="0">
-                <a:latin typeface="Arial" panose="020B0604020202020204" pitchFamily="34" charset="0"/>
-                <a:cs typeface="Arial" panose="020B0604020202020204" pitchFamily="34" charset="0"/>
-              </a:rPr>
-              <a:t>May 10, 2020</a:t>
-            </a:r>
-            <a:endParaRPr lang="en-US" sz="667" dirty="0"/>
-          </a:p>
-        </p:txBody>
-      </p:sp>
-      <p:sp>
-        <p:nvSpPr>
-          <p:cNvPr id="3" name="TextBox 2">
-            <a:extLst>
-              <a:ext uri="{FF2B5EF4-FFF2-40B4-BE49-F238E27FC236}">
-                <a16:creationId xmlns:a16="http://schemas.microsoft.com/office/drawing/2014/main" id="{C37681C7-7498-46CE-814A-DDD293725FF0}"/>
-              </a:ext>
-            </a:extLst>
-          </p:cNvPr>
-          <p:cNvSpPr txBox="1"/>
-          <p:nvPr/>
-        </p:nvSpPr>
-        <p:spPr>
-          <a:xfrm>
-            <a:off x="106094" y="1156736"/>
-            <a:ext cx="2872351" cy="2185214"/>
-          </a:xfrm>
-          <a:prstGeom prst="rect">
-            <a:avLst/>
-          </a:prstGeom>
-          <a:noFill/>
-        </p:spPr>
-        <p:txBody>
-          <a:bodyPr wrap="square" rtlCol="0">
-            <a:spAutoFit/>
-          </a:bodyPr>
-          <a:lstStyle/>
-          <a:p>
-            <a:pPr algn="just"/>
-            <a:r>
-              <a:rPr lang="en-US" sz="800" dirty="0">
-                <a:latin typeface="Arial" panose="020B0604020202020204" pitchFamily="34" charset="0"/>
-                <a:cs typeface="Arial" panose="020B0604020202020204" pitchFamily="34" charset="0"/>
-              </a:rPr>
-              <a:t>Lorem ipsum dolor sit </a:t>
-            </a:r>
-            <a:r>
-              <a:rPr lang="en-US" sz="800" dirty="0" err="1">
-                <a:latin typeface="Arial" panose="020B0604020202020204" pitchFamily="34" charset="0"/>
-                <a:cs typeface="Arial" panose="020B0604020202020204" pitchFamily="34" charset="0"/>
-              </a:rPr>
-              <a:t>amet</a:t>
-            </a:r>
-            <a:r>
-              <a:rPr lang="en-US" sz="800" dirty="0">
-                <a:latin typeface="Arial" panose="020B0604020202020204" pitchFamily="34" charset="0"/>
-                <a:cs typeface="Arial" panose="020B0604020202020204" pitchFamily="34" charset="0"/>
-              </a:rPr>
-              <a:t>, </a:t>
-            </a:r>
-            <a:r>
-              <a:rPr lang="en-US" sz="800" dirty="0" err="1">
-                <a:latin typeface="Arial" panose="020B0604020202020204" pitchFamily="34" charset="0"/>
-                <a:cs typeface="Arial" panose="020B0604020202020204" pitchFamily="34" charset="0"/>
-              </a:rPr>
-              <a:t>consectetur</a:t>
-            </a:r>
-            <a:r>
-              <a:rPr lang="en-US" sz="800" dirty="0">
-                <a:latin typeface="Arial" panose="020B0604020202020204" pitchFamily="34" charset="0"/>
-                <a:cs typeface="Arial" panose="020B0604020202020204" pitchFamily="34" charset="0"/>
-              </a:rPr>
-              <a:t> </a:t>
-            </a:r>
-            <a:r>
-              <a:rPr lang="en-US" sz="800" dirty="0" err="1">
-                <a:latin typeface="Arial" panose="020B0604020202020204" pitchFamily="34" charset="0"/>
-                <a:cs typeface="Arial" panose="020B0604020202020204" pitchFamily="34" charset="0"/>
-              </a:rPr>
-              <a:t>adipiscing</a:t>
-            </a:r>
-            <a:r>
-              <a:rPr lang="en-US" sz="800" dirty="0">
-                <a:latin typeface="Arial" panose="020B0604020202020204" pitchFamily="34" charset="0"/>
-                <a:cs typeface="Arial" panose="020B0604020202020204" pitchFamily="34" charset="0"/>
-              </a:rPr>
-              <a:t> </a:t>
-            </a:r>
-            <a:r>
-              <a:rPr lang="en-US" sz="800" dirty="0" err="1">
-                <a:latin typeface="Arial" panose="020B0604020202020204" pitchFamily="34" charset="0"/>
-                <a:cs typeface="Arial" panose="020B0604020202020204" pitchFamily="34" charset="0"/>
-              </a:rPr>
-              <a:t>elit</a:t>
-            </a:r>
-            <a:r>
-              <a:rPr lang="en-US" sz="800" dirty="0">
-                <a:latin typeface="Arial" panose="020B0604020202020204" pitchFamily="34" charset="0"/>
-                <a:cs typeface="Arial" panose="020B0604020202020204" pitchFamily="34" charset="0"/>
-              </a:rPr>
-              <a:t>, sed do </a:t>
-            </a:r>
-            <a:r>
-              <a:rPr lang="en-US" sz="800" dirty="0" err="1">
-                <a:latin typeface="Arial" panose="020B0604020202020204" pitchFamily="34" charset="0"/>
-                <a:cs typeface="Arial" panose="020B0604020202020204" pitchFamily="34" charset="0"/>
-              </a:rPr>
-              <a:t>eiusmod</a:t>
-            </a:r>
-            <a:r>
-              <a:rPr lang="en-US" sz="800" dirty="0">
-                <a:latin typeface="Arial" panose="020B0604020202020204" pitchFamily="34" charset="0"/>
-                <a:cs typeface="Arial" panose="020B0604020202020204" pitchFamily="34" charset="0"/>
-              </a:rPr>
-              <a:t> </a:t>
-            </a:r>
-            <a:r>
-              <a:rPr lang="en-US" sz="800" dirty="0" err="1">
-                <a:latin typeface="Arial" panose="020B0604020202020204" pitchFamily="34" charset="0"/>
-                <a:cs typeface="Arial" panose="020B0604020202020204" pitchFamily="34" charset="0"/>
-              </a:rPr>
-              <a:t>tempor</a:t>
-            </a:r>
-            <a:r>
-              <a:rPr lang="en-US" sz="800" dirty="0">
-                <a:latin typeface="Arial" panose="020B0604020202020204" pitchFamily="34" charset="0"/>
-                <a:cs typeface="Arial" panose="020B0604020202020204" pitchFamily="34" charset="0"/>
-              </a:rPr>
-              <a:t> </a:t>
-            </a:r>
-            <a:r>
-              <a:rPr lang="en-US" sz="800" dirty="0" err="1">
-                <a:latin typeface="Arial" panose="020B0604020202020204" pitchFamily="34" charset="0"/>
-                <a:cs typeface="Arial" panose="020B0604020202020204" pitchFamily="34" charset="0"/>
-              </a:rPr>
-              <a:t>incididunt</a:t>
-            </a:r>
-            <a:r>
-              <a:rPr lang="en-US" sz="800" dirty="0">
-                <a:latin typeface="Arial" panose="020B0604020202020204" pitchFamily="34" charset="0"/>
-                <a:cs typeface="Arial" panose="020B0604020202020204" pitchFamily="34" charset="0"/>
-              </a:rPr>
-              <a:t> </a:t>
-            </a:r>
-            <a:r>
-              <a:rPr lang="en-US" sz="800" dirty="0" err="1">
-                <a:latin typeface="Arial" panose="020B0604020202020204" pitchFamily="34" charset="0"/>
-                <a:cs typeface="Arial" panose="020B0604020202020204" pitchFamily="34" charset="0"/>
-              </a:rPr>
-              <a:t>ut</a:t>
-            </a:r>
-            <a:r>
-              <a:rPr lang="en-US" sz="800" dirty="0">
-                <a:latin typeface="Arial" panose="020B0604020202020204" pitchFamily="34" charset="0"/>
-                <a:cs typeface="Arial" panose="020B0604020202020204" pitchFamily="34" charset="0"/>
-              </a:rPr>
-              <a:t> </a:t>
-            </a:r>
-            <a:r>
-              <a:rPr lang="en-US" sz="800" dirty="0" err="1">
-                <a:latin typeface="Arial" panose="020B0604020202020204" pitchFamily="34" charset="0"/>
-                <a:cs typeface="Arial" panose="020B0604020202020204" pitchFamily="34" charset="0"/>
-              </a:rPr>
-              <a:t>labore</a:t>
-            </a:r>
-            <a:r>
-              <a:rPr lang="en-US" sz="800" dirty="0">
-                <a:latin typeface="Arial" panose="020B0604020202020204" pitchFamily="34" charset="0"/>
-                <a:cs typeface="Arial" panose="020B0604020202020204" pitchFamily="34" charset="0"/>
-              </a:rPr>
-              <a:t> et dolore magna </a:t>
-            </a:r>
-            <a:r>
-              <a:rPr lang="en-US" sz="800" dirty="0" err="1">
-                <a:latin typeface="Arial" panose="020B0604020202020204" pitchFamily="34" charset="0"/>
-                <a:cs typeface="Arial" panose="020B0604020202020204" pitchFamily="34" charset="0"/>
-              </a:rPr>
-              <a:t>aliqua</a:t>
-            </a:r>
-            <a:r>
-              <a:rPr lang="en-US" sz="800" dirty="0">
-                <a:latin typeface="Arial" panose="020B0604020202020204" pitchFamily="34" charset="0"/>
-                <a:cs typeface="Arial" panose="020B0604020202020204" pitchFamily="34" charset="0"/>
-              </a:rPr>
-              <a:t>. Ut </a:t>
-            </a:r>
-            <a:r>
-              <a:rPr lang="en-US" sz="800" dirty="0" err="1">
-                <a:latin typeface="Arial" panose="020B0604020202020204" pitchFamily="34" charset="0"/>
-                <a:cs typeface="Arial" panose="020B0604020202020204" pitchFamily="34" charset="0"/>
-              </a:rPr>
-              <a:t>enim</a:t>
-            </a:r>
-            <a:r>
-              <a:rPr lang="en-US" sz="800" dirty="0">
-                <a:latin typeface="Arial" panose="020B0604020202020204" pitchFamily="34" charset="0"/>
-                <a:cs typeface="Arial" panose="020B0604020202020204" pitchFamily="34" charset="0"/>
-              </a:rPr>
-              <a:t> ad minim </a:t>
-            </a:r>
-            <a:r>
-              <a:rPr lang="en-US" sz="800" dirty="0" err="1">
-                <a:latin typeface="Arial" panose="020B0604020202020204" pitchFamily="34" charset="0"/>
-                <a:cs typeface="Arial" panose="020B0604020202020204" pitchFamily="34" charset="0"/>
-              </a:rPr>
-              <a:t>veniam</a:t>
-            </a:r>
-            <a:r>
-              <a:rPr lang="en-US" sz="800" dirty="0">
-                <a:latin typeface="Arial" panose="020B0604020202020204" pitchFamily="34" charset="0"/>
-                <a:cs typeface="Arial" panose="020B0604020202020204" pitchFamily="34" charset="0"/>
-              </a:rPr>
-              <a:t>, </a:t>
-            </a:r>
-            <a:r>
-              <a:rPr lang="en-US" sz="800" dirty="0" err="1">
-                <a:latin typeface="Arial" panose="020B0604020202020204" pitchFamily="34" charset="0"/>
-                <a:cs typeface="Arial" panose="020B0604020202020204" pitchFamily="34" charset="0"/>
-              </a:rPr>
-              <a:t>quis</a:t>
-            </a:r>
-            <a:r>
-              <a:rPr lang="en-US" sz="800" dirty="0">
-                <a:latin typeface="Arial" panose="020B0604020202020204" pitchFamily="34" charset="0"/>
-                <a:cs typeface="Arial" panose="020B0604020202020204" pitchFamily="34" charset="0"/>
-              </a:rPr>
-              <a:t> </a:t>
-            </a:r>
-            <a:r>
-              <a:rPr lang="en-US" sz="800" dirty="0" err="1">
-                <a:latin typeface="Arial" panose="020B0604020202020204" pitchFamily="34" charset="0"/>
-                <a:cs typeface="Arial" panose="020B0604020202020204" pitchFamily="34" charset="0"/>
-              </a:rPr>
-              <a:t>nostrud</a:t>
-            </a:r>
-            <a:r>
-              <a:rPr lang="en-US" sz="800" dirty="0">
-                <a:latin typeface="Arial" panose="020B0604020202020204" pitchFamily="34" charset="0"/>
-                <a:cs typeface="Arial" panose="020B0604020202020204" pitchFamily="34" charset="0"/>
-              </a:rPr>
-              <a:t> exercitation </a:t>
-            </a:r>
-            <a:r>
-              <a:rPr lang="en-US" sz="800" dirty="0" err="1">
-                <a:latin typeface="Arial" panose="020B0604020202020204" pitchFamily="34" charset="0"/>
-                <a:cs typeface="Arial" panose="020B0604020202020204" pitchFamily="34" charset="0"/>
-              </a:rPr>
-              <a:t>ullamco</a:t>
-            </a:r>
-            <a:r>
-              <a:rPr lang="en-US" sz="800" dirty="0">
-                <a:latin typeface="Arial" panose="020B0604020202020204" pitchFamily="34" charset="0"/>
-                <a:cs typeface="Arial" panose="020B0604020202020204" pitchFamily="34" charset="0"/>
-              </a:rPr>
-              <a:t> </a:t>
-            </a:r>
-            <a:r>
-              <a:rPr lang="en-US" sz="800" dirty="0" err="1">
-                <a:latin typeface="Arial" panose="020B0604020202020204" pitchFamily="34" charset="0"/>
-                <a:cs typeface="Arial" panose="020B0604020202020204" pitchFamily="34" charset="0"/>
-              </a:rPr>
-              <a:t>laboris</a:t>
-            </a:r>
-            <a:r>
-              <a:rPr lang="en-US" sz="800" dirty="0">
-                <a:latin typeface="Arial" panose="020B0604020202020204" pitchFamily="34" charset="0"/>
-                <a:cs typeface="Arial" panose="020B0604020202020204" pitchFamily="34" charset="0"/>
-              </a:rPr>
-              <a:t> nisi </a:t>
-            </a:r>
-            <a:r>
-              <a:rPr lang="en-US" sz="800" dirty="0" err="1">
-                <a:latin typeface="Arial" panose="020B0604020202020204" pitchFamily="34" charset="0"/>
-                <a:cs typeface="Arial" panose="020B0604020202020204" pitchFamily="34" charset="0"/>
-              </a:rPr>
-              <a:t>ut</a:t>
-            </a:r>
-            <a:r>
-              <a:rPr lang="en-US" sz="800" dirty="0">
-                <a:latin typeface="Arial" panose="020B0604020202020204" pitchFamily="34" charset="0"/>
-                <a:cs typeface="Arial" panose="020B0604020202020204" pitchFamily="34" charset="0"/>
-              </a:rPr>
-              <a:t> </a:t>
-            </a:r>
-            <a:r>
-              <a:rPr lang="en-US" sz="800" dirty="0" err="1">
-                <a:latin typeface="Arial" panose="020B0604020202020204" pitchFamily="34" charset="0"/>
-                <a:cs typeface="Arial" panose="020B0604020202020204" pitchFamily="34" charset="0"/>
-              </a:rPr>
-              <a:t>aliquip</a:t>
-            </a:r>
-            <a:r>
-              <a:rPr lang="en-US" sz="800" dirty="0">
-                <a:latin typeface="Arial" panose="020B0604020202020204" pitchFamily="34" charset="0"/>
-                <a:cs typeface="Arial" panose="020B0604020202020204" pitchFamily="34" charset="0"/>
-              </a:rPr>
-              <a:t> ex </a:t>
-            </a:r>
-            <a:r>
-              <a:rPr lang="en-US" sz="800" dirty="0" err="1">
-                <a:latin typeface="Arial" panose="020B0604020202020204" pitchFamily="34" charset="0"/>
-                <a:cs typeface="Arial" panose="020B0604020202020204" pitchFamily="34" charset="0"/>
-              </a:rPr>
-              <a:t>ea</a:t>
-            </a:r>
-            <a:r>
-              <a:rPr lang="en-US" sz="800" dirty="0">
-                <a:latin typeface="Arial" panose="020B0604020202020204" pitchFamily="34" charset="0"/>
-                <a:cs typeface="Arial" panose="020B0604020202020204" pitchFamily="34" charset="0"/>
-              </a:rPr>
-              <a:t> </a:t>
-            </a:r>
-            <a:r>
-              <a:rPr lang="en-US" sz="800" dirty="0" err="1">
-                <a:latin typeface="Arial" panose="020B0604020202020204" pitchFamily="34" charset="0"/>
-                <a:cs typeface="Arial" panose="020B0604020202020204" pitchFamily="34" charset="0"/>
-              </a:rPr>
-              <a:t>commodo</a:t>
-            </a:r>
-            <a:r>
-              <a:rPr lang="en-US" sz="800" dirty="0">
-                <a:latin typeface="Arial" panose="020B0604020202020204" pitchFamily="34" charset="0"/>
-                <a:cs typeface="Arial" panose="020B0604020202020204" pitchFamily="34" charset="0"/>
-              </a:rPr>
-              <a:t> </a:t>
-            </a:r>
-            <a:r>
-              <a:rPr lang="en-US" sz="800" dirty="0" err="1">
-                <a:latin typeface="Arial" panose="020B0604020202020204" pitchFamily="34" charset="0"/>
-                <a:cs typeface="Arial" panose="020B0604020202020204" pitchFamily="34" charset="0"/>
-              </a:rPr>
-              <a:t>consequat</a:t>
-            </a:r>
-            <a:r>
-              <a:rPr lang="en-US" sz="800" dirty="0">
-                <a:latin typeface="Arial" panose="020B0604020202020204" pitchFamily="34" charset="0"/>
-                <a:cs typeface="Arial" panose="020B0604020202020204" pitchFamily="34" charset="0"/>
-              </a:rPr>
-              <a:t>. Duis </a:t>
-            </a:r>
-            <a:r>
-              <a:rPr lang="en-US" sz="800" dirty="0" err="1">
-                <a:latin typeface="Arial" panose="020B0604020202020204" pitchFamily="34" charset="0"/>
-                <a:cs typeface="Arial" panose="020B0604020202020204" pitchFamily="34" charset="0"/>
-              </a:rPr>
-              <a:t>aute</a:t>
-            </a:r>
-            <a:r>
-              <a:rPr lang="en-US" sz="800" dirty="0">
-                <a:latin typeface="Arial" panose="020B0604020202020204" pitchFamily="34" charset="0"/>
-                <a:cs typeface="Arial" panose="020B0604020202020204" pitchFamily="34" charset="0"/>
-              </a:rPr>
-              <a:t> </a:t>
-            </a:r>
-            <a:r>
-              <a:rPr lang="en-US" sz="800" dirty="0" err="1">
-                <a:latin typeface="Arial" panose="020B0604020202020204" pitchFamily="34" charset="0"/>
-                <a:cs typeface="Arial" panose="020B0604020202020204" pitchFamily="34" charset="0"/>
-              </a:rPr>
-              <a:t>irure</a:t>
-            </a:r>
-            <a:r>
-              <a:rPr lang="en-US" sz="800" dirty="0">
-                <a:latin typeface="Arial" panose="020B0604020202020204" pitchFamily="34" charset="0"/>
-                <a:cs typeface="Arial" panose="020B0604020202020204" pitchFamily="34" charset="0"/>
-              </a:rPr>
-              <a:t> dolor in </a:t>
-            </a:r>
-            <a:r>
-              <a:rPr lang="en-US" sz="800" dirty="0" err="1">
-                <a:latin typeface="Arial" panose="020B0604020202020204" pitchFamily="34" charset="0"/>
-                <a:cs typeface="Arial" panose="020B0604020202020204" pitchFamily="34" charset="0"/>
-              </a:rPr>
-              <a:t>reprehenderit</a:t>
-            </a:r>
-            <a:r>
-              <a:rPr lang="en-US" sz="800" dirty="0">
-                <a:latin typeface="Arial" panose="020B0604020202020204" pitchFamily="34" charset="0"/>
-                <a:cs typeface="Arial" panose="020B0604020202020204" pitchFamily="34" charset="0"/>
-              </a:rPr>
-              <a:t> in </a:t>
-            </a:r>
-            <a:r>
-              <a:rPr lang="en-US" sz="800" dirty="0" err="1">
-                <a:latin typeface="Arial" panose="020B0604020202020204" pitchFamily="34" charset="0"/>
-                <a:cs typeface="Arial" panose="020B0604020202020204" pitchFamily="34" charset="0"/>
-              </a:rPr>
-              <a:t>voluptate</a:t>
-            </a:r>
-            <a:r>
-              <a:rPr lang="en-US" sz="800" dirty="0">
-                <a:latin typeface="Arial" panose="020B0604020202020204" pitchFamily="34" charset="0"/>
-                <a:cs typeface="Arial" panose="020B0604020202020204" pitchFamily="34" charset="0"/>
-              </a:rPr>
-              <a:t> </a:t>
-            </a:r>
-            <a:r>
-              <a:rPr lang="en-US" sz="800" dirty="0" err="1">
-                <a:latin typeface="Arial" panose="020B0604020202020204" pitchFamily="34" charset="0"/>
-                <a:cs typeface="Arial" panose="020B0604020202020204" pitchFamily="34" charset="0"/>
-              </a:rPr>
-              <a:t>velit</a:t>
-            </a:r>
-            <a:r>
-              <a:rPr lang="en-US" sz="800" dirty="0">
-                <a:latin typeface="Arial" panose="020B0604020202020204" pitchFamily="34" charset="0"/>
-                <a:cs typeface="Arial" panose="020B0604020202020204" pitchFamily="34" charset="0"/>
-              </a:rPr>
-              <a:t> </a:t>
-            </a:r>
-            <a:r>
-              <a:rPr lang="en-US" sz="800" dirty="0" err="1">
-                <a:latin typeface="Arial" panose="020B0604020202020204" pitchFamily="34" charset="0"/>
-                <a:cs typeface="Arial" panose="020B0604020202020204" pitchFamily="34" charset="0"/>
-              </a:rPr>
-              <a:t>esse</a:t>
-            </a:r>
-            <a:r>
-              <a:rPr lang="en-US" sz="800" dirty="0">
-                <a:latin typeface="Arial" panose="020B0604020202020204" pitchFamily="34" charset="0"/>
-                <a:cs typeface="Arial" panose="020B0604020202020204" pitchFamily="34" charset="0"/>
-              </a:rPr>
-              <a:t> </a:t>
-            </a:r>
-            <a:r>
-              <a:rPr lang="en-US" sz="800" dirty="0" err="1">
-                <a:latin typeface="Arial" panose="020B0604020202020204" pitchFamily="34" charset="0"/>
-                <a:cs typeface="Arial" panose="020B0604020202020204" pitchFamily="34" charset="0"/>
-              </a:rPr>
-              <a:t>cillum</a:t>
-            </a:r>
-            <a:r>
-              <a:rPr lang="en-US" sz="800" dirty="0">
-                <a:latin typeface="Arial" panose="020B0604020202020204" pitchFamily="34" charset="0"/>
-                <a:cs typeface="Arial" panose="020B0604020202020204" pitchFamily="34" charset="0"/>
-              </a:rPr>
-              <a:t> dolore </a:t>
-            </a:r>
-            <a:r>
-              <a:rPr lang="en-US" sz="800" dirty="0" err="1">
-                <a:latin typeface="Arial" panose="020B0604020202020204" pitchFamily="34" charset="0"/>
-                <a:cs typeface="Arial" panose="020B0604020202020204" pitchFamily="34" charset="0"/>
-              </a:rPr>
-              <a:t>eu</a:t>
-            </a:r>
-            <a:r>
-              <a:rPr lang="en-US" sz="800" dirty="0">
-                <a:latin typeface="Arial" panose="020B0604020202020204" pitchFamily="34" charset="0"/>
-                <a:cs typeface="Arial" panose="020B0604020202020204" pitchFamily="34" charset="0"/>
-              </a:rPr>
-              <a:t> </a:t>
-            </a:r>
-            <a:r>
-              <a:rPr lang="en-US" sz="800" dirty="0" err="1">
-                <a:latin typeface="Arial" panose="020B0604020202020204" pitchFamily="34" charset="0"/>
-                <a:cs typeface="Arial" panose="020B0604020202020204" pitchFamily="34" charset="0"/>
-              </a:rPr>
-              <a:t>fugiat</a:t>
-            </a:r>
-            <a:r>
-              <a:rPr lang="en-US" sz="800" dirty="0">
-                <a:latin typeface="Arial" panose="020B0604020202020204" pitchFamily="34" charset="0"/>
-                <a:cs typeface="Arial" panose="020B0604020202020204" pitchFamily="34" charset="0"/>
-              </a:rPr>
-              <a:t> </a:t>
-            </a:r>
-            <a:r>
-              <a:rPr lang="en-US" sz="800" dirty="0" err="1">
-                <a:latin typeface="Arial" panose="020B0604020202020204" pitchFamily="34" charset="0"/>
-                <a:cs typeface="Arial" panose="020B0604020202020204" pitchFamily="34" charset="0"/>
-              </a:rPr>
-              <a:t>nulla</a:t>
-            </a:r>
-            <a:r>
-              <a:rPr lang="en-US" sz="800" dirty="0">
-                <a:latin typeface="Arial" panose="020B0604020202020204" pitchFamily="34" charset="0"/>
-                <a:cs typeface="Arial" panose="020B0604020202020204" pitchFamily="34" charset="0"/>
-              </a:rPr>
-              <a:t> </a:t>
-            </a:r>
-            <a:r>
-              <a:rPr lang="en-US" sz="800" dirty="0" err="1">
-                <a:latin typeface="Arial" panose="020B0604020202020204" pitchFamily="34" charset="0"/>
-                <a:cs typeface="Arial" panose="020B0604020202020204" pitchFamily="34" charset="0"/>
-              </a:rPr>
-              <a:t>pariatur</a:t>
-            </a:r>
-            <a:r>
-              <a:rPr lang="en-US" sz="800" dirty="0">
-                <a:latin typeface="Arial" panose="020B0604020202020204" pitchFamily="34" charset="0"/>
-                <a:cs typeface="Arial" panose="020B0604020202020204" pitchFamily="34" charset="0"/>
-              </a:rPr>
-              <a:t>. </a:t>
-            </a:r>
-            <a:r>
-              <a:rPr lang="en-US" sz="800" dirty="0" err="1">
-                <a:latin typeface="Arial" panose="020B0604020202020204" pitchFamily="34" charset="0"/>
-                <a:cs typeface="Arial" panose="020B0604020202020204" pitchFamily="34" charset="0"/>
-              </a:rPr>
-              <a:t>Excepteur</a:t>
-            </a:r>
-            <a:r>
-              <a:rPr lang="en-US" sz="800" dirty="0">
-                <a:latin typeface="Arial" panose="020B0604020202020204" pitchFamily="34" charset="0"/>
-                <a:cs typeface="Arial" panose="020B0604020202020204" pitchFamily="34" charset="0"/>
-              </a:rPr>
-              <a:t> </a:t>
-            </a:r>
-            <a:r>
-              <a:rPr lang="en-US" sz="800" dirty="0" err="1">
-                <a:latin typeface="Arial" panose="020B0604020202020204" pitchFamily="34" charset="0"/>
-                <a:cs typeface="Arial" panose="020B0604020202020204" pitchFamily="34" charset="0"/>
-              </a:rPr>
-              <a:t>sint</a:t>
-            </a:r>
-            <a:r>
-              <a:rPr lang="en-US" sz="800" dirty="0">
-                <a:latin typeface="Arial" panose="020B0604020202020204" pitchFamily="34" charset="0"/>
-                <a:cs typeface="Arial" panose="020B0604020202020204" pitchFamily="34" charset="0"/>
-              </a:rPr>
-              <a:t> </a:t>
-            </a:r>
-            <a:r>
-              <a:rPr lang="en-US" sz="800" dirty="0" err="1">
-                <a:latin typeface="Arial" panose="020B0604020202020204" pitchFamily="34" charset="0"/>
-                <a:cs typeface="Arial" panose="020B0604020202020204" pitchFamily="34" charset="0"/>
-              </a:rPr>
-              <a:t>occaecat</a:t>
-            </a:r>
-            <a:r>
-              <a:rPr lang="en-US" sz="800" dirty="0">
-                <a:latin typeface="Arial" panose="020B0604020202020204" pitchFamily="34" charset="0"/>
-                <a:cs typeface="Arial" panose="020B0604020202020204" pitchFamily="34" charset="0"/>
-              </a:rPr>
-              <a:t> </a:t>
-            </a:r>
-            <a:r>
-              <a:rPr lang="en-US" sz="800" dirty="0" err="1">
-                <a:latin typeface="Arial" panose="020B0604020202020204" pitchFamily="34" charset="0"/>
-                <a:cs typeface="Arial" panose="020B0604020202020204" pitchFamily="34" charset="0"/>
-              </a:rPr>
-              <a:t>cupidatat</a:t>
-            </a:r>
-            <a:r>
-              <a:rPr lang="en-US" sz="800" dirty="0">
-                <a:latin typeface="Arial" panose="020B0604020202020204" pitchFamily="34" charset="0"/>
-                <a:cs typeface="Arial" panose="020B0604020202020204" pitchFamily="34" charset="0"/>
-              </a:rPr>
-              <a:t> non </a:t>
-            </a:r>
-            <a:r>
-              <a:rPr lang="en-US" sz="800" dirty="0" err="1">
-                <a:latin typeface="Arial" panose="020B0604020202020204" pitchFamily="34" charset="0"/>
-                <a:cs typeface="Arial" panose="020B0604020202020204" pitchFamily="34" charset="0"/>
-              </a:rPr>
-              <a:t>proident</a:t>
-            </a:r>
-            <a:r>
-              <a:rPr lang="en-US" sz="800" dirty="0">
-                <a:latin typeface="Arial" panose="020B0604020202020204" pitchFamily="34" charset="0"/>
-                <a:cs typeface="Arial" panose="020B0604020202020204" pitchFamily="34" charset="0"/>
-              </a:rPr>
-              <a:t>, sunt in culpa qui </a:t>
-            </a:r>
-            <a:r>
-              <a:rPr lang="en-US" sz="800" dirty="0" err="1">
-                <a:latin typeface="Arial" panose="020B0604020202020204" pitchFamily="34" charset="0"/>
-                <a:cs typeface="Arial" panose="020B0604020202020204" pitchFamily="34" charset="0"/>
-              </a:rPr>
-              <a:t>officia</a:t>
-            </a:r>
-            <a:r>
-              <a:rPr lang="en-US" sz="800" dirty="0">
-                <a:latin typeface="Arial" panose="020B0604020202020204" pitchFamily="34" charset="0"/>
-                <a:cs typeface="Arial" panose="020B0604020202020204" pitchFamily="34" charset="0"/>
-              </a:rPr>
-              <a:t> </a:t>
-            </a:r>
-            <a:r>
-              <a:rPr lang="en-US" sz="800" dirty="0" err="1">
-                <a:latin typeface="Arial" panose="020B0604020202020204" pitchFamily="34" charset="0"/>
-                <a:cs typeface="Arial" panose="020B0604020202020204" pitchFamily="34" charset="0"/>
-              </a:rPr>
-              <a:t>deserunt</a:t>
-            </a:r>
-            <a:r>
-              <a:rPr lang="en-US" sz="800" dirty="0">
-                <a:latin typeface="Arial" panose="020B0604020202020204" pitchFamily="34" charset="0"/>
-                <a:cs typeface="Arial" panose="020B0604020202020204" pitchFamily="34" charset="0"/>
-              </a:rPr>
-              <a:t> </a:t>
-            </a:r>
-            <a:r>
-              <a:rPr lang="en-US" sz="800" dirty="0" err="1">
-                <a:latin typeface="Arial" panose="020B0604020202020204" pitchFamily="34" charset="0"/>
-                <a:cs typeface="Arial" panose="020B0604020202020204" pitchFamily="34" charset="0"/>
-              </a:rPr>
-              <a:t>mollit</a:t>
-            </a:r>
-            <a:r>
-              <a:rPr lang="en-US" sz="800" dirty="0">
-                <a:latin typeface="Arial" panose="020B0604020202020204" pitchFamily="34" charset="0"/>
-                <a:cs typeface="Arial" panose="020B0604020202020204" pitchFamily="34" charset="0"/>
-              </a:rPr>
-              <a:t> </a:t>
-            </a:r>
-            <a:r>
-              <a:rPr lang="en-US" sz="800" dirty="0" err="1">
-                <a:latin typeface="Arial" panose="020B0604020202020204" pitchFamily="34" charset="0"/>
-                <a:cs typeface="Arial" panose="020B0604020202020204" pitchFamily="34" charset="0"/>
-              </a:rPr>
-              <a:t>anim</a:t>
-            </a:r>
-            <a:r>
-              <a:rPr lang="en-US" sz="800" dirty="0">
-                <a:latin typeface="Arial" panose="020B0604020202020204" pitchFamily="34" charset="0"/>
-                <a:cs typeface="Arial" panose="020B0604020202020204" pitchFamily="34" charset="0"/>
-              </a:rPr>
-              <a:t> id </a:t>
-            </a:r>
-            <a:r>
-              <a:rPr lang="en-US" sz="800" dirty="0" err="1">
-                <a:latin typeface="Arial" panose="020B0604020202020204" pitchFamily="34" charset="0"/>
-                <a:cs typeface="Arial" panose="020B0604020202020204" pitchFamily="34" charset="0"/>
-              </a:rPr>
-              <a:t>est</a:t>
-            </a:r>
-            <a:r>
-              <a:rPr lang="en-US" sz="800" dirty="0">
-                <a:latin typeface="Arial" panose="020B0604020202020204" pitchFamily="34" charset="0"/>
-                <a:cs typeface="Arial" panose="020B0604020202020204" pitchFamily="34" charset="0"/>
-              </a:rPr>
-              <a:t> </a:t>
-            </a:r>
-            <a:r>
-              <a:rPr lang="en-US" sz="800" dirty="0" err="1">
-                <a:latin typeface="Arial" panose="020B0604020202020204" pitchFamily="34" charset="0"/>
-                <a:cs typeface="Arial" panose="020B0604020202020204" pitchFamily="34" charset="0"/>
-              </a:rPr>
-              <a:t>laborum</a:t>
-            </a:r>
-            <a:r>
-              <a:rPr lang="en-US" sz="800" dirty="0">
-                <a:latin typeface="Arial" panose="020B0604020202020204" pitchFamily="34" charset="0"/>
-                <a:cs typeface="Arial" panose="020B0604020202020204" pitchFamily="34" charset="0"/>
-              </a:rPr>
-              <a:t>.</a:t>
-            </a:r>
-          </a:p>
-          <a:p>
-            <a:pPr algn="just"/>
-            <a:endParaRPr lang="en-US" sz="800" dirty="0">
-              <a:latin typeface="Arial" panose="020B0604020202020204" pitchFamily="34" charset="0"/>
-              <a:cs typeface="Arial" panose="020B0604020202020204" pitchFamily="34" charset="0"/>
-            </a:endParaRPr>
-          </a:p>
-          <a:p>
-            <a:pPr algn="just"/>
-            <a:r>
-              <a:rPr lang="en-US" sz="800" dirty="0">
-                <a:latin typeface="Arial" panose="020B0604020202020204" pitchFamily="34" charset="0"/>
-                <a:cs typeface="Arial" panose="020B0604020202020204" pitchFamily="34" charset="0"/>
-              </a:rPr>
-              <a:t>Lorem ipsum dolor sit </a:t>
-            </a:r>
-            <a:r>
-              <a:rPr lang="en-US" sz="800" dirty="0" err="1">
-                <a:latin typeface="Arial" panose="020B0604020202020204" pitchFamily="34" charset="0"/>
-                <a:cs typeface="Arial" panose="020B0604020202020204" pitchFamily="34" charset="0"/>
-              </a:rPr>
-              <a:t>amet</a:t>
-            </a:r>
-            <a:r>
-              <a:rPr lang="en-US" sz="800" dirty="0">
-                <a:latin typeface="Arial" panose="020B0604020202020204" pitchFamily="34" charset="0"/>
-                <a:cs typeface="Arial" panose="020B0604020202020204" pitchFamily="34" charset="0"/>
-              </a:rPr>
-              <a:t>, </a:t>
-            </a:r>
-            <a:r>
-              <a:rPr lang="en-US" sz="800" dirty="0" err="1">
-                <a:latin typeface="Arial" panose="020B0604020202020204" pitchFamily="34" charset="0"/>
-                <a:cs typeface="Arial" panose="020B0604020202020204" pitchFamily="34" charset="0"/>
-              </a:rPr>
-              <a:t>consectetur</a:t>
-            </a:r>
-            <a:r>
-              <a:rPr lang="en-US" sz="800" dirty="0">
-                <a:latin typeface="Arial" panose="020B0604020202020204" pitchFamily="34" charset="0"/>
-                <a:cs typeface="Arial" panose="020B0604020202020204" pitchFamily="34" charset="0"/>
-              </a:rPr>
-              <a:t> </a:t>
-            </a:r>
-            <a:r>
-              <a:rPr lang="en-US" sz="800" dirty="0" err="1">
-                <a:latin typeface="Arial" panose="020B0604020202020204" pitchFamily="34" charset="0"/>
-                <a:cs typeface="Arial" panose="020B0604020202020204" pitchFamily="34" charset="0"/>
-              </a:rPr>
-              <a:t>adipiscing</a:t>
-            </a:r>
-            <a:r>
-              <a:rPr lang="en-US" sz="800" dirty="0">
-                <a:latin typeface="Arial" panose="020B0604020202020204" pitchFamily="34" charset="0"/>
-                <a:cs typeface="Arial" panose="020B0604020202020204" pitchFamily="34" charset="0"/>
-              </a:rPr>
-              <a:t> </a:t>
-            </a:r>
-            <a:r>
-              <a:rPr lang="en-US" sz="800" dirty="0" err="1">
-                <a:latin typeface="Arial" panose="020B0604020202020204" pitchFamily="34" charset="0"/>
-                <a:cs typeface="Arial" panose="020B0604020202020204" pitchFamily="34" charset="0"/>
-              </a:rPr>
-              <a:t>elit</a:t>
-            </a:r>
-            <a:r>
-              <a:rPr lang="en-US" sz="800" dirty="0">
-                <a:latin typeface="Arial" panose="020B0604020202020204" pitchFamily="34" charset="0"/>
-                <a:cs typeface="Arial" panose="020B0604020202020204" pitchFamily="34" charset="0"/>
-              </a:rPr>
-              <a:t>, sed do </a:t>
-            </a:r>
-            <a:r>
-              <a:rPr lang="en-US" sz="800" dirty="0" err="1">
-                <a:latin typeface="Arial" panose="020B0604020202020204" pitchFamily="34" charset="0"/>
-                <a:cs typeface="Arial" panose="020B0604020202020204" pitchFamily="34" charset="0"/>
-              </a:rPr>
-              <a:t>eiusmod</a:t>
-            </a:r>
-            <a:r>
-              <a:rPr lang="en-US" sz="800" dirty="0">
-                <a:latin typeface="Arial" panose="020B0604020202020204" pitchFamily="34" charset="0"/>
-                <a:cs typeface="Arial" panose="020B0604020202020204" pitchFamily="34" charset="0"/>
-              </a:rPr>
-              <a:t> </a:t>
-            </a:r>
-            <a:r>
-              <a:rPr lang="en-US" sz="800" dirty="0" err="1">
-                <a:latin typeface="Arial" panose="020B0604020202020204" pitchFamily="34" charset="0"/>
-                <a:cs typeface="Arial" panose="020B0604020202020204" pitchFamily="34" charset="0"/>
-              </a:rPr>
-              <a:t>tempor</a:t>
-            </a:r>
-            <a:r>
-              <a:rPr lang="en-US" sz="800" dirty="0">
-                <a:latin typeface="Arial" panose="020B0604020202020204" pitchFamily="34" charset="0"/>
-                <a:cs typeface="Arial" panose="020B0604020202020204" pitchFamily="34" charset="0"/>
-              </a:rPr>
-              <a:t> </a:t>
-            </a:r>
-            <a:r>
-              <a:rPr lang="en-US" sz="800" dirty="0" err="1">
-                <a:latin typeface="Arial" panose="020B0604020202020204" pitchFamily="34" charset="0"/>
-                <a:cs typeface="Arial" panose="020B0604020202020204" pitchFamily="34" charset="0"/>
-              </a:rPr>
-              <a:t>incididunt</a:t>
-            </a:r>
-            <a:r>
-              <a:rPr lang="en-US" sz="800" dirty="0">
-                <a:latin typeface="Arial" panose="020B0604020202020204" pitchFamily="34" charset="0"/>
-                <a:cs typeface="Arial" panose="020B0604020202020204" pitchFamily="34" charset="0"/>
-              </a:rPr>
-              <a:t> </a:t>
-            </a:r>
-            <a:r>
-              <a:rPr lang="en-US" sz="800" dirty="0" err="1">
-                <a:latin typeface="Arial" panose="020B0604020202020204" pitchFamily="34" charset="0"/>
-                <a:cs typeface="Arial" panose="020B0604020202020204" pitchFamily="34" charset="0"/>
-              </a:rPr>
-              <a:t>ut</a:t>
-            </a:r>
-            <a:r>
-              <a:rPr lang="en-US" sz="800" dirty="0">
-                <a:latin typeface="Arial" panose="020B0604020202020204" pitchFamily="34" charset="0"/>
-                <a:cs typeface="Arial" panose="020B0604020202020204" pitchFamily="34" charset="0"/>
-              </a:rPr>
-              <a:t> </a:t>
-            </a:r>
-            <a:r>
-              <a:rPr lang="en-US" sz="800" dirty="0" err="1">
-                <a:latin typeface="Arial" panose="020B0604020202020204" pitchFamily="34" charset="0"/>
-                <a:cs typeface="Arial" panose="020B0604020202020204" pitchFamily="34" charset="0"/>
-              </a:rPr>
-              <a:t>labore</a:t>
-            </a:r>
-            <a:r>
-              <a:rPr lang="en-US" sz="800" dirty="0">
-                <a:latin typeface="Arial" panose="020B0604020202020204" pitchFamily="34" charset="0"/>
-                <a:cs typeface="Arial" panose="020B0604020202020204" pitchFamily="34" charset="0"/>
-              </a:rPr>
-              <a:t> et dolore magna </a:t>
-            </a:r>
-            <a:r>
-              <a:rPr lang="en-US" sz="800" dirty="0" err="1">
-                <a:latin typeface="Arial" panose="020B0604020202020204" pitchFamily="34" charset="0"/>
-                <a:cs typeface="Arial" panose="020B0604020202020204" pitchFamily="34" charset="0"/>
-              </a:rPr>
-              <a:t>aliqua</a:t>
-            </a:r>
-            <a:r>
-              <a:rPr lang="en-US" sz="800" dirty="0">
-                <a:latin typeface="Arial" panose="020B0604020202020204" pitchFamily="34" charset="0"/>
-                <a:cs typeface="Arial" panose="020B0604020202020204" pitchFamily="34" charset="0"/>
-              </a:rPr>
-              <a:t>. Ut </a:t>
-            </a:r>
-            <a:r>
-              <a:rPr lang="en-US" sz="800" dirty="0" err="1">
-                <a:latin typeface="Arial" panose="020B0604020202020204" pitchFamily="34" charset="0"/>
-                <a:cs typeface="Arial" panose="020B0604020202020204" pitchFamily="34" charset="0"/>
-              </a:rPr>
-              <a:t>enim</a:t>
-            </a:r>
-            <a:r>
-              <a:rPr lang="en-US" sz="800" dirty="0">
-                <a:latin typeface="Arial" panose="020B0604020202020204" pitchFamily="34" charset="0"/>
-                <a:cs typeface="Arial" panose="020B0604020202020204" pitchFamily="34" charset="0"/>
-              </a:rPr>
-              <a:t> ad minim </a:t>
-            </a:r>
-            <a:r>
-              <a:rPr lang="en-US" sz="800" dirty="0" err="1">
-                <a:latin typeface="Arial" panose="020B0604020202020204" pitchFamily="34" charset="0"/>
-                <a:cs typeface="Arial" panose="020B0604020202020204" pitchFamily="34" charset="0"/>
-              </a:rPr>
-              <a:t>veniam</a:t>
-            </a:r>
-            <a:r>
-              <a:rPr lang="en-US" sz="800" dirty="0">
-                <a:latin typeface="Arial" panose="020B0604020202020204" pitchFamily="34" charset="0"/>
-                <a:cs typeface="Arial" panose="020B0604020202020204" pitchFamily="34" charset="0"/>
-              </a:rPr>
-              <a:t>, </a:t>
-            </a:r>
-            <a:r>
-              <a:rPr lang="en-US" sz="800" dirty="0" err="1">
-                <a:latin typeface="Arial" panose="020B0604020202020204" pitchFamily="34" charset="0"/>
-                <a:cs typeface="Arial" panose="020B0604020202020204" pitchFamily="34" charset="0"/>
-              </a:rPr>
-              <a:t>quis</a:t>
-            </a:r>
-            <a:r>
-              <a:rPr lang="en-US" sz="800" dirty="0">
-                <a:latin typeface="Arial" panose="020B0604020202020204" pitchFamily="34" charset="0"/>
-                <a:cs typeface="Arial" panose="020B0604020202020204" pitchFamily="34" charset="0"/>
-              </a:rPr>
-              <a:t> </a:t>
-            </a:r>
-            <a:r>
-              <a:rPr lang="en-US" sz="800" dirty="0" err="1">
-                <a:latin typeface="Arial" panose="020B0604020202020204" pitchFamily="34" charset="0"/>
-                <a:cs typeface="Arial" panose="020B0604020202020204" pitchFamily="34" charset="0"/>
-              </a:rPr>
-              <a:t>nostrud</a:t>
-            </a:r>
-            <a:r>
-              <a:rPr lang="en-US" sz="800" dirty="0">
-                <a:latin typeface="Arial" panose="020B0604020202020204" pitchFamily="34" charset="0"/>
-                <a:cs typeface="Arial" panose="020B0604020202020204" pitchFamily="34" charset="0"/>
-              </a:rPr>
-              <a:t> exercitation </a:t>
-            </a:r>
-            <a:r>
-              <a:rPr lang="en-US" sz="800" dirty="0" err="1">
-                <a:latin typeface="Arial" panose="020B0604020202020204" pitchFamily="34" charset="0"/>
-                <a:cs typeface="Arial" panose="020B0604020202020204" pitchFamily="34" charset="0"/>
-              </a:rPr>
-              <a:t>ullamco</a:t>
-            </a:r>
-            <a:r>
-              <a:rPr lang="en-US" sz="800" dirty="0">
-                <a:latin typeface="Arial" panose="020B0604020202020204" pitchFamily="34" charset="0"/>
-                <a:cs typeface="Arial" panose="020B0604020202020204" pitchFamily="34" charset="0"/>
-              </a:rPr>
-              <a:t> </a:t>
-            </a:r>
-            <a:r>
-              <a:rPr lang="en-US" sz="800" dirty="0" err="1">
-                <a:latin typeface="Arial" panose="020B0604020202020204" pitchFamily="34" charset="0"/>
-                <a:cs typeface="Arial" panose="020B0604020202020204" pitchFamily="34" charset="0"/>
-              </a:rPr>
-              <a:t>laboris</a:t>
-            </a:r>
-            <a:r>
-              <a:rPr lang="en-US" sz="800" dirty="0">
-                <a:latin typeface="Arial" panose="020B0604020202020204" pitchFamily="34" charset="0"/>
-                <a:cs typeface="Arial" panose="020B0604020202020204" pitchFamily="34" charset="0"/>
-              </a:rPr>
-              <a:t> nisi </a:t>
-            </a:r>
-            <a:r>
-              <a:rPr lang="en-US" sz="800" dirty="0" err="1">
-                <a:latin typeface="Arial" panose="020B0604020202020204" pitchFamily="34" charset="0"/>
-                <a:cs typeface="Arial" panose="020B0604020202020204" pitchFamily="34" charset="0"/>
-              </a:rPr>
-              <a:t>ut</a:t>
-            </a:r>
-            <a:r>
-              <a:rPr lang="en-US" sz="800" dirty="0">
-                <a:latin typeface="Arial" panose="020B0604020202020204" pitchFamily="34" charset="0"/>
-                <a:cs typeface="Arial" panose="020B0604020202020204" pitchFamily="34" charset="0"/>
-              </a:rPr>
-              <a:t> </a:t>
-            </a:r>
-            <a:r>
-              <a:rPr lang="en-US" sz="800" dirty="0" err="1">
-                <a:latin typeface="Arial" panose="020B0604020202020204" pitchFamily="34" charset="0"/>
-                <a:cs typeface="Arial" panose="020B0604020202020204" pitchFamily="34" charset="0"/>
-              </a:rPr>
-              <a:t>aliquip</a:t>
-            </a:r>
-            <a:r>
-              <a:rPr lang="en-US" sz="800" dirty="0">
-                <a:latin typeface="Arial" panose="020B0604020202020204" pitchFamily="34" charset="0"/>
-                <a:cs typeface="Arial" panose="020B0604020202020204" pitchFamily="34" charset="0"/>
-              </a:rPr>
-              <a:t> ex </a:t>
-            </a:r>
-            <a:r>
-              <a:rPr lang="en-US" sz="800" dirty="0" err="1">
-                <a:latin typeface="Arial" panose="020B0604020202020204" pitchFamily="34" charset="0"/>
-                <a:cs typeface="Arial" panose="020B0604020202020204" pitchFamily="34" charset="0"/>
-              </a:rPr>
-              <a:t>ea</a:t>
-            </a:r>
-            <a:r>
-              <a:rPr lang="en-US" sz="800" dirty="0">
-                <a:latin typeface="Arial" panose="020B0604020202020204" pitchFamily="34" charset="0"/>
-                <a:cs typeface="Arial" panose="020B0604020202020204" pitchFamily="34" charset="0"/>
-              </a:rPr>
-              <a:t> </a:t>
-            </a:r>
-            <a:r>
-              <a:rPr lang="en-US" sz="800" dirty="0" err="1">
-                <a:latin typeface="Arial" panose="020B0604020202020204" pitchFamily="34" charset="0"/>
-                <a:cs typeface="Arial" panose="020B0604020202020204" pitchFamily="34" charset="0"/>
-              </a:rPr>
-              <a:t>commodo</a:t>
-            </a:r>
-            <a:r>
-              <a:rPr lang="en-US" sz="800" dirty="0">
-                <a:latin typeface="Arial" panose="020B0604020202020204" pitchFamily="34" charset="0"/>
-                <a:cs typeface="Arial" panose="020B0604020202020204" pitchFamily="34" charset="0"/>
-              </a:rPr>
-              <a:t> </a:t>
-            </a:r>
-            <a:r>
-              <a:rPr lang="en-US" sz="800" dirty="0" err="1">
-                <a:latin typeface="Arial" panose="020B0604020202020204" pitchFamily="34" charset="0"/>
-                <a:cs typeface="Arial" panose="020B0604020202020204" pitchFamily="34" charset="0"/>
-              </a:rPr>
-              <a:t>consequat</a:t>
-            </a:r>
-            <a:r>
-              <a:rPr lang="en-US" sz="800" dirty="0">
-                <a:latin typeface="Arial" panose="020B0604020202020204" pitchFamily="34" charset="0"/>
-                <a:cs typeface="Arial" panose="020B0604020202020204" pitchFamily="34" charset="0"/>
-              </a:rPr>
-              <a:t>. Duis </a:t>
-            </a:r>
-            <a:r>
-              <a:rPr lang="en-US" sz="800" dirty="0" err="1">
-                <a:latin typeface="Arial" panose="020B0604020202020204" pitchFamily="34" charset="0"/>
-                <a:cs typeface="Arial" panose="020B0604020202020204" pitchFamily="34" charset="0"/>
-              </a:rPr>
-              <a:t>aute</a:t>
-            </a:r>
-            <a:r>
-              <a:rPr lang="en-US" sz="800" dirty="0">
-                <a:latin typeface="Arial" panose="020B0604020202020204" pitchFamily="34" charset="0"/>
-                <a:cs typeface="Arial" panose="020B0604020202020204" pitchFamily="34" charset="0"/>
-              </a:rPr>
-              <a:t> </a:t>
-            </a:r>
-            <a:r>
-              <a:rPr lang="en-US" sz="800" dirty="0" err="1">
-                <a:latin typeface="Arial" panose="020B0604020202020204" pitchFamily="34" charset="0"/>
-                <a:cs typeface="Arial" panose="020B0604020202020204" pitchFamily="34" charset="0"/>
-              </a:rPr>
-              <a:t>irure</a:t>
-            </a:r>
-            <a:r>
-              <a:rPr lang="en-US" sz="800" dirty="0">
-                <a:latin typeface="Arial" panose="020B0604020202020204" pitchFamily="34" charset="0"/>
-                <a:cs typeface="Arial" panose="020B0604020202020204" pitchFamily="34" charset="0"/>
-              </a:rPr>
-              <a:t> dolor in </a:t>
-            </a:r>
-            <a:r>
-              <a:rPr lang="en-US" sz="800" dirty="0" err="1">
-                <a:latin typeface="Arial" panose="020B0604020202020204" pitchFamily="34" charset="0"/>
-                <a:cs typeface="Arial" panose="020B0604020202020204" pitchFamily="34" charset="0"/>
-              </a:rPr>
-              <a:t>reprehenderit</a:t>
-            </a:r>
-            <a:r>
-              <a:rPr lang="en-US" sz="800" dirty="0">
-                <a:latin typeface="Arial" panose="020B0604020202020204" pitchFamily="34" charset="0"/>
-                <a:cs typeface="Arial" panose="020B0604020202020204" pitchFamily="34" charset="0"/>
-              </a:rPr>
-              <a:t> in </a:t>
-            </a:r>
-            <a:r>
-              <a:rPr lang="en-US" sz="800" dirty="0" err="1">
-                <a:latin typeface="Arial" panose="020B0604020202020204" pitchFamily="34" charset="0"/>
-                <a:cs typeface="Arial" panose="020B0604020202020204" pitchFamily="34" charset="0"/>
-              </a:rPr>
-              <a:t>voluptate</a:t>
-            </a:r>
-            <a:r>
-              <a:rPr lang="en-US" sz="800" dirty="0">
-                <a:latin typeface="Arial" panose="020B0604020202020204" pitchFamily="34" charset="0"/>
-                <a:cs typeface="Arial" panose="020B0604020202020204" pitchFamily="34" charset="0"/>
-              </a:rPr>
-              <a:t> </a:t>
-            </a:r>
-            <a:r>
-              <a:rPr lang="en-US" sz="800" dirty="0" err="1">
-                <a:latin typeface="Arial" panose="020B0604020202020204" pitchFamily="34" charset="0"/>
-                <a:cs typeface="Arial" panose="020B0604020202020204" pitchFamily="34" charset="0"/>
-              </a:rPr>
-              <a:t>velit</a:t>
-            </a:r>
-            <a:r>
-              <a:rPr lang="en-US" sz="800" dirty="0">
-                <a:latin typeface="Arial" panose="020B0604020202020204" pitchFamily="34" charset="0"/>
-                <a:cs typeface="Arial" panose="020B0604020202020204" pitchFamily="34" charset="0"/>
-              </a:rPr>
-              <a:t> </a:t>
-            </a:r>
-            <a:r>
-              <a:rPr lang="en-US" sz="800" dirty="0" err="1">
-                <a:latin typeface="Arial" panose="020B0604020202020204" pitchFamily="34" charset="0"/>
-                <a:cs typeface="Arial" panose="020B0604020202020204" pitchFamily="34" charset="0"/>
-              </a:rPr>
-              <a:t>esse</a:t>
-            </a:r>
-            <a:r>
-              <a:rPr lang="en-US" sz="800" dirty="0">
-                <a:latin typeface="Arial" panose="020B0604020202020204" pitchFamily="34" charset="0"/>
-                <a:cs typeface="Arial" panose="020B0604020202020204" pitchFamily="34" charset="0"/>
-              </a:rPr>
-              <a:t> </a:t>
-            </a:r>
-            <a:r>
-              <a:rPr lang="en-US" sz="800" dirty="0" err="1">
-                <a:latin typeface="Arial" panose="020B0604020202020204" pitchFamily="34" charset="0"/>
-                <a:cs typeface="Arial" panose="020B0604020202020204" pitchFamily="34" charset="0"/>
-              </a:rPr>
-              <a:t>cillum</a:t>
-            </a:r>
-            <a:r>
-              <a:rPr lang="en-US" sz="800" dirty="0">
-                <a:latin typeface="Arial" panose="020B0604020202020204" pitchFamily="34" charset="0"/>
-                <a:cs typeface="Arial" panose="020B0604020202020204" pitchFamily="34" charset="0"/>
-              </a:rPr>
-              <a:t> dolore </a:t>
-            </a:r>
-            <a:r>
-              <a:rPr lang="en-US" sz="800" dirty="0" err="1">
-                <a:latin typeface="Arial" panose="020B0604020202020204" pitchFamily="34" charset="0"/>
-                <a:cs typeface="Arial" panose="020B0604020202020204" pitchFamily="34" charset="0"/>
-              </a:rPr>
-              <a:t>eu</a:t>
-            </a:r>
-            <a:r>
-              <a:rPr lang="en-US" sz="800" dirty="0">
-                <a:latin typeface="Arial" panose="020B0604020202020204" pitchFamily="34" charset="0"/>
-                <a:cs typeface="Arial" panose="020B0604020202020204" pitchFamily="34" charset="0"/>
-              </a:rPr>
-              <a:t> </a:t>
-            </a:r>
-            <a:r>
-              <a:rPr lang="en-US" sz="800" dirty="0" err="1">
-                <a:latin typeface="Arial" panose="020B0604020202020204" pitchFamily="34" charset="0"/>
-                <a:cs typeface="Arial" panose="020B0604020202020204" pitchFamily="34" charset="0"/>
-              </a:rPr>
-              <a:t>fugiat</a:t>
-            </a:r>
-            <a:r>
-              <a:rPr lang="en-US" sz="800" dirty="0">
-                <a:latin typeface="Arial" panose="020B0604020202020204" pitchFamily="34" charset="0"/>
-                <a:cs typeface="Arial" panose="020B0604020202020204" pitchFamily="34" charset="0"/>
-              </a:rPr>
-              <a:t> </a:t>
-            </a:r>
-            <a:r>
-              <a:rPr lang="en-US" sz="800" dirty="0" err="1">
-                <a:latin typeface="Arial" panose="020B0604020202020204" pitchFamily="34" charset="0"/>
-                <a:cs typeface="Arial" panose="020B0604020202020204" pitchFamily="34" charset="0"/>
-              </a:rPr>
-              <a:t>nulla</a:t>
-            </a:r>
-            <a:r>
-              <a:rPr lang="en-US" sz="800" dirty="0">
-                <a:latin typeface="Arial" panose="020B0604020202020204" pitchFamily="34" charset="0"/>
-                <a:cs typeface="Arial" panose="020B0604020202020204" pitchFamily="34" charset="0"/>
-              </a:rPr>
-              <a:t> </a:t>
-            </a:r>
-            <a:r>
-              <a:rPr lang="en-US" sz="800" dirty="0" err="1">
-                <a:latin typeface="Arial" panose="020B0604020202020204" pitchFamily="34" charset="0"/>
-                <a:cs typeface="Arial" panose="020B0604020202020204" pitchFamily="34" charset="0"/>
-              </a:rPr>
-              <a:t>pariatur</a:t>
-            </a:r>
-            <a:r>
-              <a:rPr lang="en-US" sz="800" dirty="0">
-                <a:latin typeface="Arial" panose="020B0604020202020204" pitchFamily="34" charset="0"/>
-                <a:cs typeface="Arial" panose="020B0604020202020204" pitchFamily="34" charset="0"/>
-              </a:rPr>
-              <a:t>. </a:t>
-            </a:r>
-            <a:r>
-              <a:rPr lang="en-US" sz="800" dirty="0" err="1">
-                <a:latin typeface="Arial" panose="020B0604020202020204" pitchFamily="34" charset="0"/>
-                <a:cs typeface="Arial" panose="020B0604020202020204" pitchFamily="34" charset="0"/>
-              </a:rPr>
-              <a:t>Excepteur</a:t>
-            </a:r>
-            <a:r>
-              <a:rPr lang="en-US" sz="800" dirty="0">
-                <a:latin typeface="Arial" panose="020B0604020202020204" pitchFamily="34" charset="0"/>
-                <a:cs typeface="Arial" panose="020B0604020202020204" pitchFamily="34" charset="0"/>
-              </a:rPr>
-              <a:t> </a:t>
-            </a:r>
-            <a:r>
-              <a:rPr lang="en-US" sz="800" dirty="0" err="1">
-                <a:latin typeface="Arial" panose="020B0604020202020204" pitchFamily="34" charset="0"/>
-                <a:cs typeface="Arial" panose="020B0604020202020204" pitchFamily="34" charset="0"/>
-              </a:rPr>
-              <a:t>sint</a:t>
-            </a:r>
-            <a:r>
-              <a:rPr lang="en-US" sz="800" dirty="0">
-                <a:latin typeface="Arial" panose="020B0604020202020204" pitchFamily="34" charset="0"/>
-                <a:cs typeface="Arial" panose="020B0604020202020204" pitchFamily="34" charset="0"/>
-              </a:rPr>
-              <a:t> </a:t>
-            </a:r>
-            <a:r>
-              <a:rPr lang="en-US" sz="800" dirty="0" err="1">
-                <a:latin typeface="Arial" panose="020B0604020202020204" pitchFamily="34" charset="0"/>
-                <a:cs typeface="Arial" panose="020B0604020202020204" pitchFamily="34" charset="0"/>
-              </a:rPr>
-              <a:t>occaecat</a:t>
-            </a:r>
-            <a:r>
-              <a:rPr lang="en-US" sz="800" dirty="0">
-                <a:latin typeface="Arial" panose="020B0604020202020204" pitchFamily="34" charset="0"/>
-                <a:cs typeface="Arial" panose="020B0604020202020204" pitchFamily="34" charset="0"/>
-              </a:rPr>
-              <a:t> </a:t>
-            </a:r>
-            <a:r>
-              <a:rPr lang="en-US" sz="800" dirty="0" err="1">
-                <a:latin typeface="Arial" panose="020B0604020202020204" pitchFamily="34" charset="0"/>
-                <a:cs typeface="Arial" panose="020B0604020202020204" pitchFamily="34" charset="0"/>
-              </a:rPr>
-              <a:t>cupidatat</a:t>
-            </a:r>
-            <a:r>
-              <a:rPr lang="en-US" sz="800" dirty="0">
-                <a:latin typeface="Arial" panose="020B0604020202020204" pitchFamily="34" charset="0"/>
-                <a:cs typeface="Arial" panose="020B0604020202020204" pitchFamily="34" charset="0"/>
-              </a:rPr>
-              <a:t> non </a:t>
-            </a:r>
-            <a:r>
-              <a:rPr lang="en-US" sz="800" dirty="0" err="1">
-                <a:latin typeface="Arial" panose="020B0604020202020204" pitchFamily="34" charset="0"/>
-                <a:cs typeface="Arial" panose="020B0604020202020204" pitchFamily="34" charset="0"/>
-              </a:rPr>
-              <a:t>proident</a:t>
-            </a:r>
-            <a:r>
-              <a:rPr lang="en-US" sz="800" dirty="0">
-                <a:latin typeface="Arial" panose="020B0604020202020204" pitchFamily="34" charset="0"/>
-                <a:cs typeface="Arial" panose="020B0604020202020204" pitchFamily="34" charset="0"/>
-              </a:rPr>
-              <a:t>, sunt in culpa qui </a:t>
-            </a:r>
-            <a:r>
-              <a:rPr lang="en-US" sz="800" dirty="0" err="1">
-                <a:latin typeface="Arial" panose="020B0604020202020204" pitchFamily="34" charset="0"/>
-                <a:cs typeface="Arial" panose="020B0604020202020204" pitchFamily="34" charset="0"/>
-              </a:rPr>
-              <a:t>officia</a:t>
-            </a:r>
-            <a:r>
-              <a:rPr lang="en-US" sz="800" dirty="0">
-                <a:latin typeface="Arial" panose="020B0604020202020204" pitchFamily="34" charset="0"/>
-                <a:cs typeface="Arial" panose="020B0604020202020204" pitchFamily="34" charset="0"/>
-              </a:rPr>
-              <a:t> </a:t>
-            </a:r>
-            <a:r>
-              <a:rPr lang="en-US" sz="800" dirty="0" err="1">
-                <a:latin typeface="Arial" panose="020B0604020202020204" pitchFamily="34" charset="0"/>
-                <a:cs typeface="Arial" panose="020B0604020202020204" pitchFamily="34" charset="0"/>
-              </a:rPr>
-              <a:t>deserunt</a:t>
-            </a:r>
-            <a:r>
-              <a:rPr lang="en-US" sz="800" dirty="0">
-                <a:latin typeface="Arial" panose="020B0604020202020204" pitchFamily="34" charset="0"/>
-                <a:cs typeface="Arial" panose="020B0604020202020204" pitchFamily="34" charset="0"/>
-              </a:rPr>
-              <a:t> </a:t>
-            </a:r>
-            <a:r>
-              <a:rPr lang="en-US" sz="800" dirty="0" err="1">
-                <a:latin typeface="Arial" panose="020B0604020202020204" pitchFamily="34" charset="0"/>
-                <a:cs typeface="Arial" panose="020B0604020202020204" pitchFamily="34" charset="0"/>
-              </a:rPr>
-              <a:t>mollit</a:t>
-            </a:r>
-            <a:r>
-              <a:rPr lang="en-US" sz="800" dirty="0">
-                <a:latin typeface="Arial" panose="020B0604020202020204" pitchFamily="34" charset="0"/>
-                <a:cs typeface="Arial" panose="020B0604020202020204" pitchFamily="34" charset="0"/>
-              </a:rPr>
-              <a:t> </a:t>
-            </a:r>
-            <a:r>
-              <a:rPr lang="en-US" sz="800" dirty="0" err="1">
-                <a:latin typeface="Arial" panose="020B0604020202020204" pitchFamily="34" charset="0"/>
-                <a:cs typeface="Arial" panose="020B0604020202020204" pitchFamily="34" charset="0"/>
-              </a:rPr>
-              <a:t>anim</a:t>
-            </a:r>
-            <a:r>
-              <a:rPr lang="en-US" sz="800" dirty="0">
-                <a:latin typeface="Arial" panose="020B0604020202020204" pitchFamily="34" charset="0"/>
-                <a:cs typeface="Arial" panose="020B0604020202020204" pitchFamily="34" charset="0"/>
-              </a:rPr>
-              <a:t> id </a:t>
-            </a:r>
-            <a:r>
-              <a:rPr lang="en-US" sz="800" dirty="0" err="1">
-                <a:latin typeface="Arial" panose="020B0604020202020204" pitchFamily="34" charset="0"/>
-                <a:cs typeface="Arial" panose="020B0604020202020204" pitchFamily="34" charset="0"/>
-              </a:rPr>
-              <a:t>est</a:t>
-            </a:r>
-            <a:r>
-              <a:rPr lang="en-US" sz="800" dirty="0">
-                <a:latin typeface="Arial" panose="020B0604020202020204" pitchFamily="34" charset="0"/>
-                <a:cs typeface="Arial" panose="020B0604020202020204" pitchFamily="34" charset="0"/>
-              </a:rPr>
-              <a:t> </a:t>
-            </a:r>
-            <a:r>
-              <a:rPr lang="en-US" sz="800" dirty="0" err="1">
-                <a:latin typeface="Arial" panose="020B0604020202020204" pitchFamily="34" charset="0"/>
-                <a:cs typeface="Arial" panose="020B0604020202020204" pitchFamily="34" charset="0"/>
-              </a:rPr>
-              <a:t>laborum</a:t>
-            </a:r>
-            <a:r>
-              <a:rPr lang="en-US" sz="800" dirty="0">
-                <a:latin typeface="Arial" panose="020B0604020202020204" pitchFamily="34" charset="0"/>
-                <a:cs typeface="Arial" panose="020B0604020202020204" pitchFamily="34" charset="0"/>
-              </a:rPr>
-              <a:t>.</a:t>
-            </a:r>
-          </a:p>
-        </p:txBody>
-      </p:sp>
-      <p:sp>
-        <p:nvSpPr>
-          <p:cNvPr id="27" name="Rectangle: Rounded Corners 26">
-            <a:extLst>
-              <a:ext uri="{FF2B5EF4-FFF2-40B4-BE49-F238E27FC236}">
-                <a16:creationId xmlns:a16="http://schemas.microsoft.com/office/drawing/2014/main" id="{45005E6C-750D-4AFA-A249-CAAC8A4FE6F7}"/>
-              </a:ext>
-            </a:extLst>
-          </p:cNvPr>
-          <p:cNvSpPr/>
-          <p:nvPr/>
-        </p:nvSpPr>
-        <p:spPr>
-          <a:xfrm>
-            <a:off x="1085054" y="3394850"/>
-            <a:ext cx="980281" cy="190500"/>
+            <a:off x="7087957" y="6060795"/>
+            <a:ext cx="980281" cy="128016"/>
           </a:xfrm>
           <a:prstGeom prst="roundRect">
             <a:avLst/>
@@ -5004,1054 +4521,24 @@
           <a:p>
             <a:pPr algn="ctr"/>
             <a:r>
-              <a:rPr lang="en-US" sz="833" b="1" dirty="0">
+              <a:rPr lang="en-US" sz="700" b="1" dirty="0">
                 <a:solidFill>
                   <a:schemeClr val="bg1"/>
                 </a:solidFill>
                 <a:latin typeface="Arial" panose="020B0604020202020204" pitchFamily="34" charset="0"/>
                 <a:cs typeface="Arial" panose="020B0604020202020204" pitchFamily="34" charset="0"/>
               </a:rPr>
-              <a:t>Data</a:t>
-            </a:r>
-          </a:p>
-        </p:txBody>
-      </p:sp>
-      <p:sp>
-        <p:nvSpPr>
-          <p:cNvPr id="28" name="TextBox 27">
+              <a:t>References</a:t>
+            </a:r>
+          </a:p>
+        </p:txBody>
+      </p:sp>
+      <p:sp>
+        <p:nvSpPr>
+          <p:cNvPr id="64" name="Rectangle: Rounded Corners 63">
             <a:extLst>
               <a:ext uri="{FF2B5EF4-FFF2-40B4-BE49-F238E27FC236}">
-                <a16:creationId xmlns:a16="http://schemas.microsoft.com/office/drawing/2014/main" id="{1D16B48E-B498-471E-A776-3FFFF291AE6F}"/>
-              </a:ext>
-            </a:extLst>
-          </p:cNvPr>
-          <p:cNvSpPr txBox="1"/>
-          <p:nvPr/>
-        </p:nvSpPr>
-        <p:spPr>
-          <a:xfrm>
-            <a:off x="101952" y="4039978"/>
-            <a:ext cx="2872351" cy="1077218"/>
-          </a:xfrm>
-          <a:prstGeom prst="rect">
-            <a:avLst/>
-          </a:prstGeom>
-          <a:noFill/>
-        </p:spPr>
-        <p:txBody>
-          <a:bodyPr wrap="square" rtlCol="0">
-            <a:spAutoFit/>
-          </a:bodyPr>
-          <a:lstStyle/>
-          <a:p>
-            <a:pPr algn="just"/>
-            <a:r>
-              <a:rPr lang="en-US" sz="800" dirty="0">
-                <a:latin typeface="Arial" panose="020B0604020202020204" pitchFamily="34" charset="0"/>
-                <a:cs typeface="Arial" panose="020B0604020202020204" pitchFamily="34" charset="0"/>
-              </a:rPr>
-              <a:t>Lorem ipsum dolor sit </a:t>
-            </a:r>
-            <a:r>
-              <a:rPr lang="en-US" sz="800" dirty="0" err="1">
-                <a:latin typeface="Arial" panose="020B0604020202020204" pitchFamily="34" charset="0"/>
-                <a:cs typeface="Arial" panose="020B0604020202020204" pitchFamily="34" charset="0"/>
-              </a:rPr>
-              <a:t>amet</a:t>
-            </a:r>
-            <a:r>
-              <a:rPr lang="en-US" sz="800" dirty="0">
-                <a:latin typeface="Arial" panose="020B0604020202020204" pitchFamily="34" charset="0"/>
-                <a:cs typeface="Arial" panose="020B0604020202020204" pitchFamily="34" charset="0"/>
-              </a:rPr>
-              <a:t>, </a:t>
-            </a:r>
-            <a:r>
-              <a:rPr lang="en-US" sz="800" dirty="0" err="1">
-                <a:latin typeface="Arial" panose="020B0604020202020204" pitchFamily="34" charset="0"/>
-                <a:cs typeface="Arial" panose="020B0604020202020204" pitchFamily="34" charset="0"/>
-              </a:rPr>
-              <a:t>consectetur</a:t>
-            </a:r>
-            <a:r>
-              <a:rPr lang="en-US" sz="800" dirty="0">
-                <a:latin typeface="Arial" panose="020B0604020202020204" pitchFamily="34" charset="0"/>
-                <a:cs typeface="Arial" panose="020B0604020202020204" pitchFamily="34" charset="0"/>
-              </a:rPr>
-              <a:t> </a:t>
-            </a:r>
-            <a:r>
-              <a:rPr lang="en-US" sz="800" dirty="0" err="1">
-                <a:latin typeface="Arial" panose="020B0604020202020204" pitchFamily="34" charset="0"/>
-                <a:cs typeface="Arial" panose="020B0604020202020204" pitchFamily="34" charset="0"/>
-              </a:rPr>
-              <a:t>adipiscing</a:t>
-            </a:r>
-            <a:r>
-              <a:rPr lang="en-US" sz="800" dirty="0">
-                <a:latin typeface="Arial" panose="020B0604020202020204" pitchFamily="34" charset="0"/>
-                <a:cs typeface="Arial" panose="020B0604020202020204" pitchFamily="34" charset="0"/>
-              </a:rPr>
-              <a:t> </a:t>
-            </a:r>
-            <a:r>
-              <a:rPr lang="en-US" sz="800" dirty="0" err="1">
-                <a:latin typeface="Arial" panose="020B0604020202020204" pitchFamily="34" charset="0"/>
-                <a:cs typeface="Arial" panose="020B0604020202020204" pitchFamily="34" charset="0"/>
-              </a:rPr>
-              <a:t>elit</a:t>
-            </a:r>
-            <a:r>
-              <a:rPr lang="en-US" sz="800" dirty="0">
-                <a:latin typeface="Arial" panose="020B0604020202020204" pitchFamily="34" charset="0"/>
-                <a:cs typeface="Arial" panose="020B0604020202020204" pitchFamily="34" charset="0"/>
-              </a:rPr>
-              <a:t>, sed do </a:t>
-            </a:r>
-            <a:r>
-              <a:rPr lang="en-US" sz="800" dirty="0" err="1">
-                <a:latin typeface="Arial" panose="020B0604020202020204" pitchFamily="34" charset="0"/>
-                <a:cs typeface="Arial" panose="020B0604020202020204" pitchFamily="34" charset="0"/>
-              </a:rPr>
-              <a:t>eiusmod</a:t>
-            </a:r>
-            <a:r>
-              <a:rPr lang="en-US" sz="800" dirty="0">
-                <a:latin typeface="Arial" panose="020B0604020202020204" pitchFamily="34" charset="0"/>
-                <a:cs typeface="Arial" panose="020B0604020202020204" pitchFamily="34" charset="0"/>
-              </a:rPr>
-              <a:t> </a:t>
-            </a:r>
-            <a:r>
-              <a:rPr lang="en-US" sz="800" dirty="0" err="1">
-                <a:latin typeface="Arial" panose="020B0604020202020204" pitchFamily="34" charset="0"/>
-                <a:cs typeface="Arial" panose="020B0604020202020204" pitchFamily="34" charset="0"/>
-              </a:rPr>
-              <a:t>tempor</a:t>
-            </a:r>
-            <a:r>
-              <a:rPr lang="en-US" sz="800" dirty="0">
-                <a:latin typeface="Arial" panose="020B0604020202020204" pitchFamily="34" charset="0"/>
-                <a:cs typeface="Arial" panose="020B0604020202020204" pitchFamily="34" charset="0"/>
-              </a:rPr>
-              <a:t> </a:t>
-            </a:r>
-            <a:r>
-              <a:rPr lang="en-US" sz="800" dirty="0" err="1">
-                <a:latin typeface="Arial" panose="020B0604020202020204" pitchFamily="34" charset="0"/>
-                <a:cs typeface="Arial" panose="020B0604020202020204" pitchFamily="34" charset="0"/>
-              </a:rPr>
-              <a:t>incididunt</a:t>
-            </a:r>
-            <a:r>
-              <a:rPr lang="en-US" sz="800" dirty="0">
-                <a:latin typeface="Arial" panose="020B0604020202020204" pitchFamily="34" charset="0"/>
-                <a:cs typeface="Arial" panose="020B0604020202020204" pitchFamily="34" charset="0"/>
-              </a:rPr>
-              <a:t> </a:t>
-            </a:r>
-            <a:r>
-              <a:rPr lang="en-US" sz="800" dirty="0" err="1">
-                <a:latin typeface="Arial" panose="020B0604020202020204" pitchFamily="34" charset="0"/>
-                <a:cs typeface="Arial" panose="020B0604020202020204" pitchFamily="34" charset="0"/>
-              </a:rPr>
-              <a:t>ut</a:t>
-            </a:r>
-            <a:r>
-              <a:rPr lang="en-US" sz="800" dirty="0">
-                <a:latin typeface="Arial" panose="020B0604020202020204" pitchFamily="34" charset="0"/>
-                <a:cs typeface="Arial" panose="020B0604020202020204" pitchFamily="34" charset="0"/>
-              </a:rPr>
-              <a:t> </a:t>
-            </a:r>
-            <a:r>
-              <a:rPr lang="en-US" sz="800" dirty="0" err="1">
-                <a:latin typeface="Arial" panose="020B0604020202020204" pitchFamily="34" charset="0"/>
-                <a:cs typeface="Arial" panose="020B0604020202020204" pitchFamily="34" charset="0"/>
-              </a:rPr>
-              <a:t>labore</a:t>
-            </a:r>
-            <a:r>
-              <a:rPr lang="en-US" sz="800" dirty="0">
-                <a:latin typeface="Arial" panose="020B0604020202020204" pitchFamily="34" charset="0"/>
-                <a:cs typeface="Arial" panose="020B0604020202020204" pitchFamily="34" charset="0"/>
-              </a:rPr>
-              <a:t> et dolore magna </a:t>
-            </a:r>
-            <a:r>
-              <a:rPr lang="en-US" sz="800" dirty="0" err="1">
-                <a:latin typeface="Arial" panose="020B0604020202020204" pitchFamily="34" charset="0"/>
-                <a:cs typeface="Arial" panose="020B0604020202020204" pitchFamily="34" charset="0"/>
-              </a:rPr>
-              <a:t>aliqua</a:t>
-            </a:r>
-            <a:r>
-              <a:rPr lang="en-US" sz="800" dirty="0">
-                <a:latin typeface="Arial" panose="020B0604020202020204" pitchFamily="34" charset="0"/>
-                <a:cs typeface="Arial" panose="020B0604020202020204" pitchFamily="34" charset="0"/>
-              </a:rPr>
-              <a:t>. Ut </a:t>
-            </a:r>
-            <a:r>
-              <a:rPr lang="en-US" sz="800" dirty="0" err="1">
-                <a:latin typeface="Arial" panose="020B0604020202020204" pitchFamily="34" charset="0"/>
-                <a:cs typeface="Arial" panose="020B0604020202020204" pitchFamily="34" charset="0"/>
-              </a:rPr>
-              <a:t>enim</a:t>
-            </a:r>
-            <a:r>
-              <a:rPr lang="en-US" sz="800" dirty="0">
-                <a:latin typeface="Arial" panose="020B0604020202020204" pitchFamily="34" charset="0"/>
-                <a:cs typeface="Arial" panose="020B0604020202020204" pitchFamily="34" charset="0"/>
-              </a:rPr>
-              <a:t> ad minim </a:t>
-            </a:r>
-            <a:r>
-              <a:rPr lang="en-US" sz="800" dirty="0" err="1">
-                <a:latin typeface="Arial" panose="020B0604020202020204" pitchFamily="34" charset="0"/>
-                <a:cs typeface="Arial" panose="020B0604020202020204" pitchFamily="34" charset="0"/>
-              </a:rPr>
-              <a:t>veniam</a:t>
-            </a:r>
-            <a:r>
-              <a:rPr lang="en-US" sz="800" dirty="0">
-                <a:latin typeface="Arial" panose="020B0604020202020204" pitchFamily="34" charset="0"/>
-                <a:cs typeface="Arial" panose="020B0604020202020204" pitchFamily="34" charset="0"/>
-              </a:rPr>
-              <a:t>, </a:t>
-            </a:r>
-            <a:r>
-              <a:rPr lang="en-US" sz="800" dirty="0" err="1">
-                <a:latin typeface="Arial" panose="020B0604020202020204" pitchFamily="34" charset="0"/>
-                <a:cs typeface="Arial" panose="020B0604020202020204" pitchFamily="34" charset="0"/>
-              </a:rPr>
-              <a:t>quis</a:t>
-            </a:r>
-            <a:r>
-              <a:rPr lang="en-US" sz="800" dirty="0">
-                <a:latin typeface="Arial" panose="020B0604020202020204" pitchFamily="34" charset="0"/>
-                <a:cs typeface="Arial" panose="020B0604020202020204" pitchFamily="34" charset="0"/>
-              </a:rPr>
-              <a:t> </a:t>
-            </a:r>
-            <a:r>
-              <a:rPr lang="en-US" sz="800" dirty="0" err="1">
-                <a:latin typeface="Arial" panose="020B0604020202020204" pitchFamily="34" charset="0"/>
-                <a:cs typeface="Arial" panose="020B0604020202020204" pitchFamily="34" charset="0"/>
-              </a:rPr>
-              <a:t>nostrud</a:t>
-            </a:r>
-            <a:r>
-              <a:rPr lang="en-US" sz="800" dirty="0">
-                <a:latin typeface="Arial" panose="020B0604020202020204" pitchFamily="34" charset="0"/>
-                <a:cs typeface="Arial" panose="020B0604020202020204" pitchFamily="34" charset="0"/>
-              </a:rPr>
-              <a:t> exercitation </a:t>
-            </a:r>
-            <a:r>
-              <a:rPr lang="en-US" sz="800" dirty="0" err="1">
-                <a:latin typeface="Arial" panose="020B0604020202020204" pitchFamily="34" charset="0"/>
-                <a:cs typeface="Arial" panose="020B0604020202020204" pitchFamily="34" charset="0"/>
-              </a:rPr>
-              <a:t>ullamco</a:t>
-            </a:r>
-            <a:r>
-              <a:rPr lang="en-US" sz="800" dirty="0">
-                <a:latin typeface="Arial" panose="020B0604020202020204" pitchFamily="34" charset="0"/>
-                <a:cs typeface="Arial" panose="020B0604020202020204" pitchFamily="34" charset="0"/>
-              </a:rPr>
-              <a:t> </a:t>
-            </a:r>
-            <a:r>
-              <a:rPr lang="en-US" sz="800" dirty="0" err="1">
-                <a:latin typeface="Arial" panose="020B0604020202020204" pitchFamily="34" charset="0"/>
-                <a:cs typeface="Arial" panose="020B0604020202020204" pitchFamily="34" charset="0"/>
-              </a:rPr>
-              <a:t>laboris</a:t>
-            </a:r>
-            <a:r>
-              <a:rPr lang="en-US" sz="800" dirty="0">
-                <a:latin typeface="Arial" panose="020B0604020202020204" pitchFamily="34" charset="0"/>
-                <a:cs typeface="Arial" panose="020B0604020202020204" pitchFamily="34" charset="0"/>
-              </a:rPr>
-              <a:t> nisi </a:t>
-            </a:r>
-            <a:r>
-              <a:rPr lang="en-US" sz="800" dirty="0" err="1">
-                <a:latin typeface="Arial" panose="020B0604020202020204" pitchFamily="34" charset="0"/>
-                <a:cs typeface="Arial" panose="020B0604020202020204" pitchFamily="34" charset="0"/>
-              </a:rPr>
-              <a:t>ut</a:t>
-            </a:r>
-            <a:r>
-              <a:rPr lang="en-US" sz="800" dirty="0">
-                <a:latin typeface="Arial" panose="020B0604020202020204" pitchFamily="34" charset="0"/>
-                <a:cs typeface="Arial" panose="020B0604020202020204" pitchFamily="34" charset="0"/>
-              </a:rPr>
-              <a:t> </a:t>
-            </a:r>
-            <a:r>
-              <a:rPr lang="en-US" sz="800" dirty="0" err="1">
-                <a:latin typeface="Arial" panose="020B0604020202020204" pitchFamily="34" charset="0"/>
-                <a:cs typeface="Arial" panose="020B0604020202020204" pitchFamily="34" charset="0"/>
-              </a:rPr>
-              <a:t>aliquip</a:t>
-            </a:r>
-            <a:r>
-              <a:rPr lang="en-US" sz="800" dirty="0">
-                <a:latin typeface="Arial" panose="020B0604020202020204" pitchFamily="34" charset="0"/>
-                <a:cs typeface="Arial" panose="020B0604020202020204" pitchFamily="34" charset="0"/>
-              </a:rPr>
-              <a:t> ex </a:t>
-            </a:r>
-            <a:r>
-              <a:rPr lang="en-US" sz="800" dirty="0" err="1">
-                <a:latin typeface="Arial" panose="020B0604020202020204" pitchFamily="34" charset="0"/>
-                <a:cs typeface="Arial" panose="020B0604020202020204" pitchFamily="34" charset="0"/>
-              </a:rPr>
-              <a:t>ea</a:t>
-            </a:r>
-            <a:r>
-              <a:rPr lang="en-US" sz="800" dirty="0">
-                <a:latin typeface="Arial" panose="020B0604020202020204" pitchFamily="34" charset="0"/>
-                <a:cs typeface="Arial" panose="020B0604020202020204" pitchFamily="34" charset="0"/>
-              </a:rPr>
-              <a:t> </a:t>
-            </a:r>
-            <a:r>
-              <a:rPr lang="en-US" sz="800" dirty="0" err="1">
-                <a:latin typeface="Arial" panose="020B0604020202020204" pitchFamily="34" charset="0"/>
-                <a:cs typeface="Arial" panose="020B0604020202020204" pitchFamily="34" charset="0"/>
-              </a:rPr>
-              <a:t>commodo</a:t>
-            </a:r>
-            <a:r>
-              <a:rPr lang="en-US" sz="800" dirty="0">
-                <a:latin typeface="Arial" panose="020B0604020202020204" pitchFamily="34" charset="0"/>
-                <a:cs typeface="Arial" panose="020B0604020202020204" pitchFamily="34" charset="0"/>
-              </a:rPr>
-              <a:t> </a:t>
-            </a:r>
-            <a:r>
-              <a:rPr lang="en-US" sz="800" dirty="0" err="1">
-                <a:latin typeface="Arial" panose="020B0604020202020204" pitchFamily="34" charset="0"/>
-                <a:cs typeface="Arial" panose="020B0604020202020204" pitchFamily="34" charset="0"/>
-              </a:rPr>
-              <a:t>consequat</a:t>
-            </a:r>
-            <a:r>
-              <a:rPr lang="en-US" sz="800" dirty="0">
-                <a:latin typeface="Arial" panose="020B0604020202020204" pitchFamily="34" charset="0"/>
-                <a:cs typeface="Arial" panose="020B0604020202020204" pitchFamily="34" charset="0"/>
-              </a:rPr>
-              <a:t>. Duis </a:t>
-            </a:r>
-            <a:r>
-              <a:rPr lang="en-US" sz="800" dirty="0" err="1">
-                <a:latin typeface="Arial" panose="020B0604020202020204" pitchFamily="34" charset="0"/>
-                <a:cs typeface="Arial" panose="020B0604020202020204" pitchFamily="34" charset="0"/>
-              </a:rPr>
-              <a:t>aute</a:t>
-            </a:r>
-            <a:r>
-              <a:rPr lang="en-US" sz="800" dirty="0">
-                <a:latin typeface="Arial" panose="020B0604020202020204" pitchFamily="34" charset="0"/>
-                <a:cs typeface="Arial" panose="020B0604020202020204" pitchFamily="34" charset="0"/>
-              </a:rPr>
-              <a:t> </a:t>
-            </a:r>
-            <a:r>
-              <a:rPr lang="en-US" sz="800" dirty="0" err="1">
-                <a:latin typeface="Arial" panose="020B0604020202020204" pitchFamily="34" charset="0"/>
-                <a:cs typeface="Arial" panose="020B0604020202020204" pitchFamily="34" charset="0"/>
-              </a:rPr>
-              <a:t>irure</a:t>
-            </a:r>
-            <a:r>
-              <a:rPr lang="en-US" sz="800" dirty="0">
-                <a:latin typeface="Arial" panose="020B0604020202020204" pitchFamily="34" charset="0"/>
-                <a:cs typeface="Arial" panose="020B0604020202020204" pitchFamily="34" charset="0"/>
-              </a:rPr>
-              <a:t> dolor in </a:t>
-            </a:r>
-            <a:r>
-              <a:rPr lang="en-US" sz="800" dirty="0" err="1">
-                <a:latin typeface="Arial" panose="020B0604020202020204" pitchFamily="34" charset="0"/>
-                <a:cs typeface="Arial" panose="020B0604020202020204" pitchFamily="34" charset="0"/>
-              </a:rPr>
-              <a:t>reprehenderit</a:t>
-            </a:r>
-            <a:r>
-              <a:rPr lang="en-US" sz="800" dirty="0">
-                <a:latin typeface="Arial" panose="020B0604020202020204" pitchFamily="34" charset="0"/>
-                <a:cs typeface="Arial" panose="020B0604020202020204" pitchFamily="34" charset="0"/>
-              </a:rPr>
-              <a:t> in </a:t>
-            </a:r>
-            <a:r>
-              <a:rPr lang="en-US" sz="800" dirty="0" err="1">
-                <a:latin typeface="Arial" panose="020B0604020202020204" pitchFamily="34" charset="0"/>
-                <a:cs typeface="Arial" panose="020B0604020202020204" pitchFamily="34" charset="0"/>
-              </a:rPr>
-              <a:t>voluptate</a:t>
-            </a:r>
-            <a:r>
-              <a:rPr lang="en-US" sz="800" dirty="0">
-                <a:latin typeface="Arial" panose="020B0604020202020204" pitchFamily="34" charset="0"/>
-                <a:cs typeface="Arial" panose="020B0604020202020204" pitchFamily="34" charset="0"/>
-              </a:rPr>
-              <a:t> </a:t>
-            </a:r>
-            <a:r>
-              <a:rPr lang="en-US" sz="800" dirty="0" err="1">
-                <a:latin typeface="Arial" panose="020B0604020202020204" pitchFamily="34" charset="0"/>
-                <a:cs typeface="Arial" panose="020B0604020202020204" pitchFamily="34" charset="0"/>
-              </a:rPr>
-              <a:t>velit</a:t>
-            </a:r>
-            <a:r>
-              <a:rPr lang="en-US" sz="800" dirty="0">
-                <a:latin typeface="Arial" panose="020B0604020202020204" pitchFamily="34" charset="0"/>
-                <a:cs typeface="Arial" panose="020B0604020202020204" pitchFamily="34" charset="0"/>
-              </a:rPr>
-              <a:t> </a:t>
-            </a:r>
-            <a:r>
-              <a:rPr lang="en-US" sz="800" dirty="0" err="1">
-                <a:latin typeface="Arial" panose="020B0604020202020204" pitchFamily="34" charset="0"/>
-                <a:cs typeface="Arial" panose="020B0604020202020204" pitchFamily="34" charset="0"/>
-              </a:rPr>
-              <a:t>esse</a:t>
-            </a:r>
-            <a:r>
-              <a:rPr lang="en-US" sz="800" dirty="0">
-                <a:latin typeface="Arial" panose="020B0604020202020204" pitchFamily="34" charset="0"/>
-                <a:cs typeface="Arial" panose="020B0604020202020204" pitchFamily="34" charset="0"/>
-              </a:rPr>
-              <a:t> </a:t>
-            </a:r>
-            <a:r>
-              <a:rPr lang="en-US" sz="800" dirty="0" err="1">
-                <a:latin typeface="Arial" panose="020B0604020202020204" pitchFamily="34" charset="0"/>
-                <a:cs typeface="Arial" panose="020B0604020202020204" pitchFamily="34" charset="0"/>
-              </a:rPr>
-              <a:t>cillum</a:t>
-            </a:r>
-            <a:r>
-              <a:rPr lang="en-US" sz="800" dirty="0">
-                <a:latin typeface="Arial" panose="020B0604020202020204" pitchFamily="34" charset="0"/>
-                <a:cs typeface="Arial" panose="020B0604020202020204" pitchFamily="34" charset="0"/>
-              </a:rPr>
-              <a:t> dolore </a:t>
-            </a:r>
-            <a:r>
-              <a:rPr lang="en-US" sz="800" dirty="0" err="1">
-                <a:latin typeface="Arial" panose="020B0604020202020204" pitchFamily="34" charset="0"/>
-                <a:cs typeface="Arial" panose="020B0604020202020204" pitchFamily="34" charset="0"/>
-              </a:rPr>
-              <a:t>eu</a:t>
-            </a:r>
-            <a:r>
-              <a:rPr lang="en-US" sz="800" dirty="0">
-                <a:latin typeface="Arial" panose="020B0604020202020204" pitchFamily="34" charset="0"/>
-                <a:cs typeface="Arial" panose="020B0604020202020204" pitchFamily="34" charset="0"/>
-              </a:rPr>
-              <a:t> </a:t>
-            </a:r>
-            <a:r>
-              <a:rPr lang="en-US" sz="800" dirty="0" err="1">
-                <a:latin typeface="Arial" panose="020B0604020202020204" pitchFamily="34" charset="0"/>
-                <a:cs typeface="Arial" panose="020B0604020202020204" pitchFamily="34" charset="0"/>
-              </a:rPr>
-              <a:t>fugiat</a:t>
-            </a:r>
-            <a:r>
-              <a:rPr lang="en-US" sz="800" dirty="0">
-                <a:latin typeface="Arial" panose="020B0604020202020204" pitchFamily="34" charset="0"/>
-                <a:cs typeface="Arial" panose="020B0604020202020204" pitchFamily="34" charset="0"/>
-              </a:rPr>
-              <a:t> </a:t>
-            </a:r>
-            <a:r>
-              <a:rPr lang="en-US" sz="800" dirty="0" err="1">
-                <a:latin typeface="Arial" panose="020B0604020202020204" pitchFamily="34" charset="0"/>
-                <a:cs typeface="Arial" panose="020B0604020202020204" pitchFamily="34" charset="0"/>
-              </a:rPr>
-              <a:t>nulla</a:t>
-            </a:r>
-            <a:r>
-              <a:rPr lang="en-US" sz="800" dirty="0">
-                <a:latin typeface="Arial" panose="020B0604020202020204" pitchFamily="34" charset="0"/>
-                <a:cs typeface="Arial" panose="020B0604020202020204" pitchFamily="34" charset="0"/>
-              </a:rPr>
-              <a:t> </a:t>
-            </a:r>
-            <a:r>
-              <a:rPr lang="en-US" sz="800" dirty="0" err="1">
-                <a:latin typeface="Arial" panose="020B0604020202020204" pitchFamily="34" charset="0"/>
-                <a:cs typeface="Arial" panose="020B0604020202020204" pitchFamily="34" charset="0"/>
-              </a:rPr>
-              <a:t>pariatur</a:t>
-            </a:r>
-            <a:r>
-              <a:rPr lang="en-US" sz="800" dirty="0">
-                <a:latin typeface="Arial" panose="020B0604020202020204" pitchFamily="34" charset="0"/>
-                <a:cs typeface="Arial" panose="020B0604020202020204" pitchFamily="34" charset="0"/>
-              </a:rPr>
-              <a:t>. </a:t>
-            </a:r>
-            <a:r>
-              <a:rPr lang="en-US" sz="800" dirty="0" err="1">
-                <a:latin typeface="Arial" panose="020B0604020202020204" pitchFamily="34" charset="0"/>
-                <a:cs typeface="Arial" panose="020B0604020202020204" pitchFamily="34" charset="0"/>
-              </a:rPr>
-              <a:t>Excepteur</a:t>
-            </a:r>
-            <a:r>
-              <a:rPr lang="en-US" sz="800" dirty="0">
-                <a:latin typeface="Arial" panose="020B0604020202020204" pitchFamily="34" charset="0"/>
-                <a:cs typeface="Arial" panose="020B0604020202020204" pitchFamily="34" charset="0"/>
-              </a:rPr>
-              <a:t> </a:t>
-            </a:r>
-            <a:r>
-              <a:rPr lang="en-US" sz="800" dirty="0" err="1">
-                <a:latin typeface="Arial" panose="020B0604020202020204" pitchFamily="34" charset="0"/>
-                <a:cs typeface="Arial" panose="020B0604020202020204" pitchFamily="34" charset="0"/>
-              </a:rPr>
-              <a:t>sint</a:t>
-            </a:r>
-            <a:r>
-              <a:rPr lang="en-US" sz="800" dirty="0">
-                <a:latin typeface="Arial" panose="020B0604020202020204" pitchFamily="34" charset="0"/>
-                <a:cs typeface="Arial" panose="020B0604020202020204" pitchFamily="34" charset="0"/>
-              </a:rPr>
-              <a:t> </a:t>
-            </a:r>
-            <a:r>
-              <a:rPr lang="en-US" sz="800" dirty="0" err="1">
-                <a:latin typeface="Arial" panose="020B0604020202020204" pitchFamily="34" charset="0"/>
-                <a:cs typeface="Arial" panose="020B0604020202020204" pitchFamily="34" charset="0"/>
-              </a:rPr>
-              <a:t>occaecat</a:t>
-            </a:r>
-            <a:r>
-              <a:rPr lang="en-US" sz="800" dirty="0">
-                <a:latin typeface="Arial" panose="020B0604020202020204" pitchFamily="34" charset="0"/>
-                <a:cs typeface="Arial" panose="020B0604020202020204" pitchFamily="34" charset="0"/>
-              </a:rPr>
-              <a:t> </a:t>
-            </a:r>
-            <a:r>
-              <a:rPr lang="en-US" sz="800" dirty="0" err="1">
-                <a:latin typeface="Arial" panose="020B0604020202020204" pitchFamily="34" charset="0"/>
-                <a:cs typeface="Arial" panose="020B0604020202020204" pitchFamily="34" charset="0"/>
-              </a:rPr>
-              <a:t>cupidatat</a:t>
-            </a:r>
-            <a:r>
-              <a:rPr lang="en-US" sz="800" dirty="0">
-                <a:latin typeface="Arial" panose="020B0604020202020204" pitchFamily="34" charset="0"/>
-                <a:cs typeface="Arial" panose="020B0604020202020204" pitchFamily="34" charset="0"/>
-              </a:rPr>
-              <a:t> non </a:t>
-            </a:r>
-            <a:r>
-              <a:rPr lang="en-US" sz="800" dirty="0" err="1">
-                <a:latin typeface="Arial" panose="020B0604020202020204" pitchFamily="34" charset="0"/>
-                <a:cs typeface="Arial" panose="020B0604020202020204" pitchFamily="34" charset="0"/>
-              </a:rPr>
-              <a:t>proident</a:t>
-            </a:r>
-            <a:r>
-              <a:rPr lang="en-US" sz="800" dirty="0">
-                <a:latin typeface="Arial" panose="020B0604020202020204" pitchFamily="34" charset="0"/>
-                <a:cs typeface="Arial" panose="020B0604020202020204" pitchFamily="34" charset="0"/>
-              </a:rPr>
-              <a:t>, sunt in culpa qui </a:t>
-            </a:r>
-            <a:r>
-              <a:rPr lang="en-US" sz="800" dirty="0" err="1">
-                <a:latin typeface="Arial" panose="020B0604020202020204" pitchFamily="34" charset="0"/>
-                <a:cs typeface="Arial" panose="020B0604020202020204" pitchFamily="34" charset="0"/>
-              </a:rPr>
-              <a:t>officia</a:t>
-            </a:r>
-            <a:r>
-              <a:rPr lang="en-US" sz="800" dirty="0">
-                <a:latin typeface="Arial" panose="020B0604020202020204" pitchFamily="34" charset="0"/>
-                <a:cs typeface="Arial" panose="020B0604020202020204" pitchFamily="34" charset="0"/>
-              </a:rPr>
-              <a:t> </a:t>
-            </a:r>
-            <a:r>
-              <a:rPr lang="en-US" sz="800" dirty="0" err="1">
-                <a:latin typeface="Arial" panose="020B0604020202020204" pitchFamily="34" charset="0"/>
-                <a:cs typeface="Arial" panose="020B0604020202020204" pitchFamily="34" charset="0"/>
-              </a:rPr>
-              <a:t>deserunt</a:t>
-            </a:r>
-            <a:r>
-              <a:rPr lang="en-US" sz="800" dirty="0">
-                <a:latin typeface="Arial" panose="020B0604020202020204" pitchFamily="34" charset="0"/>
-                <a:cs typeface="Arial" panose="020B0604020202020204" pitchFamily="34" charset="0"/>
-              </a:rPr>
-              <a:t> </a:t>
-            </a:r>
-            <a:r>
-              <a:rPr lang="en-US" sz="800" dirty="0" err="1">
-                <a:latin typeface="Arial" panose="020B0604020202020204" pitchFamily="34" charset="0"/>
-                <a:cs typeface="Arial" panose="020B0604020202020204" pitchFamily="34" charset="0"/>
-              </a:rPr>
-              <a:t>mollit</a:t>
-            </a:r>
-            <a:r>
-              <a:rPr lang="en-US" sz="800" dirty="0">
-                <a:latin typeface="Arial" panose="020B0604020202020204" pitchFamily="34" charset="0"/>
-                <a:cs typeface="Arial" panose="020B0604020202020204" pitchFamily="34" charset="0"/>
-              </a:rPr>
-              <a:t> </a:t>
-            </a:r>
-            <a:r>
-              <a:rPr lang="en-US" sz="800" dirty="0" err="1">
-                <a:latin typeface="Arial" panose="020B0604020202020204" pitchFamily="34" charset="0"/>
-                <a:cs typeface="Arial" panose="020B0604020202020204" pitchFamily="34" charset="0"/>
-              </a:rPr>
-              <a:t>anim</a:t>
-            </a:r>
-            <a:r>
-              <a:rPr lang="en-US" sz="800" dirty="0">
-                <a:latin typeface="Arial" panose="020B0604020202020204" pitchFamily="34" charset="0"/>
-                <a:cs typeface="Arial" panose="020B0604020202020204" pitchFamily="34" charset="0"/>
-              </a:rPr>
-              <a:t> id </a:t>
-            </a:r>
-            <a:r>
-              <a:rPr lang="en-US" sz="800" dirty="0" err="1">
-                <a:latin typeface="Arial" panose="020B0604020202020204" pitchFamily="34" charset="0"/>
-                <a:cs typeface="Arial" panose="020B0604020202020204" pitchFamily="34" charset="0"/>
-              </a:rPr>
-              <a:t>est</a:t>
-            </a:r>
-            <a:r>
-              <a:rPr lang="en-US" sz="800" dirty="0">
-                <a:latin typeface="Arial" panose="020B0604020202020204" pitchFamily="34" charset="0"/>
-                <a:cs typeface="Arial" panose="020B0604020202020204" pitchFamily="34" charset="0"/>
-              </a:rPr>
-              <a:t> </a:t>
-            </a:r>
-            <a:r>
-              <a:rPr lang="en-US" sz="800" dirty="0" err="1">
-                <a:latin typeface="Arial" panose="020B0604020202020204" pitchFamily="34" charset="0"/>
-                <a:cs typeface="Arial" panose="020B0604020202020204" pitchFamily="34" charset="0"/>
-              </a:rPr>
-              <a:t>laborum</a:t>
-            </a:r>
-            <a:r>
-              <a:rPr lang="en-US" sz="800" dirty="0">
-                <a:latin typeface="Arial" panose="020B0604020202020204" pitchFamily="34" charset="0"/>
-                <a:cs typeface="Arial" panose="020B0604020202020204" pitchFamily="34" charset="0"/>
-              </a:rPr>
-              <a:t>.</a:t>
-            </a:r>
-          </a:p>
-        </p:txBody>
-      </p:sp>
-      <p:sp>
-        <p:nvSpPr>
-          <p:cNvPr id="29" name="TextBox 28">
-            <a:extLst>
-              <a:ext uri="{FF2B5EF4-FFF2-40B4-BE49-F238E27FC236}">
-                <a16:creationId xmlns:a16="http://schemas.microsoft.com/office/drawing/2014/main" id="{C2CCD65E-4684-4D00-A1F9-2BE9569116AD}"/>
-              </a:ext>
-            </a:extLst>
-          </p:cNvPr>
-          <p:cNvSpPr txBox="1"/>
-          <p:nvPr/>
-        </p:nvSpPr>
-        <p:spPr>
-          <a:xfrm>
-            <a:off x="120462" y="5514050"/>
-            <a:ext cx="2872351" cy="1077218"/>
-          </a:xfrm>
-          <a:prstGeom prst="rect">
-            <a:avLst/>
-          </a:prstGeom>
-          <a:noFill/>
-        </p:spPr>
-        <p:txBody>
-          <a:bodyPr wrap="square" rtlCol="0">
-            <a:spAutoFit/>
-          </a:bodyPr>
-          <a:lstStyle>
-            <a:defPPr>
-              <a:defRPr lang="en-US"/>
-            </a:defPPr>
-            <a:lvl1pPr algn="just">
-              <a:defRPr sz="800">
-                <a:latin typeface="Arial" panose="020B0604020202020204" pitchFamily="34" charset="0"/>
-                <a:cs typeface="Arial" panose="020B0604020202020204" pitchFamily="34" charset="0"/>
-              </a:defRPr>
-            </a:lvl1pPr>
-          </a:lstStyle>
-          <a:p>
-            <a:r>
-              <a:rPr lang="en-US" dirty="0"/>
-              <a:t>Lorem ipsum dolor sit </a:t>
-            </a:r>
-            <a:r>
-              <a:rPr lang="en-US" dirty="0" err="1"/>
-              <a:t>amet</a:t>
-            </a:r>
-            <a:r>
-              <a:rPr lang="en-US" dirty="0"/>
-              <a:t>, </a:t>
-            </a:r>
-            <a:r>
-              <a:rPr lang="en-US" dirty="0" err="1"/>
-              <a:t>consectetur</a:t>
-            </a:r>
-            <a:r>
-              <a:rPr lang="en-US" dirty="0"/>
-              <a:t> </a:t>
-            </a:r>
-            <a:r>
-              <a:rPr lang="en-US" dirty="0" err="1"/>
-              <a:t>adipiscing</a:t>
-            </a:r>
-            <a:r>
-              <a:rPr lang="en-US" dirty="0"/>
-              <a:t> </a:t>
-            </a:r>
-            <a:r>
-              <a:rPr lang="en-US" dirty="0" err="1"/>
-              <a:t>elit</a:t>
-            </a:r>
-            <a:r>
-              <a:rPr lang="en-US" dirty="0"/>
-              <a:t>, sed do </a:t>
-            </a:r>
-            <a:r>
-              <a:rPr lang="en-US" dirty="0" err="1"/>
-              <a:t>eiusmod</a:t>
-            </a:r>
-            <a:r>
-              <a:rPr lang="en-US" dirty="0"/>
-              <a:t> </a:t>
-            </a:r>
-            <a:r>
-              <a:rPr lang="en-US" dirty="0" err="1"/>
-              <a:t>tempor</a:t>
-            </a:r>
-            <a:r>
-              <a:rPr lang="en-US" dirty="0"/>
-              <a:t> </a:t>
-            </a:r>
-            <a:r>
-              <a:rPr lang="en-US" dirty="0" err="1"/>
-              <a:t>incididunt</a:t>
-            </a:r>
-            <a:r>
-              <a:rPr lang="en-US" dirty="0"/>
-              <a:t> </a:t>
-            </a:r>
-            <a:r>
-              <a:rPr lang="en-US" dirty="0" err="1"/>
-              <a:t>ut</a:t>
-            </a:r>
-            <a:r>
-              <a:rPr lang="en-US" dirty="0"/>
-              <a:t> </a:t>
-            </a:r>
-            <a:r>
-              <a:rPr lang="en-US" dirty="0" err="1"/>
-              <a:t>labore</a:t>
-            </a:r>
-            <a:r>
-              <a:rPr lang="en-US" dirty="0"/>
-              <a:t> et dolore magna </a:t>
-            </a:r>
-            <a:r>
-              <a:rPr lang="en-US" dirty="0" err="1"/>
-              <a:t>aliqua</a:t>
-            </a:r>
-            <a:r>
-              <a:rPr lang="en-US" dirty="0"/>
-              <a:t>. Ut </a:t>
-            </a:r>
-            <a:r>
-              <a:rPr lang="en-US" dirty="0" err="1"/>
-              <a:t>enim</a:t>
-            </a:r>
-            <a:r>
-              <a:rPr lang="en-US" dirty="0"/>
-              <a:t> ad minim </a:t>
-            </a:r>
-            <a:r>
-              <a:rPr lang="en-US" dirty="0" err="1"/>
-              <a:t>veniam</a:t>
-            </a:r>
-            <a:r>
-              <a:rPr lang="en-US" dirty="0"/>
-              <a:t>, </a:t>
-            </a:r>
-            <a:r>
-              <a:rPr lang="en-US" dirty="0" err="1"/>
-              <a:t>quis</a:t>
-            </a:r>
-            <a:r>
-              <a:rPr lang="en-US" dirty="0"/>
-              <a:t> </a:t>
-            </a:r>
-            <a:r>
-              <a:rPr lang="en-US" dirty="0" err="1"/>
-              <a:t>nostrud</a:t>
-            </a:r>
-            <a:r>
-              <a:rPr lang="en-US" dirty="0"/>
-              <a:t> exercitation </a:t>
-            </a:r>
-            <a:r>
-              <a:rPr lang="en-US" dirty="0" err="1"/>
-              <a:t>ullamco</a:t>
-            </a:r>
-            <a:r>
-              <a:rPr lang="en-US" dirty="0"/>
-              <a:t> </a:t>
-            </a:r>
-            <a:r>
-              <a:rPr lang="en-US" dirty="0" err="1"/>
-              <a:t>laboris</a:t>
-            </a:r>
-            <a:r>
-              <a:rPr lang="en-US" dirty="0"/>
-              <a:t> nisi </a:t>
-            </a:r>
-            <a:r>
-              <a:rPr lang="en-US" dirty="0" err="1"/>
-              <a:t>ut</a:t>
-            </a:r>
-            <a:r>
-              <a:rPr lang="en-US" dirty="0"/>
-              <a:t> </a:t>
-            </a:r>
-            <a:r>
-              <a:rPr lang="en-US" dirty="0" err="1"/>
-              <a:t>aliquip</a:t>
-            </a:r>
-            <a:r>
-              <a:rPr lang="en-US" dirty="0"/>
-              <a:t> ex </a:t>
-            </a:r>
-            <a:r>
-              <a:rPr lang="en-US" dirty="0" err="1"/>
-              <a:t>ea</a:t>
-            </a:r>
-            <a:r>
-              <a:rPr lang="en-US" dirty="0"/>
-              <a:t> </a:t>
-            </a:r>
-            <a:r>
-              <a:rPr lang="en-US" dirty="0" err="1"/>
-              <a:t>commodo</a:t>
-            </a:r>
-            <a:r>
-              <a:rPr lang="en-US" dirty="0"/>
-              <a:t> </a:t>
-            </a:r>
-            <a:r>
-              <a:rPr lang="en-US" dirty="0" err="1"/>
-              <a:t>consequat</a:t>
-            </a:r>
-            <a:r>
-              <a:rPr lang="en-US" dirty="0"/>
-              <a:t>. Duis </a:t>
-            </a:r>
-            <a:r>
-              <a:rPr lang="en-US" dirty="0" err="1"/>
-              <a:t>aute</a:t>
-            </a:r>
-            <a:r>
-              <a:rPr lang="en-US" dirty="0"/>
-              <a:t> </a:t>
-            </a:r>
-            <a:r>
-              <a:rPr lang="en-US" dirty="0" err="1"/>
-              <a:t>irure</a:t>
-            </a:r>
-            <a:r>
-              <a:rPr lang="en-US" dirty="0"/>
-              <a:t> dolor in </a:t>
-            </a:r>
-            <a:r>
-              <a:rPr lang="en-US" dirty="0" err="1"/>
-              <a:t>reprehenderit</a:t>
-            </a:r>
-            <a:r>
-              <a:rPr lang="en-US" dirty="0"/>
-              <a:t> in </a:t>
-            </a:r>
-            <a:r>
-              <a:rPr lang="en-US" dirty="0" err="1"/>
-              <a:t>voluptate</a:t>
-            </a:r>
-            <a:r>
-              <a:rPr lang="en-US" dirty="0"/>
-              <a:t> </a:t>
-            </a:r>
-            <a:r>
-              <a:rPr lang="en-US" dirty="0" err="1"/>
-              <a:t>velit</a:t>
-            </a:r>
-            <a:r>
-              <a:rPr lang="en-US" dirty="0"/>
-              <a:t> </a:t>
-            </a:r>
-            <a:r>
-              <a:rPr lang="en-US" dirty="0" err="1"/>
-              <a:t>esse</a:t>
-            </a:r>
-            <a:r>
-              <a:rPr lang="en-US" dirty="0"/>
-              <a:t> </a:t>
-            </a:r>
-            <a:r>
-              <a:rPr lang="en-US" dirty="0" err="1"/>
-              <a:t>cillum</a:t>
-            </a:r>
-            <a:r>
-              <a:rPr lang="en-US" dirty="0"/>
-              <a:t> dolore </a:t>
-            </a:r>
-            <a:r>
-              <a:rPr lang="en-US" dirty="0" err="1"/>
-              <a:t>eu</a:t>
-            </a:r>
-            <a:r>
-              <a:rPr lang="en-US" dirty="0"/>
-              <a:t> </a:t>
-            </a:r>
-            <a:r>
-              <a:rPr lang="en-US" dirty="0" err="1"/>
-              <a:t>fugiat</a:t>
-            </a:r>
-            <a:r>
-              <a:rPr lang="en-US" dirty="0"/>
-              <a:t> </a:t>
-            </a:r>
-            <a:r>
-              <a:rPr lang="en-US" dirty="0" err="1"/>
-              <a:t>nulla</a:t>
-            </a:r>
-            <a:r>
-              <a:rPr lang="en-US" dirty="0"/>
-              <a:t> </a:t>
-            </a:r>
-            <a:r>
-              <a:rPr lang="en-US" dirty="0" err="1"/>
-              <a:t>pariatur</a:t>
-            </a:r>
-            <a:r>
-              <a:rPr lang="en-US" dirty="0"/>
-              <a:t>. </a:t>
-            </a:r>
-            <a:r>
-              <a:rPr lang="en-US" dirty="0" err="1"/>
-              <a:t>Excepteur</a:t>
-            </a:r>
-            <a:r>
-              <a:rPr lang="en-US" dirty="0"/>
-              <a:t> </a:t>
-            </a:r>
-            <a:r>
-              <a:rPr lang="en-US" dirty="0" err="1"/>
-              <a:t>sint</a:t>
-            </a:r>
-            <a:r>
-              <a:rPr lang="en-US" dirty="0"/>
-              <a:t> </a:t>
-            </a:r>
-            <a:r>
-              <a:rPr lang="en-US" dirty="0" err="1"/>
-              <a:t>occaecat</a:t>
-            </a:r>
-            <a:r>
-              <a:rPr lang="en-US" dirty="0"/>
-              <a:t> </a:t>
-            </a:r>
-            <a:r>
-              <a:rPr lang="en-US" dirty="0" err="1"/>
-              <a:t>cupidatat</a:t>
-            </a:r>
-            <a:r>
-              <a:rPr lang="en-US" dirty="0"/>
-              <a:t> non </a:t>
-            </a:r>
-            <a:r>
-              <a:rPr lang="en-US" dirty="0" err="1"/>
-              <a:t>proident</a:t>
-            </a:r>
-            <a:r>
-              <a:rPr lang="en-US" dirty="0"/>
-              <a:t>, sunt in culpa qui </a:t>
-            </a:r>
-            <a:r>
-              <a:rPr lang="en-US" dirty="0" err="1"/>
-              <a:t>officia</a:t>
-            </a:r>
-            <a:r>
-              <a:rPr lang="en-US" dirty="0"/>
-              <a:t> </a:t>
-            </a:r>
-            <a:r>
-              <a:rPr lang="en-US" dirty="0" err="1"/>
-              <a:t>deserunt</a:t>
-            </a:r>
-            <a:r>
-              <a:rPr lang="en-US" dirty="0"/>
-              <a:t> </a:t>
-            </a:r>
-            <a:r>
-              <a:rPr lang="en-US" dirty="0" err="1"/>
-              <a:t>mollit</a:t>
-            </a:r>
-            <a:r>
-              <a:rPr lang="en-US" dirty="0"/>
-              <a:t> </a:t>
-            </a:r>
-            <a:r>
-              <a:rPr lang="en-US" dirty="0" err="1"/>
-              <a:t>anim</a:t>
-            </a:r>
-            <a:r>
-              <a:rPr lang="en-US" dirty="0"/>
-              <a:t> id </a:t>
-            </a:r>
-            <a:r>
-              <a:rPr lang="en-US" dirty="0" err="1"/>
-              <a:t>est</a:t>
-            </a:r>
-            <a:r>
-              <a:rPr lang="en-US" dirty="0"/>
-              <a:t> </a:t>
-            </a:r>
-            <a:r>
-              <a:rPr lang="en-US" dirty="0" err="1"/>
-              <a:t>laborum</a:t>
-            </a:r>
-            <a:r>
-              <a:rPr lang="en-US" dirty="0"/>
-              <a:t>.</a:t>
-            </a:r>
-          </a:p>
-        </p:txBody>
-      </p:sp>
-      <p:sp>
-        <p:nvSpPr>
-          <p:cNvPr id="30" name="Rectangle: Rounded Corners 29">
-            <a:extLst>
-              <a:ext uri="{FF2B5EF4-FFF2-40B4-BE49-F238E27FC236}">
-                <a16:creationId xmlns:a16="http://schemas.microsoft.com/office/drawing/2014/main" id="{CD00C645-DF09-4D7A-9910-B0893EAC6674}"/>
+                <a16:creationId xmlns:a16="http://schemas.microsoft.com/office/drawing/2014/main" id="{6A5807F9-C345-4E6C-A5C1-EE9686B0701B}"/>
               </a:ext>
             </a:extLst>
           </p:cNvPr>
@@ -6060,8 +4547,8 @@
         </p:nvSpPr>
         <p:spPr>
           <a:xfrm>
-            <a:off x="3734259" y="2041929"/>
-            <a:ext cx="1645920" cy="192024"/>
+            <a:off x="6663697" y="4697220"/>
+            <a:ext cx="1828800" cy="190500"/>
           </a:xfrm>
           <a:prstGeom prst="roundRect">
             <a:avLst/>
@@ -6100,24 +4587,24 @@
           <a:p>
             <a:pPr algn="ctr"/>
             <a:r>
-              <a:rPr lang="en-US" sz="833" b="1" dirty="0">
+              <a:rPr lang="en-US" sz="800" b="1" dirty="0">
                 <a:solidFill>
                   <a:schemeClr val="bg1"/>
                 </a:solidFill>
                 <a:latin typeface="Arial" panose="020B0604020202020204" pitchFamily="34" charset="0"/>
                 <a:cs typeface="Arial" panose="020B0604020202020204" pitchFamily="34" charset="0"/>
               </a:rPr>
-              <a:t>Empirical Analysis</a:t>
-            </a:r>
-          </a:p>
-        </p:txBody>
-      </p:sp>
-      <p:sp>
-        <p:nvSpPr>
-          <p:cNvPr id="31" name="TextBox 30">
+              <a:t>Limitations and Future Work</a:t>
+            </a:r>
+          </a:p>
+        </p:txBody>
+      </p:sp>
+      <p:sp>
+        <p:nvSpPr>
+          <p:cNvPr id="65" name="TextBox 64">
             <a:extLst>
               <a:ext uri="{FF2B5EF4-FFF2-40B4-BE49-F238E27FC236}">
-                <a16:creationId xmlns:a16="http://schemas.microsoft.com/office/drawing/2014/main" id="{0E961488-C609-495E-87BF-20071ACBED8C}"/>
+                <a16:creationId xmlns:a16="http://schemas.microsoft.com/office/drawing/2014/main" id="{C10A9686-8FE7-4EDF-A5AB-D5C7949DCDB6}"/>
               </a:ext>
             </a:extLst>
           </p:cNvPr>
@@ -6126,8 +4613,240 @@
         </p:nvSpPr>
         <p:spPr>
           <a:xfrm>
-            <a:off x="3121043" y="2293973"/>
-            <a:ext cx="2872351" cy="584775"/>
+            <a:off x="6088543" y="6195476"/>
+            <a:ext cx="2872351" cy="523220"/>
+          </a:xfrm>
+          <a:prstGeom prst="rect">
+            <a:avLst/>
+          </a:prstGeom>
+          <a:noFill/>
+        </p:spPr>
+        <p:txBody>
+          <a:bodyPr wrap="square" rtlCol="0">
+            <a:spAutoFit/>
+          </a:bodyPr>
+          <a:lstStyle/>
+          <a:p>
+            <a:pPr marL="228600" indent="-228600">
+              <a:buFont typeface="+mj-lt"/>
+              <a:buAutoNum type="arabicPeriod"/>
+            </a:pPr>
+            <a:r>
+              <a:rPr lang="en-US" sz="700" dirty="0">
+                <a:latin typeface="Arial" panose="020B0604020202020204" pitchFamily="34" charset="0"/>
+                <a:cs typeface="Arial" panose="020B0604020202020204" pitchFamily="34" charset="0"/>
+              </a:rPr>
+              <a:t>Bond, Robert, and Solomon Messing. "Quantifying social media’s political space: Estimating ideology from publicly revealed preferences on Facebook." </a:t>
+            </a:r>
+            <a:r>
+              <a:rPr lang="en-US" sz="700" i="1" dirty="0">
+                <a:latin typeface="Arial" panose="020B0604020202020204" pitchFamily="34" charset="0"/>
+                <a:cs typeface="Arial" panose="020B0604020202020204" pitchFamily="34" charset="0"/>
+              </a:rPr>
+              <a:t>American Political Science Review </a:t>
+            </a:r>
+            <a:r>
+              <a:rPr lang="en-US" sz="700" dirty="0">
+                <a:latin typeface="Arial" panose="020B0604020202020204" pitchFamily="34" charset="0"/>
+                <a:cs typeface="Arial" panose="020B0604020202020204" pitchFamily="34" charset="0"/>
+              </a:rPr>
+              <a:t>109.1 (2015): 62-78.</a:t>
+            </a:r>
+          </a:p>
+        </p:txBody>
+      </p:sp>
+      <p:sp>
+        <p:nvSpPr>
+          <p:cNvPr id="66" name="TextBox 65">
+            <a:extLst>
+              <a:ext uri="{FF2B5EF4-FFF2-40B4-BE49-F238E27FC236}">
+                <a16:creationId xmlns:a16="http://schemas.microsoft.com/office/drawing/2014/main" id="{107B4872-728C-40AF-9FA1-6892B6B9B521}"/>
+              </a:ext>
+            </a:extLst>
+          </p:cNvPr>
+          <p:cNvSpPr txBox="1"/>
+          <p:nvPr/>
+        </p:nvSpPr>
+        <p:spPr>
+          <a:xfrm>
+            <a:off x="6080221" y="4879827"/>
+            <a:ext cx="2872351" cy="1200329"/>
+          </a:xfrm>
+          <a:prstGeom prst="rect">
+            <a:avLst/>
+          </a:prstGeom>
+          <a:noFill/>
+        </p:spPr>
+        <p:txBody>
+          <a:bodyPr wrap="square" rtlCol="0">
+            <a:spAutoFit/>
+          </a:bodyPr>
+          <a:lstStyle/>
+          <a:p>
+            <a:pPr marL="171450" indent="-171450" algn="just">
+              <a:buFont typeface="Arial" panose="020B0604020202020204" pitchFamily="34" charset="0"/>
+              <a:buChar char="•"/>
+            </a:pPr>
+            <a:r>
+              <a:rPr lang="en-US" sz="800" b="1" dirty="0">
+                <a:latin typeface="Arial" panose="020B0604020202020204" pitchFamily="34" charset="0"/>
+                <a:cs typeface="Arial" panose="020B0604020202020204" pitchFamily="34" charset="0"/>
+              </a:rPr>
+              <a:t>Data collection: </a:t>
+            </a:r>
+            <a:r>
+              <a:rPr lang="en-US" sz="800" dirty="0">
+                <a:latin typeface="Arial" panose="020B0604020202020204" pitchFamily="34" charset="0"/>
+                <a:cs typeface="Arial" panose="020B0604020202020204" pitchFamily="34" charset="0"/>
+              </a:rPr>
+              <a:t>Tweets were collected following the outbreak of COVID-19. Future work would limit the data to tweets posted prior to the outbreak</a:t>
+            </a:r>
+          </a:p>
+          <a:p>
+            <a:pPr marL="171450" indent="-171450" algn="just">
+              <a:buFont typeface="Arial" panose="020B0604020202020204" pitchFamily="34" charset="0"/>
+              <a:buChar char="•"/>
+            </a:pPr>
+            <a:r>
+              <a:rPr lang="en-US" sz="800" b="1" dirty="0">
+                <a:latin typeface="Arial" panose="020B0604020202020204" pitchFamily="34" charset="0"/>
+                <a:cs typeface="Arial" panose="020B0604020202020204" pitchFamily="34" charset="0"/>
+              </a:rPr>
+              <a:t>Overlap between candidates: </a:t>
+            </a:r>
+            <a:r>
+              <a:rPr lang="en-US" sz="800" dirty="0">
+                <a:latin typeface="Arial" panose="020B0604020202020204" pitchFamily="34" charset="0"/>
+                <a:cs typeface="Arial" panose="020B0604020202020204" pitchFamily="34" charset="0"/>
+              </a:rPr>
+              <a:t>Future work would consider alternate data sources (e.g. Reddit) where political affiliation may be more easily distinguishable</a:t>
+            </a:r>
+          </a:p>
+          <a:p>
+            <a:pPr marL="171450" indent="-171450" algn="just">
+              <a:buFont typeface="Arial" panose="020B0604020202020204" pitchFamily="34" charset="0"/>
+              <a:buChar char="•"/>
+            </a:pPr>
+            <a:r>
+              <a:rPr lang="en-US" sz="800" b="1" dirty="0">
+                <a:latin typeface="Arial" panose="020B0604020202020204" pitchFamily="34" charset="0"/>
+                <a:cs typeface="Arial" panose="020B0604020202020204" pitchFamily="34" charset="0"/>
+              </a:rPr>
+              <a:t>Sample bias: </a:t>
+            </a:r>
+            <a:r>
+              <a:rPr lang="en-US" sz="800" dirty="0">
+                <a:latin typeface="Arial" panose="020B0604020202020204" pitchFamily="34" charset="0"/>
+                <a:cs typeface="Arial" panose="020B0604020202020204" pitchFamily="34" charset="0"/>
+              </a:rPr>
+              <a:t>The ideological distribution of Twitter users is not uniform. Future work would cross-reference election contribution databases to determine ideology</a:t>
+            </a:r>
+            <a:endParaRPr lang="en-US" sz="800" b="1" dirty="0">
+              <a:latin typeface="Arial" panose="020B0604020202020204" pitchFamily="34" charset="0"/>
+              <a:cs typeface="Arial" panose="020B0604020202020204" pitchFamily="34" charset="0"/>
+            </a:endParaRPr>
+          </a:p>
+        </p:txBody>
+      </p:sp>
+      <p:pic>
+        <p:nvPicPr>
+          <p:cNvPr id="79" name="Picture 2" descr="Twitter logo">
+            <a:extLst>
+              <a:ext uri="{FF2B5EF4-FFF2-40B4-BE49-F238E27FC236}">
+                <a16:creationId xmlns:a16="http://schemas.microsoft.com/office/drawing/2014/main" id="{0A273365-28F1-40E9-9C37-215AA314554F}"/>
+              </a:ext>
+            </a:extLst>
+          </p:cNvPr>
+          <p:cNvPicPr>
+            <a:picLocks noChangeAspect="1" noChangeArrowheads="1"/>
+          </p:cNvPicPr>
+          <p:nvPr/>
+        </p:nvPicPr>
+        <p:blipFill>
+          <a:blip r:embed="rId9">
+            <a:extLst>
+              <a:ext uri="{28A0092B-C50C-407E-A947-70E740481C1C}">
+                <a14:useLocalDpi xmlns:a14="http://schemas.microsoft.com/office/drawing/2010/main" val="0"/>
+              </a:ext>
+            </a:extLst>
+          </a:blip>
+          <a:srcRect/>
+          <a:stretch>
+            <a:fillRect/>
+          </a:stretch>
+        </p:blipFill>
+        <p:spPr bwMode="auto">
+          <a:xfrm>
+            <a:off x="358124" y="217984"/>
+            <a:ext cx="489270" cy="489497"/>
+          </a:xfrm>
+          <a:prstGeom prst="rect">
+            <a:avLst/>
+          </a:prstGeom>
+          <a:noFill/>
+          <a:extLst>
+            <a:ext uri="{909E8E84-426E-40DD-AFC4-6F175D3DCCD1}">
+              <a14:hiddenFill xmlns:a14="http://schemas.microsoft.com/office/drawing/2010/main">
+                <a:solidFill>
+                  <a:srgbClr val="FFFFFF"/>
+                </a:solidFill>
+              </a14:hiddenFill>
+            </a:ext>
+          </a:extLst>
+        </p:spPr>
+      </p:pic>
+      <p:pic>
+        <p:nvPicPr>
+          <p:cNvPr id="83" name="Picture 82">
+            <a:extLst>
+              <a:ext uri="{FF2B5EF4-FFF2-40B4-BE49-F238E27FC236}">
+                <a16:creationId xmlns:a16="http://schemas.microsoft.com/office/drawing/2014/main" id="{957F60B6-70BF-4896-9022-6C08047A4F75}"/>
+              </a:ext>
+            </a:extLst>
+          </p:cNvPr>
+          <p:cNvPicPr>
+            <a:picLocks noChangeAspect="1"/>
+          </p:cNvPicPr>
+          <p:nvPr/>
+        </p:nvPicPr>
+        <p:blipFill>
+          <a:blip r:embed="rId10">
+            <a:extLst>
+              <a:ext uri="{28A0092B-C50C-407E-A947-70E740481C1C}">
+                <a14:useLocalDpi xmlns:a14="http://schemas.microsoft.com/office/drawing/2010/main" val="0"/>
+              </a:ext>
+            </a:extLst>
+          </a:blip>
+          <a:stretch>
+            <a:fillRect/>
+          </a:stretch>
+        </p:blipFill>
+        <p:spPr>
+          <a:xfrm>
+            <a:off x="6192469" y="1534860"/>
+            <a:ext cx="2743200" cy="1828800"/>
+          </a:xfrm>
+          <a:prstGeom prst="rect">
+            <a:avLst/>
+          </a:prstGeom>
+        </p:spPr>
+      </p:pic>
+      <p:sp>
+        <p:nvSpPr>
+          <p:cNvPr id="85" name="TextBox 84">
+            <a:extLst>
+              <a:ext uri="{FF2B5EF4-FFF2-40B4-BE49-F238E27FC236}">
+                <a16:creationId xmlns:a16="http://schemas.microsoft.com/office/drawing/2014/main" id="{2F318FE5-226F-4089-AEA6-AB9B163027A3}"/>
+              </a:ext>
+            </a:extLst>
+          </p:cNvPr>
+          <p:cNvSpPr txBox="1"/>
+          <p:nvPr/>
+        </p:nvSpPr>
+        <p:spPr>
+          <a:xfrm>
+            <a:off x="6080222" y="1097548"/>
+            <a:ext cx="2872351" cy="461665"/>
           </a:xfrm>
           <a:prstGeom prst="rect">
             <a:avLst/>
@@ -6156,7 +4875,7 @@
             </a:pPr>
             <a:r>
               <a:rPr lang="en-US" dirty="0"/>
-              <a:t>Bullet point</a:t>
+              <a:t>Average sentiment for all tweets, negative tweets, and positive tweets by followers of candidates shown below</a:t>
             </a:r>
           </a:p>
           <a:p>
@@ -6166,37 +4885,25 @@
             </a:pPr>
             <a:r>
               <a:rPr lang="en-US" dirty="0"/>
-              <a:t>Bullet point</a:t>
-            </a:r>
-          </a:p>
-          <a:p>
-            <a:pPr marL="171450" indent="-171450">
-              <a:buFont typeface="Arial" panose="020B0604020202020204" pitchFamily="34" charset="0"/>
-              <a:buChar char="•"/>
-            </a:pPr>
+              <a:t>Combination of Vader and </a:t>
+            </a:r>
+            <a:r>
+              <a:rPr lang="en-US" dirty="0" err="1"/>
+              <a:t>TextBlob</a:t>
+            </a:r>
             <a:r>
               <a:rPr lang="en-US" dirty="0"/>
-              <a:t>Bullet point</a:t>
-            </a:r>
-          </a:p>
-          <a:p>
-            <a:pPr marL="171450" indent="-171450">
-              <a:buFont typeface="Arial" panose="020B0604020202020204" pitchFamily="34" charset="0"/>
-              <a:buChar char="•"/>
-            </a:pPr>
-            <a:r>
-              <a:rPr lang="en-US" dirty="0"/>
-              <a:t>Bullet point</a:t>
-            </a:r>
-          </a:p>
-        </p:txBody>
-      </p:sp>
-      <p:sp>
-        <p:nvSpPr>
-          <p:cNvPr id="34" name="TextBox 33">
+              <a:t> results</a:t>
+            </a:r>
+          </a:p>
+        </p:txBody>
+      </p:sp>
+      <p:sp>
+        <p:nvSpPr>
+          <p:cNvPr id="87" name="TextBox 86">
             <a:extLst>
               <a:ext uri="{FF2B5EF4-FFF2-40B4-BE49-F238E27FC236}">
-                <a16:creationId xmlns:a16="http://schemas.microsoft.com/office/drawing/2014/main" id="{1C654109-E22F-48CF-A4CE-E2F22E0AF48C}"/>
+                <a16:creationId xmlns:a16="http://schemas.microsoft.com/office/drawing/2014/main" id="{A6ABF8A1-18EC-4923-9BE6-420877EBC7AC}"/>
               </a:ext>
             </a:extLst>
           </p:cNvPr>
@@ -6205,197 +4912,8 @@
         </p:nvSpPr>
         <p:spPr>
           <a:xfrm>
-            <a:off x="6112852" y="918559"/>
-            <a:ext cx="2872351" cy="707886"/>
-          </a:xfrm>
-          <a:prstGeom prst="rect">
-            <a:avLst/>
-          </a:prstGeom>
-          <a:noFill/>
-        </p:spPr>
-        <p:txBody>
-          <a:bodyPr wrap="square" rtlCol="0">
-            <a:spAutoFit/>
-          </a:bodyPr>
-          <a:lstStyle/>
-          <a:p>
-            <a:pPr algn="just"/>
-            <a:r>
-              <a:rPr lang="en-US" sz="800" dirty="0">
-                <a:latin typeface="Arial" panose="020B0604020202020204" pitchFamily="34" charset="0"/>
-                <a:cs typeface="Arial" panose="020B0604020202020204" pitchFamily="34" charset="0"/>
-              </a:rPr>
-              <a:t>Bullet points</a:t>
-            </a:r>
-          </a:p>
-          <a:p>
-            <a:pPr algn="just"/>
-            <a:r>
-              <a:rPr lang="en-US" sz="800" dirty="0">
-                <a:latin typeface="Arial" panose="020B0604020202020204" pitchFamily="34" charset="0"/>
-                <a:cs typeface="Arial" panose="020B0604020202020204" pitchFamily="34" charset="0"/>
-              </a:rPr>
-              <a:t>Bullet points</a:t>
-            </a:r>
-          </a:p>
-          <a:p>
-            <a:pPr algn="just"/>
-            <a:r>
-              <a:rPr lang="en-US" sz="800" dirty="0">
-                <a:latin typeface="Arial" panose="020B0604020202020204" pitchFamily="34" charset="0"/>
-                <a:cs typeface="Arial" panose="020B0604020202020204" pitchFamily="34" charset="0"/>
-              </a:rPr>
-              <a:t>Bullet points</a:t>
-            </a:r>
-          </a:p>
-          <a:p>
-            <a:pPr algn="just"/>
-            <a:r>
-              <a:rPr lang="en-US" sz="800" dirty="0">
-                <a:latin typeface="Arial" panose="020B0604020202020204" pitchFamily="34" charset="0"/>
-                <a:cs typeface="Arial" panose="020B0604020202020204" pitchFamily="34" charset="0"/>
-              </a:rPr>
-              <a:t>Bullet points</a:t>
-            </a:r>
-          </a:p>
-          <a:p>
-            <a:pPr algn="just"/>
-            <a:r>
-              <a:rPr lang="en-US" sz="800" dirty="0">
-                <a:latin typeface="Arial" panose="020B0604020202020204" pitchFamily="34" charset="0"/>
-                <a:cs typeface="Arial" panose="020B0604020202020204" pitchFamily="34" charset="0"/>
-              </a:rPr>
-              <a:t>Bullet points</a:t>
-            </a:r>
-          </a:p>
-        </p:txBody>
-      </p:sp>
-      <p:sp>
-        <p:nvSpPr>
-          <p:cNvPr id="36" name="Heart 35">
-            <a:extLst>
-              <a:ext uri="{FF2B5EF4-FFF2-40B4-BE49-F238E27FC236}">
-                <a16:creationId xmlns:a16="http://schemas.microsoft.com/office/drawing/2014/main" id="{7017A7CD-F44D-45EB-94AD-2DDC5B58391F}"/>
-              </a:ext>
-            </a:extLst>
-          </p:cNvPr>
-          <p:cNvSpPr/>
-          <p:nvPr/>
-        </p:nvSpPr>
-        <p:spPr>
-          <a:xfrm>
-            <a:off x="6281479" y="1782871"/>
-            <a:ext cx="1285842" cy="534572"/>
-          </a:xfrm>
-          <a:prstGeom prst="heart">
-            <a:avLst/>
-          </a:prstGeom>
-        </p:spPr>
-        <p:style>
-          <a:lnRef idx="2">
-            <a:schemeClr val="accent1">
-              <a:shade val="50000"/>
-            </a:schemeClr>
-          </a:lnRef>
-          <a:fillRef idx="1">
-            <a:schemeClr val="accent1"/>
-          </a:fillRef>
-          <a:effectRef idx="0">
-            <a:schemeClr val="accent1"/>
-          </a:effectRef>
-          <a:fontRef idx="minor">
-            <a:schemeClr val="lt1"/>
-          </a:fontRef>
-        </p:style>
-        <p:txBody>
-          <a:bodyPr rtlCol="0" anchor="ctr"/>
-          <a:lstStyle/>
-          <a:p>
-            <a:pPr algn="ctr"/>
-            <a:r>
-              <a:rPr lang="en-US" dirty="0">
-                <a:solidFill>
-                  <a:srgbClr val="FF0000"/>
-                </a:solidFill>
-                <a:latin typeface="Arial" panose="020B0604020202020204" pitchFamily="34" charset="0"/>
-                <a:cs typeface="Arial" panose="020B0604020202020204" pitchFamily="34" charset="0"/>
-              </a:rPr>
-              <a:t>Put Chart</a:t>
-            </a:r>
-          </a:p>
-        </p:txBody>
-      </p:sp>
-      <p:sp>
-        <p:nvSpPr>
-          <p:cNvPr id="37" name="Heart 36">
-            <a:extLst>
-              <a:ext uri="{FF2B5EF4-FFF2-40B4-BE49-F238E27FC236}">
-                <a16:creationId xmlns:a16="http://schemas.microsoft.com/office/drawing/2014/main" id="{D19B12E3-CA7A-4053-924F-BCF4B92C125D}"/>
-              </a:ext>
-            </a:extLst>
-          </p:cNvPr>
-          <p:cNvSpPr/>
-          <p:nvPr/>
-        </p:nvSpPr>
-        <p:spPr>
-          <a:xfrm>
-            <a:off x="6217810" y="3205591"/>
-            <a:ext cx="1349511" cy="534572"/>
-          </a:xfrm>
-          <a:prstGeom prst="heart">
-            <a:avLst/>
-          </a:prstGeom>
-        </p:spPr>
-        <p:style>
-          <a:lnRef idx="2">
-            <a:schemeClr val="accent1">
-              <a:shade val="50000"/>
-            </a:schemeClr>
-          </a:lnRef>
-          <a:fillRef idx="1">
-            <a:schemeClr val="accent1"/>
-          </a:fillRef>
-          <a:effectRef idx="0">
-            <a:schemeClr val="accent1"/>
-          </a:effectRef>
-          <a:fontRef idx="minor">
-            <a:schemeClr val="lt1"/>
-          </a:fontRef>
-        </p:style>
-        <p:txBody>
-          <a:bodyPr rtlCol="0" anchor="ctr"/>
-          <a:lstStyle/>
-          <a:p>
-            <a:pPr algn="ctr"/>
-            <a:r>
-              <a:rPr lang="en-US" dirty="0">
-                <a:solidFill>
-                  <a:srgbClr val="FF0000"/>
-                </a:solidFill>
-                <a:latin typeface="Arial" panose="020B0604020202020204" pitchFamily="34" charset="0"/>
-                <a:cs typeface="Arial" panose="020B0604020202020204" pitchFamily="34" charset="0"/>
-              </a:rPr>
-              <a:t>Word cloud</a:t>
-            </a:r>
-          </a:p>
-        </p:txBody>
-      </p:sp>
-      <p:sp>
-        <p:nvSpPr>
-          <p:cNvPr id="38" name="TextBox 37">
-            <a:extLst>
-              <a:ext uri="{FF2B5EF4-FFF2-40B4-BE49-F238E27FC236}">
-                <a16:creationId xmlns:a16="http://schemas.microsoft.com/office/drawing/2014/main" id="{E2EFA1C8-C4F8-49AE-A1F4-683851D27252}"/>
-              </a:ext>
-            </a:extLst>
-          </p:cNvPr>
-          <p:cNvSpPr txBox="1"/>
-          <p:nvPr/>
-        </p:nvSpPr>
-        <p:spPr>
-          <a:xfrm>
-            <a:off x="3124370" y="908446"/>
-            <a:ext cx="2872351" cy="1077218"/>
+            <a:off x="6097229" y="3308580"/>
+            <a:ext cx="2872351" cy="461665"/>
           </a:xfrm>
           <a:prstGeom prst="rect">
             <a:avLst/>
@@ -6418,363 +4936,23 @@
             </a:lvl1pPr>
           </a:lstStyle>
           <a:p>
+            <a:pPr marL="171450" indent="-171450">
+              <a:buFont typeface="Arial" panose="020B0604020202020204" pitchFamily="34" charset="0"/>
+              <a:buChar char="•"/>
+            </a:pPr>
             <a:r>
               <a:rPr lang="en-US" dirty="0"/>
-              <a:t>Lorem ipsum dolor sit </a:t>
-            </a:r>
-            <a:r>
-              <a:rPr lang="en-US" dirty="0" err="1"/>
-              <a:t>amet</a:t>
-            </a:r>
-            <a:r>
-              <a:rPr lang="en-US" dirty="0"/>
-              <a:t>, </a:t>
-            </a:r>
-            <a:r>
-              <a:rPr lang="en-US" dirty="0" err="1"/>
-              <a:t>consectetur</a:t>
-            </a:r>
-            <a:r>
-              <a:rPr lang="en-US" dirty="0"/>
-              <a:t> </a:t>
-            </a:r>
-            <a:r>
-              <a:rPr lang="en-US" dirty="0" err="1"/>
-              <a:t>adipiscing</a:t>
-            </a:r>
-            <a:r>
-              <a:rPr lang="en-US" dirty="0"/>
-              <a:t> </a:t>
-            </a:r>
-            <a:r>
-              <a:rPr lang="en-US" dirty="0" err="1"/>
-              <a:t>elit</a:t>
-            </a:r>
-            <a:r>
-              <a:rPr lang="en-US" dirty="0"/>
-              <a:t>, sed do </a:t>
-            </a:r>
-            <a:r>
-              <a:rPr lang="en-US" dirty="0" err="1"/>
-              <a:t>eiusmod</a:t>
-            </a:r>
-            <a:r>
-              <a:rPr lang="en-US" dirty="0"/>
-              <a:t> </a:t>
-            </a:r>
-            <a:r>
-              <a:rPr lang="en-US" dirty="0" err="1"/>
-              <a:t>tempor</a:t>
-            </a:r>
-            <a:r>
-              <a:rPr lang="en-US" dirty="0"/>
-              <a:t> </a:t>
-            </a:r>
-            <a:r>
-              <a:rPr lang="en-US" dirty="0" err="1"/>
-              <a:t>incididunt</a:t>
-            </a:r>
-            <a:r>
-              <a:rPr lang="en-US" dirty="0"/>
-              <a:t> </a:t>
-            </a:r>
-            <a:r>
-              <a:rPr lang="en-US" dirty="0" err="1"/>
-              <a:t>ut</a:t>
-            </a:r>
-            <a:r>
-              <a:rPr lang="en-US" dirty="0"/>
-              <a:t> </a:t>
-            </a:r>
-            <a:r>
-              <a:rPr lang="en-US" dirty="0" err="1"/>
-              <a:t>labore</a:t>
-            </a:r>
-            <a:r>
-              <a:rPr lang="en-US" dirty="0"/>
-              <a:t> et dolore magna </a:t>
-            </a:r>
-            <a:r>
-              <a:rPr lang="en-US" dirty="0" err="1"/>
-              <a:t>aliqua</a:t>
-            </a:r>
-            <a:r>
-              <a:rPr lang="en-US" dirty="0"/>
-              <a:t>. Ut </a:t>
-            </a:r>
-            <a:r>
-              <a:rPr lang="en-US" dirty="0" err="1"/>
-              <a:t>enim</a:t>
-            </a:r>
-            <a:r>
-              <a:rPr lang="en-US" dirty="0"/>
-              <a:t> ad minim </a:t>
-            </a:r>
-            <a:r>
-              <a:rPr lang="en-US" dirty="0" err="1"/>
-              <a:t>veniam</a:t>
-            </a:r>
-            <a:r>
-              <a:rPr lang="en-US" dirty="0"/>
-              <a:t>, </a:t>
-            </a:r>
-            <a:r>
-              <a:rPr lang="en-US" dirty="0" err="1"/>
-              <a:t>quis</a:t>
-            </a:r>
-            <a:r>
-              <a:rPr lang="en-US" dirty="0"/>
-              <a:t> </a:t>
-            </a:r>
-            <a:r>
-              <a:rPr lang="en-US" dirty="0" err="1"/>
-              <a:t>nostrud</a:t>
-            </a:r>
-            <a:r>
-              <a:rPr lang="en-US" dirty="0"/>
-              <a:t> exercitation </a:t>
-            </a:r>
-            <a:r>
-              <a:rPr lang="en-US" dirty="0" err="1"/>
-              <a:t>ullamco</a:t>
-            </a:r>
-            <a:r>
-              <a:rPr lang="en-US" dirty="0"/>
-              <a:t> </a:t>
-            </a:r>
-            <a:r>
-              <a:rPr lang="en-US" dirty="0" err="1"/>
-              <a:t>laboris</a:t>
-            </a:r>
-            <a:r>
-              <a:rPr lang="en-US" dirty="0"/>
-              <a:t> nisi </a:t>
-            </a:r>
-            <a:r>
-              <a:rPr lang="en-US" dirty="0" err="1"/>
-              <a:t>ut</a:t>
-            </a:r>
-            <a:r>
-              <a:rPr lang="en-US" dirty="0"/>
-              <a:t> </a:t>
-            </a:r>
-            <a:r>
-              <a:rPr lang="en-US" dirty="0" err="1"/>
-              <a:t>aliquip</a:t>
-            </a:r>
-            <a:r>
-              <a:rPr lang="en-US" dirty="0"/>
-              <a:t> ex </a:t>
-            </a:r>
-            <a:r>
-              <a:rPr lang="en-US" dirty="0" err="1"/>
-              <a:t>ea</a:t>
-            </a:r>
-            <a:r>
-              <a:rPr lang="en-US" dirty="0"/>
-              <a:t> </a:t>
-            </a:r>
-            <a:r>
-              <a:rPr lang="en-US" dirty="0" err="1"/>
-              <a:t>commodo</a:t>
-            </a:r>
-            <a:r>
-              <a:rPr lang="en-US" dirty="0"/>
-              <a:t> </a:t>
-            </a:r>
-            <a:r>
-              <a:rPr lang="en-US" dirty="0" err="1"/>
-              <a:t>consequat</a:t>
-            </a:r>
-            <a:r>
-              <a:rPr lang="en-US" dirty="0"/>
-              <a:t>. Duis </a:t>
-            </a:r>
-            <a:r>
-              <a:rPr lang="en-US" dirty="0" err="1"/>
-              <a:t>aute</a:t>
-            </a:r>
-            <a:r>
-              <a:rPr lang="en-US" dirty="0"/>
-              <a:t> </a:t>
-            </a:r>
-            <a:r>
-              <a:rPr lang="en-US" dirty="0" err="1"/>
-              <a:t>irure</a:t>
-            </a:r>
-            <a:r>
-              <a:rPr lang="en-US" dirty="0"/>
-              <a:t> dolor in </a:t>
-            </a:r>
-            <a:r>
-              <a:rPr lang="en-US" dirty="0" err="1"/>
-              <a:t>reprehenderit</a:t>
-            </a:r>
-            <a:r>
-              <a:rPr lang="en-US" dirty="0"/>
-              <a:t> in </a:t>
-            </a:r>
-            <a:r>
-              <a:rPr lang="en-US" dirty="0" err="1"/>
-              <a:t>voluptate</a:t>
-            </a:r>
-            <a:r>
-              <a:rPr lang="en-US" dirty="0"/>
-              <a:t> </a:t>
-            </a:r>
-            <a:r>
-              <a:rPr lang="en-US" dirty="0" err="1"/>
-              <a:t>velit</a:t>
-            </a:r>
-            <a:r>
-              <a:rPr lang="en-US" dirty="0"/>
-              <a:t> </a:t>
-            </a:r>
-            <a:r>
-              <a:rPr lang="en-US" dirty="0" err="1"/>
-              <a:t>esse</a:t>
-            </a:r>
-            <a:r>
-              <a:rPr lang="en-US" dirty="0"/>
-              <a:t> </a:t>
-            </a:r>
-            <a:r>
-              <a:rPr lang="en-US" dirty="0" err="1"/>
-              <a:t>cillum</a:t>
-            </a:r>
-            <a:r>
-              <a:rPr lang="en-US" dirty="0"/>
-              <a:t> dolore </a:t>
-            </a:r>
-            <a:r>
-              <a:rPr lang="en-US" dirty="0" err="1"/>
-              <a:t>eu</a:t>
-            </a:r>
-            <a:r>
-              <a:rPr lang="en-US" dirty="0"/>
-              <a:t> </a:t>
-            </a:r>
-            <a:r>
-              <a:rPr lang="en-US" dirty="0" err="1"/>
-              <a:t>fugiat</a:t>
-            </a:r>
-            <a:r>
-              <a:rPr lang="en-US" dirty="0"/>
-              <a:t> </a:t>
-            </a:r>
-            <a:r>
-              <a:rPr lang="en-US" dirty="0" err="1"/>
-              <a:t>nulla</a:t>
-            </a:r>
-            <a:r>
-              <a:rPr lang="en-US" dirty="0"/>
-              <a:t> </a:t>
-            </a:r>
-            <a:r>
-              <a:rPr lang="en-US" dirty="0" err="1"/>
-              <a:t>pariatur</a:t>
-            </a:r>
-            <a:r>
-              <a:rPr lang="en-US" dirty="0"/>
-              <a:t>. </a:t>
-            </a:r>
-            <a:r>
-              <a:rPr lang="en-US" dirty="0" err="1"/>
-              <a:t>Excepteur</a:t>
-            </a:r>
-            <a:r>
-              <a:rPr lang="en-US" dirty="0"/>
-              <a:t> </a:t>
-            </a:r>
-            <a:r>
-              <a:rPr lang="en-US" dirty="0" err="1"/>
-              <a:t>sint</a:t>
-            </a:r>
-            <a:r>
-              <a:rPr lang="en-US" dirty="0"/>
-              <a:t> </a:t>
-            </a:r>
-            <a:r>
-              <a:rPr lang="en-US" dirty="0" err="1"/>
-              <a:t>occaecat</a:t>
-            </a:r>
-            <a:r>
-              <a:rPr lang="en-US" dirty="0"/>
-              <a:t> </a:t>
-            </a:r>
-            <a:r>
-              <a:rPr lang="en-US" dirty="0" err="1"/>
-              <a:t>cupidatat</a:t>
-            </a:r>
-            <a:r>
-              <a:rPr lang="en-US" dirty="0"/>
-              <a:t> non </a:t>
-            </a:r>
-            <a:r>
-              <a:rPr lang="en-US" dirty="0" err="1"/>
-              <a:t>proident</a:t>
-            </a:r>
-            <a:r>
-              <a:rPr lang="en-US" dirty="0"/>
-              <a:t>, sunt in culpa qui </a:t>
-            </a:r>
-            <a:r>
-              <a:rPr lang="en-US" dirty="0" err="1"/>
-              <a:t>officia</a:t>
-            </a:r>
-            <a:r>
-              <a:rPr lang="en-US" dirty="0"/>
-              <a:t> </a:t>
-            </a:r>
-            <a:r>
-              <a:rPr lang="en-US" dirty="0" err="1"/>
-              <a:t>deserunt</a:t>
-            </a:r>
-            <a:r>
-              <a:rPr lang="en-US" dirty="0"/>
-              <a:t> </a:t>
-            </a:r>
-            <a:r>
-              <a:rPr lang="en-US" dirty="0" err="1"/>
-              <a:t>mollit</a:t>
-            </a:r>
-            <a:r>
-              <a:rPr lang="en-US" dirty="0"/>
-              <a:t> </a:t>
-            </a:r>
-            <a:r>
-              <a:rPr lang="en-US" dirty="0" err="1"/>
-              <a:t>anim</a:t>
-            </a:r>
-            <a:r>
-              <a:rPr lang="en-US" dirty="0"/>
-              <a:t> id </a:t>
-            </a:r>
-            <a:r>
-              <a:rPr lang="en-US" dirty="0" err="1"/>
-              <a:t>est</a:t>
-            </a:r>
-            <a:r>
-              <a:rPr lang="en-US" dirty="0"/>
-              <a:t> </a:t>
-            </a:r>
-            <a:r>
-              <a:rPr lang="en-US" dirty="0" err="1"/>
-              <a:t>laborum</a:t>
-            </a:r>
-            <a:r>
-              <a:rPr lang="en-US" dirty="0"/>
-              <a:t>.</a:t>
-            </a:r>
-          </a:p>
-        </p:txBody>
-      </p:sp>
-      <p:sp>
-        <p:nvSpPr>
-          <p:cNvPr id="39" name="Rectangle: Rounded Corners 38">
+              <a:t>While Sanders’ supporters are more negative than other Democratic candidates, we cannot attribute this to material differences in the negative vocabulary used</a:t>
+            </a:r>
+          </a:p>
+        </p:txBody>
+      </p:sp>
+      <p:sp>
+        <p:nvSpPr>
+          <p:cNvPr id="86" name="Rectangle 85">
             <a:extLst>
               <a:ext uri="{FF2B5EF4-FFF2-40B4-BE49-F238E27FC236}">
-                <a16:creationId xmlns:a16="http://schemas.microsoft.com/office/drawing/2014/main" id="{EB970D5D-B1B8-461C-8170-0281F14471E7}"/>
+                <a16:creationId xmlns:a16="http://schemas.microsoft.com/office/drawing/2014/main" id="{DFEC9543-339F-4662-B7F2-28783B69971E}"/>
               </a:ext>
             </a:extLst>
           </p:cNvPr>
@@ -6783,8 +4961,100 @@
         </p:nvSpPr>
         <p:spPr>
           <a:xfrm>
-            <a:off x="6663698" y="5012597"/>
-            <a:ext cx="1828800" cy="190500"/>
+            <a:off x="6521325" y="4450121"/>
+            <a:ext cx="777777" cy="184666"/>
+          </a:xfrm>
+          <a:prstGeom prst="rect">
+            <a:avLst/>
+          </a:prstGeom>
+          <a:solidFill>
+            <a:schemeClr val="bg1"/>
+          </a:solidFill>
+          <a:ln>
+            <a:solidFill>
+              <a:schemeClr val="tx1"/>
+            </a:solidFill>
+          </a:ln>
+        </p:spPr>
+        <p:txBody>
+          <a:bodyPr wrap="none" anchor="ctr">
+            <a:spAutoFit/>
+          </a:bodyPr>
+          <a:lstStyle/>
+          <a:p>
+            <a:r>
+              <a:rPr lang="en-US" sz="600" i="1" dirty="0">
+                <a:latin typeface="Arial" panose="020B0604020202020204" pitchFamily="34" charset="0"/>
+                <a:cs typeface="Arial" panose="020B0604020202020204" pitchFamily="34" charset="0"/>
+              </a:rPr>
+              <a:t>Elizabeth Warren</a:t>
+            </a:r>
+            <a:endParaRPr lang="en-US" sz="600" i="1" dirty="0"/>
+          </a:p>
+        </p:txBody>
+      </p:sp>
+      <p:sp>
+        <p:nvSpPr>
+          <p:cNvPr id="89" name="Rectangle 88">
+            <a:extLst>
+              <a:ext uri="{FF2B5EF4-FFF2-40B4-BE49-F238E27FC236}">
+                <a16:creationId xmlns:a16="http://schemas.microsoft.com/office/drawing/2014/main" id="{4D1A0107-3142-4AD0-826A-418F0988751A}"/>
+              </a:ext>
+            </a:extLst>
+          </p:cNvPr>
+          <p:cNvSpPr/>
+          <p:nvPr/>
+        </p:nvSpPr>
+        <p:spPr>
+          <a:xfrm>
+            <a:off x="7961791" y="4450121"/>
+            <a:ext cx="718466" cy="184666"/>
+          </a:xfrm>
+          <a:prstGeom prst="rect">
+            <a:avLst/>
+          </a:prstGeom>
+          <a:solidFill>
+            <a:schemeClr val="bg1"/>
+          </a:solidFill>
+          <a:ln>
+            <a:solidFill>
+              <a:schemeClr val="tx1"/>
+            </a:solidFill>
+          </a:ln>
+        </p:spPr>
+        <p:txBody>
+          <a:bodyPr wrap="none" anchor="ctr">
+            <a:spAutoFit/>
+          </a:bodyPr>
+          <a:lstStyle/>
+          <a:p>
+            <a:r>
+              <a:rPr lang="en-US" sz="600" i="1" dirty="0">
+                <a:latin typeface="Arial" panose="020B0604020202020204" pitchFamily="34" charset="0"/>
+                <a:cs typeface="Arial" panose="020B0604020202020204" pitchFamily="34" charset="0"/>
+              </a:rPr>
+              <a:t>Bernie Sanders</a:t>
+            </a:r>
+            <a:endParaRPr lang="en-US" sz="600" i="1" dirty="0"/>
+          </a:p>
+        </p:txBody>
+      </p:sp>
+      <p:sp>
+        <p:nvSpPr>
+          <p:cNvPr id="90" name="Rectangle: Rounded Corners 89">
+            <a:extLst>
+              <a:ext uri="{FF2B5EF4-FFF2-40B4-BE49-F238E27FC236}">
+                <a16:creationId xmlns:a16="http://schemas.microsoft.com/office/drawing/2014/main" id="{DC769978-9C48-456C-82A1-D27450D41712}"/>
+              </a:ext>
+            </a:extLst>
+          </p:cNvPr>
+          <p:cNvSpPr/>
+          <p:nvPr/>
+        </p:nvSpPr>
+        <p:spPr>
+          <a:xfrm>
+            <a:off x="3801756" y="2651950"/>
+            <a:ext cx="1554480" cy="190500"/>
           </a:xfrm>
           <a:prstGeom prst="roundRect">
             <a:avLst/>
@@ -6830,17 +5100,193 @@
                 <a:latin typeface="Arial" panose="020B0604020202020204" pitchFamily="34" charset="0"/>
                 <a:cs typeface="Arial" panose="020B0604020202020204" pitchFamily="34" charset="0"/>
               </a:rPr>
-              <a:t>Limitations and Future Work</a:t>
-            </a:r>
-          </a:p>
-        </p:txBody>
-      </p:sp>
-      <p:sp>
-        <p:nvSpPr>
-          <p:cNvPr id="41" name="TextBox 40">
+              <a:t>Affiliation Matrix</a:t>
+            </a:r>
+          </a:p>
+        </p:txBody>
+      </p:sp>
+      <p:grpSp>
+        <p:nvGrpSpPr>
+          <p:cNvPr id="91" name="Group 90">
             <a:extLst>
               <a:ext uri="{FF2B5EF4-FFF2-40B4-BE49-F238E27FC236}">
-                <a16:creationId xmlns:a16="http://schemas.microsoft.com/office/drawing/2014/main" id="{0609D2E0-6789-411A-A2E2-852006B8654C}"/>
+                <a16:creationId xmlns:a16="http://schemas.microsoft.com/office/drawing/2014/main" id="{10A1E1DD-F728-4ECB-8D20-388F5357ECA0}"/>
+              </a:ext>
+            </a:extLst>
+          </p:cNvPr>
+          <p:cNvGrpSpPr/>
+          <p:nvPr/>
+        </p:nvGrpSpPr>
+        <p:grpSpPr>
+          <a:xfrm>
+            <a:off x="3139971" y="927937"/>
+            <a:ext cx="2872352" cy="1653320"/>
+            <a:chOff x="3121043" y="2041929"/>
+            <a:chExt cx="2872352" cy="1653320"/>
+          </a:xfrm>
+        </p:grpSpPr>
+        <p:sp>
+          <p:nvSpPr>
+            <p:cNvPr id="92" name="Rectangle: Rounded Corners 91">
+              <a:extLst>
+                <a:ext uri="{FF2B5EF4-FFF2-40B4-BE49-F238E27FC236}">
+                  <a16:creationId xmlns:a16="http://schemas.microsoft.com/office/drawing/2014/main" id="{A87786EF-22A7-429F-971B-D813A8F71AAA}"/>
+                </a:ext>
+              </a:extLst>
+            </p:cNvPr>
+            <p:cNvSpPr/>
+            <p:nvPr/>
+          </p:nvSpPr>
+          <p:spPr>
+            <a:xfrm>
+              <a:off x="3734259" y="2041929"/>
+              <a:ext cx="1645920" cy="192024"/>
+            </a:xfrm>
+            <a:prstGeom prst="roundRect">
+              <a:avLst/>
+            </a:prstGeom>
+            <a:solidFill>
+              <a:srgbClr val="000066"/>
+            </a:solidFill>
+            <a:ln w="57150">
+              <a:noFill/>
+            </a:ln>
+          </p:spPr>
+          <p:style>
+            <a:lnRef idx="2">
+              <a:schemeClr val="accent1">
+                <a:shade val="50000"/>
+              </a:schemeClr>
+            </a:lnRef>
+            <a:fillRef idx="1">
+              <a:schemeClr val="accent1"/>
+            </a:fillRef>
+            <a:effectRef idx="0">
+              <a:schemeClr val="accent1"/>
+            </a:effectRef>
+            <a:fontRef idx="minor">
+              <a:schemeClr val="lt1"/>
+            </a:fontRef>
+          </p:style>
+          <p:txBody>
+            <a:bodyPr rot="0" spcFirstLastPara="0" vertOverflow="overflow" horzOverflow="overflow" vert="horz" wrap="square" lIns="68580" tIns="34290" rIns="68580" bIns="34290" numCol="1" spcCol="0" rtlCol="0" fromWordArt="0" anchor="ctr" anchorCtr="0" forceAA="0" compatLnSpc="1">
+              <a:prstTxWarp prst="textNoShape">
+                <a:avLst/>
+              </a:prstTxWarp>
+              <a:noAutofit/>
+            </a:bodyPr>
+            <a:lstStyle/>
+            <a:p>
+              <a:pPr algn="ctr"/>
+              <a:r>
+                <a:rPr lang="en-US" sz="833" b="1" dirty="0">
+                  <a:solidFill>
+                    <a:schemeClr val="bg1"/>
+                  </a:solidFill>
+                  <a:latin typeface="Arial" panose="020B0604020202020204" pitchFamily="34" charset="0"/>
+                  <a:cs typeface="Arial" panose="020B0604020202020204" pitchFamily="34" charset="0"/>
+                </a:rPr>
+                <a:t>Descriptive Analysis</a:t>
+              </a:r>
+            </a:p>
+          </p:txBody>
+        </p:sp>
+        <p:sp>
+          <p:nvSpPr>
+            <p:cNvPr id="93" name="TextBox 92">
+              <a:extLst>
+                <a:ext uri="{FF2B5EF4-FFF2-40B4-BE49-F238E27FC236}">
+                  <a16:creationId xmlns:a16="http://schemas.microsoft.com/office/drawing/2014/main" id="{62EA9992-6985-4FA4-9830-872D0C302F34}"/>
+                </a:ext>
+              </a:extLst>
+            </p:cNvPr>
+            <p:cNvSpPr txBox="1"/>
+            <p:nvPr/>
+          </p:nvSpPr>
+          <p:spPr>
+            <a:xfrm>
+              <a:off x="3121043" y="2225393"/>
+              <a:ext cx="2872351" cy="461665"/>
+            </a:xfrm>
+            <a:prstGeom prst="rect">
+              <a:avLst/>
+            </a:prstGeom>
+            <a:noFill/>
+          </p:spPr>
+          <p:txBody>
+            <a:bodyPr wrap="square" rtlCol="0">
+              <a:spAutoFit/>
+            </a:bodyPr>
+            <a:lstStyle>
+              <a:defPPr>
+                <a:defRPr lang="en-US"/>
+              </a:defPPr>
+              <a:lvl1pPr algn="just">
+                <a:defRPr sz="800">
+                  <a:latin typeface="Arial" panose="020B0604020202020204" pitchFamily="34" charset="0"/>
+                  <a:cs typeface="Arial" panose="020B0604020202020204" pitchFamily="34" charset="0"/>
+                </a:defRPr>
+              </a:lvl1pPr>
+            </a:lstStyle>
+            <a:p>
+              <a:pPr marL="171450" indent="-171450">
+                <a:buFont typeface="Arial" panose="020B0604020202020204" pitchFamily="34" charset="0"/>
+                <a:buChar char="•"/>
+              </a:pPr>
+              <a:r>
+                <a:rPr lang="en-US" dirty="0"/>
+                <a:t>Collected top hashtags per party (GOP omitted below)</a:t>
+              </a:r>
+            </a:p>
+            <a:p>
+              <a:pPr marL="171450" indent="-171450">
+                <a:buFont typeface="Arial" panose="020B0604020202020204" pitchFamily="34" charset="0"/>
+                <a:buChar char="•"/>
+              </a:pPr>
+              <a:r>
+                <a:rPr lang="en-US" dirty="0"/>
+                <a:t>Sanders supporters used less aggressive hashtags than supporters of other Democratic candidates</a:t>
+              </a:r>
+            </a:p>
+          </p:txBody>
+        </p:sp>
+        <p:pic>
+          <p:nvPicPr>
+            <p:cNvPr id="94" name="Picture 93">
+              <a:extLst>
+                <a:ext uri="{FF2B5EF4-FFF2-40B4-BE49-F238E27FC236}">
+                  <a16:creationId xmlns:a16="http://schemas.microsoft.com/office/drawing/2014/main" id="{F627B6C1-3783-43D7-BFD1-FF50F26FC980}"/>
+                </a:ext>
+              </a:extLst>
+            </p:cNvPr>
+            <p:cNvPicPr>
+              <a:picLocks noChangeAspect="1"/>
+            </p:cNvPicPr>
+            <p:nvPr/>
+          </p:nvPicPr>
+          <p:blipFill>
+            <a:blip r:embed="rId11"/>
+            <a:stretch>
+              <a:fillRect/>
+            </a:stretch>
+          </p:blipFill>
+          <p:spPr>
+            <a:xfrm>
+              <a:off x="3149049" y="2700923"/>
+              <a:ext cx="2844346" cy="994326"/>
+            </a:xfrm>
+            <a:prstGeom prst="rect">
+              <a:avLst/>
+            </a:prstGeom>
+          </p:spPr>
+        </p:pic>
+      </p:grpSp>
+      <p:sp>
+        <p:nvSpPr>
+          <p:cNvPr id="95" name="TextBox 94">
+            <a:extLst>
+              <a:ext uri="{FF2B5EF4-FFF2-40B4-BE49-F238E27FC236}">
+                <a16:creationId xmlns:a16="http://schemas.microsoft.com/office/drawing/2014/main" id="{E9AE74ED-E1C7-491D-B500-6C5E02732EB8}"/>
               </a:ext>
             </a:extLst>
           </p:cNvPr>
@@ -6849,414 +5295,8 @@
         </p:nvSpPr>
         <p:spPr>
           <a:xfrm>
-            <a:off x="6112853" y="6338961"/>
-            <a:ext cx="2872351" cy="338554"/>
-          </a:xfrm>
-          <a:prstGeom prst="rect">
-            <a:avLst/>
-          </a:prstGeom>
-          <a:noFill/>
-        </p:spPr>
-        <p:txBody>
-          <a:bodyPr wrap="square" rtlCol="0">
-            <a:spAutoFit/>
-          </a:bodyPr>
-          <a:lstStyle/>
-          <a:p>
-            <a:pPr marL="171450" indent="-171450" algn="just">
-              <a:buFont typeface="Arial" panose="020B0604020202020204" pitchFamily="34" charset="0"/>
-              <a:buChar char="•"/>
-            </a:pPr>
-            <a:r>
-              <a:rPr lang="en-US" sz="800" dirty="0">
-                <a:latin typeface="Arial" panose="020B0604020202020204" pitchFamily="34" charset="0"/>
-                <a:cs typeface="Arial" panose="020B0604020202020204" pitchFamily="34" charset="0"/>
-              </a:rPr>
-              <a:t>Reference 1</a:t>
-            </a:r>
-          </a:p>
-          <a:p>
-            <a:pPr marL="171450" indent="-171450" algn="just">
-              <a:buFont typeface="Arial" panose="020B0604020202020204" pitchFamily="34" charset="0"/>
-              <a:buChar char="•"/>
-            </a:pPr>
-            <a:r>
-              <a:rPr lang="en-US" sz="800" dirty="0">
-                <a:latin typeface="Arial" panose="020B0604020202020204" pitchFamily="34" charset="0"/>
-                <a:cs typeface="Arial" panose="020B0604020202020204" pitchFamily="34" charset="0"/>
-              </a:rPr>
-              <a:t>Reference 2</a:t>
-            </a:r>
-          </a:p>
-        </p:txBody>
-      </p:sp>
-      <p:sp>
-        <p:nvSpPr>
-          <p:cNvPr id="42" name="Heart 41">
-            <a:extLst>
-              <a:ext uri="{FF2B5EF4-FFF2-40B4-BE49-F238E27FC236}">
-                <a16:creationId xmlns:a16="http://schemas.microsoft.com/office/drawing/2014/main" id="{CE11A468-F42D-4643-A6D9-30F7030F772C}"/>
-              </a:ext>
-            </a:extLst>
-          </p:cNvPr>
-          <p:cNvSpPr/>
-          <p:nvPr/>
-        </p:nvSpPr>
-        <p:spPr>
-          <a:xfrm>
-            <a:off x="3530662" y="3048242"/>
-            <a:ext cx="2063262" cy="534572"/>
-          </a:xfrm>
-          <a:prstGeom prst="heart">
-            <a:avLst/>
-          </a:prstGeom>
-        </p:spPr>
-        <p:style>
-          <a:lnRef idx="2">
-            <a:schemeClr val="accent1">
-              <a:shade val="50000"/>
-            </a:schemeClr>
-          </a:lnRef>
-          <a:fillRef idx="1">
-            <a:schemeClr val="accent1"/>
-          </a:fillRef>
-          <a:effectRef idx="0">
-            <a:schemeClr val="accent1"/>
-          </a:effectRef>
-          <a:fontRef idx="minor">
-            <a:schemeClr val="lt1"/>
-          </a:fontRef>
-        </p:style>
-        <p:txBody>
-          <a:bodyPr rtlCol="0" anchor="ctr"/>
-          <a:lstStyle/>
-          <a:p>
-            <a:pPr algn="ctr"/>
-            <a:r>
-              <a:rPr lang="en-US" dirty="0">
-                <a:solidFill>
-                  <a:srgbClr val="FF0000"/>
-                </a:solidFill>
-                <a:latin typeface="Arial" panose="020B0604020202020204" pitchFamily="34" charset="0"/>
-                <a:cs typeface="Arial" panose="020B0604020202020204" pitchFamily="34" charset="0"/>
-              </a:rPr>
-              <a:t>hashtag table</a:t>
-            </a:r>
-          </a:p>
-        </p:txBody>
-      </p:sp>
-      <p:sp>
-        <p:nvSpPr>
-          <p:cNvPr id="43" name="Heart 42">
-            <a:extLst>
-              <a:ext uri="{FF2B5EF4-FFF2-40B4-BE49-F238E27FC236}">
-                <a16:creationId xmlns:a16="http://schemas.microsoft.com/office/drawing/2014/main" id="{E75269AA-2C08-4472-8D8A-26A3C39E2029}"/>
-              </a:ext>
-            </a:extLst>
-          </p:cNvPr>
-          <p:cNvSpPr/>
-          <p:nvPr/>
-        </p:nvSpPr>
-        <p:spPr>
-          <a:xfrm>
-            <a:off x="964071" y="3658919"/>
-            <a:ext cx="1185134" cy="320679"/>
-          </a:xfrm>
-          <a:prstGeom prst="heart">
-            <a:avLst/>
-          </a:prstGeom>
-        </p:spPr>
-        <p:style>
-          <a:lnRef idx="2">
-            <a:schemeClr val="accent1">
-              <a:shade val="50000"/>
-            </a:schemeClr>
-          </a:lnRef>
-          <a:fillRef idx="1">
-            <a:schemeClr val="accent1"/>
-          </a:fillRef>
-          <a:effectRef idx="0">
-            <a:schemeClr val="accent1"/>
-          </a:effectRef>
-          <a:fontRef idx="minor">
-            <a:schemeClr val="lt1"/>
-          </a:fontRef>
-        </p:style>
-        <p:txBody>
-          <a:bodyPr rtlCol="0" anchor="ctr"/>
-          <a:lstStyle/>
-          <a:p>
-            <a:pPr algn="ctr"/>
-            <a:r>
-              <a:rPr lang="en-US" sz="1050" dirty="0" err="1">
-                <a:solidFill>
-                  <a:srgbClr val="FF0000"/>
-                </a:solidFill>
-                <a:latin typeface="Arial" panose="020B0604020202020204" pitchFamily="34" charset="0"/>
-                <a:cs typeface="Arial" panose="020B0604020202020204" pitchFamily="34" charset="0"/>
-              </a:rPr>
-              <a:t>Twint</a:t>
-            </a:r>
-            <a:r>
-              <a:rPr lang="en-US" sz="1050" dirty="0">
-                <a:solidFill>
-                  <a:srgbClr val="FF0000"/>
-                </a:solidFill>
-                <a:latin typeface="Arial" panose="020B0604020202020204" pitchFamily="34" charset="0"/>
-                <a:cs typeface="Arial" panose="020B0604020202020204" pitchFamily="34" charset="0"/>
-              </a:rPr>
-              <a:t> logo</a:t>
-            </a:r>
-          </a:p>
-        </p:txBody>
-      </p:sp>
-      <p:sp>
-        <p:nvSpPr>
-          <p:cNvPr id="44" name="Heart 43">
-            <a:extLst>
-              <a:ext uri="{FF2B5EF4-FFF2-40B4-BE49-F238E27FC236}">
-                <a16:creationId xmlns:a16="http://schemas.microsoft.com/office/drawing/2014/main" id="{5D00C9A9-0863-466B-96AB-E0384A0F0F67}"/>
-              </a:ext>
-            </a:extLst>
-          </p:cNvPr>
-          <p:cNvSpPr/>
-          <p:nvPr/>
-        </p:nvSpPr>
-        <p:spPr>
-          <a:xfrm>
-            <a:off x="278272" y="303283"/>
-            <a:ext cx="1185134" cy="320679"/>
-          </a:xfrm>
-          <a:prstGeom prst="heart">
-            <a:avLst/>
-          </a:prstGeom>
-        </p:spPr>
-        <p:style>
-          <a:lnRef idx="2">
-            <a:schemeClr val="accent1">
-              <a:shade val="50000"/>
-            </a:schemeClr>
-          </a:lnRef>
-          <a:fillRef idx="1">
-            <a:schemeClr val="accent1"/>
-          </a:fillRef>
-          <a:effectRef idx="0">
-            <a:schemeClr val="accent1"/>
-          </a:effectRef>
-          <a:fontRef idx="minor">
-            <a:schemeClr val="lt1"/>
-          </a:fontRef>
-        </p:style>
-        <p:txBody>
-          <a:bodyPr rtlCol="0" anchor="ctr"/>
-          <a:lstStyle/>
-          <a:p>
-            <a:pPr algn="ctr"/>
-            <a:r>
-              <a:rPr lang="en-US" sz="1050" dirty="0">
-                <a:solidFill>
-                  <a:srgbClr val="FF0000"/>
-                </a:solidFill>
-                <a:latin typeface="Arial" panose="020B0604020202020204" pitchFamily="34" charset="0"/>
-                <a:cs typeface="Arial" panose="020B0604020202020204" pitchFamily="34" charset="0"/>
-              </a:rPr>
-              <a:t>Twitter logo</a:t>
-            </a:r>
-          </a:p>
-        </p:txBody>
-      </p:sp>
-      <p:sp>
-        <p:nvSpPr>
-          <p:cNvPr id="45" name="Heart 44">
-            <a:extLst>
-              <a:ext uri="{FF2B5EF4-FFF2-40B4-BE49-F238E27FC236}">
-                <a16:creationId xmlns:a16="http://schemas.microsoft.com/office/drawing/2014/main" id="{48DE8319-F4B0-4539-8AF7-F9FD2B37BDF2}"/>
-              </a:ext>
-            </a:extLst>
-          </p:cNvPr>
-          <p:cNvSpPr/>
-          <p:nvPr/>
-        </p:nvSpPr>
-        <p:spPr>
-          <a:xfrm>
-            <a:off x="3964651" y="1353116"/>
-            <a:ext cx="1185134" cy="320679"/>
-          </a:xfrm>
-          <a:prstGeom prst="heart">
-            <a:avLst/>
-          </a:prstGeom>
-        </p:spPr>
-        <p:style>
-          <a:lnRef idx="2">
-            <a:schemeClr val="accent1">
-              <a:shade val="50000"/>
-            </a:schemeClr>
-          </a:lnRef>
-          <a:fillRef idx="1">
-            <a:schemeClr val="accent1"/>
-          </a:fillRef>
-          <a:effectRef idx="0">
-            <a:schemeClr val="accent1"/>
-          </a:effectRef>
-          <a:fontRef idx="minor">
-            <a:schemeClr val="lt1"/>
-          </a:fontRef>
-        </p:style>
-        <p:txBody>
-          <a:bodyPr rtlCol="0" anchor="ctr"/>
-          <a:lstStyle/>
-          <a:p>
-            <a:pPr algn="ctr"/>
-            <a:r>
-              <a:rPr lang="en-US" sz="1050" dirty="0">
-                <a:solidFill>
-                  <a:srgbClr val="FF0000"/>
-                </a:solidFill>
-                <a:latin typeface="Arial" panose="020B0604020202020204" pitchFamily="34" charset="0"/>
-                <a:cs typeface="Arial" panose="020B0604020202020204" pitchFamily="34" charset="0"/>
-              </a:rPr>
-              <a:t>Darth Vader</a:t>
-            </a:r>
-          </a:p>
-        </p:txBody>
-      </p:sp>
-      <p:sp>
-        <p:nvSpPr>
-          <p:cNvPr id="46" name="Rectangle: Rounded Corners 45">
-            <a:extLst>
-              <a:ext uri="{FF2B5EF4-FFF2-40B4-BE49-F238E27FC236}">
-                <a16:creationId xmlns:a16="http://schemas.microsoft.com/office/drawing/2014/main" id="{2952B7F8-9369-41BE-86E6-B48AED40CF8F}"/>
-              </a:ext>
-            </a:extLst>
-          </p:cNvPr>
-          <p:cNvSpPr/>
-          <p:nvPr/>
-        </p:nvSpPr>
-        <p:spPr>
-          <a:xfrm>
-            <a:off x="3775819" y="3845084"/>
-            <a:ext cx="1554480" cy="190500"/>
-          </a:xfrm>
-          <a:prstGeom prst="roundRect">
-            <a:avLst/>
-          </a:prstGeom>
-          <a:solidFill>
-            <a:srgbClr val="000066"/>
-          </a:solidFill>
-          <a:ln w="57150">
-            <a:noFill/>
-          </a:ln>
-        </p:spPr>
-        <p:style>
-          <a:lnRef idx="2">
-            <a:schemeClr val="accent1">
-              <a:shade val="50000"/>
-            </a:schemeClr>
-          </a:lnRef>
-          <a:fillRef idx="1">
-            <a:schemeClr val="accent1"/>
-          </a:fillRef>
-          <a:effectRef idx="0">
-            <a:schemeClr val="accent1"/>
-          </a:effectRef>
-          <a:fontRef idx="minor">
-            <a:schemeClr val="lt1"/>
-          </a:fontRef>
-        </p:style>
-        <p:txBody>
-          <a:bodyPr rot="0" spcFirstLastPara="0" vertOverflow="overflow" horzOverflow="overflow" vert="horz" wrap="square" lIns="68580" tIns="34290" rIns="68580" bIns="34290" numCol="1" spcCol="0" rtlCol="0" fromWordArt="0" anchor="ctr" anchorCtr="0" forceAA="0" compatLnSpc="1">
-            <a:prstTxWarp prst="textNoShape">
-              <a:avLst/>
-            </a:prstTxWarp>
-            <a:noAutofit/>
-          </a:bodyPr>
-          <a:lstStyle/>
-          <a:p>
-            <a:pPr algn="ctr"/>
-            <a:r>
-              <a:rPr lang="en-US" sz="833" b="1" dirty="0">
-                <a:solidFill>
-                  <a:schemeClr val="bg1"/>
-                </a:solidFill>
-                <a:latin typeface="Arial" panose="020B0604020202020204" pitchFamily="34" charset="0"/>
-                <a:cs typeface="Arial" panose="020B0604020202020204" pitchFamily="34" charset="0"/>
-              </a:rPr>
-              <a:t>Affiliation Matrix</a:t>
-            </a:r>
-          </a:p>
-        </p:txBody>
-      </p:sp>
-      <p:sp>
-        <p:nvSpPr>
-          <p:cNvPr id="47" name="Heart 46">
-            <a:extLst>
-              <a:ext uri="{FF2B5EF4-FFF2-40B4-BE49-F238E27FC236}">
-                <a16:creationId xmlns:a16="http://schemas.microsoft.com/office/drawing/2014/main" id="{F39B9ACB-FB07-4FC6-96EF-705951BC96E4}"/>
-              </a:ext>
-            </a:extLst>
-          </p:cNvPr>
-          <p:cNvSpPr/>
-          <p:nvPr/>
-        </p:nvSpPr>
-        <p:spPr>
-          <a:xfrm>
-            <a:off x="3533503" y="4324705"/>
-            <a:ext cx="2063262" cy="534572"/>
-          </a:xfrm>
-          <a:prstGeom prst="heart">
-            <a:avLst/>
-          </a:prstGeom>
-        </p:spPr>
-        <p:style>
-          <a:lnRef idx="2">
-            <a:schemeClr val="accent1">
-              <a:shade val="50000"/>
-            </a:schemeClr>
-          </a:lnRef>
-          <a:fillRef idx="1">
-            <a:schemeClr val="accent1"/>
-          </a:fillRef>
-          <a:effectRef idx="0">
-            <a:schemeClr val="accent1"/>
-          </a:effectRef>
-          <a:fontRef idx="minor">
-            <a:schemeClr val="lt1"/>
-          </a:fontRef>
-        </p:style>
-        <p:txBody>
-          <a:bodyPr rtlCol="0" anchor="ctr"/>
-          <a:lstStyle/>
-          <a:p>
-            <a:pPr algn="ctr"/>
-            <a:r>
-              <a:rPr lang="en-US" dirty="0">
-                <a:solidFill>
-                  <a:srgbClr val="FF0000"/>
-                </a:solidFill>
-                <a:latin typeface="Arial" panose="020B0604020202020204" pitchFamily="34" charset="0"/>
-                <a:cs typeface="Arial" panose="020B0604020202020204" pitchFamily="34" charset="0"/>
-              </a:rPr>
-              <a:t>Matrix goes here</a:t>
-            </a:r>
-          </a:p>
-        </p:txBody>
-      </p:sp>
-      <p:sp>
-        <p:nvSpPr>
-          <p:cNvPr id="49" name="TextBox 48">
-            <a:extLst>
-              <a:ext uri="{FF2B5EF4-FFF2-40B4-BE49-F238E27FC236}">
-                <a16:creationId xmlns:a16="http://schemas.microsoft.com/office/drawing/2014/main" id="{72EBA674-4A23-4CEE-A88C-405C239D7AAF}"/>
-              </a:ext>
-            </a:extLst>
-          </p:cNvPr>
-          <p:cNvSpPr txBox="1"/>
-          <p:nvPr/>
-        </p:nvSpPr>
-        <p:spPr>
-          <a:xfrm>
-            <a:off x="3111420" y="4978757"/>
-            <a:ext cx="2872351" cy="584775"/>
+            <a:off x="3139971" y="2831301"/>
+            <a:ext cx="2872351" cy="707886"/>
           </a:xfrm>
           <a:prstGeom prst="rect">
             <a:avLst/>
@@ -7285,7 +5325,7 @@
             </a:pPr>
             <a:r>
               <a:rPr lang="en-US" dirty="0"/>
-              <a:t>Bullet point</a:t>
+              <a:t>Matrices describe overlap between the sets of supporters of candidate pairs</a:t>
             </a:r>
           </a:p>
           <a:p>
@@ -7295,385 +5335,191 @@
             </a:pPr>
             <a:r>
               <a:rPr lang="en-US" dirty="0"/>
-              <a:t>Bullet point</a:t>
-            </a:r>
-          </a:p>
-          <a:p>
-            <a:pPr marL="171450" indent="-171450">
-              <a:buFont typeface="Arial" panose="020B0604020202020204" pitchFamily="34" charset="0"/>
-              <a:buChar char="•"/>
-            </a:pPr>
-            <a:r>
-              <a:rPr lang="en-US" dirty="0"/>
-              <a:t>Bullet point</a:t>
-            </a:r>
-          </a:p>
-          <a:p>
-            <a:pPr marL="171450" indent="-171450">
-              <a:buFont typeface="Arial" panose="020B0604020202020204" pitchFamily="34" charset="0"/>
-              <a:buChar char="•"/>
-            </a:pPr>
-            <a:r>
-              <a:rPr lang="en-US" dirty="0"/>
-              <a:t>Bullet point</a:t>
-            </a:r>
-          </a:p>
-        </p:txBody>
-      </p:sp>
-      <p:sp>
-        <p:nvSpPr>
-          <p:cNvPr id="50" name="Heart 49">
+              <a:t>The “incumbency effect” is clearly visible: Trump has a significantly larger follower base and thus has considerable overlap with most other candidates</a:t>
+            </a:r>
+          </a:p>
+        </p:txBody>
+      </p:sp>
+      <p:grpSp>
+        <p:nvGrpSpPr>
+          <p:cNvPr id="96" name="Group 95">
             <a:extLst>
               <a:ext uri="{FF2B5EF4-FFF2-40B4-BE49-F238E27FC236}">
-                <a16:creationId xmlns:a16="http://schemas.microsoft.com/office/drawing/2014/main" id="{68CD37F7-BC26-4732-B55C-06C2593BDA6E}"/>
+                <a16:creationId xmlns:a16="http://schemas.microsoft.com/office/drawing/2014/main" id="{95CC6843-2769-486B-B652-5B1C8F00668F}"/>
               </a:ext>
             </a:extLst>
           </p:cNvPr>
-          <p:cNvSpPr/>
+          <p:cNvGrpSpPr/>
           <p:nvPr/>
-        </p:nvSpPr>
-        <p:spPr>
-          <a:xfrm>
-            <a:off x="3533503" y="6120197"/>
-            <a:ext cx="2063262" cy="534572"/>
-          </a:xfrm>
-          <a:prstGeom prst="heart">
-            <a:avLst/>
-          </a:prstGeom>
-        </p:spPr>
-        <p:style>
-          <a:lnRef idx="2">
-            <a:schemeClr val="accent1">
-              <a:shade val="50000"/>
-            </a:schemeClr>
-          </a:lnRef>
-          <a:fillRef idx="1">
-            <a:schemeClr val="accent1"/>
-          </a:fillRef>
-          <a:effectRef idx="0">
-            <a:schemeClr val="accent1"/>
-          </a:effectRef>
-          <a:fontRef idx="minor">
-            <a:schemeClr val="lt1"/>
-          </a:fontRef>
-        </p:style>
-        <p:txBody>
-          <a:bodyPr rtlCol="0" anchor="ctr"/>
-          <a:lstStyle/>
-          <a:p>
-            <a:pPr algn="ctr"/>
-            <a:r>
-              <a:rPr lang="en-US" dirty="0">
-                <a:solidFill>
-                  <a:srgbClr val="FF0000"/>
-                </a:solidFill>
-                <a:latin typeface="Arial" panose="020B0604020202020204" pitchFamily="34" charset="0"/>
-                <a:cs typeface="Arial" panose="020B0604020202020204" pitchFamily="34" charset="0"/>
-              </a:rPr>
-              <a:t>Pos neg</a:t>
-            </a:r>
-          </a:p>
-        </p:txBody>
-      </p:sp>
-      <p:sp>
-        <p:nvSpPr>
-          <p:cNvPr id="52" name="Heart 51">
+        </p:nvGrpSpPr>
+        <p:grpSpPr>
+          <a:xfrm>
+            <a:off x="3195103" y="3556628"/>
+            <a:ext cx="2755468" cy="1616270"/>
+            <a:chOff x="3172021" y="3521850"/>
+            <a:chExt cx="2755468" cy="1616270"/>
+          </a:xfrm>
+        </p:grpSpPr>
+        <p:pic>
+          <p:nvPicPr>
+            <p:cNvPr id="97" name="Picture 96">
+              <a:extLst>
+                <a:ext uri="{FF2B5EF4-FFF2-40B4-BE49-F238E27FC236}">
+                  <a16:creationId xmlns:a16="http://schemas.microsoft.com/office/drawing/2014/main" id="{113DE2AF-77A5-4B9C-B613-8CA9667CEC0A}"/>
+                </a:ext>
+              </a:extLst>
+            </p:cNvPr>
+            <p:cNvPicPr>
+              <a:picLocks noChangeAspect="1"/>
+            </p:cNvPicPr>
+            <p:nvPr/>
+          </p:nvPicPr>
+          <p:blipFill>
+            <a:blip r:embed="rId12"/>
+            <a:stretch>
+              <a:fillRect/>
+            </a:stretch>
+          </p:blipFill>
+          <p:spPr>
+            <a:xfrm>
+              <a:off x="3237479" y="3521850"/>
+              <a:ext cx="2624553" cy="1362899"/>
+            </a:xfrm>
+            <a:prstGeom prst="rect">
+              <a:avLst/>
+            </a:prstGeom>
+          </p:spPr>
+        </p:pic>
+        <p:sp>
+          <p:nvSpPr>
+            <p:cNvPr id="98" name="TextBox 97">
+              <a:extLst>
+                <a:ext uri="{FF2B5EF4-FFF2-40B4-BE49-F238E27FC236}">
+                  <a16:creationId xmlns:a16="http://schemas.microsoft.com/office/drawing/2014/main" id="{AAE30741-1258-4970-8AC0-FE63C69EE28F}"/>
+                </a:ext>
+              </a:extLst>
+            </p:cNvPr>
+            <p:cNvSpPr txBox="1"/>
+            <p:nvPr/>
+          </p:nvSpPr>
+          <p:spPr>
+            <a:xfrm>
+              <a:off x="3172021" y="4861121"/>
+              <a:ext cx="2755468" cy="276999"/>
+            </a:xfrm>
+            <a:prstGeom prst="rect">
+              <a:avLst/>
+            </a:prstGeom>
+            <a:noFill/>
+          </p:spPr>
+          <p:txBody>
+            <a:bodyPr wrap="square" rtlCol="0">
+              <a:spAutoFit/>
+            </a:bodyPr>
+            <a:lstStyle/>
+            <a:p>
+              <a:pPr algn="ctr"/>
+              <a:r>
+                <a:rPr lang="en-US" sz="600" i="1" dirty="0">
+                  <a:latin typeface="Arial" panose="020B0604020202020204" pitchFamily="34" charset="0"/>
+                  <a:cs typeface="Arial" panose="020B0604020202020204" pitchFamily="34" charset="0"/>
+                </a:rPr>
+                <a:t>“Affiliation matrix” between candidates: shows the number of users that follow both (row) and (column). Blue cells indicate higher overlap.</a:t>
+              </a:r>
+            </a:p>
+          </p:txBody>
+        </p:sp>
+      </p:grpSp>
+      <p:grpSp>
+        <p:nvGrpSpPr>
+          <p:cNvPr id="99" name="Group 98">
             <a:extLst>
               <a:ext uri="{FF2B5EF4-FFF2-40B4-BE49-F238E27FC236}">
-                <a16:creationId xmlns:a16="http://schemas.microsoft.com/office/drawing/2014/main" id="{7C6C07DD-0B1D-48AB-B234-22AB3D3D9861}"/>
+                <a16:creationId xmlns:a16="http://schemas.microsoft.com/office/drawing/2014/main" id="{FDC771EF-30BE-4F79-A3B0-161300F103D5}"/>
               </a:ext>
             </a:extLst>
           </p:cNvPr>
-          <p:cNvSpPr/>
+          <p:cNvGrpSpPr/>
           <p:nvPr/>
-        </p:nvSpPr>
-        <p:spPr>
-          <a:xfrm>
-            <a:off x="7712418" y="1774643"/>
-            <a:ext cx="1285842" cy="534572"/>
-          </a:xfrm>
-          <a:prstGeom prst="heart">
-            <a:avLst/>
-          </a:prstGeom>
-        </p:spPr>
-        <p:style>
-          <a:lnRef idx="2">
-            <a:schemeClr val="accent1">
-              <a:shade val="50000"/>
-            </a:schemeClr>
-          </a:lnRef>
-          <a:fillRef idx="1">
-            <a:schemeClr val="accent1"/>
-          </a:fillRef>
-          <a:effectRef idx="0">
-            <a:schemeClr val="accent1"/>
-          </a:effectRef>
-          <a:fontRef idx="minor">
-            <a:schemeClr val="lt1"/>
-          </a:fontRef>
-        </p:style>
-        <p:txBody>
-          <a:bodyPr rtlCol="0" anchor="ctr"/>
-          <a:lstStyle/>
-          <a:p>
-            <a:pPr algn="ctr"/>
-            <a:r>
-              <a:rPr lang="en-US" dirty="0">
-                <a:solidFill>
-                  <a:srgbClr val="FF0000"/>
-                </a:solidFill>
-                <a:latin typeface="Arial" panose="020B0604020202020204" pitchFamily="34" charset="0"/>
-                <a:cs typeface="Arial" panose="020B0604020202020204" pitchFamily="34" charset="0"/>
-              </a:rPr>
-              <a:t>Put Chart</a:t>
-            </a:r>
-          </a:p>
-        </p:txBody>
-      </p:sp>
-      <p:sp>
-        <p:nvSpPr>
-          <p:cNvPr id="53" name="Heart 52">
-            <a:extLst>
-              <a:ext uri="{FF2B5EF4-FFF2-40B4-BE49-F238E27FC236}">
-                <a16:creationId xmlns:a16="http://schemas.microsoft.com/office/drawing/2014/main" id="{C9DBF63E-0D00-4509-9EF1-16DE4CE5110C}"/>
-              </a:ext>
-            </a:extLst>
-          </p:cNvPr>
-          <p:cNvSpPr/>
-          <p:nvPr/>
-        </p:nvSpPr>
-        <p:spPr>
-          <a:xfrm>
-            <a:off x="7660156" y="3226315"/>
-            <a:ext cx="1349511" cy="534572"/>
-          </a:xfrm>
-          <a:prstGeom prst="heart">
-            <a:avLst/>
-          </a:prstGeom>
-        </p:spPr>
-        <p:style>
-          <a:lnRef idx="2">
-            <a:schemeClr val="accent1">
-              <a:shade val="50000"/>
-            </a:schemeClr>
-          </a:lnRef>
-          <a:fillRef idx="1">
-            <a:schemeClr val="accent1"/>
-          </a:fillRef>
-          <a:effectRef idx="0">
-            <a:schemeClr val="accent1"/>
-          </a:effectRef>
-          <a:fontRef idx="minor">
-            <a:schemeClr val="lt1"/>
-          </a:fontRef>
-        </p:style>
-        <p:txBody>
-          <a:bodyPr rtlCol="0" anchor="ctr"/>
-          <a:lstStyle/>
-          <a:p>
-            <a:pPr algn="ctr"/>
-            <a:r>
-              <a:rPr lang="en-US" dirty="0">
-                <a:solidFill>
-                  <a:srgbClr val="FF0000"/>
-                </a:solidFill>
-                <a:latin typeface="Arial" panose="020B0604020202020204" pitchFamily="34" charset="0"/>
-                <a:cs typeface="Arial" panose="020B0604020202020204" pitchFamily="34" charset="0"/>
-              </a:rPr>
-              <a:t>Word cloud</a:t>
-            </a:r>
-          </a:p>
-        </p:txBody>
-      </p:sp>
-      <p:sp>
-        <p:nvSpPr>
-          <p:cNvPr id="54" name="TextBox 53">
-            <a:extLst>
-              <a:ext uri="{FF2B5EF4-FFF2-40B4-BE49-F238E27FC236}">
-                <a16:creationId xmlns:a16="http://schemas.microsoft.com/office/drawing/2014/main" id="{06DB3741-0DCF-4ED3-94A5-61AEC3343754}"/>
-              </a:ext>
-            </a:extLst>
-          </p:cNvPr>
-          <p:cNvSpPr txBox="1"/>
-          <p:nvPr/>
-        </p:nvSpPr>
-        <p:spPr>
-          <a:xfrm>
-            <a:off x="6085156" y="2422264"/>
-            <a:ext cx="2872351" cy="707886"/>
-          </a:xfrm>
-          <a:prstGeom prst="rect">
-            <a:avLst/>
-          </a:prstGeom>
-          <a:noFill/>
-        </p:spPr>
-        <p:txBody>
-          <a:bodyPr wrap="square" rtlCol="0">
-            <a:spAutoFit/>
-          </a:bodyPr>
-          <a:lstStyle/>
-          <a:p>
-            <a:pPr algn="just"/>
-            <a:r>
-              <a:rPr lang="en-US" sz="800" dirty="0">
-                <a:latin typeface="Arial" panose="020B0604020202020204" pitchFamily="34" charset="0"/>
-                <a:cs typeface="Arial" panose="020B0604020202020204" pitchFamily="34" charset="0"/>
-              </a:rPr>
-              <a:t>Bullet points</a:t>
-            </a:r>
-          </a:p>
-          <a:p>
-            <a:pPr algn="just"/>
-            <a:r>
-              <a:rPr lang="en-US" sz="800" dirty="0">
-                <a:latin typeface="Arial" panose="020B0604020202020204" pitchFamily="34" charset="0"/>
-                <a:cs typeface="Arial" panose="020B0604020202020204" pitchFamily="34" charset="0"/>
-              </a:rPr>
-              <a:t>Bullet points</a:t>
-            </a:r>
-          </a:p>
-          <a:p>
-            <a:pPr algn="just"/>
-            <a:r>
-              <a:rPr lang="en-US" sz="800" dirty="0">
-                <a:latin typeface="Arial" panose="020B0604020202020204" pitchFamily="34" charset="0"/>
-                <a:cs typeface="Arial" panose="020B0604020202020204" pitchFamily="34" charset="0"/>
-              </a:rPr>
-              <a:t>Bullet points</a:t>
-            </a:r>
-          </a:p>
-          <a:p>
-            <a:pPr algn="just"/>
-            <a:r>
-              <a:rPr lang="en-US" sz="800" dirty="0">
-                <a:latin typeface="Arial" panose="020B0604020202020204" pitchFamily="34" charset="0"/>
-                <a:cs typeface="Arial" panose="020B0604020202020204" pitchFamily="34" charset="0"/>
-              </a:rPr>
-              <a:t>Bullet points</a:t>
-            </a:r>
-          </a:p>
-          <a:p>
-            <a:pPr algn="just"/>
-            <a:r>
-              <a:rPr lang="en-US" sz="800" dirty="0">
-                <a:latin typeface="Arial" panose="020B0604020202020204" pitchFamily="34" charset="0"/>
-                <a:cs typeface="Arial" panose="020B0604020202020204" pitchFamily="34" charset="0"/>
-              </a:rPr>
-              <a:t>Bullet points</a:t>
-            </a:r>
-          </a:p>
-        </p:txBody>
-      </p:sp>
-      <p:sp>
-        <p:nvSpPr>
-          <p:cNvPr id="55" name="TextBox 54">
-            <a:extLst>
-              <a:ext uri="{FF2B5EF4-FFF2-40B4-BE49-F238E27FC236}">
-                <a16:creationId xmlns:a16="http://schemas.microsoft.com/office/drawing/2014/main" id="{C1F7273A-E420-4C93-861B-53FE00235BFA}"/>
-              </a:ext>
-            </a:extLst>
-          </p:cNvPr>
-          <p:cNvSpPr txBox="1"/>
-          <p:nvPr/>
-        </p:nvSpPr>
-        <p:spPr>
-          <a:xfrm>
-            <a:off x="6127894" y="5249668"/>
-            <a:ext cx="2872351" cy="707886"/>
-          </a:xfrm>
-          <a:prstGeom prst="rect">
-            <a:avLst/>
-          </a:prstGeom>
-          <a:noFill/>
-        </p:spPr>
-        <p:txBody>
-          <a:bodyPr wrap="square" rtlCol="0">
-            <a:spAutoFit/>
-          </a:bodyPr>
-          <a:lstStyle/>
-          <a:p>
-            <a:pPr marL="171450" indent="-171450" algn="just">
-              <a:buFont typeface="Arial" panose="020B0604020202020204" pitchFamily="34" charset="0"/>
-              <a:buChar char="•"/>
-            </a:pPr>
-            <a:r>
-              <a:rPr lang="en-US" sz="800" dirty="0">
-                <a:latin typeface="Arial" panose="020B0604020202020204" pitchFamily="34" charset="0"/>
-                <a:cs typeface="Arial" panose="020B0604020202020204" pitchFamily="34" charset="0"/>
-              </a:rPr>
-              <a:t>Bullet point</a:t>
-            </a:r>
-          </a:p>
-          <a:p>
-            <a:pPr marL="171450" indent="-171450" algn="just">
-              <a:buFont typeface="Arial" panose="020B0604020202020204" pitchFamily="34" charset="0"/>
-              <a:buChar char="•"/>
-            </a:pPr>
-            <a:r>
-              <a:rPr lang="en-US" sz="800" dirty="0">
-                <a:latin typeface="Arial" panose="020B0604020202020204" pitchFamily="34" charset="0"/>
-                <a:cs typeface="Arial" panose="020B0604020202020204" pitchFamily="34" charset="0"/>
-              </a:rPr>
-              <a:t>Bullet </a:t>
-            </a:r>
-            <a:r>
-              <a:rPr lang="en-US" sz="800" dirty="0" err="1">
-                <a:latin typeface="Arial" panose="020B0604020202020204" pitchFamily="34" charset="0"/>
-                <a:cs typeface="Arial" panose="020B0604020202020204" pitchFamily="34" charset="0"/>
-              </a:rPr>
-              <a:t>poin</a:t>
-            </a:r>
-            <a:endParaRPr lang="en-US" sz="800" dirty="0">
-              <a:latin typeface="Arial" panose="020B0604020202020204" pitchFamily="34" charset="0"/>
-              <a:cs typeface="Arial" panose="020B0604020202020204" pitchFamily="34" charset="0"/>
-            </a:endParaRPr>
-          </a:p>
-          <a:p>
-            <a:pPr marL="171450" indent="-171450" algn="just">
-              <a:buFont typeface="Arial" panose="020B0604020202020204" pitchFamily="34" charset="0"/>
-              <a:buChar char="•"/>
-            </a:pPr>
-            <a:r>
-              <a:rPr lang="en-US" sz="800" dirty="0">
-                <a:latin typeface="Arial" panose="020B0604020202020204" pitchFamily="34" charset="0"/>
-                <a:cs typeface="Arial" panose="020B0604020202020204" pitchFamily="34" charset="0"/>
-              </a:rPr>
-              <a:t>Bullet </a:t>
-            </a:r>
-            <a:r>
-              <a:rPr lang="en-US" sz="800" dirty="0" err="1">
-                <a:latin typeface="Arial" panose="020B0604020202020204" pitchFamily="34" charset="0"/>
-                <a:cs typeface="Arial" panose="020B0604020202020204" pitchFamily="34" charset="0"/>
-              </a:rPr>
-              <a:t>poin</a:t>
-            </a:r>
-            <a:endParaRPr lang="en-US" sz="800" dirty="0">
-              <a:latin typeface="Arial" panose="020B0604020202020204" pitchFamily="34" charset="0"/>
-              <a:cs typeface="Arial" panose="020B0604020202020204" pitchFamily="34" charset="0"/>
-            </a:endParaRPr>
-          </a:p>
-          <a:p>
-            <a:pPr marL="171450" indent="-171450" algn="just">
-              <a:buFont typeface="Arial" panose="020B0604020202020204" pitchFamily="34" charset="0"/>
-              <a:buChar char="•"/>
-            </a:pPr>
-            <a:r>
-              <a:rPr lang="en-US" sz="800" dirty="0">
-                <a:latin typeface="Arial" panose="020B0604020202020204" pitchFamily="34" charset="0"/>
-                <a:cs typeface="Arial" panose="020B0604020202020204" pitchFamily="34" charset="0"/>
-              </a:rPr>
-              <a:t>Bullet point</a:t>
-            </a:r>
-          </a:p>
-          <a:p>
-            <a:pPr algn="just"/>
-            <a:endParaRPr lang="en-US" sz="800" dirty="0">
-              <a:latin typeface="Arial" panose="020B0604020202020204" pitchFamily="34" charset="0"/>
-              <a:cs typeface="Arial" panose="020B0604020202020204" pitchFamily="34" charset="0"/>
-            </a:endParaRPr>
-          </a:p>
-        </p:txBody>
-      </p:sp>
+        </p:nvGrpSpPr>
+        <p:grpSpPr>
+          <a:xfrm>
+            <a:off x="3195103" y="5142431"/>
+            <a:ext cx="2755468" cy="1620405"/>
+            <a:chOff x="3199244" y="5145753"/>
+            <a:chExt cx="2755468" cy="1620405"/>
+          </a:xfrm>
+        </p:grpSpPr>
+        <p:pic>
+          <p:nvPicPr>
+            <p:cNvPr id="100" name="Picture 99">
+              <a:extLst>
+                <a:ext uri="{FF2B5EF4-FFF2-40B4-BE49-F238E27FC236}">
+                  <a16:creationId xmlns:a16="http://schemas.microsoft.com/office/drawing/2014/main" id="{F1378693-D6BC-43FD-ACFB-49EA2E4BEF2B}"/>
+                </a:ext>
+              </a:extLst>
+            </p:cNvPr>
+            <p:cNvPicPr>
+              <a:picLocks noChangeAspect="1"/>
+            </p:cNvPicPr>
+            <p:nvPr/>
+          </p:nvPicPr>
+          <p:blipFill>
+            <a:blip r:embed="rId13"/>
+            <a:stretch>
+              <a:fillRect/>
+            </a:stretch>
+          </p:blipFill>
+          <p:spPr>
+            <a:xfrm>
+              <a:off x="3265128" y="5145753"/>
+              <a:ext cx="2623700" cy="1362456"/>
+            </a:xfrm>
+            <a:prstGeom prst="rect">
+              <a:avLst/>
+            </a:prstGeom>
+          </p:spPr>
+        </p:pic>
+        <p:sp>
+          <p:nvSpPr>
+            <p:cNvPr id="101" name="TextBox 100">
+              <a:extLst>
+                <a:ext uri="{FF2B5EF4-FFF2-40B4-BE49-F238E27FC236}">
+                  <a16:creationId xmlns:a16="http://schemas.microsoft.com/office/drawing/2014/main" id="{E6C637B1-5391-4624-91E0-07CCB1513A1F}"/>
+                </a:ext>
+              </a:extLst>
+            </p:cNvPr>
+            <p:cNvSpPr txBox="1"/>
+            <p:nvPr/>
+          </p:nvSpPr>
+          <p:spPr>
+            <a:xfrm>
+              <a:off x="3199244" y="6489159"/>
+              <a:ext cx="2755468" cy="276999"/>
+            </a:xfrm>
+            <a:prstGeom prst="rect">
+              <a:avLst/>
+            </a:prstGeom>
+            <a:noFill/>
+          </p:spPr>
+          <p:txBody>
+            <a:bodyPr wrap="square" rtlCol="0">
+              <a:spAutoFit/>
+            </a:bodyPr>
+            <a:lstStyle/>
+            <a:p>
+              <a:pPr algn="ctr"/>
+              <a:r>
+                <a:rPr lang="en-US" sz="600" i="1" dirty="0">
+                  <a:latin typeface="Arial" panose="020B0604020202020204" pitchFamily="34" charset="0"/>
+                  <a:cs typeface="Arial" panose="020B0604020202020204" pitchFamily="34" charset="0"/>
+                </a:rPr>
+                <a:t>“Agreement matrix” between candidates: shows the probability that a follower of (row) also follows (column). Red cells indicate higher overlap.</a:t>
+              </a:r>
+            </a:p>
+          </p:txBody>
+        </p:sp>
+      </p:grpSp>
     </p:spTree>
     <p:extLst>
       <p:ext uri="{BB962C8B-B14F-4D97-AF65-F5344CB8AC3E}">

--- a/Poster.pptx
+++ b/Poster.pptx
@@ -1,6 +1,6 @@
 
 <file path=ppt/presentation.xml><?xml version="1.0" encoding="utf-8"?>
-<p:presentation xmlns:a="http://schemas.openxmlformats.org/drawingml/2006/main" xmlns:r="http://schemas.openxmlformats.org/officeDocument/2006/relationships" xmlns:p="http://schemas.openxmlformats.org/presentationml/2006/main" saveSubsetFonts="1">
+<p:presentation xmlns:a="http://schemas.openxmlformats.org/drawingml/2006/main" xmlns:r="http://schemas.openxmlformats.org/officeDocument/2006/relationships" xmlns:p="http://schemas.openxmlformats.org/presentationml/2006/main" saveSubsetFonts="1" autoCompressPictures="0">
   <p:sldMasterIdLst>
     <p:sldMasterId id="2147483660" r:id="rId1"/>
   </p:sldMasterIdLst>
@@ -254,7 +254,7 @@
           <a:p>
             <a:fld id="{992A96E0-A245-45E0-AD2E-7A5DF0325A51}" type="datetimeFigureOut">
               <a:rPr lang="en-US" smtClean="0"/>
-              <a:t>5/9/2020</a:t>
+              <a:t>5/9/20</a:t>
             </a:fld>
             <a:endParaRPr lang="en-US"/>
           </a:p>
@@ -424,7 +424,7 @@
           <a:p>
             <a:fld id="{992A96E0-A245-45E0-AD2E-7A5DF0325A51}" type="datetimeFigureOut">
               <a:rPr lang="en-US" smtClean="0"/>
-              <a:t>5/9/2020</a:t>
+              <a:t>5/9/20</a:t>
             </a:fld>
             <a:endParaRPr lang="en-US"/>
           </a:p>
@@ -604,7 +604,7 @@
           <a:p>
             <a:fld id="{992A96E0-A245-45E0-AD2E-7A5DF0325A51}" type="datetimeFigureOut">
               <a:rPr lang="en-US" smtClean="0"/>
-              <a:t>5/9/2020</a:t>
+              <a:t>5/9/20</a:t>
             </a:fld>
             <a:endParaRPr lang="en-US"/>
           </a:p>
@@ -774,7 +774,7 @@
           <a:p>
             <a:fld id="{992A96E0-A245-45E0-AD2E-7A5DF0325A51}" type="datetimeFigureOut">
               <a:rPr lang="en-US" smtClean="0"/>
-              <a:t>5/9/2020</a:t>
+              <a:t>5/9/20</a:t>
             </a:fld>
             <a:endParaRPr lang="en-US"/>
           </a:p>
@@ -1018,7 +1018,7 @@
           <a:p>
             <a:fld id="{992A96E0-A245-45E0-AD2E-7A5DF0325A51}" type="datetimeFigureOut">
               <a:rPr lang="en-US" smtClean="0"/>
-              <a:t>5/9/2020</a:t>
+              <a:t>5/9/20</a:t>
             </a:fld>
             <a:endParaRPr lang="en-US"/>
           </a:p>
@@ -1250,7 +1250,7 @@
           <a:p>
             <a:fld id="{992A96E0-A245-45E0-AD2E-7A5DF0325A51}" type="datetimeFigureOut">
               <a:rPr lang="en-US" smtClean="0"/>
-              <a:t>5/9/2020</a:t>
+              <a:t>5/9/20</a:t>
             </a:fld>
             <a:endParaRPr lang="en-US"/>
           </a:p>
@@ -1617,7 +1617,7 @@
           <a:p>
             <a:fld id="{992A96E0-A245-45E0-AD2E-7A5DF0325A51}" type="datetimeFigureOut">
               <a:rPr lang="en-US" smtClean="0"/>
-              <a:t>5/9/2020</a:t>
+              <a:t>5/9/20</a:t>
             </a:fld>
             <a:endParaRPr lang="en-US"/>
           </a:p>
@@ -1735,7 +1735,7 @@
           <a:p>
             <a:fld id="{992A96E0-A245-45E0-AD2E-7A5DF0325A51}" type="datetimeFigureOut">
               <a:rPr lang="en-US" smtClean="0"/>
-              <a:t>5/9/2020</a:t>
+              <a:t>5/9/20</a:t>
             </a:fld>
             <a:endParaRPr lang="en-US"/>
           </a:p>
@@ -1830,7 +1830,7 @@
           <a:p>
             <a:fld id="{992A96E0-A245-45E0-AD2E-7A5DF0325A51}" type="datetimeFigureOut">
               <a:rPr lang="en-US" smtClean="0"/>
-              <a:t>5/9/2020</a:t>
+              <a:t>5/9/20</a:t>
             </a:fld>
             <a:endParaRPr lang="en-US"/>
           </a:p>
@@ -2107,7 +2107,7 @@
           <a:p>
             <a:fld id="{992A96E0-A245-45E0-AD2E-7A5DF0325A51}" type="datetimeFigureOut">
               <a:rPr lang="en-US" smtClean="0"/>
-              <a:t>5/9/2020</a:t>
+              <a:t>5/9/20</a:t>
             </a:fld>
             <a:endParaRPr lang="en-US"/>
           </a:p>
@@ -2364,7 +2364,7 @@
           <a:p>
             <a:fld id="{992A96E0-A245-45E0-AD2E-7A5DF0325A51}" type="datetimeFigureOut">
               <a:rPr lang="en-US" smtClean="0"/>
-              <a:t>5/9/2020</a:t>
+              <a:t>5/9/20</a:t>
             </a:fld>
             <a:endParaRPr lang="en-US"/>
           </a:p>
@@ -2577,7 +2577,7 @@
           <a:p>
             <a:fld id="{992A96E0-A245-45E0-AD2E-7A5DF0325A51}" type="datetimeFigureOut">
               <a:rPr lang="en-US" smtClean="0"/>
-              <a:t>5/9/2020</a:t>
+              <a:t>5/9/20</a:t>
             </a:fld>
             <a:endParaRPr lang="en-US"/>
           </a:p>
@@ -3494,8 +3494,8 @@
         </p:nvSpPr>
         <p:spPr>
           <a:xfrm>
-            <a:off x="870837" y="903883"/>
-            <a:ext cx="1371600" cy="190500"/>
+            <a:off x="1080926" y="903282"/>
+            <a:ext cx="914400" cy="190500"/>
           </a:xfrm>
           <a:prstGeom prst="roundRect">
             <a:avLst/>
@@ -3541,7 +3541,7 @@
                 <a:latin typeface="Arial" panose="020B0604020202020204" pitchFamily="34" charset="0"/>
                 <a:cs typeface="Arial" panose="020B0604020202020204" pitchFamily="34" charset="0"/>
               </a:rPr>
-              <a:t>Problem and Approach</a:t>
+              <a:t>Abstract</a:t>
             </a:r>
           </a:p>
         </p:txBody>
@@ -3685,24 +3685,34 @@
                 <a:latin typeface="Arial" panose="020B0604020202020204" pitchFamily="34" charset="0"/>
                 <a:cs typeface="Arial" panose="020B0604020202020204" pitchFamily="34" charset="0"/>
               </a:rPr>
-              <a:t>Social media has created a place for political influencers to interact with their society. It drastically lowered the barrier for individuals to express their political opinions and past researchers proved capable of using individuals’ online activity to estimate political ideologies. These tactics were used in conjunction with sentiment analysis to assign levels of vitriol to the followers of various presidential candidates. </a:t>
+              <a:t>Are supporters of Bernie Sanders more vitriolic online than supporters of other presidential candidates? We believe this may be the case for two reasons:</a:t>
             </a:r>
           </a:p>
           <a:p>
             <a:pPr algn="just"/>
-            <a:endParaRPr lang="en-US" sz="400" dirty="0">
+            <a:endParaRPr lang="en-US" sz="800" dirty="0">
               <a:latin typeface="Arial" panose="020B0604020202020204" pitchFamily="34" charset="0"/>
               <a:cs typeface="Arial" panose="020B0604020202020204" pitchFamily="34" charset="0"/>
             </a:endParaRPr>
           </a:p>
           <a:p>
-            <a:pPr algn="just"/>
+            <a:pPr marL="171450" indent="-171450" algn="just">
+              <a:buFont typeface="Arial" panose="020B0604020202020204" pitchFamily="34" charset="0"/>
+              <a:buChar char="•"/>
+            </a:pPr>
+            <a:r>
+              <a:rPr lang="en-US" sz="800" b="1" dirty="0">
+                <a:latin typeface="Arial" panose="020B0604020202020204" pitchFamily="34" charset="0"/>
+                <a:cs typeface="Arial" panose="020B0604020202020204" pitchFamily="34" charset="0"/>
+              </a:rPr>
+              <a:t>Cognitive dissonance: </a:t>
+            </a:r>
             <a:r>
               <a:rPr lang="en-US" sz="800" dirty="0">
                 <a:latin typeface="Arial" panose="020B0604020202020204" pitchFamily="34" charset="0"/>
                 <a:cs typeface="Arial" panose="020B0604020202020204" pitchFamily="34" charset="0"/>
               </a:rPr>
-              <a:t>Specifically, the vitriol of Bernie Sanders individuals was expected to be higher than normal due to two factors:</a:t>
+              <a:t>Individuals who voted for Sanders in 2016 may feel the need to validate their past “investment” in voting</a:t>
             </a:r>
           </a:p>
           <a:p>
@@ -3711,41 +3721,35 @@
               <a:buChar char="•"/>
             </a:pPr>
             <a:r>
+              <a:rPr lang="en-US" sz="800" b="1" dirty="0">
+                <a:latin typeface="Arial" panose="020B0604020202020204" pitchFamily="34" charset="0"/>
+                <a:cs typeface="Arial" panose="020B0604020202020204" pitchFamily="34" charset="0"/>
+              </a:rPr>
+              <a:t>Far-from-center ideology: </a:t>
+            </a:r>
+            <a:r>
               <a:rPr lang="en-US" sz="800" dirty="0">
                 <a:latin typeface="Arial" panose="020B0604020202020204" pitchFamily="34" charset="0"/>
                 <a:cs typeface="Arial" panose="020B0604020202020204" pitchFamily="34" charset="0"/>
               </a:rPr>
-              <a:t>Cognitive dissonance </a:t>
-            </a:r>
-          </a:p>
-          <a:p>
-            <a:pPr marL="171450" indent="-171450" algn="just">
-              <a:buFont typeface="Arial" panose="020B0604020202020204" pitchFamily="34" charset="0"/>
-              <a:buChar char="•"/>
-            </a:pPr>
+              <a:t>Sanders is on the left extreme of the ideological spectrum</a:t>
+            </a:r>
+          </a:p>
+          <a:p>
+            <a:pPr algn="just"/>
+            <a:endParaRPr lang="en-US" sz="800" dirty="0">
+              <a:latin typeface="Arial" panose="020B0604020202020204" pitchFamily="34" charset="0"/>
+              <a:cs typeface="Arial" panose="020B0604020202020204" pitchFamily="34" charset="0"/>
+            </a:endParaRPr>
+          </a:p>
+          <a:p>
+            <a:pPr algn="just"/>
             <a:r>
               <a:rPr lang="en-US" sz="800" dirty="0">
                 <a:latin typeface="Arial" panose="020B0604020202020204" pitchFamily="34" charset="0"/>
                 <a:cs typeface="Arial" panose="020B0604020202020204" pitchFamily="34" charset="0"/>
               </a:rPr>
-              <a:t>Far-from-center ideologies</a:t>
-            </a:r>
-          </a:p>
-          <a:p>
-            <a:pPr algn="just"/>
-            <a:endParaRPr lang="en-US" sz="400" dirty="0">
-              <a:latin typeface="Arial" panose="020B0604020202020204" pitchFamily="34" charset="0"/>
-              <a:cs typeface="Arial" panose="020B0604020202020204" pitchFamily="34" charset="0"/>
-            </a:endParaRPr>
-          </a:p>
-          <a:p>
-            <a:pPr algn="just"/>
-            <a:r>
-              <a:rPr lang="en-US" sz="800" dirty="0">
-                <a:latin typeface="Arial" panose="020B0604020202020204" pitchFamily="34" charset="0"/>
-                <a:cs typeface="Arial" panose="020B0604020202020204" pitchFamily="34" charset="0"/>
-              </a:rPr>
-              <a:t>Tweets were scrapped from twitter from supporters of various candidates to test this hypothesis.</a:t>
+              <a:t>Previous work has shown that social media can be reliable in determining political affiliation. We seek to determine individuals' political ideologies using Twitter posts and to quantify their vitriol using sentiment analysis.</a:t>
             </a:r>
           </a:p>
         </p:txBody>
@@ -3907,7 +3911,7 @@
                 <a:latin typeface="Arial" panose="020B0604020202020204" pitchFamily="34" charset="0"/>
                 <a:cs typeface="Arial" panose="020B0604020202020204" pitchFamily="34" charset="0"/>
               </a:rPr>
-              <a:t>Over 5000 usernames of followers per candidate  </a:t>
+              <a:t>Over 5,000 usernames of followers per candidate  </a:t>
             </a:r>
           </a:p>
           <a:p>
@@ -3920,7 +3924,7 @@
                 <a:latin typeface="Arial" panose="020B0604020202020204" pitchFamily="34" charset="0"/>
                 <a:cs typeface="Arial" panose="020B0604020202020204" pitchFamily="34" charset="0"/>
               </a:rPr>
-              <a:t>Over 165000 total tweets from those followers</a:t>
+              <a:t>Over 165,000 total tweets from those followers</a:t>
             </a:r>
           </a:p>
           <a:p>
@@ -3933,7 +3937,7 @@
                 <a:latin typeface="Arial" panose="020B0604020202020204" pitchFamily="34" charset="0"/>
                 <a:cs typeface="Arial" panose="020B0604020202020204" pitchFamily="34" charset="0"/>
               </a:rPr>
-              <a:t>5000 usernames of who these followers followed</a:t>
+              <a:t>5,000 usernames of who these followers followed</a:t>
             </a:r>
           </a:p>
           <a:p>
@@ -4183,8 +4187,8 @@
           </a:p>
           <a:p>
             <a:pPr marL="171450" indent="-171450">
-              <a:buFontTx/>
-              <a:buChar char="-"/>
+              <a:buFont typeface="Arial" panose="020B0604020202020204" pitchFamily="34" charset="0"/>
+              <a:buChar char="•"/>
             </a:pPr>
             <a:r>
               <a:rPr lang="en-US" dirty="0"/>
@@ -4193,8 +4197,8 @@
           </a:p>
           <a:p>
             <a:pPr marL="171450" indent="-171450">
-              <a:buFontTx/>
-              <a:buChar char="-"/>
+              <a:buFont typeface="Arial" panose="020B0604020202020204" pitchFamily="34" charset="0"/>
+              <a:buChar char="•"/>
             </a:pPr>
             <a:r>
               <a:rPr lang="en-US" dirty="0"/>
@@ -4203,8 +4207,8 @@
           </a:p>
           <a:p>
             <a:pPr marL="171450" indent="-171450">
-              <a:buFontTx/>
-              <a:buChar char="-"/>
+              <a:buFont typeface="Arial" panose="020B0604020202020204" pitchFamily="34" charset="0"/>
+              <a:buChar char="•"/>
             </a:pPr>
             <a:r>
               <a:rPr lang="en-US" b="1" dirty="0"/>
@@ -4234,8 +4238,8 @@
           </a:p>
           <a:p>
             <a:pPr marL="171450" indent="-171450">
-              <a:buFontTx/>
-              <a:buChar char="-"/>
+              <a:buFont typeface="Arial" panose="020B0604020202020204" pitchFamily="34" charset="0"/>
+              <a:buChar char="•"/>
             </a:pPr>
             <a:r>
               <a:rPr lang="en-US" b="1" dirty="0" err="1"/>
@@ -4243,7 +4247,7 @@
             </a:r>
             <a:r>
               <a:rPr lang="en-US" dirty="0"/>
-              <a:t>: ”Vanilla” Model, IMBD Data</a:t>
+              <a:t>: ”Vanilla” Model, IMDB Data</a:t>
             </a:r>
           </a:p>
         </p:txBody>
@@ -4323,8 +4327,8 @@
           </a:p>
           <a:p>
             <a:pPr marL="171450" indent="-171450">
-              <a:buFontTx/>
-              <a:buChar char="-"/>
+              <a:buFont typeface="Arial" panose="020B0604020202020204" pitchFamily="34" charset="0"/>
+              <a:buChar char="•"/>
             </a:pPr>
             <a:r>
               <a:rPr lang="en-US" dirty="0"/>
@@ -4333,8 +4337,8 @@
           </a:p>
           <a:p>
             <a:pPr marL="171450" indent="-171450">
-              <a:buFontTx/>
-              <a:buChar char="-"/>
+              <a:buFont typeface="Arial" panose="020B0604020202020204" pitchFamily="34" charset="0"/>
+              <a:buChar char="•"/>
             </a:pPr>
             <a:r>
               <a:rPr lang="en-US" dirty="0"/>
@@ -4343,8 +4347,8 @@
           </a:p>
           <a:p>
             <a:pPr marL="171450" indent="-171450">
-              <a:buFontTx/>
-              <a:buChar char="-"/>
+              <a:buFont typeface="Arial" panose="020B0604020202020204" pitchFamily="34" charset="0"/>
+              <a:buChar char="•"/>
             </a:pPr>
             <a:r>
               <a:rPr lang="en-US" dirty="0"/>
@@ -4357,8 +4361,8 @@
           </a:p>
           <a:p>
             <a:pPr marL="628650" lvl="1" indent="-171450">
-              <a:buFontTx/>
-              <a:buChar char="-"/>
+              <a:buFont typeface="Arial" panose="020B0604020202020204" pitchFamily="34" charset="0"/>
+              <a:buChar char="•"/>
             </a:pPr>
             <a:r>
               <a:rPr lang="en-US" sz="800" dirty="0">
@@ -4370,8 +4374,8 @@
           </a:p>
           <a:p>
             <a:pPr marL="628650" lvl="1" indent="-171450">
-              <a:buFontTx/>
-              <a:buChar char="-"/>
+              <a:buFont typeface="Arial" panose="020B0604020202020204" pitchFamily="34" charset="0"/>
+              <a:buChar char="•"/>
             </a:pPr>
             <a:r>
               <a:rPr lang="en-US" sz="800" dirty="0">
@@ -4383,8 +4387,8 @@
           </a:p>
           <a:p>
             <a:pPr marL="171450" indent="-171450">
-              <a:buFontTx/>
-              <a:buChar char="-"/>
+              <a:buFont typeface="Arial" panose="020B0604020202020204" pitchFamily="34" charset="0"/>
+              <a:buChar char="•"/>
             </a:pPr>
             <a:r>
               <a:rPr lang="en-US" dirty="0"/>
@@ -4393,8 +4397,8 @@
           </a:p>
           <a:p>
             <a:pPr marL="628650" lvl="1" indent="-171450">
-              <a:buFontTx/>
-              <a:buChar char="-"/>
+              <a:buFont typeface="Arial" panose="020B0604020202020204" pitchFamily="34" charset="0"/>
+              <a:buChar char="•"/>
             </a:pPr>
             <a:r>
               <a:rPr lang="en-US" sz="800" dirty="0">
@@ -4795,42 +4799,6 @@
           </a:extLst>
         </p:spPr>
       </p:pic>
-      <p:pic>
-        <p:nvPicPr>
-          <p:cNvPr id="83" name="Picture 82">
-            <a:extLst>
-              <a:ext uri="{FF2B5EF4-FFF2-40B4-BE49-F238E27FC236}">
-                <a16:creationId xmlns:a16="http://schemas.microsoft.com/office/drawing/2014/main" id="{957F60B6-70BF-4896-9022-6C08047A4F75}"/>
-              </a:ext>
-            </a:extLst>
-          </p:cNvPr>
-          <p:cNvPicPr>
-            <a:picLocks noChangeAspect="1"/>
-          </p:cNvPicPr>
-          <p:nvPr/>
-        </p:nvPicPr>
-        <p:blipFill>
-          <a:blip r:embed="rId10">
-            <a:extLst>
-              <a:ext uri="{28A0092B-C50C-407E-A947-70E740481C1C}">
-                <a14:useLocalDpi xmlns:a14="http://schemas.microsoft.com/office/drawing/2010/main" val="0"/>
-              </a:ext>
-            </a:extLst>
-          </a:blip>
-          <a:stretch>
-            <a:fillRect/>
-          </a:stretch>
-        </p:blipFill>
-        <p:spPr>
-          <a:xfrm>
-            <a:off x="6192469" y="1534860"/>
-            <a:ext cx="2743200" cy="1828800"/>
-          </a:xfrm>
-          <a:prstGeom prst="rect">
-            <a:avLst/>
-          </a:prstGeom>
-        </p:spPr>
-      </p:pic>
       <p:sp>
         <p:nvSpPr>
           <p:cNvPr id="85" name="TextBox 84">
@@ -5119,7 +5087,7 @@
         </p:nvGrpSpPr>
         <p:grpSpPr>
           <a:xfrm>
-            <a:off x="3139971" y="927937"/>
+            <a:off x="3124486" y="924610"/>
             <a:ext cx="2872352" cy="1653320"/>
             <a:chOff x="3121043" y="2041929"/>
             <a:chExt cx="2872352" cy="1653320"/>
@@ -5265,7 +5233,7 @@
             <p:nvPr/>
           </p:nvPicPr>
           <p:blipFill>
-            <a:blip r:embed="rId11"/>
+            <a:blip r:embed="rId10"/>
             <a:stretch>
               <a:fillRect/>
             </a:stretch>
@@ -5375,7 +5343,7 @@
             <p:nvPr/>
           </p:nvPicPr>
           <p:blipFill>
-            <a:blip r:embed="rId12"/>
+            <a:blip r:embed="rId11"/>
             <a:stretch>
               <a:fillRect/>
             </a:stretch>
@@ -5465,7 +5433,7 @@
             <p:nvPr/>
           </p:nvPicPr>
           <p:blipFill>
-            <a:blip r:embed="rId13"/>
+            <a:blip r:embed="rId12"/>
             <a:stretch>
               <a:fillRect/>
             </a:stretch>
@@ -5520,6 +5488,48 @@
           </p:txBody>
         </p:sp>
       </p:grpSp>
+      <p:pic>
+        <p:nvPicPr>
+          <p:cNvPr id="5" name="Picture 4">
+            <a:extLst>
+              <a:ext uri="{FF2B5EF4-FFF2-40B4-BE49-F238E27FC236}">
+                <a16:creationId xmlns:a16="http://schemas.microsoft.com/office/drawing/2014/main" id="{42892B50-EBAC-6D44-9A12-375B63263C31}"/>
+              </a:ext>
+            </a:extLst>
+          </p:cNvPr>
+          <p:cNvPicPr>
+            <a:picLocks noChangeAspect="1"/>
+          </p:cNvPicPr>
+          <p:nvPr/>
+        </p:nvPicPr>
+        <p:blipFill>
+          <a:blip r:embed="rId13">
+            <a:extLst>
+              <a:ext uri="{BEBA8EAE-BF5A-486C-A8C5-ECC9F3942E4B}">
+                <a14:imgProps xmlns:a14="http://schemas.microsoft.com/office/drawing/2010/main">
+                  <a14:imgLayer r:embed="rId14">
+                    <a14:imgEffect>
+                      <a14:sharpenSoften amount="50000"/>
+                    </a14:imgEffect>
+                  </a14:imgLayer>
+                </a14:imgProps>
+              </a:ext>
+            </a:extLst>
+          </a:blip>
+          <a:stretch>
+            <a:fillRect/>
+          </a:stretch>
+        </p:blipFill>
+        <p:spPr>
+          <a:xfrm>
+            <a:off x="6168540" y="1519497"/>
+            <a:ext cx="2743200" cy="1828800"/>
+          </a:xfrm>
+          <a:prstGeom prst="rect">
+            <a:avLst/>
+          </a:prstGeom>
+        </p:spPr>
+      </p:pic>
     </p:spTree>
     <p:extLst>
       <p:ext uri="{BB962C8B-B14F-4D97-AF65-F5344CB8AC3E}">
